--- a/Hackathon.pptx
+++ b/Hackathon.pptx
@@ -930,6 +930,757 @@
 </dgm:colorsDef>
 </file>
 
+<file path=ppt/diagrams/colors2.xml><?xml version="1.0" encoding="utf-8"?>
+<dgm:colorsDef xmlns:dgm="http://schemas.openxmlformats.org/drawingml/2006/diagram" xmlns:a="http://schemas.openxmlformats.org/drawingml/2006/main" uniqueId="urn:microsoft.com/office/officeart/2005/8/colors/accent0_3">
+  <dgm:title val=""/>
+  <dgm:desc val=""/>
+  <dgm:catLst>
+    <dgm:cat type="mainScheme" pri="10300"/>
+  </dgm:catLst>
+  <dgm:styleLbl name="node0">
+    <dgm:fillClrLst meth="repeat">
+      <a:schemeClr val="dk2"/>
+    </dgm:fillClrLst>
+    <dgm:linClrLst meth="repeat">
+      <a:schemeClr val="lt2"/>
+    </dgm:linClrLst>
+    <dgm:effectClrLst/>
+    <dgm:txLinClrLst/>
+    <dgm:txFillClrLst/>
+    <dgm:txEffectClrLst/>
+  </dgm:styleLbl>
+  <dgm:styleLbl name="alignNode1">
+    <dgm:fillClrLst meth="repeat">
+      <a:schemeClr val="dk2"/>
+    </dgm:fillClrLst>
+    <dgm:linClrLst meth="repeat">
+      <a:schemeClr val="dk2"/>
+    </dgm:linClrLst>
+    <dgm:effectClrLst/>
+    <dgm:txLinClrLst/>
+    <dgm:txFillClrLst/>
+    <dgm:txEffectClrLst/>
+  </dgm:styleLbl>
+  <dgm:styleLbl name="node1">
+    <dgm:fillClrLst meth="repeat">
+      <a:schemeClr val="dk2"/>
+    </dgm:fillClrLst>
+    <dgm:linClrLst meth="repeat">
+      <a:schemeClr val="lt2"/>
+    </dgm:linClrLst>
+    <dgm:effectClrLst/>
+    <dgm:txLinClrLst/>
+    <dgm:txFillClrLst/>
+    <dgm:txEffectClrLst/>
+  </dgm:styleLbl>
+  <dgm:styleLbl name="lnNode1">
+    <dgm:fillClrLst meth="repeat">
+      <a:schemeClr val="dk2"/>
+    </dgm:fillClrLst>
+    <dgm:linClrLst meth="repeat">
+      <a:schemeClr val="lt2"/>
+    </dgm:linClrLst>
+    <dgm:effectClrLst/>
+    <dgm:txLinClrLst/>
+    <dgm:txFillClrLst/>
+    <dgm:txEffectClrLst/>
+  </dgm:styleLbl>
+  <dgm:styleLbl name="vennNode1">
+    <dgm:fillClrLst meth="repeat">
+      <a:schemeClr val="dk2">
+        <a:alpha val="50000"/>
+      </a:schemeClr>
+    </dgm:fillClrLst>
+    <dgm:linClrLst meth="repeat">
+      <a:schemeClr val="lt2"/>
+    </dgm:linClrLst>
+    <dgm:effectClrLst/>
+    <dgm:txLinClrLst/>
+    <dgm:txFillClrLst/>
+    <dgm:txEffectClrLst/>
+  </dgm:styleLbl>
+  <dgm:styleLbl name="node2">
+    <dgm:fillClrLst meth="repeat">
+      <a:schemeClr val="dk2"/>
+    </dgm:fillClrLst>
+    <dgm:linClrLst meth="repeat">
+      <a:schemeClr val="lt2"/>
+    </dgm:linClrLst>
+    <dgm:effectClrLst/>
+    <dgm:txLinClrLst/>
+    <dgm:txFillClrLst/>
+    <dgm:txEffectClrLst/>
+  </dgm:styleLbl>
+  <dgm:styleLbl name="node3">
+    <dgm:fillClrLst meth="repeat">
+      <a:schemeClr val="dk2"/>
+    </dgm:fillClrLst>
+    <dgm:linClrLst meth="repeat">
+      <a:schemeClr val="lt2"/>
+    </dgm:linClrLst>
+    <dgm:effectClrLst/>
+    <dgm:txLinClrLst/>
+    <dgm:txFillClrLst/>
+    <dgm:txEffectClrLst/>
+  </dgm:styleLbl>
+  <dgm:styleLbl name="node4">
+    <dgm:fillClrLst meth="repeat">
+      <a:schemeClr val="dk2"/>
+    </dgm:fillClrLst>
+    <dgm:linClrLst meth="repeat">
+      <a:schemeClr val="lt2"/>
+    </dgm:linClrLst>
+    <dgm:effectClrLst/>
+    <dgm:txLinClrLst/>
+    <dgm:txFillClrLst/>
+    <dgm:txEffectClrLst/>
+  </dgm:styleLbl>
+  <dgm:styleLbl name="fgImgPlace1">
+    <dgm:fillClrLst meth="repeat">
+      <a:schemeClr val="dk2">
+        <a:tint val="50000"/>
+      </a:schemeClr>
+    </dgm:fillClrLst>
+    <dgm:linClrLst meth="repeat">
+      <a:schemeClr val="lt2"/>
+    </dgm:linClrLst>
+    <dgm:effectClrLst/>
+    <dgm:txLinClrLst/>
+    <dgm:txFillClrLst meth="repeat">
+      <a:schemeClr val="lt2"/>
+    </dgm:txFillClrLst>
+    <dgm:txEffectClrLst/>
+  </dgm:styleLbl>
+  <dgm:styleLbl name="alignImgPlace1">
+    <dgm:fillClrLst meth="repeat">
+      <a:schemeClr val="dk2">
+        <a:tint val="50000"/>
+      </a:schemeClr>
+    </dgm:fillClrLst>
+    <dgm:linClrLst meth="repeat">
+      <a:schemeClr val="dk2">
+        <a:shade val="80000"/>
+      </a:schemeClr>
+    </dgm:linClrLst>
+    <dgm:effectClrLst/>
+    <dgm:txLinClrLst/>
+    <dgm:txFillClrLst meth="repeat">
+      <a:schemeClr val="lt2"/>
+    </dgm:txFillClrLst>
+    <dgm:txEffectClrLst/>
+  </dgm:styleLbl>
+  <dgm:styleLbl name="bgImgPlace1">
+    <dgm:fillClrLst meth="repeat">
+      <a:schemeClr val="dk2">
+        <a:tint val="50000"/>
+      </a:schemeClr>
+    </dgm:fillClrLst>
+    <dgm:linClrLst meth="repeat">
+      <a:schemeClr val="dk2">
+        <a:shade val="80000"/>
+      </a:schemeClr>
+    </dgm:linClrLst>
+    <dgm:effectClrLst/>
+    <dgm:txLinClrLst/>
+    <dgm:txFillClrLst meth="repeat">
+      <a:schemeClr val="lt2"/>
+    </dgm:txFillClrLst>
+    <dgm:txEffectClrLst/>
+  </dgm:styleLbl>
+  <dgm:styleLbl name="sibTrans2D1">
+    <dgm:fillClrLst meth="repeat">
+      <a:schemeClr val="dk2">
+        <a:tint val="60000"/>
+      </a:schemeClr>
+    </dgm:fillClrLst>
+    <dgm:linClrLst meth="repeat">
+      <a:schemeClr val="dk2">
+        <a:tint val="60000"/>
+      </a:schemeClr>
+    </dgm:linClrLst>
+    <dgm:effectClrLst/>
+    <dgm:txLinClrLst/>
+    <dgm:txFillClrLst/>
+    <dgm:txEffectClrLst/>
+  </dgm:styleLbl>
+  <dgm:styleLbl name="fgSibTrans2D1">
+    <dgm:fillClrLst meth="repeat">
+      <a:schemeClr val="dk2">
+        <a:tint val="60000"/>
+      </a:schemeClr>
+    </dgm:fillClrLst>
+    <dgm:linClrLst meth="repeat">
+      <a:schemeClr val="dk2">
+        <a:tint val="60000"/>
+      </a:schemeClr>
+    </dgm:linClrLst>
+    <dgm:effectClrLst/>
+    <dgm:txLinClrLst/>
+    <dgm:txFillClrLst/>
+    <dgm:txEffectClrLst/>
+  </dgm:styleLbl>
+  <dgm:styleLbl name="bgSibTrans2D1">
+    <dgm:fillClrLst meth="repeat">
+      <a:schemeClr val="dk2">
+        <a:tint val="60000"/>
+      </a:schemeClr>
+    </dgm:fillClrLst>
+    <dgm:linClrLst meth="repeat">
+      <a:schemeClr val="dk2">
+        <a:tint val="60000"/>
+      </a:schemeClr>
+    </dgm:linClrLst>
+    <dgm:effectClrLst/>
+    <dgm:txLinClrLst/>
+    <dgm:txFillClrLst/>
+    <dgm:txEffectClrLst/>
+  </dgm:styleLbl>
+  <dgm:styleLbl name="sibTrans1D1">
+    <dgm:fillClrLst meth="repeat">
+      <a:schemeClr val="dk2"/>
+    </dgm:fillClrLst>
+    <dgm:linClrLst meth="repeat">
+      <a:schemeClr val="dk2"/>
+    </dgm:linClrLst>
+    <dgm:effectClrLst/>
+    <dgm:txLinClrLst/>
+    <dgm:txFillClrLst meth="repeat">
+      <a:schemeClr val="lt2"/>
+    </dgm:txFillClrLst>
+    <dgm:txEffectClrLst/>
+  </dgm:styleLbl>
+  <dgm:styleLbl name="callout">
+    <dgm:fillClrLst meth="repeat">
+      <a:schemeClr val="dk2"/>
+    </dgm:fillClrLst>
+    <dgm:linClrLst meth="repeat">
+      <a:schemeClr val="dk2">
+        <a:tint val="50000"/>
+      </a:schemeClr>
+    </dgm:linClrLst>
+    <dgm:effectClrLst/>
+    <dgm:txLinClrLst/>
+    <dgm:txFillClrLst meth="repeat">
+      <a:schemeClr val="lt2"/>
+    </dgm:txFillClrLst>
+    <dgm:txEffectClrLst/>
+  </dgm:styleLbl>
+  <dgm:styleLbl name="asst0">
+    <dgm:fillClrLst meth="repeat">
+      <a:schemeClr val="dk2"/>
+    </dgm:fillClrLst>
+    <dgm:linClrLst meth="repeat">
+      <a:schemeClr val="lt2"/>
+    </dgm:linClrLst>
+    <dgm:effectClrLst/>
+    <dgm:txLinClrLst/>
+    <dgm:txFillClrLst/>
+    <dgm:txEffectClrLst/>
+  </dgm:styleLbl>
+  <dgm:styleLbl name="asst1">
+    <dgm:fillClrLst meth="repeat">
+      <a:schemeClr val="dk2"/>
+    </dgm:fillClrLst>
+    <dgm:linClrLst meth="repeat">
+      <a:schemeClr val="lt2"/>
+    </dgm:linClrLst>
+    <dgm:effectClrLst/>
+    <dgm:txLinClrLst/>
+    <dgm:txFillClrLst/>
+    <dgm:txEffectClrLst/>
+  </dgm:styleLbl>
+  <dgm:styleLbl name="asst2">
+    <dgm:fillClrLst meth="repeat">
+      <a:schemeClr val="dk2"/>
+    </dgm:fillClrLst>
+    <dgm:linClrLst meth="repeat">
+      <a:schemeClr val="lt2"/>
+    </dgm:linClrLst>
+    <dgm:effectClrLst/>
+    <dgm:txLinClrLst/>
+    <dgm:txFillClrLst/>
+    <dgm:txEffectClrLst/>
+  </dgm:styleLbl>
+  <dgm:styleLbl name="asst3">
+    <dgm:fillClrLst meth="repeat">
+      <a:schemeClr val="dk2"/>
+    </dgm:fillClrLst>
+    <dgm:linClrLst meth="repeat">
+      <a:schemeClr val="lt2"/>
+    </dgm:linClrLst>
+    <dgm:effectClrLst/>
+    <dgm:txLinClrLst/>
+    <dgm:txFillClrLst/>
+    <dgm:txEffectClrLst/>
+  </dgm:styleLbl>
+  <dgm:styleLbl name="asst4">
+    <dgm:fillClrLst meth="repeat">
+      <a:schemeClr val="dk2"/>
+    </dgm:fillClrLst>
+    <dgm:linClrLst meth="repeat">
+      <a:schemeClr val="lt2"/>
+    </dgm:linClrLst>
+    <dgm:effectClrLst/>
+    <dgm:txLinClrLst/>
+    <dgm:txFillClrLst/>
+    <dgm:txEffectClrLst/>
+  </dgm:styleLbl>
+  <dgm:styleLbl name="parChTrans2D1">
+    <dgm:fillClrLst meth="repeat">
+      <a:schemeClr val="dk2">
+        <a:tint val="60000"/>
+      </a:schemeClr>
+    </dgm:fillClrLst>
+    <dgm:linClrLst meth="repeat">
+      <a:schemeClr val="dk2">
+        <a:tint val="60000"/>
+      </a:schemeClr>
+    </dgm:linClrLst>
+    <dgm:effectClrLst/>
+    <dgm:txLinClrLst/>
+    <dgm:txFillClrLst meth="repeat">
+      <a:schemeClr val="lt2"/>
+    </dgm:txFillClrLst>
+    <dgm:txEffectClrLst/>
+  </dgm:styleLbl>
+  <dgm:styleLbl name="parChTrans2D2">
+    <dgm:fillClrLst meth="repeat">
+      <a:schemeClr val="dk2"/>
+    </dgm:fillClrLst>
+    <dgm:linClrLst meth="repeat">
+      <a:schemeClr val="dk2"/>
+    </dgm:linClrLst>
+    <dgm:effectClrLst/>
+    <dgm:txLinClrLst/>
+    <dgm:txFillClrLst meth="repeat">
+      <a:schemeClr val="lt2"/>
+    </dgm:txFillClrLst>
+    <dgm:txEffectClrLst/>
+  </dgm:styleLbl>
+  <dgm:styleLbl name="parChTrans2D3">
+    <dgm:fillClrLst meth="repeat">
+      <a:schemeClr val="dk2"/>
+    </dgm:fillClrLst>
+    <dgm:linClrLst meth="repeat">
+      <a:schemeClr val="dk2"/>
+    </dgm:linClrLst>
+    <dgm:effectClrLst/>
+    <dgm:txLinClrLst/>
+    <dgm:txFillClrLst meth="repeat">
+      <a:schemeClr val="lt2"/>
+    </dgm:txFillClrLst>
+    <dgm:txEffectClrLst/>
+  </dgm:styleLbl>
+  <dgm:styleLbl name="parChTrans2D4">
+    <dgm:fillClrLst meth="repeat">
+      <a:schemeClr val="dk2"/>
+    </dgm:fillClrLst>
+    <dgm:linClrLst meth="repeat">
+      <a:schemeClr val="dk2"/>
+    </dgm:linClrLst>
+    <dgm:effectClrLst/>
+    <dgm:txLinClrLst/>
+    <dgm:txFillClrLst meth="repeat">
+      <a:schemeClr val="lt2"/>
+    </dgm:txFillClrLst>
+    <dgm:txEffectClrLst/>
+  </dgm:styleLbl>
+  <dgm:styleLbl name="parChTrans1D1">
+    <dgm:fillClrLst meth="repeat">
+      <a:schemeClr val="dk2"/>
+    </dgm:fillClrLst>
+    <dgm:linClrLst meth="repeat">
+      <a:schemeClr val="dk2">
+        <a:shade val="60000"/>
+      </a:schemeClr>
+    </dgm:linClrLst>
+    <dgm:effectClrLst/>
+    <dgm:txLinClrLst/>
+    <dgm:txFillClrLst meth="repeat">
+      <a:schemeClr val="tx1"/>
+    </dgm:txFillClrLst>
+    <dgm:txEffectClrLst/>
+  </dgm:styleLbl>
+  <dgm:styleLbl name="parChTrans1D2">
+    <dgm:fillClrLst meth="repeat">
+      <a:schemeClr val="dk2"/>
+    </dgm:fillClrLst>
+    <dgm:linClrLst meth="repeat">
+      <a:schemeClr val="dk2">
+        <a:shade val="60000"/>
+      </a:schemeClr>
+    </dgm:linClrLst>
+    <dgm:effectClrLst/>
+    <dgm:txLinClrLst/>
+    <dgm:txFillClrLst meth="repeat">
+      <a:schemeClr val="tx1"/>
+    </dgm:txFillClrLst>
+    <dgm:txEffectClrLst/>
+  </dgm:styleLbl>
+  <dgm:styleLbl name="parChTrans1D3">
+    <dgm:fillClrLst meth="repeat">
+      <a:schemeClr val="dk2"/>
+    </dgm:fillClrLst>
+    <dgm:linClrLst meth="repeat">
+      <a:schemeClr val="dk2">
+        <a:shade val="80000"/>
+      </a:schemeClr>
+    </dgm:linClrLst>
+    <dgm:effectClrLst/>
+    <dgm:txLinClrLst/>
+    <dgm:txFillClrLst meth="repeat">
+      <a:schemeClr val="tx1"/>
+    </dgm:txFillClrLst>
+    <dgm:txEffectClrLst/>
+  </dgm:styleLbl>
+  <dgm:styleLbl name="parChTrans1D4">
+    <dgm:fillClrLst meth="repeat">
+      <a:schemeClr val="dk2"/>
+    </dgm:fillClrLst>
+    <dgm:linClrLst meth="repeat">
+      <a:schemeClr val="dk2">
+        <a:shade val="80000"/>
+      </a:schemeClr>
+    </dgm:linClrLst>
+    <dgm:effectClrLst/>
+    <dgm:txLinClrLst/>
+    <dgm:txFillClrLst meth="repeat">
+      <a:schemeClr val="tx1"/>
+    </dgm:txFillClrLst>
+    <dgm:txEffectClrLst/>
+  </dgm:styleLbl>
+  <dgm:styleLbl name="fgAcc1">
+    <dgm:fillClrLst meth="repeat">
+      <a:schemeClr val="lt2">
+        <a:alpha val="90000"/>
+      </a:schemeClr>
+    </dgm:fillClrLst>
+    <dgm:linClrLst meth="repeat">
+      <a:schemeClr val="dk2"/>
+    </dgm:linClrLst>
+    <dgm:effectClrLst/>
+    <dgm:txLinClrLst/>
+    <dgm:txFillClrLst meth="repeat">
+      <a:schemeClr val="dk1"/>
+    </dgm:txFillClrLst>
+    <dgm:txEffectClrLst/>
+  </dgm:styleLbl>
+  <dgm:styleLbl name="conFgAcc1">
+    <dgm:fillClrLst meth="repeat">
+      <a:schemeClr val="lt2">
+        <a:alpha val="90000"/>
+      </a:schemeClr>
+    </dgm:fillClrLst>
+    <dgm:linClrLst meth="repeat">
+      <a:schemeClr val="dk2"/>
+    </dgm:linClrLst>
+    <dgm:effectClrLst/>
+    <dgm:txLinClrLst/>
+    <dgm:txFillClrLst meth="repeat">
+      <a:schemeClr val="dk1"/>
+    </dgm:txFillClrLst>
+    <dgm:txEffectClrLst/>
+  </dgm:styleLbl>
+  <dgm:styleLbl name="alignAcc1">
+    <dgm:fillClrLst meth="repeat">
+      <a:schemeClr val="lt2">
+        <a:alpha val="90000"/>
+      </a:schemeClr>
+    </dgm:fillClrLst>
+    <dgm:linClrLst meth="repeat">
+      <a:schemeClr val="dk2"/>
+    </dgm:linClrLst>
+    <dgm:effectClrLst/>
+    <dgm:txLinClrLst/>
+    <dgm:txFillClrLst meth="repeat">
+      <a:schemeClr val="dk1"/>
+    </dgm:txFillClrLst>
+    <dgm:txEffectClrLst/>
+  </dgm:styleLbl>
+  <dgm:styleLbl name="trAlignAcc1">
+    <dgm:fillClrLst meth="repeat">
+      <a:schemeClr val="lt2">
+        <a:alpha val="40000"/>
+      </a:schemeClr>
+    </dgm:fillClrLst>
+    <dgm:linClrLst meth="repeat">
+      <a:schemeClr val="dk2"/>
+    </dgm:linClrLst>
+    <dgm:effectClrLst/>
+    <dgm:txLinClrLst/>
+    <dgm:txFillClrLst meth="repeat">
+      <a:schemeClr val="dk1"/>
+    </dgm:txFillClrLst>
+    <dgm:txEffectClrLst/>
+  </dgm:styleLbl>
+  <dgm:styleLbl name="bgAcc1">
+    <dgm:fillClrLst meth="repeat">
+      <a:schemeClr val="lt2">
+        <a:alpha val="90000"/>
+      </a:schemeClr>
+    </dgm:fillClrLst>
+    <dgm:linClrLst meth="repeat">
+      <a:schemeClr val="dk2"/>
+    </dgm:linClrLst>
+    <dgm:effectClrLst/>
+    <dgm:txLinClrLst/>
+    <dgm:txFillClrLst meth="repeat">
+      <a:schemeClr val="dk1"/>
+    </dgm:txFillClrLst>
+    <dgm:txEffectClrLst/>
+  </dgm:styleLbl>
+  <dgm:styleLbl name="solidFgAcc1">
+    <dgm:fillClrLst meth="repeat">
+      <a:schemeClr val="lt2"/>
+    </dgm:fillClrLst>
+    <dgm:linClrLst meth="repeat">
+      <a:schemeClr val="dk2"/>
+    </dgm:linClrLst>
+    <dgm:effectClrLst/>
+    <dgm:txLinClrLst/>
+    <dgm:txFillClrLst meth="repeat">
+      <a:schemeClr val="dk1"/>
+    </dgm:txFillClrLst>
+    <dgm:txEffectClrLst/>
+  </dgm:styleLbl>
+  <dgm:styleLbl name="solidAlignAcc1">
+    <dgm:fillClrLst meth="repeat">
+      <a:schemeClr val="lt2"/>
+    </dgm:fillClrLst>
+    <dgm:linClrLst meth="repeat">
+      <a:schemeClr val="dk2"/>
+    </dgm:linClrLst>
+    <dgm:effectClrLst/>
+    <dgm:txLinClrLst/>
+    <dgm:txFillClrLst meth="repeat">
+      <a:schemeClr val="dk1"/>
+    </dgm:txFillClrLst>
+    <dgm:txEffectClrLst/>
+  </dgm:styleLbl>
+  <dgm:styleLbl name="solidBgAcc1">
+    <dgm:fillClrLst meth="repeat">
+      <a:schemeClr val="lt2"/>
+    </dgm:fillClrLst>
+    <dgm:linClrLst meth="repeat">
+      <a:schemeClr val="dk2"/>
+    </dgm:linClrLst>
+    <dgm:effectClrLst/>
+    <dgm:txLinClrLst/>
+    <dgm:txFillClrLst meth="repeat">
+      <a:schemeClr val="dk1"/>
+    </dgm:txFillClrLst>
+    <dgm:txEffectClrLst/>
+  </dgm:styleLbl>
+  <dgm:styleLbl name="fgAccFollowNode1">
+    <dgm:fillClrLst meth="repeat">
+      <a:schemeClr val="dk2">
+        <a:alpha val="90000"/>
+        <a:tint val="40000"/>
+      </a:schemeClr>
+    </dgm:fillClrLst>
+    <dgm:linClrLst meth="repeat">
+      <a:schemeClr val="dk2">
+        <a:alpha val="90000"/>
+        <a:tint val="40000"/>
+      </a:schemeClr>
+    </dgm:linClrLst>
+    <dgm:effectClrLst/>
+    <dgm:txLinClrLst/>
+    <dgm:txFillClrLst meth="repeat">
+      <a:schemeClr val="dk1"/>
+    </dgm:txFillClrLst>
+    <dgm:txEffectClrLst/>
+  </dgm:styleLbl>
+  <dgm:styleLbl name="alignAccFollowNode1">
+    <dgm:fillClrLst meth="repeat">
+      <a:schemeClr val="dk2">
+        <a:alpha val="90000"/>
+        <a:tint val="40000"/>
+      </a:schemeClr>
+    </dgm:fillClrLst>
+    <dgm:linClrLst meth="repeat">
+      <a:schemeClr val="dk2">
+        <a:alpha val="90000"/>
+        <a:tint val="40000"/>
+      </a:schemeClr>
+    </dgm:linClrLst>
+    <dgm:effectClrLst/>
+    <dgm:txLinClrLst/>
+    <dgm:txFillClrLst meth="repeat">
+      <a:schemeClr val="dk1"/>
+    </dgm:txFillClrLst>
+    <dgm:txEffectClrLst/>
+  </dgm:styleLbl>
+  <dgm:styleLbl name="bgAccFollowNode1">
+    <dgm:fillClrLst meth="repeat">
+      <a:schemeClr val="dk2">
+        <a:alpha val="90000"/>
+        <a:tint val="40000"/>
+      </a:schemeClr>
+    </dgm:fillClrLst>
+    <dgm:linClrLst meth="repeat">
+      <a:schemeClr val="dk2">
+        <a:alpha val="90000"/>
+        <a:tint val="40000"/>
+      </a:schemeClr>
+    </dgm:linClrLst>
+    <dgm:effectClrLst/>
+    <dgm:txLinClrLst/>
+    <dgm:txFillClrLst meth="repeat">
+      <a:schemeClr val="dk1"/>
+    </dgm:txFillClrLst>
+    <dgm:txEffectClrLst/>
+  </dgm:styleLbl>
+  <dgm:styleLbl name="fgAcc0">
+    <dgm:fillClrLst meth="repeat">
+      <a:schemeClr val="lt2">
+        <a:alpha val="90000"/>
+      </a:schemeClr>
+    </dgm:fillClrLst>
+    <dgm:linClrLst meth="repeat">
+      <a:schemeClr val="dk2"/>
+    </dgm:linClrLst>
+    <dgm:effectClrLst/>
+    <dgm:txLinClrLst/>
+    <dgm:txFillClrLst meth="repeat">
+      <a:schemeClr val="dk1"/>
+    </dgm:txFillClrLst>
+    <dgm:txEffectClrLst/>
+  </dgm:styleLbl>
+  <dgm:styleLbl name="fgAcc2">
+    <dgm:fillClrLst meth="repeat">
+      <a:schemeClr val="lt2">
+        <a:alpha val="90000"/>
+      </a:schemeClr>
+    </dgm:fillClrLst>
+    <dgm:linClrLst meth="repeat">
+      <a:schemeClr val="dk2"/>
+    </dgm:linClrLst>
+    <dgm:effectClrLst/>
+    <dgm:txLinClrLst/>
+    <dgm:txFillClrLst meth="repeat">
+      <a:schemeClr val="dk1"/>
+    </dgm:txFillClrLst>
+    <dgm:txEffectClrLst/>
+  </dgm:styleLbl>
+  <dgm:styleLbl name="fgAcc3">
+    <dgm:fillClrLst meth="repeat">
+      <a:schemeClr val="lt2">
+        <a:alpha val="90000"/>
+      </a:schemeClr>
+    </dgm:fillClrLst>
+    <dgm:linClrLst meth="repeat">
+      <a:schemeClr val="dk2"/>
+    </dgm:linClrLst>
+    <dgm:effectClrLst/>
+    <dgm:txLinClrLst/>
+    <dgm:txFillClrLst meth="repeat">
+      <a:schemeClr val="dk1"/>
+    </dgm:txFillClrLst>
+    <dgm:txEffectClrLst/>
+  </dgm:styleLbl>
+  <dgm:styleLbl name="fgAcc4">
+    <dgm:fillClrLst meth="repeat">
+      <a:schemeClr val="lt2">
+        <a:alpha val="90000"/>
+      </a:schemeClr>
+    </dgm:fillClrLst>
+    <dgm:linClrLst meth="repeat">
+      <a:schemeClr val="dk2"/>
+    </dgm:linClrLst>
+    <dgm:effectClrLst/>
+    <dgm:txLinClrLst/>
+    <dgm:txFillClrLst meth="repeat">
+      <a:schemeClr val="dk1"/>
+    </dgm:txFillClrLst>
+    <dgm:txEffectClrLst/>
+  </dgm:styleLbl>
+  <dgm:styleLbl name="bgShp">
+    <dgm:fillClrLst meth="repeat">
+      <a:schemeClr val="dk2">
+        <a:tint val="40000"/>
+      </a:schemeClr>
+    </dgm:fillClrLst>
+    <dgm:linClrLst meth="repeat">
+      <a:schemeClr val="dk2"/>
+    </dgm:linClrLst>
+    <dgm:effectClrLst/>
+    <dgm:txLinClrLst/>
+    <dgm:txFillClrLst meth="repeat">
+      <a:schemeClr val="dk1"/>
+    </dgm:txFillClrLst>
+    <dgm:txEffectClrLst/>
+  </dgm:styleLbl>
+  <dgm:styleLbl name="dkBgShp">
+    <dgm:fillClrLst meth="repeat">
+      <a:schemeClr val="dk2">
+        <a:shade val="80000"/>
+      </a:schemeClr>
+    </dgm:fillClrLst>
+    <dgm:linClrLst meth="repeat">
+      <a:schemeClr val="dk2"/>
+    </dgm:linClrLst>
+    <dgm:effectClrLst/>
+    <dgm:txLinClrLst/>
+    <dgm:txFillClrLst meth="repeat">
+      <a:schemeClr val="lt1"/>
+    </dgm:txFillClrLst>
+    <dgm:txEffectClrLst/>
+  </dgm:styleLbl>
+  <dgm:styleLbl name="trBgShp">
+    <dgm:fillClrLst meth="repeat">
+      <a:schemeClr val="dk2">
+        <a:tint val="50000"/>
+        <a:alpha val="40000"/>
+      </a:schemeClr>
+    </dgm:fillClrLst>
+    <dgm:linClrLst meth="repeat">
+      <a:schemeClr val="dk2"/>
+    </dgm:linClrLst>
+    <dgm:effectClrLst/>
+    <dgm:txLinClrLst/>
+    <dgm:txFillClrLst meth="repeat">
+      <a:schemeClr val="lt1"/>
+    </dgm:txFillClrLst>
+    <dgm:txEffectClrLst/>
+  </dgm:styleLbl>
+  <dgm:styleLbl name="fgShp">
+    <dgm:fillClrLst meth="repeat">
+      <a:schemeClr val="dk2">
+        <a:tint val="60000"/>
+      </a:schemeClr>
+    </dgm:fillClrLst>
+    <dgm:linClrLst meth="repeat">
+      <a:schemeClr val="lt2"/>
+    </dgm:linClrLst>
+    <dgm:effectClrLst/>
+    <dgm:txLinClrLst/>
+    <dgm:txFillClrLst meth="repeat">
+      <a:schemeClr val="dk1"/>
+    </dgm:txFillClrLst>
+    <dgm:txEffectClrLst/>
+  </dgm:styleLbl>
+  <dgm:styleLbl name="revTx">
+    <dgm:fillClrLst meth="repeat">
+      <a:schemeClr val="lt2">
+        <a:alpha val="0"/>
+      </a:schemeClr>
+    </dgm:fillClrLst>
+    <dgm:linClrLst meth="repeat">
+      <a:schemeClr val="dk1">
+        <a:alpha val="0"/>
+      </a:schemeClr>
+    </dgm:linClrLst>
+    <dgm:effectClrLst/>
+    <dgm:txLinClrLst/>
+    <dgm:txFillClrLst meth="repeat">
+      <a:schemeClr val="tx1"/>
+    </dgm:txFillClrLst>
+    <dgm:txEffectClrLst/>
+  </dgm:styleLbl>
+</dgm:colorsDef>
+</file>
+
 <file path=ppt/diagrams/data1.xml><?xml version="1.0" encoding="utf-8"?>
 <dgm:dataModel xmlns:dgm="http://schemas.openxmlformats.org/drawingml/2006/diagram" xmlns:a="http://schemas.openxmlformats.org/drawingml/2006/main">
   <dgm:ptLst>
@@ -1476,6 +2227,372 @@
   <dgm:extLst>
     <a:ext uri="http://schemas.microsoft.com/office/drawing/2008/diagram">
       <dsp:dataModelExt xmlns:dsp="http://schemas.microsoft.com/office/drawing/2008/diagram" relId="rId13" minVer="http://schemas.openxmlformats.org/drawingml/2006/diagram"/>
+    </a:ext>
+  </dgm:extLst>
+</dgm:dataModel>
+</file>
+
+<file path=ppt/diagrams/data2.xml><?xml version="1.0" encoding="utf-8"?>
+<dgm:dataModel xmlns:dgm="http://schemas.openxmlformats.org/drawingml/2006/diagram" xmlns:a="http://schemas.openxmlformats.org/drawingml/2006/main">
+  <dgm:ptLst>
+    <dgm:pt modelId="{332F6BC2-3075-47FD-B494-058F9236CA52}" type="doc">
+      <dgm:prSet loTypeId="urn:microsoft.com/office/officeart/2005/8/layout/hList1" loCatId="list" qsTypeId="urn:microsoft.com/office/officeart/2005/8/quickstyle/simple1" qsCatId="simple" csTypeId="urn:microsoft.com/office/officeart/2005/8/colors/accent0_3" csCatId="mainScheme"/>
+      <dgm:spPr/>
+      <dgm:t>
+        <a:bodyPr/>
+        <a:lstStyle/>
+        <a:p>
+          <a:endParaRPr lang="zh-CN" altLang="en-US"/>
+        </a:p>
+      </dgm:t>
+    </dgm:pt>
+    <dgm:pt modelId="{2FA289DE-E89E-4369-ACE3-AA23FB182F1B}">
+      <dgm:prSet/>
+      <dgm:spPr/>
+      <dgm:t>
+        <a:bodyPr/>
+        <a:lstStyle/>
+        <a:p>
+          <a:r>
+            <a:rPr lang="en-US" dirty="0"/>
+            <a:t>Retrieve some(&lt;26000) sample data</a:t>
+          </a:r>
+          <a:endParaRPr lang="zh-CN" dirty="0"/>
+        </a:p>
+      </dgm:t>
+    </dgm:pt>
+    <dgm:pt modelId="{750B39BB-C47B-4789-88F7-EB7D73ABCF2F}" type="parTrans" cxnId="{8C2FBD02-CCD4-4C45-98FF-B697A677AA5D}">
+      <dgm:prSet/>
+      <dgm:spPr/>
+      <dgm:t>
+        <a:bodyPr/>
+        <a:lstStyle/>
+        <a:p>
+          <a:endParaRPr lang="zh-CN" altLang="en-US"/>
+        </a:p>
+      </dgm:t>
+    </dgm:pt>
+    <dgm:pt modelId="{8F4287C5-4044-44EB-9323-B41273ECACE5}" type="sibTrans" cxnId="{8C2FBD02-CCD4-4C45-98FF-B697A677AA5D}">
+      <dgm:prSet/>
+      <dgm:spPr/>
+      <dgm:t>
+        <a:bodyPr/>
+        <a:lstStyle/>
+        <a:p>
+          <a:endParaRPr lang="zh-CN" altLang="en-US"/>
+        </a:p>
+      </dgm:t>
+    </dgm:pt>
+    <dgm:pt modelId="{D31FB2C7-62AB-4431-BB30-EE7089E0B45C}">
+      <dgm:prSet/>
+      <dgm:spPr/>
+      <dgm:t>
+        <a:bodyPr/>
+        <a:lstStyle/>
+        <a:p>
+          <a:r>
+            <a:rPr lang="en-US" dirty="0"/>
+            <a:t>Filter by field</a:t>
+          </a:r>
+          <a:endParaRPr lang="zh-CN" dirty="0"/>
+        </a:p>
+      </dgm:t>
+    </dgm:pt>
+    <dgm:pt modelId="{4E33FAC1-E7AE-4ED3-843E-5C2B9324BD08}" type="parTrans" cxnId="{AAC4F0C1-E967-48D0-84C0-13D6E57878C9}">
+      <dgm:prSet/>
+      <dgm:spPr/>
+      <dgm:t>
+        <a:bodyPr/>
+        <a:lstStyle/>
+        <a:p>
+          <a:endParaRPr lang="zh-CN" altLang="en-US"/>
+        </a:p>
+      </dgm:t>
+    </dgm:pt>
+    <dgm:pt modelId="{D26CE6A7-CF3D-48C8-9E72-5A8158A0B480}" type="sibTrans" cxnId="{AAC4F0C1-E967-48D0-84C0-13D6E57878C9}">
+      <dgm:prSet/>
+      <dgm:spPr/>
+      <dgm:t>
+        <a:bodyPr/>
+        <a:lstStyle/>
+        <a:p>
+          <a:endParaRPr lang="zh-CN" altLang="en-US"/>
+        </a:p>
+      </dgm:t>
+    </dgm:pt>
+    <dgm:pt modelId="{E89FFBB0-4BBA-47AB-A606-C56BC140A38C}">
+      <dgm:prSet/>
+      <dgm:spPr/>
+      <dgm:t>
+        <a:bodyPr/>
+        <a:lstStyle/>
+        <a:p>
+          <a:r>
+            <a:rPr lang="en-US"/>
+            <a:t>We can’t:</a:t>
+          </a:r>
+          <a:endParaRPr lang="zh-CN"/>
+        </a:p>
+      </dgm:t>
+    </dgm:pt>
+    <dgm:pt modelId="{5E11C2A9-FE9A-4080-BED9-5FDB25E4FF44}" type="parTrans" cxnId="{F62A71F8-CD54-4D83-9F8C-93A173BD141A}">
+      <dgm:prSet/>
+      <dgm:spPr/>
+      <dgm:t>
+        <a:bodyPr/>
+        <a:lstStyle/>
+        <a:p>
+          <a:endParaRPr lang="zh-CN" altLang="en-US"/>
+        </a:p>
+      </dgm:t>
+    </dgm:pt>
+    <dgm:pt modelId="{E2CBA2C4-0BFF-47E7-B692-A6A26BBC4F9E}" type="sibTrans" cxnId="{F62A71F8-CD54-4D83-9F8C-93A173BD141A}">
+      <dgm:prSet/>
+      <dgm:spPr/>
+      <dgm:t>
+        <a:bodyPr/>
+        <a:lstStyle/>
+        <a:p>
+          <a:endParaRPr lang="zh-CN" altLang="en-US"/>
+        </a:p>
+      </dgm:t>
+    </dgm:pt>
+    <dgm:pt modelId="{65E89C43-4BEF-4AAB-B724-3BB8A4D88051}">
+      <dgm:prSet/>
+      <dgm:spPr/>
+      <dgm:t>
+        <a:bodyPr/>
+        <a:lstStyle/>
+        <a:p>
+          <a:r>
+            <a:rPr lang="en-US" dirty="0"/>
+            <a:t>Select the field we need</a:t>
+          </a:r>
+          <a:endParaRPr lang="zh-CN" dirty="0"/>
+        </a:p>
+      </dgm:t>
+    </dgm:pt>
+    <dgm:pt modelId="{71C98C9E-97AA-48C7-950A-072169123D59}" type="parTrans" cxnId="{45829A29-45E7-4837-9589-4E6F3CC4C742}">
+      <dgm:prSet/>
+      <dgm:spPr/>
+      <dgm:t>
+        <a:bodyPr/>
+        <a:lstStyle/>
+        <a:p>
+          <a:endParaRPr lang="zh-CN" altLang="en-US"/>
+        </a:p>
+      </dgm:t>
+    </dgm:pt>
+    <dgm:pt modelId="{64095D4A-CE87-408C-A7A5-1181190ED29E}" type="sibTrans" cxnId="{45829A29-45E7-4837-9589-4E6F3CC4C742}">
+      <dgm:prSet/>
+      <dgm:spPr/>
+      <dgm:t>
+        <a:bodyPr/>
+        <a:lstStyle/>
+        <a:p>
+          <a:endParaRPr lang="zh-CN" altLang="en-US"/>
+        </a:p>
+      </dgm:t>
+    </dgm:pt>
+    <dgm:pt modelId="{46D15D8A-AC93-4F07-A883-1B8E82E86C1F}">
+      <dgm:prSet/>
+      <dgm:spPr/>
+      <dgm:t>
+        <a:bodyPr/>
+        <a:lstStyle/>
+        <a:p>
+          <a:r>
+            <a:rPr lang="en-US"/>
+            <a:t>Count non-numeric fields</a:t>
+          </a:r>
+          <a:endParaRPr lang="zh-CN"/>
+        </a:p>
+      </dgm:t>
+    </dgm:pt>
+    <dgm:pt modelId="{5AE346D5-1A84-4F63-84DD-C5AA25813891}" type="parTrans" cxnId="{2AFE63E7-44F3-466C-A0D8-B298BFF415DD}">
+      <dgm:prSet/>
+      <dgm:spPr/>
+      <dgm:t>
+        <a:bodyPr/>
+        <a:lstStyle/>
+        <a:p>
+          <a:endParaRPr lang="zh-CN" altLang="en-US"/>
+        </a:p>
+      </dgm:t>
+    </dgm:pt>
+    <dgm:pt modelId="{9DF6691F-44CC-411C-86A7-95466108EB09}" type="sibTrans" cxnId="{2AFE63E7-44F3-466C-A0D8-B298BFF415DD}">
+      <dgm:prSet/>
+      <dgm:spPr/>
+      <dgm:t>
+        <a:bodyPr/>
+        <a:lstStyle/>
+        <a:p>
+          <a:endParaRPr lang="zh-CN" altLang="en-US"/>
+        </a:p>
+      </dgm:t>
+    </dgm:pt>
+    <dgm:pt modelId="{BF9293E7-5E62-41E0-BB97-A1CECBA11C32}">
+      <dgm:prSet/>
+      <dgm:spPr/>
+      <dgm:t>
+        <a:bodyPr/>
+        <a:lstStyle/>
+        <a:p>
+          <a:r>
+            <a:rPr lang="en-US"/>
+            <a:t>Download all data</a:t>
+          </a:r>
+          <a:endParaRPr lang="zh-CN"/>
+        </a:p>
+      </dgm:t>
+    </dgm:pt>
+    <dgm:pt modelId="{CE0965E3-ABD9-476C-A6A5-C27D3B916741}" type="parTrans" cxnId="{EA742534-7F52-497F-8046-CA1CC1A33316}">
+      <dgm:prSet/>
+      <dgm:spPr/>
+      <dgm:t>
+        <a:bodyPr/>
+        <a:lstStyle/>
+        <a:p>
+          <a:endParaRPr lang="zh-CN" altLang="en-US"/>
+        </a:p>
+      </dgm:t>
+    </dgm:pt>
+    <dgm:pt modelId="{44EF56B3-1F17-4D47-998B-8A6EFB34CA17}" type="sibTrans" cxnId="{EA742534-7F52-497F-8046-CA1CC1A33316}">
+      <dgm:prSet/>
+      <dgm:spPr/>
+      <dgm:t>
+        <a:bodyPr/>
+        <a:lstStyle/>
+        <a:p>
+          <a:endParaRPr lang="zh-CN" altLang="en-US"/>
+        </a:p>
+      </dgm:t>
+    </dgm:pt>
+    <dgm:pt modelId="{23F7167D-5529-42A9-BB4E-1316AC92F3A1}">
+      <dgm:prSet/>
+      <dgm:spPr/>
+      <dgm:t>
+        <a:bodyPr/>
+        <a:lstStyle/>
+        <a:p>
+          <a:r>
+            <a:rPr lang="en-US" dirty="0"/>
+            <a:t>Using the APIs, we can:</a:t>
+          </a:r>
+          <a:endParaRPr lang="zh-CN" dirty="0"/>
+        </a:p>
+      </dgm:t>
+    </dgm:pt>
+    <dgm:pt modelId="{0441A594-2BA6-4CCB-B4D5-BF04209D2E53}" type="sibTrans" cxnId="{DC389179-3DE7-48E0-AFB1-560167659EA5}">
+      <dgm:prSet/>
+      <dgm:spPr/>
+      <dgm:t>
+        <a:bodyPr/>
+        <a:lstStyle/>
+        <a:p>
+          <a:endParaRPr lang="zh-CN" altLang="en-US"/>
+        </a:p>
+      </dgm:t>
+    </dgm:pt>
+    <dgm:pt modelId="{91C787F8-BB93-4B15-A262-AADE0389CA1F}" type="parTrans" cxnId="{DC389179-3DE7-48E0-AFB1-560167659EA5}">
+      <dgm:prSet/>
+      <dgm:spPr/>
+      <dgm:t>
+        <a:bodyPr/>
+        <a:lstStyle/>
+        <a:p>
+          <a:endParaRPr lang="zh-CN" altLang="en-US"/>
+        </a:p>
+      </dgm:t>
+    </dgm:pt>
+    <dgm:pt modelId="{B246CF5E-0C2C-4F98-B353-59EADF3D4AEF}" type="pres">
+      <dgm:prSet presAssocID="{332F6BC2-3075-47FD-B494-058F9236CA52}" presName="Name0" presStyleCnt="0">
+        <dgm:presLayoutVars>
+          <dgm:dir/>
+          <dgm:animLvl val="lvl"/>
+          <dgm:resizeHandles val="exact"/>
+        </dgm:presLayoutVars>
+      </dgm:prSet>
+      <dgm:spPr/>
+    </dgm:pt>
+    <dgm:pt modelId="{9251A21D-D1CA-4E05-9104-CDCF3059C68E}" type="pres">
+      <dgm:prSet presAssocID="{23F7167D-5529-42A9-BB4E-1316AC92F3A1}" presName="composite" presStyleCnt="0"/>
+      <dgm:spPr/>
+    </dgm:pt>
+    <dgm:pt modelId="{5CCEC4DF-A758-454E-8BA0-2C5128037CC3}" type="pres">
+      <dgm:prSet presAssocID="{23F7167D-5529-42A9-BB4E-1316AC92F3A1}" presName="parTx" presStyleLbl="alignNode1" presStyleIdx="0" presStyleCnt="2">
+        <dgm:presLayoutVars>
+          <dgm:chMax val="0"/>
+          <dgm:chPref val="0"/>
+          <dgm:bulletEnabled val="1"/>
+        </dgm:presLayoutVars>
+      </dgm:prSet>
+      <dgm:spPr/>
+    </dgm:pt>
+    <dgm:pt modelId="{73EE21CF-3B96-44ED-89FB-2DE6CCCE798C}" type="pres">
+      <dgm:prSet presAssocID="{23F7167D-5529-42A9-BB4E-1316AC92F3A1}" presName="desTx" presStyleLbl="alignAccFollowNode1" presStyleIdx="0" presStyleCnt="2">
+        <dgm:presLayoutVars>
+          <dgm:bulletEnabled val="1"/>
+        </dgm:presLayoutVars>
+      </dgm:prSet>
+      <dgm:spPr/>
+    </dgm:pt>
+    <dgm:pt modelId="{81EE0760-C5D7-4205-8D50-AFD0C1C0721D}" type="pres">
+      <dgm:prSet presAssocID="{0441A594-2BA6-4CCB-B4D5-BF04209D2E53}" presName="space" presStyleCnt="0"/>
+      <dgm:spPr/>
+    </dgm:pt>
+    <dgm:pt modelId="{B5F69727-33D3-46B5-B29C-5E8E17068AEE}" type="pres">
+      <dgm:prSet presAssocID="{E89FFBB0-4BBA-47AB-A606-C56BC140A38C}" presName="composite" presStyleCnt="0"/>
+      <dgm:spPr/>
+    </dgm:pt>
+    <dgm:pt modelId="{ECC7D815-0802-440C-A41A-0EFB164C8E55}" type="pres">
+      <dgm:prSet presAssocID="{E89FFBB0-4BBA-47AB-A606-C56BC140A38C}" presName="parTx" presStyleLbl="alignNode1" presStyleIdx="1" presStyleCnt="2">
+        <dgm:presLayoutVars>
+          <dgm:chMax val="0"/>
+          <dgm:chPref val="0"/>
+          <dgm:bulletEnabled val="1"/>
+        </dgm:presLayoutVars>
+      </dgm:prSet>
+      <dgm:spPr/>
+    </dgm:pt>
+    <dgm:pt modelId="{6B056BE8-D3B0-45A5-B396-AEA6529484EC}" type="pres">
+      <dgm:prSet presAssocID="{E89FFBB0-4BBA-47AB-A606-C56BC140A38C}" presName="desTx" presStyleLbl="alignAccFollowNode1" presStyleIdx="1" presStyleCnt="2">
+        <dgm:presLayoutVars>
+          <dgm:bulletEnabled val="1"/>
+        </dgm:presLayoutVars>
+      </dgm:prSet>
+      <dgm:spPr/>
+    </dgm:pt>
+  </dgm:ptLst>
+  <dgm:cxnLst>
+    <dgm:cxn modelId="{8C2FBD02-CCD4-4C45-98FF-B697A677AA5D}" srcId="{23F7167D-5529-42A9-BB4E-1316AC92F3A1}" destId="{2FA289DE-E89E-4369-ACE3-AA23FB182F1B}" srcOrd="0" destOrd="0" parTransId="{750B39BB-C47B-4789-88F7-EB7D73ABCF2F}" sibTransId="{8F4287C5-4044-44EB-9323-B41273ECACE5}"/>
+    <dgm:cxn modelId="{8B0CFE1A-C626-4552-BEAF-ED792022E6F2}" type="presOf" srcId="{332F6BC2-3075-47FD-B494-058F9236CA52}" destId="{B246CF5E-0C2C-4F98-B353-59EADF3D4AEF}" srcOrd="0" destOrd="0" presId="urn:microsoft.com/office/officeart/2005/8/layout/hList1"/>
+    <dgm:cxn modelId="{B00C6722-3870-4F8F-958D-A5B0B924AB48}" type="presOf" srcId="{46D15D8A-AC93-4F07-A883-1B8E82E86C1F}" destId="{6B056BE8-D3B0-45A5-B396-AEA6529484EC}" srcOrd="0" destOrd="1" presId="urn:microsoft.com/office/officeart/2005/8/layout/hList1"/>
+    <dgm:cxn modelId="{45829A29-45E7-4837-9589-4E6F3CC4C742}" srcId="{E89FFBB0-4BBA-47AB-A606-C56BC140A38C}" destId="{65E89C43-4BEF-4AAB-B724-3BB8A4D88051}" srcOrd="0" destOrd="0" parTransId="{71C98C9E-97AA-48C7-950A-072169123D59}" sibTransId="{64095D4A-CE87-408C-A7A5-1181190ED29E}"/>
+    <dgm:cxn modelId="{0826232B-8300-4D6C-BDE7-1688C455D0EE}" type="presOf" srcId="{2FA289DE-E89E-4369-ACE3-AA23FB182F1B}" destId="{73EE21CF-3B96-44ED-89FB-2DE6CCCE798C}" srcOrd="0" destOrd="0" presId="urn:microsoft.com/office/officeart/2005/8/layout/hList1"/>
+    <dgm:cxn modelId="{EA742534-7F52-497F-8046-CA1CC1A33316}" srcId="{E89FFBB0-4BBA-47AB-A606-C56BC140A38C}" destId="{BF9293E7-5E62-41E0-BB97-A1CECBA11C32}" srcOrd="2" destOrd="0" parTransId="{CE0965E3-ABD9-476C-A6A5-C27D3B916741}" sibTransId="{44EF56B3-1F17-4D47-998B-8A6EFB34CA17}"/>
+    <dgm:cxn modelId="{8F015C67-B5BE-476E-87B4-26EACDFA4D84}" type="presOf" srcId="{23F7167D-5529-42A9-BB4E-1316AC92F3A1}" destId="{5CCEC4DF-A758-454E-8BA0-2C5128037CC3}" srcOrd="0" destOrd="0" presId="urn:microsoft.com/office/officeart/2005/8/layout/hList1"/>
+    <dgm:cxn modelId="{D085D367-8469-48EB-A57B-AB203F31401B}" type="presOf" srcId="{BF9293E7-5E62-41E0-BB97-A1CECBA11C32}" destId="{6B056BE8-D3B0-45A5-B396-AEA6529484EC}" srcOrd="0" destOrd="2" presId="urn:microsoft.com/office/officeart/2005/8/layout/hList1"/>
+    <dgm:cxn modelId="{DC389179-3DE7-48E0-AFB1-560167659EA5}" srcId="{332F6BC2-3075-47FD-B494-058F9236CA52}" destId="{23F7167D-5529-42A9-BB4E-1316AC92F3A1}" srcOrd="0" destOrd="0" parTransId="{91C787F8-BB93-4B15-A262-AADE0389CA1F}" sibTransId="{0441A594-2BA6-4CCB-B4D5-BF04209D2E53}"/>
+    <dgm:cxn modelId="{61EF3A8C-DD96-49AC-A440-F692E4F5E023}" type="presOf" srcId="{D31FB2C7-62AB-4431-BB30-EE7089E0B45C}" destId="{73EE21CF-3B96-44ED-89FB-2DE6CCCE798C}" srcOrd="0" destOrd="1" presId="urn:microsoft.com/office/officeart/2005/8/layout/hList1"/>
+    <dgm:cxn modelId="{AAC4F0C1-E967-48D0-84C0-13D6E57878C9}" srcId="{23F7167D-5529-42A9-BB4E-1316AC92F3A1}" destId="{D31FB2C7-62AB-4431-BB30-EE7089E0B45C}" srcOrd="1" destOrd="0" parTransId="{4E33FAC1-E7AE-4ED3-843E-5C2B9324BD08}" sibTransId="{D26CE6A7-CF3D-48C8-9E72-5A8158A0B480}"/>
+    <dgm:cxn modelId="{7B5B0DC9-70F1-40FE-83BE-FF7994F920BA}" type="presOf" srcId="{E89FFBB0-4BBA-47AB-A606-C56BC140A38C}" destId="{ECC7D815-0802-440C-A41A-0EFB164C8E55}" srcOrd="0" destOrd="0" presId="urn:microsoft.com/office/officeart/2005/8/layout/hList1"/>
+    <dgm:cxn modelId="{AFF406DA-4861-40F7-9A4C-5367089F4DA7}" type="presOf" srcId="{65E89C43-4BEF-4AAB-B724-3BB8A4D88051}" destId="{6B056BE8-D3B0-45A5-B396-AEA6529484EC}" srcOrd="0" destOrd="0" presId="urn:microsoft.com/office/officeart/2005/8/layout/hList1"/>
+    <dgm:cxn modelId="{2AFE63E7-44F3-466C-A0D8-B298BFF415DD}" srcId="{E89FFBB0-4BBA-47AB-A606-C56BC140A38C}" destId="{46D15D8A-AC93-4F07-A883-1B8E82E86C1F}" srcOrd="1" destOrd="0" parTransId="{5AE346D5-1A84-4F63-84DD-C5AA25813891}" sibTransId="{9DF6691F-44CC-411C-86A7-95466108EB09}"/>
+    <dgm:cxn modelId="{F62A71F8-CD54-4D83-9F8C-93A173BD141A}" srcId="{332F6BC2-3075-47FD-B494-058F9236CA52}" destId="{E89FFBB0-4BBA-47AB-A606-C56BC140A38C}" srcOrd="1" destOrd="0" parTransId="{5E11C2A9-FE9A-4080-BED9-5FDB25E4FF44}" sibTransId="{E2CBA2C4-0BFF-47E7-B692-A6A26BBC4F9E}"/>
+    <dgm:cxn modelId="{816A8A37-CF70-4CFF-A2CB-5F0DB98D4F55}" type="presParOf" srcId="{B246CF5E-0C2C-4F98-B353-59EADF3D4AEF}" destId="{9251A21D-D1CA-4E05-9104-CDCF3059C68E}" srcOrd="0" destOrd="0" presId="urn:microsoft.com/office/officeart/2005/8/layout/hList1"/>
+    <dgm:cxn modelId="{5C915CF4-8D64-4408-A4FC-CE8CF3668ABF}" type="presParOf" srcId="{9251A21D-D1CA-4E05-9104-CDCF3059C68E}" destId="{5CCEC4DF-A758-454E-8BA0-2C5128037CC3}" srcOrd="0" destOrd="0" presId="urn:microsoft.com/office/officeart/2005/8/layout/hList1"/>
+    <dgm:cxn modelId="{13247909-9780-429E-B5BB-7A4D27930D79}" type="presParOf" srcId="{9251A21D-D1CA-4E05-9104-CDCF3059C68E}" destId="{73EE21CF-3B96-44ED-89FB-2DE6CCCE798C}" srcOrd="1" destOrd="0" presId="urn:microsoft.com/office/officeart/2005/8/layout/hList1"/>
+    <dgm:cxn modelId="{6BFE9B5C-793A-42A6-8B60-4D18D476BAF1}" type="presParOf" srcId="{B246CF5E-0C2C-4F98-B353-59EADF3D4AEF}" destId="{81EE0760-C5D7-4205-8D50-AFD0C1C0721D}" srcOrd="1" destOrd="0" presId="urn:microsoft.com/office/officeart/2005/8/layout/hList1"/>
+    <dgm:cxn modelId="{F70F917A-7C85-4C95-B082-F491B543019E}" type="presParOf" srcId="{B246CF5E-0C2C-4F98-B353-59EADF3D4AEF}" destId="{B5F69727-33D3-46B5-B29C-5E8E17068AEE}" srcOrd="2" destOrd="0" presId="urn:microsoft.com/office/officeart/2005/8/layout/hList1"/>
+    <dgm:cxn modelId="{9D467F0D-4420-4470-AFB8-CB29D052674B}" type="presParOf" srcId="{B5F69727-33D3-46B5-B29C-5E8E17068AEE}" destId="{ECC7D815-0802-440C-A41A-0EFB164C8E55}" srcOrd="0" destOrd="0" presId="urn:microsoft.com/office/officeart/2005/8/layout/hList1"/>
+    <dgm:cxn modelId="{D0F1F949-E3E9-4951-A26A-77B9AD0E6D97}" type="presParOf" srcId="{B5F69727-33D3-46B5-B29C-5E8E17068AEE}" destId="{6B056BE8-D3B0-45A5-B396-AEA6529484EC}" srcOrd="1" destOrd="0" presId="urn:microsoft.com/office/officeart/2005/8/layout/hList1"/>
+  </dgm:cxnLst>
+  <dgm:bg/>
+  <dgm:whole/>
+  <dgm:extLst>
+    <a:ext uri="http://schemas.microsoft.com/office/drawing/2008/diagram">
+      <dsp:dataModelExt xmlns:dsp="http://schemas.microsoft.com/office/drawing/2008/diagram" relId="rId17" minVer="http://schemas.openxmlformats.org/drawingml/2006/diagram"/>
     </a:ext>
   </dgm:extLst>
 </dgm:dataModel>
@@ -2250,6 +3367,395 @@
 </dsp:drawing>
 </file>
 
+<file path=ppt/diagrams/drawing2.xml><?xml version="1.0" encoding="utf-8"?>
+<dsp:drawing xmlns:dgm="http://schemas.openxmlformats.org/drawingml/2006/diagram" xmlns:dsp="http://schemas.microsoft.com/office/drawing/2008/diagram" xmlns:a="http://schemas.openxmlformats.org/drawingml/2006/main">
+  <dsp:spTree>
+    <dsp:nvGrpSpPr>
+      <dsp:cNvPr id="0" name=""/>
+      <dsp:cNvGrpSpPr/>
+    </dsp:nvGrpSpPr>
+    <dsp:grpSpPr/>
+    <dsp:sp modelId="{5CCEC4DF-A758-454E-8BA0-2C5128037CC3}">
+      <dsp:nvSpPr>
+        <dsp:cNvPr id="0" name=""/>
+        <dsp:cNvSpPr/>
+      </dsp:nvSpPr>
+      <dsp:spPr>
+        <a:xfrm>
+          <a:off x="42" y="28564"/>
+          <a:ext cx="4076872" cy="720000"/>
+        </a:xfrm>
+        <a:prstGeom prst="rect">
+          <a:avLst/>
+        </a:prstGeom>
+        <a:solidFill>
+          <a:schemeClr val="dk2">
+            <a:hueOff val="0"/>
+            <a:satOff val="0"/>
+            <a:lumOff val="0"/>
+            <a:alphaOff val="0"/>
+          </a:schemeClr>
+        </a:solidFill>
+        <a:ln w="12700" cap="flat" cmpd="sng" algn="ctr">
+          <a:solidFill>
+            <a:schemeClr val="dk2">
+              <a:hueOff val="0"/>
+              <a:satOff val="0"/>
+              <a:lumOff val="0"/>
+              <a:alphaOff val="0"/>
+            </a:schemeClr>
+          </a:solidFill>
+          <a:prstDash val="solid"/>
+          <a:miter lim="800000"/>
+        </a:ln>
+        <a:effectLst/>
+      </dsp:spPr>
+      <dsp:style>
+        <a:lnRef idx="2">
+          <a:scrgbClr r="0" g="0" b="0"/>
+        </a:lnRef>
+        <a:fillRef idx="1">
+          <a:scrgbClr r="0" g="0" b="0"/>
+        </a:fillRef>
+        <a:effectRef idx="0">
+          <a:scrgbClr r="0" g="0" b="0"/>
+        </a:effectRef>
+        <a:fontRef idx="minor">
+          <a:schemeClr val="lt1"/>
+        </a:fontRef>
+      </dsp:style>
+      <dsp:txBody>
+        <a:bodyPr spcFirstLastPara="0" vert="horz" wrap="square" lIns="177800" tIns="101600" rIns="177800" bIns="101600" numCol="1" spcCol="1270" anchor="ctr" anchorCtr="0">
+          <a:noAutofit/>
+        </a:bodyPr>
+        <a:lstStyle/>
+        <a:p>
+          <a:pPr marL="0" lvl="0" indent="0" algn="ctr" defTabSz="1111250">
+            <a:lnSpc>
+              <a:spcPct val="90000"/>
+            </a:lnSpc>
+            <a:spcBef>
+              <a:spcPct val="0"/>
+            </a:spcBef>
+            <a:spcAft>
+              <a:spcPct val="35000"/>
+            </a:spcAft>
+            <a:buNone/>
+          </a:pPr>
+          <a:r>
+            <a:rPr lang="en-US" sz="2500" kern="1200" dirty="0"/>
+            <a:t>Using the APIs, we can:</a:t>
+          </a:r>
+          <a:endParaRPr lang="zh-CN" sz="2500" kern="1200" dirty="0"/>
+        </a:p>
+      </dsp:txBody>
+      <dsp:txXfrm>
+        <a:off x="42" y="28564"/>
+        <a:ext cx="4076872" cy="720000"/>
+      </dsp:txXfrm>
+    </dsp:sp>
+    <dsp:sp modelId="{73EE21CF-3B96-44ED-89FB-2DE6CCCE798C}">
+      <dsp:nvSpPr>
+        <dsp:cNvPr id="0" name=""/>
+        <dsp:cNvSpPr/>
+      </dsp:nvSpPr>
+      <dsp:spPr>
+        <a:xfrm>
+          <a:off x="42" y="748564"/>
+          <a:ext cx="4076872" cy="1531195"/>
+        </a:xfrm>
+        <a:prstGeom prst="rect">
+          <a:avLst/>
+        </a:prstGeom>
+        <a:solidFill>
+          <a:schemeClr val="dk2">
+            <a:alpha val="90000"/>
+            <a:tint val="40000"/>
+            <a:hueOff val="0"/>
+            <a:satOff val="0"/>
+            <a:lumOff val="0"/>
+            <a:alphaOff val="0"/>
+          </a:schemeClr>
+        </a:solidFill>
+        <a:ln w="12700" cap="flat" cmpd="sng" algn="ctr">
+          <a:solidFill>
+            <a:schemeClr val="dk2">
+              <a:alpha val="90000"/>
+              <a:tint val="40000"/>
+              <a:hueOff val="0"/>
+              <a:satOff val="0"/>
+              <a:lumOff val="0"/>
+              <a:alphaOff val="0"/>
+            </a:schemeClr>
+          </a:solidFill>
+          <a:prstDash val="solid"/>
+          <a:miter lim="800000"/>
+        </a:ln>
+        <a:effectLst/>
+      </dsp:spPr>
+      <dsp:style>
+        <a:lnRef idx="2">
+          <a:scrgbClr r="0" g="0" b="0"/>
+        </a:lnRef>
+        <a:fillRef idx="1">
+          <a:scrgbClr r="0" g="0" b="0"/>
+        </a:fillRef>
+        <a:effectRef idx="0">
+          <a:scrgbClr r="0" g="0" b="0"/>
+        </a:effectRef>
+        <a:fontRef idx="minor"/>
+      </dsp:style>
+      <dsp:txBody>
+        <a:bodyPr spcFirstLastPara="0" vert="horz" wrap="square" lIns="133350" tIns="133350" rIns="177800" bIns="200025" numCol="1" spcCol="1270" anchor="t" anchorCtr="0">
+          <a:noAutofit/>
+        </a:bodyPr>
+        <a:lstStyle/>
+        <a:p>
+          <a:pPr marL="228600" lvl="1" indent="-228600" algn="l" defTabSz="1111250">
+            <a:lnSpc>
+              <a:spcPct val="90000"/>
+            </a:lnSpc>
+            <a:spcBef>
+              <a:spcPct val="0"/>
+            </a:spcBef>
+            <a:spcAft>
+              <a:spcPct val="15000"/>
+            </a:spcAft>
+            <a:buChar char="•"/>
+          </a:pPr>
+          <a:r>
+            <a:rPr lang="en-US" sz="2500" kern="1200" dirty="0"/>
+            <a:t>Retrieve some(&lt;26000) sample data</a:t>
+          </a:r>
+          <a:endParaRPr lang="zh-CN" sz="2500" kern="1200" dirty="0"/>
+        </a:p>
+        <a:p>
+          <a:pPr marL="228600" lvl="1" indent="-228600" algn="l" defTabSz="1111250">
+            <a:lnSpc>
+              <a:spcPct val="90000"/>
+            </a:lnSpc>
+            <a:spcBef>
+              <a:spcPct val="0"/>
+            </a:spcBef>
+            <a:spcAft>
+              <a:spcPct val="15000"/>
+            </a:spcAft>
+            <a:buChar char="•"/>
+          </a:pPr>
+          <a:r>
+            <a:rPr lang="en-US" sz="2500" kern="1200" dirty="0"/>
+            <a:t>Filter by field</a:t>
+          </a:r>
+          <a:endParaRPr lang="zh-CN" sz="2500" kern="1200" dirty="0"/>
+        </a:p>
+      </dsp:txBody>
+      <dsp:txXfrm>
+        <a:off x="42" y="748564"/>
+        <a:ext cx="4076872" cy="1531195"/>
+      </dsp:txXfrm>
+    </dsp:sp>
+    <dsp:sp modelId="{ECC7D815-0802-440C-A41A-0EFB164C8E55}">
+      <dsp:nvSpPr>
+        <dsp:cNvPr id="0" name=""/>
+        <dsp:cNvSpPr/>
+      </dsp:nvSpPr>
+      <dsp:spPr>
+        <a:xfrm>
+          <a:off x="4647677" y="28564"/>
+          <a:ext cx="4076872" cy="720000"/>
+        </a:xfrm>
+        <a:prstGeom prst="rect">
+          <a:avLst/>
+        </a:prstGeom>
+        <a:solidFill>
+          <a:schemeClr val="dk2">
+            <a:hueOff val="0"/>
+            <a:satOff val="0"/>
+            <a:lumOff val="0"/>
+            <a:alphaOff val="0"/>
+          </a:schemeClr>
+        </a:solidFill>
+        <a:ln w="12700" cap="flat" cmpd="sng" algn="ctr">
+          <a:solidFill>
+            <a:schemeClr val="dk2">
+              <a:hueOff val="0"/>
+              <a:satOff val="0"/>
+              <a:lumOff val="0"/>
+              <a:alphaOff val="0"/>
+            </a:schemeClr>
+          </a:solidFill>
+          <a:prstDash val="solid"/>
+          <a:miter lim="800000"/>
+        </a:ln>
+        <a:effectLst/>
+      </dsp:spPr>
+      <dsp:style>
+        <a:lnRef idx="2">
+          <a:scrgbClr r="0" g="0" b="0"/>
+        </a:lnRef>
+        <a:fillRef idx="1">
+          <a:scrgbClr r="0" g="0" b="0"/>
+        </a:fillRef>
+        <a:effectRef idx="0">
+          <a:scrgbClr r="0" g="0" b="0"/>
+        </a:effectRef>
+        <a:fontRef idx="minor">
+          <a:schemeClr val="lt1"/>
+        </a:fontRef>
+      </dsp:style>
+      <dsp:txBody>
+        <a:bodyPr spcFirstLastPara="0" vert="horz" wrap="square" lIns="177800" tIns="101600" rIns="177800" bIns="101600" numCol="1" spcCol="1270" anchor="ctr" anchorCtr="0">
+          <a:noAutofit/>
+        </a:bodyPr>
+        <a:lstStyle/>
+        <a:p>
+          <a:pPr marL="0" lvl="0" indent="0" algn="ctr" defTabSz="1111250">
+            <a:lnSpc>
+              <a:spcPct val="90000"/>
+            </a:lnSpc>
+            <a:spcBef>
+              <a:spcPct val="0"/>
+            </a:spcBef>
+            <a:spcAft>
+              <a:spcPct val="35000"/>
+            </a:spcAft>
+            <a:buNone/>
+          </a:pPr>
+          <a:r>
+            <a:rPr lang="en-US" sz="2500" kern="1200"/>
+            <a:t>We can’t:</a:t>
+          </a:r>
+          <a:endParaRPr lang="zh-CN" sz="2500" kern="1200"/>
+        </a:p>
+      </dsp:txBody>
+      <dsp:txXfrm>
+        <a:off x="4647677" y="28564"/>
+        <a:ext cx="4076872" cy="720000"/>
+      </dsp:txXfrm>
+    </dsp:sp>
+    <dsp:sp modelId="{6B056BE8-D3B0-45A5-B396-AEA6529484EC}">
+      <dsp:nvSpPr>
+        <dsp:cNvPr id="0" name=""/>
+        <dsp:cNvSpPr/>
+      </dsp:nvSpPr>
+      <dsp:spPr>
+        <a:xfrm>
+          <a:off x="4647677" y="748564"/>
+          <a:ext cx="4076872" cy="1531195"/>
+        </a:xfrm>
+        <a:prstGeom prst="rect">
+          <a:avLst/>
+        </a:prstGeom>
+        <a:solidFill>
+          <a:schemeClr val="dk2">
+            <a:alpha val="90000"/>
+            <a:tint val="40000"/>
+            <a:hueOff val="0"/>
+            <a:satOff val="0"/>
+            <a:lumOff val="0"/>
+            <a:alphaOff val="0"/>
+          </a:schemeClr>
+        </a:solidFill>
+        <a:ln w="12700" cap="flat" cmpd="sng" algn="ctr">
+          <a:solidFill>
+            <a:schemeClr val="dk2">
+              <a:alpha val="90000"/>
+              <a:tint val="40000"/>
+              <a:hueOff val="0"/>
+              <a:satOff val="0"/>
+              <a:lumOff val="0"/>
+              <a:alphaOff val="0"/>
+            </a:schemeClr>
+          </a:solidFill>
+          <a:prstDash val="solid"/>
+          <a:miter lim="800000"/>
+        </a:ln>
+        <a:effectLst/>
+      </dsp:spPr>
+      <dsp:style>
+        <a:lnRef idx="2">
+          <a:scrgbClr r="0" g="0" b="0"/>
+        </a:lnRef>
+        <a:fillRef idx="1">
+          <a:scrgbClr r="0" g="0" b="0"/>
+        </a:fillRef>
+        <a:effectRef idx="0">
+          <a:scrgbClr r="0" g="0" b="0"/>
+        </a:effectRef>
+        <a:fontRef idx="minor"/>
+      </dsp:style>
+      <dsp:txBody>
+        <a:bodyPr spcFirstLastPara="0" vert="horz" wrap="square" lIns="133350" tIns="133350" rIns="177800" bIns="200025" numCol="1" spcCol="1270" anchor="t" anchorCtr="0">
+          <a:noAutofit/>
+        </a:bodyPr>
+        <a:lstStyle/>
+        <a:p>
+          <a:pPr marL="228600" lvl="1" indent="-228600" algn="l" defTabSz="1111250">
+            <a:lnSpc>
+              <a:spcPct val="90000"/>
+            </a:lnSpc>
+            <a:spcBef>
+              <a:spcPct val="0"/>
+            </a:spcBef>
+            <a:spcAft>
+              <a:spcPct val="15000"/>
+            </a:spcAft>
+            <a:buChar char="•"/>
+          </a:pPr>
+          <a:r>
+            <a:rPr lang="en-US" sz="2500" kern="1200" dirty="0"/>
+            <a:t>Select the field we need</a:t>
+          </a:r>
+          <a:endParaRPr lang="zh-CN" sz="2500" kern="1200" dirty="0"/>
+        </a:p>
+        <a:p>
+          <a:pPr marL="228600" lvl="1" indent="-228600" algn="l" defTabSz="1111250">
+            <a:lnSpc>
+              <a:spcPct val="90000"/>
+            </a:lnSpc>
+            <a:spcBef>
+              <a:spcPct val="0"/>
+            </a:spcBef>
+            <a:spcAft>
+              <a:spcPct val="15000"/>
+            </a:spcAft>
+            <a:buChar char="•"/>
+          </a:pPr>
+          <a:r>
+            <a:rPr lang="en-US" sz="2500" kern="1200"/>
+            <a:t>Count non-numeric fields</a:t>
+          </a:r>
+          <a:endParaRPr lang="zh-CN" sz="2500" kern="1200"/>
+        </a:p>
+        <a:p>
+          <a:pPr marL="228600" lvl="1" indent="-228600" algn="l" defTabSz="1111250">
+            <a:lnSpc>
+              <a:spcPct val="90000"/>
+            </a:lnSpc>
+            <a:spcBef>
+              <a:spcPct val="0"/>
+            </a:spcBef>
+            <a:spcAft>
+              <a:spcPct val="15000"/>
+            </a:spcAft>
+            <a:buChar char="•"/>
+          </a:pPr>
+          <a:r>
+            <a:rPr lang="en-US" sz="2500" kern="1200"/>
+            <a:t>Download all data</a:t>
+          </a:r>
+          <a:endParaRPr lang="zh-CN" sz="2500" kern="1200"/>
+        </a:p>
+      </dsp:txBody>
+      <dsp:txXfrm>
+        <a:off x="4647677" y="748564"/>
+        <a:ext cx="4076872" cy="1531195"/>
+      </dsp:txXfrm>
+    </dsp:sp>
+  </dsp:spTree>
+</dsp:drawing>
+</file>
+
 <file path=ppt/diagrams/layout1.xml><?xml version="1.0" encoding="utf-8"?>
 <dgm:layoutDef xmlns:dgm="http://schemas.openxmlformats.org/drawingml/2006/diagram" xmlns:a="http://schemas.openxmlformats.org/drawingml/2006/main" uniqueId="urn:microsoft.com/office/officeart/2005/8/layout/bProcess3">
   <dgm:title val=""/>
@@ -2438,7 +3944,1258 @@
 </dgm:layoutDef>
 </file>
 
+<file path=ppt/diagrams/layout2.xml><?xml version="1.0" encoding="utf-8"?>
+<dgm:layoutDef xmlns:dgm="http://schemas.openxmlformats.org/drawingml/2006/diagram" xmlns:a="http://schemas.openxmlformats.org/drawingml/2006/main" uniqueId="urn:microsoft.com/office/officeart/2005/8/layout/hList1">
+  <dgm:title val=""/>
+  <dgm:desc val=""/>
+  <dgm:catLst>
+    <dgm:cat type="list" pri="5000"/>
+    <dgm:cat type="convert" pri="5000"/>
+  </dgm:catLst>
+  <dgm:sampData>
+    <dgm:dataModel>
+      <dgm:ptLst>
+        <dgm:pt modelId="0" type="doc"/>
+        <dgm:pt modelId="1">
+          <dgm:prSet phldr="1"/>
+        </dgm:pt>
+        <dgm:pt modelId="11">
+          <dgm:prSet phldr="1"/>
+        </dgm:pt>
+        <dgm:pt modelId="12">
+          <dgm:prSet phldr="1"/>
+        </dgm:pt>
+        <dgm:pt modelId="2">
+          <dgm:prSet phldr="1"/>
+        </dgm:pt>
+        <dgm:pt modelId="21">
+          <dgm:prSet phldr="1"/>
+        </dgm:pt>
+        <dgm:pt modelId="22">
+          <dgm:prSet phldr="1"/>
+        </dgm:pt>
+        <dgm:pt modelId="3">
+          <dgm:prSet phldr="1"/>
+        </dgm:pt>
+        <dgm:pt modelId="31">
+          <dgm:prSet phldr="1"/>
+        </dgm:pt>
+        <dgm:pt modelId="32">
+          <dgm:prSet phldr="1"/>
+        </dgm:pt>
+      </dgm:ptLst>
+      <dgm:cxnLst>
+        <dgm:cxn modelId="4" srcId="0" destId="1" srcOrd="0" destOrd="0"/>
+        <dgm:cxn modelId="5" srcId="0" destId="2" srcOrd="1" destOrd="0"/>
+        <dgm:cxn modelId="6" srcId="0" destId="3" srcOrd="2" destOrd="0"/>
+        <dgm:cxn modelId="13" srcId="1" destId="11" srcOrd="0" destOrd="0"/>
+        <dgm:cxn modelId="14" srcId="1" destId="12" srcOrd="1" destOrd="0"/>
+        <dgm:cxn modelId="23" srcId="2" destId="21" srcOrd="0" destOrd="0"/>
+        <dgm:cxn modelId="24" srcId="2" destId="22" srcOrd="1" destOrd="0"/>
+        <dgm:cxn modelId="33" srcId="3" destId="31" srcOrd="0" destOrd="0"/>
+        <dgm:cxn modelId="34" srcId="3" destId="32" srcOrd="1" destOrd="0"/>
+      </dgm:cxnLst>
+      <dgm:bg/>
+      <dgm:whole/>
+    </dgm:dataModel>
+  </dgm:sampData>
+  <dgm:styleData>
+    <dgm:dataModel>
+      <dgm:ptLst>
+        <dgm:pt modelId="0" type="doc"/>
+        <dgm:pt modelId="1">
+          <dgm:prSet phldr="1"/>
+        </dgm:pt>
+        <dgm:pt modelId="2">
+          <dgm:prSet phldr="1"/>
+        </dgm:pt>
+      </dgm:ptLst>
+      <dgm:cxnLst>
+        <dgm:cxn modelId="3" srcId="0" destId="1" srcOrd="0" destOrd="0"/>
+        <dgm:cxn modelId="4" srcId="0" destId="2" srcOrd="1" destOrd="0"/>
+      </dgm:cxnLst>
+      <dgm:bg/>
+      <dgm:whole/>
+    </dgm:dataModel>
+  </dgm:styleData>
+  <dgm:clrData>
+    <dgm:dataModel>
+      <dgm:ptLst>
+        <dgm:pt modelId="0" type="doc"/>
+        <dgm:pt modelId="1">
+          <dgm:prSet phldr="1"/>
+        </dgm:pt>
+        <dgm:pt modelId="2">
+          <dgm:prSet phldr="1"/>
+        </dgm:pt>
+        <dgm:pt modelId="3">
+          <dgm:prSet phldr="1"/>
+        </dgm:pt>
+        <dgm:pt modelId="4">
+          <dgm:prSet phldr="1"/>
+        </dgm:pt>
+      </dgm:ptLst>
+      <dgm:cxnLst>
+        <dgm:cxn modelId="5" srcId="0" destId="1" srcOrd="0" destOrd="0"/>
+        <dgm:cxn modelId="6" srcId="0" destId="2" srcOrd="1" destOrd="0"/>
+        <dgm:cxn modelId="7" srcId="0" destId="3" srcOrd="2" destOrd="0"/>
+        <dgm:cxn modelId="8" srcId="0" destId="4" srcOrd="3" destOrd="0"/>
+      </dgm:cxnLst>
+      <dgm:bg/>
+      <dgm:whole/>
+    </dgm:dataModel>
+  </dgm:clrData>
+  <dgm:layoutNode name="Name0">
+    <dgm:varLst>
+      <dgm:dir/>
+      <dgm:animLvl val="lvl"/>
+      <dgm:resizeHandles val="exact"/>
+    </dgm:varLst>
+    <dgm:choose name="Name1">
+      <dgm:if name="Name2" func="var" arg="dir" op="equ" val="norm">
+        <dgm:alg type="lin"/>
+      </dgm:if>
+      <dgm:else name="Name3">
+        <dgm:alg type="lin">
+          <dgm:param type="linDir" val="fromR"/>
+        </dgm:alg>
+      </dgm:else>
+    </dgm:choose>
+    <dgm:shape xmlns:r="http://schemas.openxmlformats.org/officeDocument/2006/relationships" r:blip="">
+      <dgm:adjLst/>
+    </dgm:shape>
+    <dgm:presOf/>
+    <dgm:constrLst>
+      <dgm:constr type="h" for="ch" forName="composite" refType="h"/>
+      <dgm:constr type="w" for="ch" forName="composite" refType="w"/>
+      <dgm:constr type="w" for="des" forName="parTx"/>
+      <dgm:constr type="h" for="des" forName="parTx" op="equ"/>
+      <dgm:constr type="w" for="des" forName="desTx"/>
+      <dgm:constr type="h" for="des" forName="desTx" op="equ"/>
+      <dgm:constr type="primFontSz" for="des" forName="parTx" val="65"/>
+      <dgm:constr type="secFontSz" for="des" forName="desTx" refType="primFontSz" refFor="des" refForName="parTx" op="equ"/>
+      <dgm:constr type="h" for="des" forName="parTx" refType="primFontSz" refFor="des" refForName="parTx" fact="0.8"/>
+      <dgm:constr type="h" for="des" forName="desTx" refType="primFontSz" refFor="des" refForName="parTx" fact="1.22"/>
+      <dgm:constr type="w" for="ch" forName="space" refType="w" refFor="ch" refForName="composite" op="equ" fact="0.14"/>
+    </dgm:constrLst>
+    <dgm:ruleLst>
+      <dgm:rule type="w" for="ch" forName="composite" val="0" fact="NaN" max="NaN"/>
+      <dgm:rule type="primFontSz" for="des" forName="parTx" val="5" fact="NaN" max="NaN"/>
+    </dgm:ruleLst>
+    <dgm:forEach name="Name4" axis="ch" ptType="node">
+      <dgm:layoutNode name="composite">
+        <dgm:alg type="composite"/>
+        <dgm:shape xmlns:r="http://schemas.openxmlformats.org/officeDocument/2006/relationships" r:blip="">
+          <dgm:adjLst/>
+        </dgm:shape>
+        <dgm:presOf/>
+        <dgm:constrLst>
+          <dgm:constr type="l" for="ch" forName="parTx"/>
+          <dgm:constr type="w" for="ch" forName="parTx" refType="w"/>
+          <dgm:constr type="t" for="ch" forName="parTx"/>
+          <dgm:constr type="l" for="ch" forName="desTx"/>
+          <dgm:constr type="w" for="ch" forName="desTx" refType="w" refFor="ch" refForName="parTx"/>
+          <dgm:constr type="t" for="ch" forName="desTx" refType="h" refFor="ch" refForName="parTx"/>
+        </dgm:constrLst>
+        <dgm:ruleLst>
+          <dgm:rule type="h" val="INF" fact="NaN" max="NaN"/>
+        </dgm:ruleLst>
+        <dgm:layoutNode name="parTx" styleLbl="alignNode1">
+          <dgm:varLst>
+            <dgm:chMax val="0"/>
+            <dgm:chPref val="0"/>
+            <dgm:bulletEnabled val="1"/>
+          </dgm:varLst>
+          <dgm:alg type="tx"/>
+          <dgm:shape xmlns:r="http://schemas.openxmlformats.org/officeDocument/2006/relationships" type="rect" r:blip="">
+            <dgm:adjLst/>
+          </dgm:shape>
+          <dgm:presOf axis="self" ptType="node"/>
+          <dgm:constrLst>
+            <dgm:constr type="h" refType="w" op="lte" fact="0.4"/>
+            <dgm:constr type="h"/>
+            <dgm:constr type="tMarg" refType="primFontSz" fact="0.32"/>
+            <dgm:constr type="bMarg" refType="primFontSz" fact="0.32"/>
+          </dgm:constrLst>
+          <dgm:ruleLst>
+            <dgm:rule type="h" val="INF" fact="NaN" max="NaN"/>
+          </dgm:ruleLst>
+        </dgm:layoutNode>
+        <dgm:layoutNode name="desTx" styleLbl="alignAccFollowNode1">
+          <dgm:varLst>
+            <dgm:bulletEnabled val="1"/>
+          </dgm:varLst>
+          <dgm:alg type="tx">
+            <dgm:param type="stBulletLvl" val="1"/>
+          </dgm:alg>
+          <dgm:shape xmlns:r="http://schemas.openxmlformats.org/officeDocument/2006/relationships" type="rect" r:blip="">
+            <dgm:adjLst/>
+          </dgm:shape>
+          <dgm:presOf axis="des" ptType="node"/>
+          <dgm:constrLst>
+            <dgm:constr type="secFontSz" val="65"/>
+            <dgm:constr type="primFontSz" refType="secFontSz"/>
+            <dgm:constr type="h"/>
+            <dgm:constr type="lMarg" refType="primFontSz" fact="0.42"/>
+            <dgm:constr type="tMarg" refType="primFontSz" fact="0.42"/>
+            <dgm:constr type="bMarg" refType="primFontSz" fact="0.63"/>
+          </dgm:constrLst>
+          <dgm:ruleLst>
+            <dgm:rule type="h" val="INF" fact="NaN" max="NaN"/>
+          </dgm:ruleLst>
+        </dgm:layoutNode>
+      </dgm:layoutNode>
+      <dgm:forEach name="Name5" axis="followSib" ptType="sibTrans" cnt="1">
+        <dgm:layoutNode name="space">
+          <dgm:alg type="sp"/>
+          <dgm:shape xmlns:r="http://schemas.openxmlformats.org/officeDocument/2006/relationships" r:blip="">
+            <dgm:adjLst/>
+          </dgm:shape>
+          <dgm:presOf/>
+          <dgm:constrLst/>
+          <dgm:ruleLst/>
+        </dgm:layoutNode>
+      </dgm:forEach>
+    </dgm:forEach>
+  </dgm:layoutNode>
+</dgm:layoutDef>
+</file>
+
 <file path=ppt/diagrams/quickStyle1.xml><?xml version="1.0" encoding="utf-8"?>
+<dgm:styleDef xmlns:dgm="http://schemas.openxmlformats.org/drawingml/2006/diagram" xmlns:a="http://schemas.openxmlformats.org/drawingml/2006/main" uniqueId="urn:microsoft.com/office/officeart/2005/8/quickstyle/simple1">
+  <dgm:title val=""/>
+  <dgm:desc val=""/>
+  <dgm:catLst>
+    <dgm:cat type="simple" pri="10100"/>
+  </dgm:catLst>
+  <dgm:scene3d>
+    <a:camera prst="orthographicFront"/>
+    <a:lightRig rig="threePt" dir="t"/>
+  </dgm:scene3d>
+  <dgm:styleLbl name="node0">
+    <dgm:scene3d>
+      <a:camera prst="orthographicFront"/>
+      <a:lightRig rig="threePt" dir="t"/>
+    </dgm:scene3d>
+    <dgm:sp3d/>
+    <dgm:txPr/>
+    <dgm:style>
+      <a:lnRef idx="2">
+        <a:scrgbClr r="0" g="0" b="0"/>
+      </a:lnRef>
+      <a:fillRef idx="1">
+        <a:scrgbClr r="0" g="0" b="0"/>
+      </a:fillRef>
+      <a:effectRef idx="0">
+        <a:scrgbClr r="0" g="0" b="0"/>
+      </a:effectRef>
+      <a:fontRef idx="minor">
+        <a:schemeClr val="lt1"/>
+      </a:fontRef>
+    </dgm:style>
+  </dgm:styleLbl>
+  <dgm:styleLbl name="lnNode1">
+    <dgm:scene3d>
+      <a:camera prst="orthographicFront"/>
+      <a:lightRig rig="threePt" dir="t"/>
+    </dgm:scene3d>
+    <dgm:sp3d/>
+    <dgm:txPr/>
+    <dgm:style>
+      <a:lnRef idx="2">
+        <a:scrgbClr r="0" g="0" b="0"/>
+      </a:lnRef>
+      <a:fillRef idx="1">
+        <a:scrgbClr r="0" g="0" b="0"/>
+      </a:fillRef>
+      <a:effectRef idx="0">
+        <a:scrgbClr r="0" g="0" b="0"/>
+      </a:effectRef>
+      <a:fontRef idx="minor">
+        <a:schemeClr val="lt1"/>
+      </a:fontRef>
+    </dgm:style>
+  </dgm:styleLbl>
+  <dgm:styleLbl name="vennNode1">
+    <dgm:scene3d>
+      <a:camera prst="orthographicFront"/>
+      <a:lightRig rig="threePt" dir="t"/>
+    </dgm:scene3d>
+    <dgm:sp3d/>
+    <dgm:txPr/>
+    <dgm:style>
+      <a:lnRef idx="2">
+        <a:scrgbClr r="0" g="0" b="0"/>
+      </a:lnRef>
+      <a:fillRef idx="1">
+        <a:scrgbClr r="0" g="0" b="0"/>
+      </a:fillRef>
+      <a:effectRef idx="0">
+        <a:scrgbClr r="0" g="0" b="0"/>
+      </a:effectRef>
+      <a:fontRef idx="minor">
+        <a:schemeClr val="tx1"/>
+      </a:fontRef>
+    </dgm:style>
+  </dgm:styleLbl>
+  <dgm:styleLbl name="alignNode1">
+    <dgm:scene3d>
+      <a:camera prst="orthographicFront"/>
+      <a:lightRig rig="threePt" dir="t"/>
+    </dgm:scene3d>
+    <dgm:sp3d/>
+    <dgm:txPr/>
+    <dgm:style>
+      <a:lnRef idx="2">
+        <a:scrgbClr r="0" g="0" b="0"/>
+      </a:lnRef>
+      <a:fillRef idx="1">
+        <a:scrgbClr r="0" g="0" b="0"/>
+      </a:fillRef>
+      <a:effectRef idx="0">
+        <a:scrgbClr r="0" g="0" b="0"/>
+      </a:effectRef>
+      <a:fontRef idx="minor">
+        <a:schemeClr val="lt1"/>
+      </a:fontRef>
+    </dgm:style>
+  </dgm:styleLbl>
+  <dgm:styleLbl name="node1">
+    <dgm:scene3d>
+      <a:camera prst="orthographicFront"/>
+      <a:lightRig rig="threePt" dir="t"/>
+    </dgm:scene3d>
+    <dgm:sp3d/>
+    <dgm:txPr/>
+    <dgm:style>
+      <a:lnRef idx="2">
+        <a:scrgbClr r="0" g="0" b="0"/>
+      </a:lnRef>
+      <a:fillRef idx="1">
+        <a:scrgbClr r="0" g="0" b="0"/>
+      </a:fillRef>
+      <a:effectRef idx="0">
+        <a:scrgbClr r="0" g="0" b="0"/>
+      </a:effectRef>
+      <a:fontRef idx="minor">
+        <a:schemeClr val="lt1"/>
+      </a:fontRef>
+    </dgm:style>
+  </dgm:styleLbl>
+  <dgm:styleLbl name="node2">
+    <dgm:scene3d>
+      <a:camera prst="orthographicFront"/>
+      <a:lightRig rig="threePt" dir="t"/>
+    </dgm:scene3d>
+    <dgm:sp3d/>
+    <dgm:txPr/>
+    <dgm:style>
+      <a:lnRef idx="2">
+        <a:scrgbClr r="0" g="0" b="0"/>
+      </a:lnRef>
+      <a:fillRef idx="1">
+        <a:scrgbClr r="0" g="0" b="0"/>
+      </a:fillRef>
+      <a:effectRef idx="0">
+        <a:scrgbClr r="0" g="0" b="0"/>
+      </a:effectRef>
+      <a:fontRef idx="minor">
+        <a:schemeClr val="lt1"/>
+      </a:fontRef>
+    </dgm:style>
+  </dgm:styleLbl>
+  <dgm:styleLbl name="node3">
+    <dgm:scene3d>
+      <a:camera prst="orthographicFront"/>
+      <a:lightRig rig="threePt" dir="t"/>
+    </dgm:scene3d>
+    <dgm:sp3d/>
+    <dgm:txPr/>
+    <dgm:style>
+      <a:lnRef idx="2">
+        <a:scrgbClr r="0" g="0" b="0"/>
+      </a:lnRef>
+      <a:fillRef idx="1">
+        <a:scrgbClr r="0" g="0" b="0"/>
+      </a:fillRef>
+      <a:effectRef idx="0">
+        <a:scrgbClr r="0" g="0" b="0"/>
+      </a:effectRef>
+      <a:fontRef idx="minor">
+        <a:schemeClr val="lt1"/>
+      </a:fontRef>
+    </dgm:style>
+  </dgm:styleLbl>
+  <dgm:styleLbl name="node4">
+    <dgm:scene3d>
+      <a:camera prst="orthographicFront"/>
+      <a:lightRig rig="threePt" dir="t"/>
+    </dgm:scene3d>
+    <dgm:sp3d/>
+    <dgm:txPr/>
+    <dgm:style>
+      <a:lnRef idx="2">
+        <a:scrgbClr r="0" g="0" b="0"/>
+      </a:lnRef>
+      <a:fillRef idx="1">
+        <a:scrgbClr r="0" g="0" b="0"/>
+      </a:fillRef>
+      <a:effectRef idx="0">
+        <a:scrgbClr r="0" g="0" b="0"/>
+      </a:effectRef>
+      <a:fontRef idx="minor">
+        <a:schemeClr val="lt1"/>
+      </a:fontRef>
+    </dgm:style>
+  </dgm:styleLbl>
+  <dgm:styleLbl name="fgImgPlace1">
+    <dgm:scene3d>
+      <a:camera prst="orthographicFront"/>
+      <a:lightRig rig="threePt" dir="t"/>
+    </dgm:scene3d>
+    <dgm:sp3d/>
+    <dgm:txPr/>
+    <dgm:style>
+      <a:lnRef idx="2">
+        <a:scrgbClr r="0" g="0" b="0"/>
+      </a:lnRef>
+      <a:fillRef idx="1">
+        <a:scrgbClr r="0" g="0" b="0"/>
+      </a:fillRef>
+      <a:effectRef idx="0">
+        <a:scrgbClr r="0" g="0" b="0"/>
+      </a:effectRef>
+      <a:fontRef idx="minor"/>
+    </dgm:style>
+  </dgm:styleLbl>
+  <dgm:styleLbl name="alignImgPlace1">
+    <dgm:scene3d>
+      <a:camera prst="orthographicFront"/>
+      <a:lightRig rig="threePt" dir="t"/>
+    </dgm:scene3d>
+    <dgm:sp3d/>
+    <dgm:txPr/>
+    <dgm:style>
+      <a:lnRef idx="2">
+        <a:scrgbClr r="0" g="0" b="0"/>
+      </a:lnRef>
+      <a:fillRef idx="1">
+        <a:scrgbClr r="0" g="0" b="0"/>
+      </a:fillRef>
+      <a:effectRef idx="0">
+        <a:scrgbClr r="0" g="0" b="0"/>
+      </a:effectRef>
+      <a:fontRef idx="minor"/>
+    </dgm:style>
+  </dgm:styleLbl>
+  <dgm:styleLbl name="bgImgPlace1">
+    <dgm:scene3d>
+      <a:camera prst="orthographicFront"/>
+      <a:lightRig rig="threePt" dir="t"/>
+    </dgm:scene3d>
+    <dgm:sp3d/>
+    <dgm:txPr/>
+    <dgm:style>
+      <a:lnRef idx="2">
+        <a:scrgbClr r="0" g="0" b="0"/>
+      </a:lnRef>
+      <a:fillRef idx="1">
+        <a:scrgbClr r="0" g="0" b="0"/>
+      </a:fillRef>
+      <a:effectRef idx="0">
+        <a:scrgbClr r="0" g="0" b="0"/>
+      </a:effectRef>
+      <a:fontRef idx="minor"/>
+    </dgm:style>
+  </dgm:styleLbl>
+  <dgm:styleLbl name="sibTrans2D1">
+    <dgm:scene3d>
+      <a:camera prst="orthographicFront"/>
+      <a:lightRig rig="threePt" dir="t"/>
+    </dgm:scene3d>
+    <dgm:sp3d/>
+    <dgm:txPr/>
+    <dgm:style>
+      <a:lnRef idx="0">
+        <a:scrgbClr r="0" g="0" b="0"/>
+      </a:lnRef>
+      <a:fillRef idx="1">
+        <a:scrgbClr r="0" g="0" b="0"/>
+      </a:fillRef>
+      <a:effectRef idx="0">
+        <a:scrgbClr r="0" g="0" b="0"/>
+      </a:effectRef>
+      <a:fontRef idx="minor">
+        <a:schemeClr val="lt1"/>
+      </a:fontRef>
+    </dgm:style>
+  </dgm:styleLbl>
+  <dgm:styleLbl name="fgSibTrans2D1">
+    <dgm:scene3d>
+      <a:camera prst="orthographicFront"/>
+      <a:lightRig rig="threePt" dir="t"/>
+    </dgm:scene3d>
+    <dgm:sp3d/>
+    <dgm:txPr/>
+    <dgm:style>
+      <a:lnRef idx="0">
+        <a:scrgbClr r="0" g="0" b="0"/>
+      </a:lnRef>
+      <a:fillRef idx="1">
+        <a:scrgbClr r="0" g="0" b="0"/>
+      </a:fillRef>
+      <a:effectRef idx="0">
+        <a:scrgbClr r="0" g="0" b="0"/>
+      </a:effectRef>
+      <a:fontRef idx="minor">
+        <a:schemeClr val="lt1"/>
+      </a:fontRef>
+    </dgm:style>
+  </dgm:styleLbl>
+  <dgm:styleLbl name="bgSibTrans2D1">
+    <dgm:scene3d>
+      <a:camera prst="orthographicFront"/>
+      <a:lightRig rig="threePt" dir="t"/>
+    </dgm:scene3d>
+    <dgm:sp3d/>
+    <dgm:txPr/>
+    <dgm:style>
+      <a:lnRef idx="0">
+        <a:scrgbClr r="0" g="0" b="0"/>
+      </a:lnRef>
+      <a:fillRef idx="1">
+        <a:scrgbClr r="0" g="0" b="0"/>
+      </a:fillRef>
+      <a:effectRef idx="0">
+        <a:scrgbClr r="0" g="0" b="0"/>
+      </a:effectRef>
+      <a:fontRef idx="minor">
+        <a:schemeClr val="lt1"/>
+      </a:fontRef>
+    </dgm:style>
+  </dgm:styleLbl>
+  <dgm:styleLbl name="sibTrans1D1">
+    <dgm:scene3d>
+      <a:camera prst="orthographicFront"/>
+      <a:lightRig rig="threePt" dir="t"/>
+    </dgm:scene3d>
+    <dgm:sp3d/>
+    <dgm:txPr/>
+    <dgm:style>
+      <a:lnRef idx="1">
+        <a:scrgbClr r="0" g="0" b="0"/>
+      </a:lnRef>
+      <a:fillRef idx="0">
+        <a:scrgbClr r="0" g="0" b="0"/>
+      </a:fillRef>
+      <a:effectRef idx="0">
+        <a:scrgbClr r="0" g="0" b="0"/>
+      </a:effectRef>
+      <a:fontRef idx="minor"/>
+    </dgm:style>
+  </dgm:styleLbl>
+  <dgm:styleLbl name="callout">
+    <dgm:scene3d>
+      <a:camera prst="orthographicFront"/>
+      <a:lightRig rig="threePt" dir="t"/>
+    </dgm:scene3d>
+    <dgm:sp3d/>
+    <dgm:txPr/>
+    <dgm:style>
+      <a:lnRef idx="2">
+        <a:scrgbClr r="0" g="0" b="0"/>
+      </a:lnRef>
+      <a:fillRef idx="1">
+        <a:scrgbClr r="0" g="0" b="0"/>
+      </a:fillRef>
+      <a:effectRef idx="0">
+        <a:scrgbClr r="0" g="0" b="0"/>
+      </a:effectRef>
+      <a:fontRef idx="minor"/>
+    </dgm:style>
+  </dgm:styleLbl>
+  <dgm:styleLbl name="asst0">
+    <dgm:scene3d>
+      <a:camera prst="orthographicFront"/>
+      <a:lightRig rig="threePt" dir="t"/>
+    </dgm:scene3d>
+    <dgm:sp3d/>
+    <dgm:txPr/>
+    <dgm:style>
+      <a:lnRef idx="2">
+        <a:scrgbClr r="0" g="0" b="0"/>
+      </a:lnRef>
+      <a:fillRef idx="1">
+        <a:scrgbClr r="0" g="0" b="0"/>
+      </a:fillRef>
+      <a:effectRef idx="0">
+        <a:scrgbClr r="0" g="0" b="0"/>
+      </a:effectRef>
+      <a:fontRef idx="minor">
+        <a:schemeClr val="lt1"/>
+      </a:fontRef>
+    </dgm:style>
+  </dgm:styleLbl>
+  <dgm:styleLbl name="asst1">
+    <dgm:scene3d>
+      <a:camera prst="orthographicFront"/>
+      <a:lightRig rig="threePt" dir="t"/>
+    </dgm:scene3d>
+    <dgm:sp3d/>
+    <dgm:txPr/>
+    <dgm:style>
+      <a:lnRef idx="2">
+        <a:scrgbClr r="0" g="0" b="0"/>
+      </a:lnRef>
+      <a:fillRef idx="1">
+        <a:scrgbClr r="0" g="0" b="0"/>
+      </a:fillRef>
+      <a:effectRef idx="0">
+        <a:scrgbClr r="0" g="0" b="0"/>
+      </a:effectRef>
+      <a:fontRef idx="minor">
+        <a:schemeClr val="lt1"/>
+      </a:fontRef>
+    </dgm:style>
+  </dgm:styleLbl>
+  <dgm:styleLbl name="asst2">
+    <dgm:scene3d>
+      <a:camera prst="orthographicFront"/>
+      <a:lightRig rig="threePt" dir="t"/>
+    </dgm:scene3d>
+    <dgm:sp3d/>
+    <dgm:txPr/>
+    <dgm:style>
+      <a:lnRef idx="2">
+        <a:scrgbClr r="0" g="0" b="0"/>
+      </a:lnRef>
+      <a:fillRef idx="1">
+        <a:scrgbClr r="0" g="0" b="0"/>
+      </a:fillRef>
+      <a:effectRef idx="0">
+        <a:scrgbClr r="0" g="0" b="0"/>
+      </a:effectRef>
+      <a:fontRef idx="minor">
+        <a:schemeClr val="lt1"/>
+      </a:fontRef>
+    </dgm:style>
+  </dgm:styleLbl>
+  <dgm:styleLbl name="asst3">
+    <dgm:scene3d>
+      <a:camera prst="orthographicFront"/>
+      <a:lightRig rig="threePt" dir="t"/>
+    </dgm:scene3d>
+    <dgm:sp3d/>
+    <dgm:txPr/>
+    <dgm:style>
+      <a:lnRef idx="2">
+        <a:scrgbClr r="0" g="0" b="0"/>
+      </a:lnRef>
+      <a:fillRef idx="1">
+        <a:scrgbClr r="0" g="0" b="0"/>
+      </a:fillRef>
+      <a:effectRef idx="0">
+        <a:scrgbClr r="0" g="0" b="0"/>
+      </a:effectRef>
+      <a:fontRef idx="minor">
+        <a:schemeClr val="lt1"/>
+      </a:fontRef>
+    </dgm:style>
+  </dgm:styleLbl>
+  <dgm:styleLbl name="asst4">
+    <dgm:scene3d>
+      <a:camera prst="orthographicFront"/>
+      <a:lightRig rig="threePt" dir="t"/>
+    </dgm:scene3d>
+    <dgm:sp3d/>
+    <dgm:txPr/>
+    <dgm:style>
+      <a:lnRef idx="2">
+        <a:scrgbClr r="0" g="0" b="0"/>
+      </a:lnRef>
+      <a:fillRef idx="1">
+        <a:scrgbClr r="0" g="0" b="0"/>
+      </a:fillRef>
+      <a:effectRef idx="0">
+        <a:scrgbClr r="0" g="0" b="0"/>
+      </a:effectRef>
+      <a:fontRef idx="minor">
+        <a:schemeClr val="lt1"/>
+      </a:fontRef>
+    </dgm:style>
+  </dgm:styleLbl>
+  <dgm:styleLbl name="parChTrans2D1">
+    <dgm:scene3d>
+      <a:camera prst="orthographicFront"/>
+      <a:lightRig rig="threePt" dir="t"/>
+    </dgm:scene3d>
+    <dgm:sp3d/>
+    <dgm:txPr/>
+    <dgm:style>
+      <a:lnRef idx="2">
+        <a:scrgbClr r="0" g="0" b="0"/>
+      </a:lnRef>
+      <a:fillRef idx="1">
+        <a:scrgbClr r="0" g="0" b="0"/>
+      </a:fillRef>
+      <a:effectRef idx="0">
+        <a:scrgbClr r="0" g="0" b="0"/>
+      </a:effectRef>
+      <a:fontRef idx="minor">
+        <a:schemeClr val="lt1"/>
+      </a:fontRef>
+    </dgm:style>
+  </dgm:styleLbl>
+  <dgm:styleLbl name="parChTrans2D2">
+    <dgm:scene3d>
+      <a:camera prst="orthographicFront"/>
+      <a:lightRig rig="threePt" dir="t"/>
+    </dgm:scene3d>
+    <dgm:sp3d/>
+    <dgm:txPr/>
+    <dgm:style>
+      <a:lnRef idx="2">
+        <a:scrgbClr r="0" g="0" b="0"/>
+      </a:lnRef>
+      <a:fillRef idx="1">
+        <a:scrgbClr r="0" g="0" b="0"/>
+      </a:fillRef>
+      <a:effectRef idx="0">
+        <a:scrgbClr r="0" g="0" b="0"/>
+      </a:effectRef>
+      <a:fontRef idx="minor">
+        <a:schemeClr val="lt1"/>
+      </a:fontRef>
+    </dgm:style>
+  </dgm:styleLbl>
+  <dgm:styleLbl name="parChTrans2D3">
+    <dgm:scene3d>
+      <a:camera prst="orthographicFront"/>
+      <a:lightRig rig="threePt" dir="t"/>
+    </dgm:scene3d>
+    <dgm:sp3d/>
+    <dgm:txPr/>
+    <dgm:style>
+      <a:lnRef idx="2">
+        <a:scrgbClr r="0" g="0" b="0"/>
+      </a:lnRef>
+      <a:fillRef idx="1">
+        <a:scrgbClr r="0" g="0" b="0"/>
+      </a:fillRef>
+      <a:effectRef idx="0">
+        <a:scrgbClr r="0" g="0" b="0"/>
+      </a:effectRef>
+      <a:fontRef idx="minor">
+        <a:schemeClr val="lt1"/>
+      </a:fontRef>
+    </dgm:style>
+  </dgm:styleLbl>
+  <dgm:styleLbl name="parChTrans2D4">
+    <dgm:scene3d>
+      <a:camera prst="orthographicFront"/>
+      <a:lightRig rig="threePt" dir="t"/>
+    </dgm:scene3d>
+    <dgm:sp3d/>
+    <dgm:txPr/>
+    <dgm:style>
+      <a:lnRef idx="2">
+        <a:scrgbClr r="0" g="0" b="0"/>
+      </a:lnRef>
+      <a:fillRef idx="1">
+        <a:scrgbClr r="0" g="0" b="0"/>
+      </a:fillRef>
+      <a:effectRef idx="0">
+        <a:scrgbClr r="0" g="0" b="0"/>
+      </a:effectRef>
+      <a:fontRef idx="minor">
+        <a:schemeClr val="lt1"/>
+      </a:fontRef>
+    </dgm:style>
+  </dgm:styleLbl>
+  <dgm:styleLbl name="parChTrans1D1">
+    <dgm:scene3d>
+      <a:camera prst="orthographicFront"/>
+      <a:lightRig rig="threePt" dir="t"/>
+    </dgm:scene3d>
+    <dgm:sp3d/>
+    <dgm:txPr/>
+    <dgm:style>
+      <a:lnRef idx="2">
+        <a:scrgbClr r="0" g="0" b="0"/>
+      </a:lnRef>
+      <a:fillRef idx="0">
+        <a:scrgbClr r="0" g="0" b="0"/>
+      </a:fillRef>
+      <a:effectRef idx="0">
+        <a:scrgbClr r="0" g="0" b="0"/>
+      </a:effectRef>
+      <a:fontRef idx="minor"/>
+    </dgm:style>
+  </dgm:styleLbl>
+  <dgm:styleLbl name="parChTrans1D2">
+    <dgm:scene3d>
+      <a:camera prst="orthographicFront"/>
+      <a:lightRig rig="threePt" dir="t"/>
+    </dgm:scene3d>
+    <dgm:sp3d/>
+    <dgm:txPr/>
+    <dgm:style>
+      <a:lnRef idx="2">
+        <a:scrgbClr r="0" g="0" b="0"/>
+      </a:lnRef>
+      <a:fillRef idx="0">
+        <a:scrgbClr r="0" g="0" b="0"/>
+      </a:fillRef>
+      <a:effectRef idx="0">
+        <a:scrgbClr r="0" g="0" b="0"/>
+      </a:effectRef>
+      <a:fontRef idx="minor"/>
+    </dgm:style>
+  </dgm:styleLbl>
+  <dgm:styleLbl name="parChTrans1D3">
+    <dgm:scene3d>
+      <a:camera prst="orthographicFront"/>
+      <a:lightRig rig="threePt" dir="t"/>
+    </dgm:scene3d>
+    <dgm:sp3d/>
+    <dgm:txPr/>
+    <dgm:style>
+      <a:lnRef idx="2">
+        <a:scrgbClr r="0" g="0" b="0"/>
+      </a:lnRef>
+      <a:fillRef idx="0">
+        <a:scrgbClr r="0" g="0" b="0"/>
+      </a:fillRef>
+      <a:effectRef idx="0">
+        <a:scrgbClr r="0" g="0" b="0"/>
+      </a:effectRef>
+      <a:fontRef idx="minor"/>
+    </dgm:style>
+  </dgm:styleLbl>
+  <dgm:styleLbl name="parChTrans1D4">
+    <dgm:scene3d>
+      <a:camera prst="orthographicFront"/>
+      <a:lightRig rig="threePt" dir="t"/>
+    </dgm:scene3d>
+    <dgm:sp3d/>
+    <dgm:txPr/>
+    <dgm:style>
+      <a:lnRef idx="2">
+        <a:scrgbClr r="0" g="0" b="0"/>
+      </a:lnRef>
+      <a:fillRef idx="0">
+        <a:scrgbClr r="0" g="0" b="0"/>
+      </a:fillRef>
+      <a:effectRef idx="0">
+        <a:scrgbClr r="0" g="0" b="0"/>
+      </a:effectRef>
+      <a:fontRef idx="minor"/>
+    </dgm:style>
+  </dgm:styleLbl>
+  <dgm:styleLbl name="fgAcc1">
+    <dgm:scene3d>
+      <a:camera prst="orthographicFront"/>
+      <a:lightRig rig="threePt" dir="t"/>
+    </dgm:scene3d>
+    <dgm:sp3d/>
+    <dgm:txPr/>
+    <dgm:style>
+      <a:lnRef idx="2">
+        <a:scrgbClr r="0" g="0" b="0"/>
+      </a:lnRef>
+      <a:fillRef idx="1">
+        <a:scrgbClr r="0" g="0" b="0"/>
+      </a:fillRef>
+      <a:effectRef idx="0">
+        <a:scrgbClr r="0" g="0" b="0"/>
+      </a:effectRef>
+      <a:fontRef idx="minor"/>
+    </dgm:style>
+  </dgm:styleLbl>
+  <dgm:styleLbl name="conFgAcc1">
+    <dgm:scene3d>
+      <a:camera prst="orthographicFront"/>
+      <a:lightRig rig="threePt" dir="t"/>
+    </dgm:scene3d>
+    <dgm:sp3d/>
+    <dgm:txPr/>
+    <dgm:style>
+      <a:lnRef idx="2">
+        <a:scrgbClr r="0" g="0" b="0"/>
+      </a:lnRef>
+      <a:fillRef idx="1">
+        <a:scrgbClr r="0" g="0" b="0"/>
+      </a:fillRef>
+      <a:effectRef idx="0">
+        <a:scrgbClr r="0" g="0" b="0"/>
+      </a:effectRef>
+      <a:fontRef idx="minor"/>
+    </dgm:style>
+  </dgm:styleLbl>
+  <dgm:styleLbl name="alignAcc1">
+    <dgm:scene3d>
+      <a:camera prst="orthographicFront"/>
+      <a:lightRig rig="threePt" dir="t"/>
+    </dgm:scene3d>
+    <dgm:sp3d/>
+    <dgm:txPr/>
+    <dgm:style>
+      <a:lnRef idx="2">
+        <a:scrgbClr r="0" g="0" b="0"/>
+      </a:lnRef>
+      <a:fillRef idx="1">
+        <a:scrgbClr r="0" g="0" b="0"/>
+      </a:fillRef>
+      <a:effectRef idx="0">
+        <a:scrgbClr r="0" g="0" b="0"/>
+      </a:effectRef>
+      <a:fontRef idx="minor"/>
+    </dgm:style>
+  </dgm:styleLbl>
+  <dgm:styleLbl name="trAlignAcc1">
+    <dgm:scene3d>
+      <a:camera prst="orthographicFront"/>
+      <a:lightRig rig="threePt" dir="t"/>
+    </dgm:scene3d>
+    <dgm:sp3d/>
+    <dgm:txPr/>
+    <dgm:style>
+      <a:lnRef idx="1">
+        <a:scrgbClr r="0" g="0" b="0"/>
+      </a:lnRef>
+      <a:fillRef idx="1">
+        <a:scrgbClr r="0" g="0" b="0"/>
+      </a:fillRef>
+      <a:effectRef idx="0">
+        <a:scrgbClr r="0" g="0" b="0"/>
+      </a:effectRef>
+      <a:fontRef idx="minor"/>
+    </dgm:style>
+  </dgm:styleLbl>
+  <dgm:styleLbl name="bgAcc1">
+    <dgm:scene3d>
+      <a:camera prst="orthographicFront"/>
+      <a:lightRig rig="threePt" dir="t"/>
+    </dgm:scene3d>
+    <dgm:sp3d/>
+    <dgm:txPr/>
+    <dgm:style>
+      <a:lnRef idx="2">
+        <a:scrgbClr r="0" g="0" b="0"/>
+      </a:lnRef>
+      <a:fillRef idx="1">
+        <a:scrgbClr r="0" g="0" b="0"/>
+      </a:fillRef>
+      <a:effectRef idx="0">
+        <a:scrgbClr r="0" g="0" b="0"/>
+      </a:effectRef>
+      <a:fontRef idx="minor"/>
+    </dgm:style>
+  </dgm:styleLbl>
+  <dgm:styleLbl name="solidFgAcc1">
+    <dgm:scene3d>
+      <a:camera prst="orthographicFront"/>
+      <a:lightRig rig="threePt" dir="t"/>
+    </dgm:scene3d>
+    <dgm:sp3d/>
+    <dgm:txPr/>
+    <dgm:style>
+      <a:lnRef idx="2">
+        <a:scrgbClr r="0" g="0" b="0"/>
+      </a:lnRef>
+      <a:fillRef idx="1">
+        <a:scrgbClr r="0" g="0" b="0"/>
+      </a:fillRef>
+      <a:effectRef idx="0">
+        <a:scrgbClr r="0" g="0" b="0"/>
+      </a:effectRef>
+      <a:fontRef idx="minor"/>
+    </dgm:style>
+  </dgm:styleLbl>
+  <dgm:styleLbl name="solidAlignAcc1">
+    <dgm:scene3d>
+      <a:camera prst="orthographicFront"/>
+      <a:lightRig rig="threePt" dir="t"/>
+    </dgm:scene3d>
+    <dgm:sp3d/>
+    <dgm:txPr/>
+    <dgm:style>
+      <a:lnRef idx="2">
+        <a:scrgbClr r="0" g="0" b="0"/>
+      </a:lnRef>
+      <a:fillRef idx="1">
+        <a:scrgbClr r="0" g="0" b="0"/>
+      </a:fillRef>
+      <a:effectRef idx="0">
+        <a:scrgbClr r="0" g="0" b="0"/>
+      </a:effectRef>
+      <a:fontRef idx="minor"/>
+    </dgm:style>
+  </dgm:styleLbl>
+  <dgm:styleLbl name="solidBgAcc1">
+    <dgm:scene3d>
+      <a:camera prst="orthographicFront"/>
+      <a:lightRig rig="threePt" dir="t"/>
+    </dgm:scene3d>
+    <dgm:sp3d/>
+    <dgm:txPr/>
+    <dgm:style>
+      <a:lnRef idx="2">
+        <a:scrgbClr r="0" g="0" b="0"/>
+      </a:lnRef>
+      <a:fillRef idx="1">
+        <a:scrgbClr r="0" g="0" b="0"/>
+      </a:fillRef>
+      <a:effectRef idx="0">
+        <a:scrgbClr r="0" g="0" b="0"/>
+      </a:effectRef>
+      <a:fontRef idx="minor"/>
+    </dgm:style>
+  </dgm:styleLbl>
+  <dgm:styleLbl name="fgAccFollowNode1">
+    <dgm:scene3d>
+      <a:camera prst="orthographicFront"/>
+      <a:lightRig rig="threePt" dir="t"/>
+    </dgm:scene3d>
+    <dgm:sp3d/>
+    <dgm:txPr/>
+    <dgm:style>
+      <a:lnRef idx="2">
+        <a:scrgbClr r="0" g="0" b="0"/>
+      </a:lnRef>
+      <a:fillRef idx="1">
+        <a:scrgbClr r="0" g="0" b="0"/>
+      </a:fillRef>
+      <a:effectRef idx="0">
+        <a:scrgbClr r="0" g="0" b="0"/>
+      </a:effectRef>
+      <a:fontRef idx="minor"/>
+    </dgm:style>
+  </dgm:styleLbl>
+  <dgm:styleLbl name="alignAccFollowNode1">
+    <dgm:scene3d>
+      <a:camera prst="orthographicFront"/>
+      <a:lightRig rig="threePt" dir="t"/>
+    </dgm:scene3d>
+    <dgm:sp3d/>
+    <dgm:txPr/>
+    <dgm:style>
+      <a:lnRef idx="2">
+        <a:scrgbClr r="0" g="0" b="0"/>
+      </a:lnRef>
+      <a:fillRef idx="1">
+        <a:scrgbClr r="0" g="0" b="0"/>
+      </a:fillRef>
+      <a:effectRef idx="0">
+        <a:scrgbClr r="0" g="0" b="0"/>
+      </a:effectRef>
+      <a:fontRef idx="minor"/>
+    </dgm:style>
+  </dgm:styleLbl>
+  <dgm:styleLbl name="bgAccFollowNode1">
+    <dgm:scene3d>
+      <a:camera prst="orthographicFront"/>
+      <a:lightRig rig="threePt" dir="t"/>
+    </dgm:scene3d>
+    <dgm:sp3d/>
+    <dgm:txPr/>
+    <dgm:style>
+      <a:lnRef idx="2">
+        <a:scrgbClr r="0" g="0" b="0"/>
+      </a:lnRef>
+      <a:fillRef idx="1">
+        <a:scrgbClr r="0" g="0" b="0"/>
+      </a:fillRef>
+      <a:effectRef idx="0">
+        <a:scrgbClr r="0" g="0" b="0"/>
+      </a:effectRef>
+      <a:fontRef idx="minor"/>
+    </dgm:style>
+  </dgm:styleLbl>
+  <dgm:styleLbl name="fgAcc0">
+    <dgm:scene3d>
+      <a:camera prst="orthographicFront"/>
+      <a:lightRig rig="threePt" dir="t"/>
+    </dgm:scene3d>
+    <dgm:sp3d/>
+    <dgm:txPr/>
+    <dgm:style>
+      <a:lnRef idx="2">
+        <a:scrgbClr r="0" g="0" b="0"/>
+      </a:lnRef>
+      <a:fillRef idx="1">
+        <a:scrgbClr r="0" g="0" b="0"/>
+      </a:fillRef>
+      <a:effectRef idx="0">
+        <a:scrgbClr r="0" g="0" b="0"/>
+      </a:effectRef>
+      <a:fontRef idx="minor"/>
+    </dgm:style>
+  </dgm:styleLbl>
+  <dgm:styleLbl name="fgAcc2">
+    <dgm:scene3d>
+      <a:camera prst="orthographicFront"/>
+      <a:lightRig rig="threePt" dir="t"/>
+    </dgm:scene3d>
+    <dgm:sp3d/>
+    <dgm:txPr/>
+    <dgm:style>
+      <a:lnRef idx="2">
+        <a:scrgbClr r="0" g="0" b="0"/>
+      </a:lnRef>
+      <a:fillRef idx="1">
+        <a:scrgbClr r="0" g="0" b="0"/>
+      </a:fillRef>
+      <a:effectRef idx="0">
+        <a:scrgbClr r="0" g="0" b="0"/>
+      </a:effectRef>
+      <a:fontRef idx="minor"/>
+    </dgm:style>
+  </dgm:styleLbl>
+  <dgm:styleLbl name="fgAcc3">
+    <dgm:scene3d>
+      <a:camera prst="orthographicFront"/>
+      <a:lightRig rig="threePt" dir="t"/>
+    </dgm:scene3d>
+    <dgm:sp3d/>
+    <dgm:txPr/>
+    <dgm:style>
+      <a:lnRef idx="2">
+        <a:scrgbClr r="0" g="0" b="0"/>
+      </a:lnRef>
+      <a:fillRef idx="1">
+        <a:scrgbClr r="0" g="0" b="0"/>
+      </a:fillRef>
+      <a:effectRef idx="0">
+        <a:scrgbClr r="0" g="0" b="0"/>
+      </a:effectRef>
+      <a:fontRef idx="minor"/>
+    </dgm:style>
+  </dgm:styleLbl>
+  <dgm:styleLbl name="fgAcc4">
+    <dgm:scene3d>
+      <a:camera prst="orthographicFront"/>
+      <a:lightRig rig="threePt" dir="t"/>
+    </dgm:scene3d>
+    <dgm:sp3d/>
+    <dgm:txPr/>
+    <dgm:style>
+      <a:lnRef idx="2">
+        <a:scrgbClr r="0" g="0" b="0"/>
+      </a:lnRef>
+      <a:fillRef idx="1">
+        <a:scrgbClr r="0" g="0" b="0"/>
+      </a:fillRef>
+      <a:effectRef idx="0">
+        <a:scrgbClr r="0" g="0" b="0"/>
+      </a:effectRef>
+      <a:fontRef idx="minor"/>
+    </dgm:style>
+  </dgm:styleLbl>
+  <dgm:styleLbl name="bgShp">
+    <dgm:scene3d>
+      <a:camera prst="orthographicFront"/>
+      <a:lightRig rig="threePt" dir="t"/>
+    </dgm:scene3d>
+    <dgm:sp3d/>
+    <dgm:txPr/>
+    <dgm:style>
+      <a:lnRef idx="0">
+        <a:scrgbClr r="0" g="0" b="0"/>
+      </a:lnRef>
+      <a:fillRef idx="1">
+        <a:scrgbClr r="0" g="0" b="0"/>
+      </a:fillRef>
+      <a:effectRef idx="0">
+        <a:scrgbClr r="0" g="0" b="0"/>
+      </a:effectRef>
+      <a:fontRef idx="minor"/>
+    </dgm:style>
+  </dgm:styleLbl>
+  <dgm:styleLbl name="dkBgShp">
+    <dgm:scene3d>
+      <a:camera prst="orthographicFront"/>
+      <a:lightRig rig="threePt" dir="t"/>
+    </dgm:scene3d>
+    <dgm:sp3d/>
+    <dgm:txPr/>
+    <dgm:style>
+      <a:lnRef idx="0">
+        <a:scrgbClr r="0" g="0" b="0"/>
+      </a:lnRef>
+      <a:fillRef idx="1">
+        <a:scrgbClr r="0" g="0" b="0"/>
+      </a:fillRef>
+      <a:effectRef idx="0">
+        <a:scrgbClr r="0" g="0" b="0"/>
+      </a:effectRef>
+      <a:fontRef idx="minor"/>
+    </dgm:style>
+  </dgm:styleLbl>
+  <dgm:styleLbl name="trBgShp">
+    <dgm:scene3d>
+      <a:camera prst="orthographicFront"/>
+      <a:lightRig rig="threePt" dir="t"/>
+    </dgm:scene3d>
+    <dgm:sp3d/>
+    <dgm:txPr/>
+    <dgm:style>
+      <a:lnRef idx="0">
+        <a:scrgbClr r="0" g="0" b="0"/>
+      </a:lnRef>
+      <a:fillRef idx="1">
+        <a:scrgbClr r="0" g="0" b="0"/>
+      </a:fillRef>
+      <a:effectRef idx="0">
+        <a:scrgbClr r="0" g="0" b="0"/>
+      </a:effectRef>
+      <a:fontRef idx="minor"/>
+    </dgm:style>
+  </dgm:styleLbl>
+  <dgm:styleLbl name="fgShp">
+    <dgm:scene3d>
+      <a:camera prst="orthographicFront"/>
+      <a:lightRig rig="threePt" dir="t"/>
+    </dgm:scene3d>
+    <dgm:sp3d/>
+    <dgm:txPr/>
+    <dgm:style>
+      <a:lnRef idx="2">
+        <a:scrgbClr r="0" g="0" b="0"/>
+      </a:lnRef>
+      <a:fillRef idx="1">
+        <a:scrgbClr r="0" g="0" b="0"/>
+      </a:fillRef>
+      <a:effectRef idx="0">
+        <a:scrgbClr r="0" g="0" b="0"/>
+      </a:effectRef>
+      <a:fontRef idx="minor"/>
+    </dgm:style>
+  </dgm:styleLbl>
+  <dgm:styleLbl name="revTx">
+    <dgm:scene3d>
+      <a:camera prst="orthographicFront"/>
+      <a:lightRig rig="threePt" dir="t"/>
+    </dgm:scene3d>
+    <dgm:sp3d/>
+    <dgm:txPr/>
+    <dgm:style>
+      <a:lnRef idx="0">
+        <a:scrgbClr r="0" g="0" b="0"/>
+      </a:lnRef>
+      <a:fillRef idx="0">
+        <a:scrgbClr r="0" g="0" b="0"/>
+      </a:fillRef>
+      <a:effectRef idx="0">
+        <a:scrgbClr r="0" g="0" b="0"/>
+      </a:effectRef>
+      <a:fontRef idx="minor"/>
+    </dgm:style>
+  </dgm:styleLbl>
+</dgm:styleDef>
+</file>
+
+<file path=ppt/diagrams/quickStyle2.xml><?xml version="1.0" encoding="utf-8"?>
 <dgm:styleDef xmlns:dgm="http://schemas.openxmlformats.org/drawingml/2006/diagram" xmlns:a="http://schemas.openxmlformats.org/drawingml/2006/main" uniqueId="urn:microsoft.com/office/officeart/2005/8/quickstyle/simple1">
   <dgm:title val=""/>
   <dgm:desc val=""/>
@@ -3554,7 +6311,7 @@
           <a:p>
             <a:fld id="{6F56D499-A4C8-014B-BFF7-DBC5063F020C}" type="datetimeFigureOut">
               <a:rPr lang="en-US" smtClean="0"/>
-              <a:t>2/11/23</a:t>
+              <a:t>2/11/2023</a:t>
             </a:fld>
             <a:endParaRPr lang="en-US"/>
           </a:p>
@@ -4536,7 +7293,7 @@
           <a:p>
             <a:fld id="{820672D6-B0C2-8C49-84C3-6CE295C566D1}" type="datetimeFigureOut">
               <a:rPr lang="en-US" smtClean="0"/>
-              <a:t>2/11/23</a:t>
+              <a:t>2/11/2023</a:t>
             </a:fld>
             <a:endParaRPr lang="en-US"/>
           </a:p>
@@ -4736,7 +7493,7 @@
           <a:p>
             <a:fld id="{820672D6-B0C2-8C49-84C3-6CE295C566D1}" type="datetimeFigureOut">
               <a:rPr lang="en-US" smtClean="0"/>
-              <a:t>2/11/23</a:t>
+              <a:t>2/11/2023</a:t>
             </a:fld>
             <a:endParaRPr lang="en-US"/>
           </a:p>
@@ -4946,7 +7703,7 @@
           <a:p>
             <a:fld id="{820672D6-B0C2-8C49-84C3-6CE295C566D1}" type="datetimeFigureOut">
               <a:rPr lang="en-US" smtClean="0"/>
-              <a:t>2/11/23</a:t>
+              <a:t>2/11/2023</a:t>
             </a:fld>
             <a:endParaRPr lang="en-US"/>
           </a:p>
@@ -5146,7 +7903,7 @@
           <a:p>
             <a:fld id="{820672D6-B0C2-8C49-84C3-6CE295C566D1}" type="datetimeFigureOut">
               <a:rPr lang="en-US" smtClean="0"/>
-              <a:t>2/11/23</a:t>
+              <a:t>2/11/2023</a:t>
             </a:fld>
             <a:endParaRPr lang="en-US"/>
           </a:p>
@@ -5422,7 +8179,7 @@
           <a:p>
             <a:fld id="{820672D6-B0C2-8C49-84C3-6CE295C566D1}" type="datetimeFigureOut">
               <a:rPr lang="en-US" smtClean="0"/>
-              <a:t>2/11/23</a:t>
+              <a:t>2/11/2023</a:t>
             </a:fld>
             <a:endParaRPr lang="en-US"/>
           </a:p>
@@ -5690,7 +8447,7 @@
           <a:p>
             <a:fld id="{820672D6-B0C2-8C49-84C3-6CE295C566D1}" type="datetimeFigureOut">
               <a:rPr lang="en-US" smtClean="0"/>
-              <a:t>2/11/23</a:t>
+              <a:t>2/11/2023</a:t>
             </a:fld>
             <a:endParaRPr lang="en-US"/>
           </a:p>
@@ -6105,7 +8862,7 @@
           <a:p>
             <a:fld id="{820672D6-B0C2-8C49-84C3-6CE295C566D1}" type="datetimeFigureOut">
               <a:rPr lang="en-US" smtClean="0"/>
-              <a:t>2/11/23</a:t>
+              <a:t>2/11/2023</a:t>
             </a:fld>
             <a:endParaRPr lang="en-US"/>
           </a:p>
@@ -6247,7 +9004,7 @@
           <a:p>
             <a:fld id="{820672D6-B0C2-8C49-84C3-6CE295C566D1}" type="datetimeFigureOut">
               <a:rPr lang="en-US" smtClean="0"/>
-              <a:t>2/11/23</a:t>
+              <a:t>2/11/2023</a:t>
             </a:fld>
             <a:endParaRPr lang="en-US"/>
           </a:p>
@@ -6360,7 +9117,7 @@
           <a:p>
             <a:fld id="{820672D6-B0C2-8C49-84C3-6CE295C566D1}" type="datetimeFigureOut">
               <a:rPr lang="en-US" smtClean="0"/>
-              <a:t>2/11/23</a:t>
+              <a:t>2/11/2023</a:t>
             </a:fld>
             <a:endParaRPr lang="en-US"/>
           </a:p>
@@ -6673,7 +9430,7 @@
           <a:p>
             <a:fld id="{820672D6-B0C2-8C49-84C3-6CE295C566D1}" type="datetimeFigureOut">
               <a:rPr lang="en-US" smtClean="0"/>
-              <a:t>2/11/23</a:t>
+              <a:t>2/11/2023</a:t>
             </a:fld>
             <a:endParaRPr lang="en-US"/>
           </a:p>
@@ -6962,7 +9719,7 @@
           <a:p>
             <a:fld id="{820672D6-B0C2-8C49-84C3-6CE295C566D1}" type="datetimeFigureOut">
               <a:rPr lang="en-US" smtClean="0"/>
-              <a:t>2/11/23</a:t>
+              <a:t>2/11/2023</a:t>
             </a:fld>
             <a:endParaRPr lang="en-US"/>
           </a:p>
@@ -7205,7 +9962,7 @@
           <a:p>
             <a:fld id="{820672D6-B0C2-8C49-84C3-6CE295C566D1}" type="datetimeFigureOut">
               <a:rPr lang="en-US" smtClean="0"/>
-              <a:t>2/11/23</a:t>
+              <a:t>2/11/2023</a:t>
             </a:fld>
             <a:endParaRPr lang="en-US"/>
           </a:p>
@@ -7707,7 +10464,7 @@
               <a:tabLst/>
             </a:pPr>
             <a:r>
-              <a:rPr kumimoji="0" lang="en-US" altLang="en-US" sz="2000" b="0" i="0" u="none" strike="noStrike" cap="none" normalizeH="0" baseline="0">
+              <a:rPr kumimoji="0" lang="en-US" altLang="en-US" sz="2000" b="0" i="0" u="none" strike="noStrike" cap="none" normalizeH="0" baseline="0" dirty="0">
                 <a:ln>
                   <a:noFill/>
                 </a:ln>
@@ -7715,7 +10472,7 @@
               </a:rPr>
               <a:t>Judging Rubrics</a:t>
             </a:r>
-            <a:endParaRPr kumimoji="0" lang="en-US" altLang="en-US" sz="2000" b="1" i="0" u="none" strike="noStrike" cap="none" normalizeH="0" baseline="0">
+            <a:endParaRPr kumimoji="0" lang="en-US" altLang="en-US" sz="2000" b="1" i="0" u="none" strike="noStrike" cap="none" normalizeH="0" baseline="0" dirty="0">
               <a:ln>
                 <a:noFill/>
               </a:ln>
@@ -7740,13 +10497,13 @@
               <a:tabLst/>
             </a:pPr>
             <a:r>
-              <a:rPr kumimoji="0" lang="en-US" altLang="en-US" sz="2000" b="0" i="0" u="none" strike="noStrike" cap="none" normalizeH="0" baseline="0">
+              <a:rPr kumimoji="0" lang="en-US" altLang="en-US" sz="2000" b="0" i="0" u="none" strike="noStrike" cap="none" normalizeH="0" baseline="0" dirty="0">
                 <a:ln>
                   <a:noFill/>
                 </a:ln>
                 <a:effectLst/>
               </a:rPr>
-              <a:t> Team Name:</a:t>
+              <a:t>Team Name:</a:t>
             </a:r>
           </a:p>
           <a:p>
@@ -7767,7 +10524,7 @@
               <a:tabLst/>
             </a:pPr>
             <a:r>
-              <a:rPr kumimoji="0" lang="en-US" altLang="en-US" sz="2000" b="0" i="0" u="none" strike="noStrike" cap="none" normalizeH="0" baseline="0">
+              <a:rPr kumimoji="0" lang="en-US" altLang="en-US" sz="2000" b="0" i="0" u="none" strike="noStrike" cap="none" normalizeH="0" baseline="0" dirty="0">
                 <a:ln>
                   <a:noFill/>
                 </a:ln>
@@ -7776,14 +10533,14 @@
               <a:t>Any other comments:</a:t>
             </a:r>
             <a:br>
-              <a:rPr kumimoji="0" lang="en-US" altLang="en-US" sz="2000" b="0" i="0" u="none" strike="noStrike" cap="none" normalizeH="0" baseline="0">
+              <a:rPr kumimoji="0" lang="en-US" altLang="en-US" sz="2000" b="0" i="0" u="none" strike="noStrike" cap="none" normalizeH="0" baseline="0" dirty="0">
                 <a:ln>
                   <a:noFill/>
                 </a:ln>
                 <a:effectLst/>
               </a:rPr>
             </a:br>
-            <a:endParaRPr kumimoji="0" lang="en-US" altLang="en-US" sz="2000" b="0" i="0" u="none" strike="noStrike" cap="none" normalizeH="0" baseline="0">
+            <a:endParaRPr kumimoji="0" lang="en-US" altLang="en-US" sz="2000" b="0" i="0" u="none" strike="noStrike" cap="none" normalizeH="0" baseline="0" dirty="0">
               <a:ln>
                 <a:noFill/>
               </a:ln>
@@ -11930,6 +14687,169 @@
           </a:p>
         </p:txBody>
       </p:sp>
+      <p:sp>
+        <p:nvSpPr>
+          <p:cNvPr id="3" name="TextBox 2">
+            <a:extLst>
+              <a:ext uri="{FF2B5EF4-FFF2-40B4-BE49-F238E27FC236}">
+                <a16:creationId xmlns:a16="http://schemas.microsoft.com/office/drawing/2014/main" id="{9BD18DC8-2F6B-7FFC-08D7-E757B75709F8}"/>
+              </a:ext>
+            </a:extLst>
+          </p:cNvPr>
+          <p:cNvSpPr txBox="1"/>
+          <p:nvPr/>
+        </p:nvSpPr>
+        <p:spPr>
+          <a:xfrm>
+            <a:off x="1472105" y="2718149"/>
+            <a:ext cx="8724592" cy="3785652"/>
+          </a:xfrm>
+          <a:prstGeom prst="rect">
+            <a:avLst/>
+          </a:prstGeom>
+          <a:noFill/>
+        </p:spPr>
+        <p:txBody>
+          <a:bodyPr wrap="square" rtlCol="0">
+            <a:spAutoFit/>
+          </a:bodyPr>
+          <a:lstStyle/>
+          <a:p>
+            <a:pPr marL="285750" indent="-285750">
+              <a:buFont typeface="Arial" panose="020B0604020202020204" pitchFamily="34" charset="0"/>
+              <a:buChar char="•"/>
+            </a:pPr>
+            <a:r>
+              <a:rPr lang="en-US" altLang="zh-CN" sz="2400" dirty="0">
+                <a:solidFill>
+                  <a:schemeClr val="bg1"/>
+                </a:solidFill>
+              </a:rPr>
+              <a:t>About the data</a:t>
+            </a:r>
+          </a:p>
+          <a:p>
+            <a:pPr marL="742950" lvl="1" indent="-285750">
+              <a:buFont typeface="Arial" panose="020B0604020202020204" pitchFamily="34" charset="0"/>
+              <a:buChar char="•"/>
+            </a:pPr>
+            <a:r>
+              <a:rPr lang="en-US" altLang="zh-CN" sz="2400" dirty="0">
+                <a:solidFill>
+                  <a:schemeClr val="bg1"/>
+                </a:solidFill>
+              </a:rPr>
+              <a:t>Each object indicates an adverse event</a:t>
+            </a:r>
+          </a:p>
+          <a:p>
+            <a:pPr marL="742950" lvl="1" indent="-285750">
+              <a:buFont typeface="Arial" panose="020B0604020202020204" pitchFamily="34" charset="0"/>
+              <a:buChar char="•"/>
+            </a:pPr>
+            <a:r>
+              <a:rPr lang="en-US" altLang="zh-CN" sz="2400" dirty="0">
+                <a:solidFill>
+                  <a:schemeClr val="bg1"/>
+                </a:solidFill>
+              </a:rPr>
+              <a:t>Lots of missing values</a:t>
+            </a:r>
+          </a:p>
+          <a:p>
+            <a:pPr marL="742950" lvl="1" indent="-285750">
+              <a:buFont typeface="Arial" panose="020B0604020202020204" pitchFamily="34" charset="0"/>
+              <a:buChar char="•"/>
+            </a:pPr>
+            <a:r>
+              <a:rPr lang="en-US" altLang="zh-CN" sz="2400" dirty="0">
+                <a:solidFill>
+                  <a:schemeClr val="bg1"/>
+                </a:solidFill>
+              </a:rPr>
+              <a:t>Nested JSON format</a:t>
+            </a:r>
+          </a:p>
+          <a:p>
+            <a:pPr marL="285750" indent="-285750">
+              <a:buFont typeface="Arial" panose="020B0604020202020204" pitchFamily="34" charset="0"/>
+              <a:buChar char="•"/>
+            </a:pPr>
+            <a:r>
+              <a:rPr lang="en-US" altLang="zh-CN" sz="2400" dirty="0">
+                <a:solidFill>
+                  <a:schemeClr val="bg1"/>
+                </a:solidFill>
+              </a:rPr>
+              <a:t>Workflow</a:t>
+            </a:r>
+          </a:p>
+          <a:p>
+            <a:pPr marL="742950" lvl="1" indent="-285750">
+              <a:buFont typeface="Arial" panose="020B0604020202020204" pitchFamily="34" charset="0"/>
+              <a:buChar char="•"/>
+            </a:pPr>
+            <a:r>
+              <a:rPr lang="en-US" altLang="zh-CN" sz="2400" dirty="0">
+                <a:solidFill>
+                  <a:schemeClr val="bg1"/>
+                </a:solidFill>
+              </a:rPr>
+              <a:t>Normalize JSON files</a:t>
+            </a:r>
+          </a:p>
+          <a:p>
+            <a:pPr marL="742950" lvl="1" indent="-285750">
+              <a:buFont typeface="Arial" panose="020B0604020202020204" pitchFamily="34" charset="0"/>
+              <a:buChar char="•"/>
+            </a:pPr>
+            <a:r>
+              <a:rPr lang="en-US" altLang="zh-CN" sz="2400" dirty="0">
+                <a:solidFill>
+                  <a:schemeClr val="bg1"/>
+                </a:solidFill>
+              </a:rPr>
+              <a:t>Convert JSON files to data frames</a:t>
+            </a:r>
+          </a:p>
+          <a:p>
+            <a:pPr marL="742950" lvl="1" indent="-285750">
+              <a:buFont typeface="Arial" panose="020B0604020202020204" pitchFamily="34" charset="0"/>
+              <a:buChar char="•"/>
+            </a:pPr>
+            <a:r>
+              <a:rPr lang="en-US" altLang="zh-CN" sz="2400" dirty="0">
+                <a:solidFill>
+                  <a:schemeClr val="bg1"/>
+                </a:solidFill>
+              </a:rPr>
+              <a:t>Analyze</a:t>
+            </a:r>
+          </a:p>
+          <a:p>
+            <a:pPr marL="742950" lvl="1" indent="-285750">
+              <a:buFontTx/>
+              <a:buChar char="-"/>
+            </a:pPr>
+            <a:endParaRPr lang="zh-CN" altLang="en-US" sz="2400" dirty="0">
+              <a:solidFill>
+                <a:schemeClr val="bg1"/>
+              </a:solidFill>
+            </a:endParaRPr>
+          </a:p>
+          <a:p>
+            <a:pPr marL="285750" indent="-285750">
+              <a:buFont typeface="Arial" panose="020B0604020202020204" pitchFamily="34" charset="0"/>
+              <a:buChar char="•"/>
+            </a:pPr>
+            <a:endParaRPr lang="zh-CN" altLang="en-US" sz="2400" dirty="0">
+              <a:solidFill>
+                <a:schemeClr val="bg1"/>
+              </a:solidFill>
+            </a:endParaRPr>
+          </a:p>
+        </p:txBody>
+      </p:sp>
     </p:spTree>
     <p:extLst>
       <p:ext uri="{BB962C8B-B14F-4D97-AF65-F5344CB8AC3E}">
@@ -12036,7 +14956,7 @@
                 <a:ea typeface="+mj-ea"/>
                 <a:cs typeface="+mj-cs"/>
               </a:rPr>
-              <a:t>Data Preprocessing - APIs</a:t>
+              <a:t>Data Preprocessing – APIs</a:t>
             </a:r>
             <a:endParaRPr lang="en-US" sz="4000" dirty="0">
               <a:solidFill>
@@ -12758,108 +15678,78 @@
           </a:p>
         </p:txBody>
       </p:sp>
-      <p:grpSp>
-        <p:nvGrpSpPr>
-          <p:cNvPr id="5" name="Group 4">
+      <p:graphicFrame>
+        <p:nvGraphicFramePr>
+          <p:cNvPr id="22" name="Diagram 21">
             <a:extLst>
               <a:ext uri="{FF2B5EF4-FFF2-40B4-BE49-F238E27FC236}">
-                <a16:creationId xmlns:a16="http://schemas.microsoft.com/office/drawing/2014/main" id="{5925565C-CC35-5D87-A510-50900FAD3D95}"/>
+                <a16:creationId xmlns:a16="http://schemas.microsoft.com/office/drawing/2014/main" id="{FBECD864-0909-F8A9-9FF8-00E3B3C7FCF9}"/>
               </a:ext>
             </a:extLst>
           </p:cNvPr>
-          <p:cNvGrpSpPr/>
+          <p:cNvGraphicFramePr/>
+          <p:nvPr>
+            <p:extLst>
+              <p:ext uri="{D42A27DB-BD31-4B8C-83A1-F6EECF244321}">
+                <p14:modId xmlns:p14="http://schemas.microsoft.com/office/powerpoint/2010/main" val="1298986204"/>
+              </p:ext>
+            </p:extLst>
+          </p:nvPr>
+        </p:nvGraphicFramePr>
+        <p:xfrm>
+          <a:off x="1416739" y="2757762"/>
+          <a:ext cx="8724592" cy="2308324"/>
+        </p:xfrm>
+        <a:graphic>
+          <a:graphicData uri="http://schemas.openxmlformats.org/drawingml/2006/diagram">
+            <dgm:relIds xmlns:dgm="http://schemas.openxmlformats.org/drawingml/2006/diagram" xmlns:r="http://schemas.openxmlformats.org/officeDocument/2006/relationships" r:dm="rId13" r:lo="rId14" r:qs="rId15" r:cs="rId16"/>
+          </a:graphicData>
+        </a:graphic>
+      </p:graphicFrame>
+      <p:sp>
+        <p:nvSpPr>
+          <p:cNvPr id="23" name="TextBox 22">
+            <a:extLst>
+              <a:ext uri="{FF2B5EF4-FFF2-40B4-BE49-F238E27FC236}">
+                <a16:creationId xmlns:a16="http://schemas.microsoft.com/office/drawing/2014/main" id="{531BD638-0805-A54A-7C4C-3C36D6A42AD5}"/>
+              </a:ext>
+            </a:extLst>
+          </p:cNvPr>
+          <p:cNvSpPr txBox="1"/>
           <p:nvPr/>
-        </p:nvGrpSpPr>
-        <p:grpSpPr>
+        </p:nvSpPr>
+        <p:spPr>
           <a:xfrm>
-            <a:off x="2919209" y="3087286"/>
-            <a:ext cx="1154836" cy="1539212"/>
-            <a:chOff x="1673504" y="3129466"/>
-            <a:chExt cx="1154836" cy="1539212"/>
+            <a:off x="1530392" y="5328350"/>
+            <a:ext cx="8690999" cy="461665"/>
           </a:xfrm>
-        </p:grpSpPr>
-        <p:pic>
-          <p:nvPicPr>
-            <p:cNvPr id="19" name="Picture 18" descr="A picture containing icon&#10;&#10;Description automatically generated">
-              <a:extLst>
-                <a:ext uri="{FF2B5EF4-FFF2-40B4-BE49-F238E27FC236}">
-                  <a16:creationId xmlns:a16="http://schemas.microsoft.com/office/drawing/2014/main" id="{07234CC2-CD6C-1880-3F83-6DA89C7F47C0}"/>
-                </a:ext>
-              </a:extLst>
-            </p:cNvPr>
-            <p:cNvPicPr>
-              <a:picLocks noChangeAspect="1"/>
-            </p:cNvPicPr>
-            <p:nvPr/>
-          </p:nvPicPr>
-          <p:blipFill>
-            <a:blip r:embed="rId13"/>
-            <a:stretch>
-              <a:fillRect/>
-            </a:stretch>
-          </p:blipFill>
-          <p:spPr>
-            <a:xfrm>
-              <a:off x="1673504" y="3129466"/>
-              <a:ext cx="1102302" cy="1109575"/>
-            </a:xfrm>
-            <a:prstGeom prst="rect">
-              <a:avLst/>
-            </a:prstGeom>
-            <a:ln>
-              <a:noFill/>
-            </a:ln>
-          </p:spPr>
-        </p:pic>
-        <p:sp>
-          <p:nvSpPr>
-            <p:cNvPr id="21" name="TextBox 20">
-              <a:extLst>
-                <a:ext uri="{FF2B5EF4-FFF2-40B4-BE49-F238E27FC236}">
-                  <a16:creationId xmlns:a16="http://schemas.microsoft.com/office/drawing/2014/main" id="{4B223DF6-CEF7-5729-8524-475D29A8438F}"/>
-                </a:ext>
-              </a:extLst>
-            </p:cNvPr>
-            <p:cNvSpPr txBox="1"/>
-            <p:nvPr/>
-          </p:nvSpPr>
-          <p:spPr>
-            <a:xfrm>
-              <a:off x="1745923" y="4299346"/>
-              <a:ext cx="1082417" cy="369332"/>
-            </a:xfrm>
-            <a:prstGeom prst="rect">
-              <a:avLst/>
-            </a:prstGeom>
-            <a:noFill/>
-            <a:ln>
-              <a:noFill/>
-            </a:ln>
-          </p:spPr>
-          <p:txBody>
-            <a:bodyPr wrap="square" lIns="0" tIns="0" rIns="0" bIns="0" rtlCol="0">
-              <a:spAutoFit/>
-            </a:bodyPr>
-            <a:lstStyle/>
-            <a:p>
-              <a:pPr algn="ctr"/>
-              <a:r>
-                <a:rPr lang="en-US" sz="800" b="1"/>
-                <a:t>ML driven </a:t>
-              </a:r>
-              <a:r>
-                <a:rPr lang="en-US" sz="800"/>
-                <a:t>Data Cleaning with </a:t>
-              </a:r>
-              <a:r>
-                <a:rPr lang="en-US" sz="800" b="1"/>
-                <a:t>Feedback Loop</a:t>
-              </a:r>
-              <a:endParaRPr lang="en-US" sz="800"/>
-            </a:p>
-          </p:txBody>
-        </p:sp>
-      </p:grpSp>
+          <a:prstGeom prst="rect">
+            <a:avLst/>
+          </a:prstGeom>
+          <a:noFill/>
+        </p:spPr>
+        <p:txBody>
+          <a:bodyPr wrap="square" rtlCol="0">
+            <a:spAutoFit/>
+          </a:bodyPr>
+          <a:lstStyle/>
+          <a:p>
+            <a:r>
+              <a:rPr lang="en-US" altLang="zh-CN" sz="2400" dirty="0">
+                <a:solidFill>
+                  <a:schemeClr val="bg1"/>
+                </a:solidFill>
+              </a:rPr>
+              <a:t>Therefore, we decide to download the data for preprocessing.</a:t>
+            </a:r>
+            <a:endParaRPr lang="zh-CN" altLang="en-US" sz="2400" dirty="0">
+              <a:solidFill>
+                <a:schemeClr val="bg1"/>
+              </a:solidFill>
+            </a:endParaRPr>
+          </a:p>
+        </p:txBody>
+      </p:sp>
     </p:spTree>
     <p:extLst>
       <p:ext uri="{BB962C8B-B14F-4D97-AF65-F5344CB8AC3E}">
@@ -12882,92 +15772,6 @@
       </p:transition>
     </mc:Fallback>
   </mc:AlternateContent>
-  <p:timing>
-    <p:tnLst>
-      <p:par>
-        <p:cTn id="1" dur="indefinite" restart="never" nodeType="tmRoot">
-          <p:childTnLst>
-            <p:seq concurrent="1" nextAc="seek">
-              <p:cTn id="2" dur="indefinite" nodeType="mainSeq">
-                <p:childTnLst>
-                  <p:par>
-                    <p:cTn id="3" fill="hold">
-                      <p:stCondLst>
-                        <p:cond delay="indefinite"/>
-                        <p:cond evt="onBegin" delay="0">
-                          <p:tn val="2"/>
-                        </p:cond>
-                      </p:stCondLst>
-                      <p:childTnLst>
-                        <p:par>
-                          <p:cTn id="4" fill="hold">
-                            <p:stCondLst>
-                              <p:cond delay="0"/>
-                            </p:stCondLst>
-                            <p:childTnLst>
-                              <p:par>
-                                <p:cTn id="5" presetID="10" presetClass="entr" presetSubtype="0" fill="hold" nodeType="afterEffect">
-                                  <p:stCondLst>
-                                    <p:cond delay="0"/>
-                                  </p:stCondLst>
-                                  <p:childTnLst>
-                                    <p:set>
-                                      <p:cBhvr>
-                                        <p:cTn id="6" dur="1" fill="hold">
-                                          <p:stCondLst>
-                                            <p:cond delay="0"/>
-                                          </p:stCondLst>
-                                        </p:cTn>
-                                        <p:tgtEl>
-                                          <p:spTgt spid="5"/>
-                                        </p:tgtEl>
-                                        <p:attrNameLst>
-                                          <p:attrName>style.visibility</p:attrName>
-                                        </p:attrNameLst>
-                                      </p:cBhvr>
-                                      <p:to>
-                                        <p:strVal val="visible"/>
-                                      </p:to>
-                                    </p:set>
-                                    <p:animEffect transition="in" filter="fade">
-                                      <p:cBhvr>
-                                        <p:cTn id="7" dur="500"/>
-                                        <p:tgtEl>
-                                          <p:spTgt spid="5"/>
-                                        </p:tgtEl>
-                                      </p:cBhvr>
-                                    </p:animEffect>
-                                  </p:childTnLst>
-                                </p:cTn>
-                              </p:par>
-                            </p:childTnLst>
-                          </p:cTn>
-                        </p:par>
-                      </p:childTnLst>
-                    </p:cTn>
-                  </p:par>
-                </p:childTnLst>
-              </p:cTn>
-              <p:prevCondLst>
-                <p:cond evt="onPrev" delay="0">
-                  <p:tgtEl>
-                    <p:sldTgt/>
-                  </p:tgtEl>
-                </p:cond>
-              </p:prevCondLst>
-              <p:nextCondLst>
-                <p:cond evt="onNext" delay="0">
-                  <p:tgtEl>
-                    <p:sldTgt/>
-                  </p:tgtEl>
-                </p:cond>
-              </p:nextCondLst>
-            </p:seq>
-          </p:childTnLst>
-        </p:cTn>
-      </p:par>
-    </p:tnLst>
-  </p:timing>
 </p:sld>
 </file>
 

--- a/Hackathon.pptx
+++ b/Hackathon.pptx
@@ -16612,6 +16612,66 @@
           </a:p>
         </p:txBody>
       </p:sp>
+      <p:pic>
+        <p:nvPicPr>
+          <p:cNvPr id="19" name="Picture 18" descr="Map&#10;&#10;Description automatically generated">
+            <a:extLst>
+              <a:ext uri="{FF2B5EF4-FFF2-40B4-BE49-F238E27FC236}">
+                <a16:creationId xmlns:a16="http://schemas.microsoft.com/office/drawing/2014/main" id="{64A5D840-FC78-4A3F-8B57-A91F51E560AF}"/>
+              </a:ext>
+            </a:extLst>
+          </p:cNvPr>
+          <p:cNvPicPr>
+            <a:picLocks noChangeAspect="1"/>
+          </p:cNvPicPr>
+          <p:nvPr/>
+        </p:nvPicPr>
+        <p:blipFill>
+          <a:blip r:embed="rId13"/>
+          <a:stretch>
+            <a:fillRect/>
+          </a:stretch>
+        </p:blipFill>
+        <p:spPr>
+          <a:xfrm>
+            <a:off x="310781" y="3134471"/>
+            <a:ext cx="4975219" cy="3189559"/>
+          </a:xfrm>
+          <a:prstGeom prst="rect">
+            <a:avLst/>
+          </a:prstGeom>
+        </p:spPr>
+      </p:pic>
+      <p:pic>
+        <p:nvPicPr>
+          <p:cNvPr id="21" name="Picture 20" descr="Chart&#10;&#10;Description automatically generated">
+            <a:extLst>
+              <a:ext uri="{FF2B5EF4-FFF2-40B4-BE49-F238E27FC236}">
+                <a16:creationId xmlns:a16="http://schemas.microsoft.com/office/drawing/2014/main" id="{5AE2C4F2-BF41-44BF-4F8A-44650872A845}"/>
+              </a:ext>
+            </a:extLst>
+          </p:cNvPr>
+          <p:cNvPicPr>
+            <a:picLocks noChangeAspect="1"/>
+          </p:cNvPicPr>
+          <p:nvPr/>
+        </p:nvPicPr>
+        <p:blipFill>
+          <a:blip r:embed="rId14"/>
+          <a:stretch>
+            <a:fillRect/>
+          </a:stretch>
+        </p:blipFill>
+        <p:spPr>
+          <a:xfrm>
+            <a:off x="5752963" y="2708422"/>
+            <a:ext cx="5501192" cy="3615608"/>
+          </a:xfrm>
+          <a:prstGeom prst="rect">
+            <a:avLst/>
+          </a:prstGeom>
+        </p:spPr>
+      </p:pic>
     </p:spTree>
     <p:extLst>
       <p:ext uri="{BB962C8B-B14F-4D97-AF65-F5344CB8AC3E}">

--- a/Hackathon.pptx
+++ b/Hackathon.pptx
@@ -5,18 +5,19 @@
     <p:sldMasterId id="2147483672" r:id="rId1"/>
   </p:sldMasterIdLst>
   <p:notesMasterIdLst>
-    <p:notesMasterId r:id="rId11"/>
+    <p:notesMasterId r:id="rId12"/>
   </p:notesMasterIdLst>
   <p:sldIdLst>
-    <p:sldId id="266" r:id="rId2"/>
-    <p:sldId id="256" r:id="rId3"/>
-    <p:sldId id="258" r:id="rId4"/>
-    <p:sldId id="259" r:id="rId5"/>
-    <p:sldId id="260" r:id="rId6"/>
-    <p:sldId id="261" r:id="rId7"/>
-    <p:sldId id="264" r:id="rId8"/>
-    <p:sldId id="263" r:id="rId9"/>
-    <p:sldId id="265" r:id="rId10"/>
+    <p:sldId id="256" r:id="rId2"/>
+    <p:sldId id="258" r:id="rId3"/>
+    <p:sldId id="259" r:id="rId4"/>
+    <p:sldId id="260" r:id="rId5"/>
+    <p:sldId id="261" r:id="rId6"/>
+    <p:sldId id="267" r:id="rId7"/>
+    <p:sldId id="268" r:id="rId8"/>
+    <p:sldId id="264" r:id="rId9"/>
+    <p:sldId id="263" r:id="rId10"/>
+    <p:sldId id="265" r:id="rId11"/>
   </p:sldIdLst>
   <p:sldSz cx="12192000" cy="6858000"/>
   <p:notesSz cx="6858000" cy="9144000"/>
@@ -1702,10 +1703,24 @@
         <a:bodyPr/>
         <a:lstStyle/>
         <a:p>
-          <a:pPr algn="ctr"/>
-          <a:endParaRPr lang="en-GB" sz="1600" dirty="0">
+          <a:pPr algn="ctr">
+            <a:buClrTx/>
+            <a:buSzTx/>
+            <a:buFontTx/>
+            <a:buNone/>
+          </a:pPr>
+          <a:r>
+            <a:rPr lang="en-IN" sz="2000" dirty="0">
+              <a:solidFill>
+                <a:schemeClr val="tx1"/>
+              </a:solidFill>
+              <a:latin typeface="+mn-lt"/>
+            </a:rPr>
+            <a:t>Initial Data Exploration</a:t>
+          </a:r>
+          <a:endParaRPr lang="en-GB" sz="2000" dirty="0">
             <a:solidFill>
-              <a:srgbClr val="062FAD"/>
+              <a:schemeClr val="tx1"/>
             </a:solidFill>
             <a:latin typeface="+mn-lt"/>
           </a:endParaRPr>
@@ -1751,7 +1766,7 @@
       <dgm:prSet phldrT="[Text]" custT="1"/>
       <dgm:spPr/>
       <dgm:t>
-        <a:bodyPr spcFirstLastPara="0" vert="horz" wrap="square" lIns="128016" tIns="128016" rIns="128016" bIns="128016" numCol="1" spcCol="1270" anchor="ctr" anchorCtr="0"/>
+        <a:bodyPr/>
         <a:lstStyle/>
         <a:p>
           <a:pPr marL="0" lvl="0" indent="0" algn="ctr" defTabSz="800100">
@@ -1764,11 +1779,27 @@
             <a:spcAft>
               <a:spcPct val="35000"/>
             </a:spcAft>
-            <a:buNone/>
           </a:pPr>
-          <a:endParaRPr lang="en-US" sz="1400" kern="1200" dirty="0">
+          <a:r>
+            <a:rPr kumimoji="0" lang="en-US" sz="2000" b="0" i="0" u="none" strike="noStrike" kern="1200" cap="none" spc="0" normalizeH="0" baseline="0" noProof="0" dirty="0">
+              <a:ln>
+                <a:noFill/>
+              </a:ln>
+              <a:solidFill>
+                <a:schemeClr val="tx1"/>
+              </a:solidFill>
+              <a:effectLst/>
+              <a:uLnTx/>
+              <a:uFillTx/>
+              <a:latin typeface="+mn-lt"/>
+              <a:ea typeface="+mj-ea"/>
+              <a:cs typeface="+mj-cs"/>
+            </a:rPr>
+            <a:t>Data Preprocessing </a:t>
+          </a:r>
+          <a:endParaRPr lang="en-US" sz="2000" kern="1200" dirty="0">
             <a:solidFill>
-              <a:schemeClr val="bg1"/>
+              <a:schemeClr val="tx1"/>
             </a:solidFill>
             <a:latin typeface="+mn-lt"/>
             <a:ea typeface="+mn-ea"/>
@@ -1831,9 +1862,18 @@
             </a:spcAft>
             <a:buNone/>
           </a:pPr>
+          <a:r>
+            <a:rPr lang="en-US" altLang="zh-CN" sz="2000" kern="1200" dirty="0">
+              <a:solidFill>
+                <a:schemeClr val="tx1"/>
+              </a:solidFill>
+              <a:latin typeface="+mn-lt"/>
+            </a:rPr>
+            <a:t>Data Insights (EDA)</a:t>
+          </a:r>
           <a:endParaRPr lang="en-GB" sz="2000" kern="1200" dirty="0">
             <a:solidFill>
-              <a:srgbClr val="062FAD"/>
+              <a:schemeClr val="tx1"/>
             </a:solidFill>
             <a:latin typeface="+mn-lt"/>
           </a:endParaRPr>
@@ -1908,9 +1948,20 @@
             </a:spcAft>
             <a:buNone/>
           </a:pPr>
+          <a:r>
+            <a:rPr lang="en-US" altLang="zh-CN" sz="2000" kern="1200" dirty="0">
+              <a:solidFill>
+                <a:schemeClr val="tx1"/>
+              </a:solidFill>
+              <a:latin typeface="+mn-lt"/>
+              <a:ea typeface="+mn-ea"/>
+              <a:cs typeface="+mn-cs"/>
+            </a:rPr>
+            <a:t>Machine Learning (ML) Modelling</a:t>
+          </a:r>
           <a:endParaRPr lang="en-US" sz="2000" kern="1200" dirty="0">
             <a:solidFill>
-              <a:srgbClr val="062FAD"/>
+              <a:schemeClr val="tx1"/>
             </a:solidFill>
             <a:latin typeface="+mn-lt"/>
             <a:ea typeface="+mn-ea"/>
@@ -1987,9 +2038,20 @@
             </a:spcAft>
             <a:buNone/>
           </a:pPr>
-          <a:endParaRPr lang="en-US" sz="1800" kern="1200" dirty="0">
+          <a:r>
+            <a:rPr lang="en-US" altLang="zh-CN" sz="2000" kern="1200" dirty="0">
+              <a:solidFill>
+                <a:schemeClr val="tx1"/>
+              </a:solidFill>
+              <a:latin typeface="+mn-lt"/>
+              <a:ea typeface="+mn-ea"/>
+              <a:cs typeface="+mn-cs"/>
+            </a:rPr>
+            <a:t>Insights and Key Takeaways</a:t>
+          </a:r>
+          <a:endParaRPr lang="en-US" sz="2000" kern="1200" dirty="0">
             <a:solidFill>
-              <a:srgbClr val="062FAD"/>
+              <a:schemeClr val="tx1"/>
             </a:solidFill>
             <a:latin typeface="+mn-lt"/>
             <a:ea typeface="+mn-ea"/>
@@ -2172,7 +2234,7 @@
       <dgm:spPr/>
     </dgm:pt>
     <dgm:pt modelId="{3EB8A38E-2968-4A4F-8A0E-F438D247962D}" type="pres">
-      <dgm:prSet presAssocID="{496DBA71-8966-4EFD-8077-A09E0462CD60}" presName="node" presStyleLbl="node1" presStyleIdx="4" presStyleCnt="5">
+      <dgm:prSet presAssocID="{496DBA71-8966-4EFD-8077-A09E0462CD60}" presName="node" presStyleLbl="node1" presStyleIdx="4" presStyleCnt="5" custLinFactNeighborY="2447">
         <dgm:presLayoutVars>
           <dgm:bulletEnabled val="1"/>
         </dgm:presLayoutVars>
@@ -2744,12 +2806,12 @@
         </a:fontRef>
       </dsp:style>
       <dsp:txBody>
-        <a:bodyPr spcFirstLastPara="0" vert="horz" wrap="square" lIns="113792" tIns="113792" rIns="113792" bIns="113792" numCol="1" spcCol="1270" anchor="ctr" anchorCtr="0">
+        <a:bodyPr spcFirstLastPara="0" vert="horz" wrap="square" lIns="142240" tIns="142240" rIns="142240" bIns="142240" numCol="1" spcCol="1270" anchor="ctr" anchorCtr="0">
           <a:noAutofit/>
         </a:bodyPr>
         <a:lstStyle/>
         <a:p>
-          <a:pPr marL="0" lvl="0" indent="0" algn="ctr" defTabSz="711200">
+          <a:pPr marL="0" lvl="0" indent="0" algn="ctr" defTabSz="889000">
             <a:lnSpc>
               <a:spcPct val="90000"/>
             </a:lnSpc>
@@ -2759,11 +2821,23 @@
             <a:spcAft>
               <a:spcPct val="35000"/>
             </a:spcAft>
+            <a:buClrTx/>
+            <a:buSzTx/>
+            <a:buFontTx/>
             <a:buNone/>
           </a:pPr>
-          <a:endParaRPr lang="en-GB" sz="1600" kern="1200" dirty="0">
+          <a:r>
+            <a:rPr lang="en-IN" sz="2000" kern="1200" dirty="0">
+              <a:solidFill>
+                <a:schemeClr val="tx1"/>
+              </a:solidFill>
+              <a:latin typeface="+mn-lt"/>
+            </a:rPr>
+            <a:t>Initial Data Exploration</a:t>
+          </a:r>
+          <a:endParaRPr lang="en-GB" sz="2000" kern="1200" dirty="0">
             <a:solidFill>
-              <a:srgbClr val="062FAD"/>
+              <a:schemeClr val="tx1"/>
             </a:solidFill>
             <a:latin typeface="+mn-lt"/>
           </a:endParaRPr>
@@ -2912,7 +2986,7 @@
         </a:fontRef>
       </dsp:style>
       <dsp:txBody>
-        <a:bodyPr spcFirstLastPara="0" vert="horz" wrap="square" lIns="128016" tIns="128016" rIns="128016" bIns="128016" numCol="1" spcCol="1270" anchor="ctr" anchorCtr="0">
+        <a:bodyPr spcFirstLastPara="0" vert="horz" wrap="square" lIns="142240" tIns="142240" rIns="142240" bIns="142240" numCol="1" spcCol="1270" anchor="ctr" anchorCtr="0">
           <a:noAutofit/>
         </a:bodyPr>
         <a:lstStyle/>
@@ -2929,9 +3003,26 @@
             </a:spcAft>
             <a:buNone/>
           </a:pPr>
-          <a:endParaRPr lang="en-US" sz="1400" kern="1200" dirty="0">
+          <a:r>
+            <a:rPr kumimoji="0" lang="en-US" sz="2000" b="0" i="0" u="none" strike="noStrike" kern="1200" cap="none" spc="0" normalizeH="0" baseline="0" noProof="0" dirty="0">
+              <a:ln>
+                <a:noFill/>
+              </a:ln>
+              <a:solidFill>
+                <a:schemeClr val="tx1"/>
+              </a:solidFill>
+              <a:effectLst/>
+              <a:uLnTx/>
+              <a:uFillTx/>
+              <a:latin typeface="+mn-lt"/>
+              <a:ea typeface="+mj-ea"/>
+              <a:cs typeface="+mj-cs"/>
+            </a:rPr>
+            <a:t>Data Preprocessing </a:t>
+          </a:r>
+          <a:endParaRPr lang="en-US" sz="2000" kern="1200" dirty="0">
             <a:solidFill>
-              <a:schemeClr val="bg1"/>
+              <a:schemeClr val="tx1"/>
             </a:solidFill>
             <a:latin typeface="+mn-lt"/>
             <a:ea typeface="+mn-ea"/>
@@ -3095,9 +3186,18 @@
             </a:spcAft>
             <a:buNone/>
           </a:pPr>
+          <a:r>
+            <a:rPr lang="en-US" altLang="zh-CN" sz="2000" kern="1200" dirty="0">
+              <a:solidFill>
+                <a:schemeClr val="tx1"/>
+              </a:solidFill>
+              <a:latin typeface="+mn-lt"/>
+            </a:rPr>
+            <a:t>Data Insights (EDA)</a:t>
+          </a:r>
           <a:endParaRPr lang="en-GB" sz="2000" kern="1200" dirty="0">
             <a:solidFill>
-              <a:srgbClr val="062FAD"/>
+              <a:schemeClr val="tx1"/>
             </a:solidFill>
             <a:latin typeface="+mn-lt"/>
           </a:endParaRPr>
@@ -3116,7 +3216,7 @@
       <dsp:spPr>
         <a:xfrm>
           <a:off x="1507402" y="3426224"/>
-          <a:ext cx="2938415" cy="520396"/>
+          <a:ext cx="2938415" cy="522661"/>
         </a:xfrm>
         <a:custGeom>
           <a:avLst/>
@@ -3193,8 +3293,8 @@
         </a:p>
       </dsp:txBody>
       <dsp:txXfrm>
-        <a:off x="2901869" y="3683667"/>
-        <a:ext cx="149481" cy="5509"/>
+        <a:off x="2901858" y="3684799"/>
+        <a:ext cx="149502" cy="5509"/>
       </dsp:txXfrm>
     </dsp:sp>
     <dsp:sp modelId="{B771EA42-907B-45E2-A425-9B33DF4524B6}">
@@ -3265,9 +3365,20 @@
             </a:spcAft>
             <a:buNone/>
           </a:pPr>
+          <a:r>
+            <a:rPr lang="en-US" altLang="zh-CN" sz="2000" kern="1200" dirty="0">
+              <a:solidFill>
+                <a:schemeClr val="tx1"/>
+              </a:solidFill>
+              <a:latin typeface="+mn-lt"/>
+              <a:ea typeface="+mn-ea"/>
+              <a:cs typeface="+mn-cs"/>
+            </a:rPr>
+            <a:t>Machine Learning (ML) Modelling</a:t>
+          </a:r>
           <a:endParaRPr lang="en-US" sz="2000" kern="1200" dirty="0">
             <a:solidFill>
-              <a:srgbClr val="062FAD"/>
+              <a:schemeClr val="tx1"/>
             </a:solidFill>
             <a:latin typeface="+mn-lt"/>
             <a:ea typeface="+mn-ea"/>
@@ -3287,7 +3398,7 @@
       </dsp:nvSpPr>
       <dsp:spPr>
         <a:xfrm>
-          <a:off x="309584" y="3979020"/>
+          <a:off x="309584" y="3981285"/>
           <a:ext cx="2395636" cy="1437381"/>
         </a:xfrm>
         <a:prstGeom prst="rect">
@@ -3348,9 +3459,20 @@
             </a:spcAft>
             <a:buNone/>
           </a:pPr>
-          <a:endParaRPr lang="en-US" sz="1800" kern="1200" dirty="0">
+          <a:r>
+            <a:rPr lang="en-US" altLang="zh-CN" sz="2000" kern="1200" dirty="0">
+              <a:solidFill>
+                <a:schemeClr val="tx1"/>
+              </a:solidFill>
+              <a:latin typeface="+mn-lt"/>
+              <a:ea typeface="+mn-ea"/>
+              <a:cs typeface="+mn-cs"/>
+            </a:rPr>
+            <a:t>Insights and Key Takeaways</a:t>
+          </a:r>
+          <a:endParaRPr lang="en-US" sz="2000" kern="1200" dirty="0">
             <a:solidFill>
-              <a:srgbClr val="062FAD"/>
+              <a:schemeClr val="tx1"/>
             </a:solidFill>
             <a:latin typeface="+mn-lt"/>
             <a:ea typeface="+mn-ea"/>
@@ -3359,7 +3481,7 @@
         </a:p>
       </dsp:txBody>
       <dsp:txXfrm>
-        <a:off x="309584" y="3979020"/>
+        <a:off x="309584" y="3981285"/>
         <a:ext cx="2395636" cy="1437381"/>
       </dsp:txXfrm>
     </dsp:sp>
@@ -6645,7 +6767,7 @@
           <a:p>
             <a:fld id="{0A9D1103-948D-824D-8C1B-6960FBF5BBBF}" type="slidenum">
               <a:rPr lang="en-US" smtClean="0"/>
-              <a:t>3</a:t>
+              <a:t>2</a:t>
             </a:fld>
             <a:endParaRPr lang="en-US"/>
           </a:p>
@@ -6729,7 +6851,7 @@
           <a:p>
             <a:fld id="{0A9D1103-948D-824D-8C1B-6960FBF5BBBF}" type="slidenum">
               <a:rPr lang="en-US" smtClean="0"/>
-              <a:t>5</a:t>
+              <a:t>4</a:t>
             </a:fld>
             <a:endParaRPr lang="en-US"/>
           </a:p>
@@ -6813,7 +6935,7 @@
           <a:p>
             <a:fld id="{0A9D1103-948D-824D-8C1B-6960FBF5BBBF}" type="slidenum">
               <a:rPr lang="en-US" smtClean="0"/>
-              <a:t>6</a:t>
+              <a:t>5</a:t>
             </a:fld>
             <a:endParaRPr lang="en-US"/>
           </a:p>
@@ -6833,6 +6955,174 @@
 </file>
 
 <file path=ppt/notesSlides/notesSlide4.xml><?xml version="1.0" encoding="utf-8"?>
+<p:notes xmlns:a="http://schemas.openxmlformats.org/drawingml/2006/main" xmlns:r="http://schemas.openxmlformats.org/officeDocument/2006/relationships" xmlns:p="http://schemas.openxmlformats.org/presentationml/2006/main">
+  <p:cSld>
+    <p:spTree>
+      <p:nvGrpSpPr>
+        <p:cNvPr id="1" name=""/>
+        <p:cNvGrpSpPr/>
+        <p:nvPr/>
+      </p:nvGrpSpPr>
+      <p:grpSpPr>
+        <a:xfrm>
+          <a:off x="0" y="0"/>
+          <a:ext cx="0" cy="0"/>
+          <a:chOff x="0" y="0"/>
+          <a:chExt cx="0" cy="0"/>
+        </a:xfrm>
+      </p:grpSpPr>
+      <p:sp>
+        <p:nvSpPr>
+          <p:cNvPr id="2" name="Slide Image Placeholder 1"/>
+          <p:cNvSpPr>
+            <a:spLocks noGrp="1" noRot="1" noChangeAspect="1"/>
+          </p:cNvSpPr>
+          <p:nvPr>
+            <p:ph type="sldImg"/>
+          </p:nvPr>
+        </p:nvSpPr>
+        <p:spPr/>
+      </p:sp>
+      <p:sp>
+        <p:nvSpPr>
+          <p:cNvPr id="3" name="Notes Placeholder 2"/>
+          <p:cNvSpPr>
+            <a:spLocks noGrp="1"/>
+          </p:cNvSpPr>
+          <p:nvPr>
+            <p:ph type="body" idx="1"/>
+          </p:nvPr>
+        </p:nvSpPr>
+        <p:spPr/>
+        <p:txBody>
+          <a:bodyPr/>
+          <a:lstStyle/>
+          <a:p>
+            <a:endParaRPr lang="en-US" dirty="0"/>
+          </a:p>
+        </p:txBody>
+      </p:sp>
+      <p:sp>
+        <p:nvSpPr>
+          <p:cNvPr id="4" name="Slide Number Placeholder 3"/>
+          <p:cNvSpPr>
+            <a:spLocks noGrp="1"/>
+          </p:cNvSpPr>
+          <p:nvPr>
+            <p:ph type="sldNum" sz="quarter" idx="5"/>
+          </p:nvPr>
+        </p:nvSpPr>
+        <p:spPr/>
+        <p:txBody>
+          <a:bodyPr/>
+          <a:lstStyle/>
+          <a:p>
+            <a:fld id="{0A9D1103-948D-824D-8C1B-6960FBF5BBBF}" type="slidenum">
+              <a:rPr lang="en-US" smtClean="0"/>
+              <a:t>6</a:t>
+            </a:fld>
+            <a:endParaRPr lang="en-US"/>
+          </a:p>
+        </p:txBody>
+      </p:sp>
+    </p:spTree>
+    <p:extLst>
+      <p:ext uri="{BB962C8B-B14F-4D97-AF65-F5344CB8AC3E}">
+        <p14:creationId xmlns:p14="http://schemas.microsoft.com/office/powerpoint/2010/main" val="1480869636"/>
+      </p:ext>
+    </p:extLst>
+  </p:cSld>
+  <p:clrMapOvr>
+    <a:masterClrMapping/>
+  </p:clrMapOvr>
+</p:notes>
+</file>
+
+<file path=ppt/notesSlides/notesSlide5.xml><?xml version="1.0" encoding="utf-8"?>
+<p:notes xmlns:a="http://schemas.openxmlformats.org/drawingml/2006/main" xmlns:r="http://schemas.openxmlformats.org/officeDocument/2006/relationships" xmlns:p="http://schemas.openxmlformats.org/presentationml/2006/main">
+  <p:cSld>
+    <p:spTree>
+      <p:nvGrpSpPr>
+        <p:cNvPr id="1" name=""/>
+        <p:cNvGrpSpPr/>
+        <p:nvPr/>
+      </p:nvGrpSpPr>
+      <p:grpSpPr>
+        <a:xfrm>
+          <a:off x="0" y="0"/>
+          <a:ext cx="0" cy="0"/>
+          <a:chOff x="0" y="0"/>
+          <a:chExt cx="0" cy="0"/>
+        </a:xfrm>
+      </p:grpSpPr>
+      <p:sp>
+        <p:nvSpPr>
+          <p:cNvPr id="2" name="Slide Image Placeholder 1"/>
+          <p:cNvSpPr>
+            <a:spLocks noGrp="1" noRot="1" noChangeAspect="1"/>
+          </p:cNvSpPr>
+          <p:nvPr>
+            <p:ph type="sldImg"/>
+          </p:nvPr>
+        </p:nvSpPr>
+        <p:spPr/>
+      </p:sp>
+      <p:sp>
+        <p:nvSpPr>
+          <p:cNvPr id="3" name="Notes Placeholder 2"/>
+          <p:cNvSpPr>
+            <a:spLocks noGrp="1"/>
+          </p:cNvSpPr>
+          <p:nvPr>
+            <p:ph type="body" idx="1"/>
+          </p:nvPr>
+        </p:nvSpPr>
+        <p:spPr/>
+        <p:txBody>
+          <a:bodyPr/>
+          <a:lstStyle/>
+          <a:p>
+            <a:endParaRPr lang="en-US" dirty="0"/>
+          </a:p>
+        </p:txBody>
+      </p:sp>
+      <p:sp>
+        <p:nvSpPr>
+          <p:cNvPr id="4" name="Slide Number Placeholder 3"/>
+          <p:cNvSpPr>
+            <a:spLocks noGrp="1"/>
+          </p:cNvSpPr>
+          <p:nvPr>
+            <p:ph type="sldNum" sz="quarter" idx="5"/>
+          </p:nvPr>
+        </p:nvSpPr>
+        <p:spPr/>
+        <p:txBody>
+          <a:bodyPr/>
+          <a:lstStyle/>
+          <a:p>
+            <a:fld id="{0A9D1103-948D-824D-8C1B-6960FBF5BBBF}" type="slidenum">
+              <a:rPr lang="en-US" smtClean="0"/>
+              <a:t>7</a:t>
+            </a:fld>
+            <a:endParaRPr lang="en-US"/>
+          </a:p>
+        </p:txBody>
+      </p:sp>
+    </p:spTree>
+    <p:extLst>
+      <p:ext uri="{BB962C8B-B14F-4D97-AF65-F5344CB8AC3E}">
+        <p14:creationId xmlns:p14="http://schemas.microsoft.com/office/powerpoint/2010/main" val="2538244418"/>
+      </p:ext>
+    </p:extLst>
+  </p:cSld>
+  <p:clrMapOvr>
+    <a:masterClrMapping/>
+  </p:clrMapOvr>
+</p:notes>
+</file>
+
+<file path=ppt/notesSlides/notesSlide6.xml><?xml version="1.0" encoding="utf-8"?>
 <p:notes xmlns:a="http://schemas.openxmlformats.org/drawingml/2006/main" xmlns:r="http://schemas.openxmlformats.org/officeDocument/2006/relationships" xmlns:p="http://schemas.openxmlformats.org/presentationml/2006/main">
   <p:cSld>
     <p:spTree>
@@ -6944,7 +7234,7 @@
                 <a:tabLst/>
                 <a:defRPr/>
               </a:pPr>
-              <a:t>7</a:t>
+              <a:t>8</a:t>
             </a:fld>
             <a:endParaRPr kumimoji="0" lang="en-US" sz="1200" b="0" i="0" u="none" strike="noStrike" kern="1200" cap="none" spc="0" normalizeH="0" baseline="0" noProof="0">
               <a:ln>
@@ -6976,91 +7266,7 @@
 </p:notes>
 </file>
 
-<file path=ppt/notesSlides/notesSlide5.xml><?xml version="1.0" encoding="utf-8"?>
-<p:notes xmlns:a="http://schemas.openxmlformats.org/drawingml/2006/main" xmlns:r="http://schemas.openxmlformats.org/officeDocument/2006/relationships" xmlns:p="http://schemas.openxmlformats.org/presentationml/2006/main">
-  <p:cSld>
-    <p:spTree>
-      <p:nvGrpSpPr>
-        <p:cNvPr id="1" name=""/>
-        <p:cNvGrpSpPr/>
-        <p:nvPr/>
-      </p:nvGrpSpPr>
-      <p:grpSpPr>
-        <a:xfrm>
-          <a:off x="0" y="0"/>
-          <a:ext cx="0" cy="0"/>
-          <a:chOff x="0" y="0"/>
-          <a:chExt cx="0" cy="0"/>
-        </a:xfrm>
-      </p:grpSpPr>
-      <p:sp>
-        <p:nvSpPr>
-          <p:cNvPr id="2" name="Slide Image Placeholder 1"/>
-          <p:cNvSpPr>
-            <a:spLocks noGrp="1" noRot="1" noChangeAspect="1"/>
-          </p:cNvSpPr>
-          <p:nvPr>
-            <p:ph type="sldImg"/>
-          </p:nvPr>
-        </p:nvSpPr>
-        <p:spPr/>
-      </p:sp>
-      <p:sp>
-        <p:nvSpPr>
-          <p:cNvPr id="3" name="Notes Placeholder 2"/>
-          <p:cNvSpPr>
-            <a:spLocks noGrp="1"/>
-          </p:cNvSpPr>
-          <p:nvPr>
-            <p:ph type="body" idx="1"/>
-          </p:nvPr>
-        </p:nvSpPr>
-        <p:spPr/>
-        <p:txBody>
-          <a:bodyPr/>
-          <a:lstStyle/>
-          <a:p>
-            <a:endParaRPr lang="en-US" dirty="0"/>
-          </a:p>
-        </p:txBody>
-      </p:sp>
-      <p:sp>
-        <p:nvSpPr>
-          <p:cNvPr id="4" name="Slide Number Placeholder 3"/>
-          <p:cNvSpPr>
-            <a:spLocks noGrp="1"/>
-          </p:cNvSpPr>
-          <p:nvPr>
-            <p:ph type="sldNum" sz="quarter" idx="5"/>
-          </p:nvPr>
-        </p:nvSpPr>
-        <p:spPr/>
-        <p:txBody>
-          <a:bodyPr/>
-          <a:lstStyle/>
-          <a:p>
-            <a:fld id="{0A9D1103-948D-824D-8C1B-6960FBF5BBBF}" type="slidenum">
-              <a:rPr lang="en-US" smtClean="0"/>
-              <a:t>8</a:t>
-            </a:fld>
-            <a:endParaRPr lang="en-US"/>
-          </a:p>
-        </p:txBody>
-      </p:sp>
-    </p:spTree>
-    <p:extLst>
-      <p:ext uri="{BB962C8B-B14F-4D97-AF65-F5344CB8AC3E}">
-        <p14:creationId xmlns:p14="http://schemas.microsoft.com/office/powerpoint/2010/main" val="1316531725"/>
-      </p:ext>
-    </p:extLst>
-  </p:cSld>
-  <p:clrMapOvr>
-    <a:masterClrMapping/>
-  </p:clrMapOvr>
-</p:notes>
-</file>
-
-<file path=ppt/notesSlides/notesSlide6.xml><?xml version="1.0" encoding="utf-8"?>
+<file path=ppt/notesSlides/notesSlide7.xml><?xml version="1.0" encoding="utf-8"?>
 <p:notes xmlns:a="http://schemas.openxmlformats.org/drawingml/2006/main" xmlns:r="http://schemas.openxmlformats.org/officeDocument/2006/relationships" xmlns:p="http://schemas.openxmlformats.org/presentationml/2006/main">
   <p:cSld>
     <p:spTree>
@@ -7126,6 +7332,90 @@
             <a:fld id="{0A9D1103-948D-824D-8C1B-6960FBF5BBBF}" type="slidenum">
               <a:rPr lang="en-US" smtClean="0"/>
               <a:t>9</a:t>
+            </a:fld>
+            <a:endParaRPr lang="en-US"/>
+          </a:p>
+        </p:txBody>
+      </p:sp>
+    </p:spTree>
+    <p:extLst>
+      <p:ext uri="{BB962C8B-B14F-4D97-AF65-F5344CB8AC3E}">
+        <p14:creationId xmlns:p14="http://schemas.microsoft.com/office/powerpoint/2010/main" val="1316531725"/>
+      </p:ext>
+    </p:extLst>
+  </p:cSld>
+  <p:clrMapOvr>
+    <a:masterClrMapping/>
+  </p:clrMapOvr>
+</p:notes>
+</file>
+
+<file path=ppt/notesSlides/notesSlide8.xml><?xml version="1.0" encoding="utf-8"?>
+<p:notes xmlns:a="http://schemas.openxmlformats.org/drawingml/2006/main" xmlns:r="http://schemas.openxmlformats.org/officeDocument/2006/relationships" xmlns:p="http://schemas.openxmlformats.org/presentationml/2006/main">
+  <p:cSld>
+    <p:spTree>
+      <p:nvGrpSpPr>
+        <p:cNvPr id="1" name=""/>
+        <p:cNvGrpSpPr/>
+        <p:nvPr/>
+      </p:nvGrpSpPr>
+      <p:grpSpPr>
+        <a:xfrm>
+          <a:off x="0" y="0"/>
+          <a:ext cx="0" cy="0"/>
+          <a:chOff x="0" y="0"/>
+          <a:chExt cx="0" cy="0"/>
+        </a:xfrm>
+      </p:grpSpPr>
+      <p:sp>
+        <p:nvSpPr>
+          <p:cNvPr id="2" name="Slide Image Placeholder 1"/>
+          <p:cNvSpPr>
+            <a:spLocks noGrp="1" noRot="1" noChangeAspect="1"/>
+          </p:cNvSpPr>
+          <p:nvPr>
+            <p:ph type="sldImg"/>
+          </p:nvPr>
+        </p:nvSpPr>
+        <p:spPr/>
+      </p:sp>
+      <p:sp>
+        <p:nvSpPr>
+          <p:cNvPr id="3" name="Notes Placeholder 2"/>
+          <p:cNvSpPr>
+            <a:spLocks noGrp="1"/>
+          </p:cNvSpPr>
+          <p:nvPr>
+            <p:ph type="body" idx="1"/>
+          </p:nvPr>
+        </p:nvSpPr>
+        <p:spPr/>
+        <p:txBody>
+          <a:bodyPr/>
+          <a:lstStyle/>
+          <a:p>
+            <a:endParaRPr lang="en-US" dirty="0"/>
+          </a:p>
+        </p:txBody>
+      </p:sp>
+      <p:sp>
+        <p:nvSpPr>
+          <p:cNvPr id="4" name="Slide Number Placeholder 3"/>
+          <p:cNvSpPr>
+            <a:spLocks noGrp="1"/>
+          </p:cNvSpPr>
+          <p:nvPr>
+            <p:ph type="sldNum" sz="quarter" idx="5"/>
+          </p:nvPr>
+        </p:nvSpPr>
+        <p:spPr/>
+        <p:txBody>
+          <a:bodyPr/>
+          <a:lstStyle/>
+          <a:p>
+            <a:fld id="{0A9D1103-948D-824D-8C1B-6960FBF5BBBF}" type="slidenum">
+              <a:rPr lang="en-US" smtClean="0"/>
+              <a:t>10</a:t>
             </a:fld>
             <a:endParaRPr lang="en-US"/>
           </a:p>
@@ -10368,2281 +10658,6 @@
     <p:bg>
       <p:bgPr>
         <a:solidFill>
-          <a:schemeClr val="bg1"/>
-        </a:solidFill>
-        <a:effectLst/>
-      </p:bgPr>
-    </p:bg>
-    <p:spTree>
-      <p:nvGrpSpPr>
-        <p:cNvPr id="1" name=""/>
-        <p:cNvGrpSpPr/>
-        <p:nvPr/>
-      </p:nvGrpSpPr>
-      <p:grpSpPr>
-        <a:xfrm>
-          <a:off x="0" y="0"/>
-          <a:ext cx="0" cy="0"/>
-          <a:chOff x="0" y="0"/>
-          <a:chExt cx="0" cy="0"/>
-        </a:xfrm>
-      </p:grpSpPr>
-      <p:sp>
-        <p:nvSpPr>
-          <p:cNvPr id="5" name="Rectangle 1">
-            <a:extLst>
-              <a:ext uri="{FF2B5EF4-FFF2-40B4-BE49-F238E27FC236}">
-                <a16:creationId xmlns:a16="http://schemas.microsoft.com/office/drawing/2014/main" id="{1C74A0EA-A7F3-97C7-306A-1EDCA9CEA132}"/>
-              </a:ext>
-            </a:extLst>
-          </p:cNvPr>
-          <p:cNvSpPr>
-            <a:spLocks noChangeArrowheads="1"/>
-          </p:cNvSpPr>
-          <p:nvPr/>
-        </p:nvSpPr>
-        <p:spPr bwMode="auto">
-          <a:xfrm>
-            <a:off x="643469" y="1782981"/>
-            <a:ext cx="4008384" cy="4393982"/>
-          </a:xfrm>
-          <a:prstGeom prst="rect">
-            <a:avLst/>
-          </a:prstGeom>
-          <a:extLst>
-            <a:ext uri="{909E8E84-426E-40DD-AFC4-6F175D3DCCD1}">
-              <a14:hiddenFill xmlns:a14="http://schemas.microsoft.com/office/drawing/2010/main">
-                <a:solidFill>
-                  <a:schemeClr val="accent1"/>
-                </a:solidFill>
-              </a14:hiddenFill>
-            </a:ext>
-            <a:ext uri="{91240B29-F687-4F45-9708-019B960494DF}">
-              <a14:hiddenLine xmlns:a14="http://schemas.microsoft.com/office/drawing/2010/main" w="9525">
-                <a:solidFill>
-                  <a:schemeClr val="tx1"/>
-                </a:solidFill>
-                <a:miter lim="800000"/>
-                <a:headEnd/>
-                <a:tailEnd/>
-              </a14:hiddenLine>
-            </a:ext>
-            <a:ext uri="{AF507438-7753-43E0-B8FC-AC1667EBCBE1}">
-              <a14:hiddenEffects xmlns:a14="http://schemas.microsoft.com/office/drawing/2010/main">
-                <a:effectLst>
-                  <a:outerShdw dist="35921" dir="2700000" algn="ctr" rotWithShape="0">
-                    <a:schemeClr val="bg2"/>
-                  </a:outerShdw>
-                </a:effectLst>
-              </a14:hiddenEffects>
-            </a:ext>
-          </a:extLst>
-        </p:spPr>
-        <p:txBody>
-          <a:bodyPr vert="horz" lIns="91440" tIns="45720" rIns="91440" bIns="45720" numCol="1" rtlCol="0" anchorCtr="0" compatLnSpc="1">
-            <a:prstTxWarp prst="textNoShape">
-              <a:avLst/>
-            </a:prstTxWarp>
-            <a:normAutofit/>
-          </a:bodyPr>
-          <a:lstStyle/>
-          <a:p>
-            <a:pPr marL="0" marR="0" lvl="0" indent="-228600" defTabSz="914400" fontAlgn="base">
-              <a:lnSpc>
-                <a:spcPct val="90000"/>
-              </a:lnSpc>
-              <a:spcBef>
-                <a:spcPct val="0"/>
-              </a:spcBef>
-              <a:spcAft>
-                <a:spcPts val="600"/>
-              </a:spcAft>
-              <a:buClrTx/>
-              <a:buSzTx/>
-              <a:buFont typeface="Arial" panose="020B0604020202020204" pitchFamily="34" charset="0"/>
-              <a:buChar char="•"/>
-              <a:tabLst/>
-            </a:pPr>
-            <a:r>
-              <a:rPr kumimoji="0" lang="en-US" altLang="en-US" sz="2000" b="0" i="0" u="none" strike="noStrike" cap="none" normalizeH="0" baseline="0" dirty="0">
-                <a:ln>
-                  <a:noFill/>
-                </a:ln>
-                <a:effectLst/>
-              </a:rPr>
-              <a:t>Judging Rubrics</a:t>
-            </a:r>
-            <a:endParaRPr kumimoji="0" lang="en-US" altLang="en-US" sz="2000" b="1" i="0" u="none" strike="noStrike" cap="none" normalizeH="0" baseline="0" dirty="0">
-              <a:ln>
-                <a:noFill/>
-              </a:ln>
-              <a:effectLst/>
-            </a:endParaRPr>
-          </a:p>
-          <a:p>
-            <a:pPr marL="0" marR="0" lvl="0" indent="-228600" defTabSz="914400" fontAlgn="base">
-              <a:lnSpc>
-                <a:spcPct val="90000"/>
-              </a:lnSpc>
-              <a:spcBef>
-                <a:spcPct val="0"/>
-              </a:spcBef>
-              <a:spcAft>
-                <a:spcPts val="600"/>
-              </a:spcAft>
-              <a:buClrTx/>
-              <a:buSzTx/>
-              <a:buFont typeface="Arial" panose="020B0604020202020204" pitchFamily="34" charset="0"/>
-              <a:buChar char="•"/>
-              <a:tabLst/>
-            </a:pPr>
-            <a:r>
-              <a:rPr kumimoji="0" lang="en-US" altLang="en-US" sz="2000" b="0" i="0" u="none" strike="noStrike" cap="none" normalizeH="0" baseline="0" dirty="0">
-                <a:ln>
-                  <a:noFill/>
-                </a:ln>
-                <a:effectLst/>
-              </a:rPr>
-              <a:t>Team Name:</a:t>
-            </a:r>
-          </a:p>
-          <a:p>
-            <a:pPr marR="0" lvl="0" indent="-228600" defTabSz="914400" fontAlgn="base">
-              <a:lnSpc>
-                <a:spcPct val="90000"/>
-              </a:lnSpc>
-              <a:spcBef>
-                <a:spcPct val="0"/>
-              </a:spcBef>
-              <a:spcAft>
-                <a:spcPts val="600"/>
-              </a:spcAft>
-              <a:buClrTx/>
-              <a:buSzTx/>
-              <a:buFont typeface="Arial" panose="020B0604020202020204" pitchFamily="34" charset="0"/>
-              <a:buChar char="•"/>
-              <a:tabLst/>
-            </a:pPr>
-            <a:r>
-              <a:rPr kumimoji="0" lang="en-US" altLang="en-US" sz="2000" b="0" i="0" u="none" strike="noStrike" cap="none" normalizeH="0" baseline="0" dirty="0">
-                <a:ln>
-                  <a:noFill/>
-                </a:ln>
-                <a:effectLst/>
-              </a:rPr>
-              <a:t>Any other comments:</a:t>
-            </a:r>
-            <a:br>
-              <a:rPr kumimoji="0" lang="en-US" altLang="en-US" sz="2000" b="0" i="0" u="none" strike="noStrike" cap="none" normalizeH="0" baseline="0" dirty="0">
-                <a:ln>
-                  <a:noFill/>
-                </a:ln>
-                <a:effectLst/>
-              </a:rPr>
-            </a:br>
-            <a:endParaRPr kumimoji="0" lang="en-US" altLang="en-US" sz="2000" b="0" i="0" u="none" strike="noStrike" cap="none" normalizeH="0" baseline="0" dirty="0">
-              <a:ln>
-                <a:noFill/>
-              </a:ln>
-              <a:effectLst/>
-            </a:endParaRPr>
-          </a:p>
-        </p:txBody>
-      </p:sp>
-      <p:sp>
-        <p:nvSpPr>
-          <p:cNvPr id="9" name="Rectangle 2">
-            <a:extLst>
-              <a:ext uri="{FF2B5EF4-FFF2-40B4-BE49-F238E27FC236}">
-                <a16:creationId xmlns:a16="http://schemas.microsoft.com/office/drawing/2014/main" id="{DE99CBFC-1B75-33F1-7705-B536B5514634}"/>
-              </a:ext>
-            </a:extLst>
-          </p:cNvPr>
-          <p:cNvSpPr>
-            <a:spLocks noChangeArrowheads="1"/>
-          </p:cNvSpPr>
-          <p:nvPr/>
-        </p:nvSpPr>
-        <p:spPr bwMode="auto">
-          <a:xfrm>
-            <a:off x="5123290" y="744265"/>
-            <a:ext cx="12192000" cy="457200"/>
-          </a:xfrm>
-          <a:prstGeom prst="rect">
-            <a:avLst/>
-          </a:prstGeom>
-          <a:noFill/>
-          <a:ln>
-            <a:noFill/>
-          </a:ln>
-          <a:effectLst/>
-          <a:extLst>
-            <a:ext uri="{909E8E84-426E-40DD-AFC4-6F175D3DCCD1}">
-              <a14:hiddenFill xmlns:a14="http://schemas.microsoft.com/office/drawing/2010/main">
-                <a:solidFill>
-                  <a:schemeClr val="accent1"/>
-                </a:solidFill>
-              </a14:hiddenFill>
-            </a:ext>
-            <a:ext uri="{91240B29-F687-4F45-9708-019B960494DF}">
-              <a14:hiddenLine xmlns:a14="http://schemas.microsoft.com/office/drawing/2010/main" w="9525">
-                <a:solidFill>
-                  <a:schemeClr val="tx1"/>
-                </a:solidFill>
-                <a:miter lim="800000"/>
-                <a:headEnd/>
-                <a:tailEnd/>
-              </a14:hiddenLine>
-            </a:ext>
-            <a:ext uri="{AF507438-7753-43E0-B8FC-AC1667EBCBE1}">
-              <a14:hiddenEffects xmlns:a14="http://schemas.microsoft.com/office/drawing/2010/main">
-                <a:effectLst>
-                  <a:outerShdw dist="35921" dir="2700000" algn="ctr" rotWithShape="0">
-                    <a:schemeClr val="bg2"/>
-                  </a:outerShdw>
-                </a:effectLst>
-              </a14:hiddenEffects>
-            </a:ext>
-          </a:extLst>
-        </p:spPr>
-        <p:txBody>
-          <a:bodyPr vert="horz" wrap="none" lIns="91440" tIns="0" rIns="91440" bIns="0" numCol="1" anchor="ctr" anchorCtr="0" compatLnSpc="1">
-            <a:prstTxWarp prst="textNoShape">
-              <a:avLst/>
-            </a:prstTxWarp>
-            <a:spAutoFit/>
-          </a:bodyPr>
-          <a:lstStyle/>
-          <a:p>
-            <a:pPr marL="0" marR="0" lvl="0" indent="0" algn="l" defTabSz="914400" rtl="0" eaLnBrk="0" fontAlgn="base" latinLnBrk="0" hangingPunct="0">
-              <a:lnSpc>
-                <a:spcPct val="100000"/>
-              </a:lnSpc>
-              <a:spcBef>
-                <a:spcPct val="0"/>
-              </a:spcBef>
-              <a:spcAft>
-                <a:spcPct val="0"/>
-              </a:spcAft>
-              <a:buClrTx/>
-              <a:buSzTx/>
-              <a:buFontTx/>
-              <a:buNone/>
-              <a:tabLst/>
-            </a:pPr>
-            <a:endParaRPr kumimoji="0" lang="en-US" altLang="en-US" sz="1800" b="0" i="0" u="none" strike="noStrike" cap="none" normalizeH="0" baseline="0">
-              <a:ln>
-                <a:noFill/>
-              </a:ln>
-              <a:solidFill>
-                <a:schemeClr val="tx1"/>
-              </a:solidFill>
-              <a:effectLst/>
-              <a:latin typeface="Arial" panose="020B0604020202020204" pitchFamily="34" charset="0"/>
-            </a:endParaRPr>
-          </a:p>
-        </p:txBody>
-      </p:sp>
-      <p:graphicFrame>
-        <p:nvGraphicFramePr>
-          <p:cNvPr id="8" name="Table 7">
-            <a:extLst>
-              <a:ext uri="{FF2B5EF4-FFF2-40B4-BE49-F238E27FC236}">
-                <a16:creationId xmlns:a16="http://schemas.microsoft.com/office/drawing/2014/main" id="{AE6D26C4-5429-11E0-A33C-C52993296506}"/>
-              </a:ext>
-            </a:extLst>
-          </p:cNvPr>
-          <p:cNvGraphicFramePr>
-            <a:graphicFrameLocks noGrp="1"/>
-          </p:cNvGraphicFramePr>
-          <p:nvPr>
-            <p:extLst>
-              <p:ext uri="{D42A27DB-BD31-4B8C-83A1-F6EECF244321}">
-                <p14:modId xmlns:p14="http://schemas.microsoft.com/office/powerpoint/2010/main" val="2753324797"/>
-              </p:ext>
-            </p:extLst>
-          </p:nvPr>
-        </p:nvGraphicFramePr>
-        <p:xfrm>
-          <a:off x="3392557" y="503583"/>
-          <a:ext cx="8155977" cy="5466904"/>
-        </p:xfrm>
-        <a:graphic>
-          <a:graphicData uri="http://schemas.openxmlformats.org/drawingml/2006/table">
-            <a:tbl>
-              <a:tblPr firstRow="1" bandRow="1">
-                <a:noFill/>
-              </a:tblPr>
-              <a:tblGrid>
-                <a:gridCol w="1573271">
-                  <a:extLst>
-                    <a:ext uri="{9D8B030D-6E8A-4147-A177-3AD203B41FA5}">
-                      <a16:colId xmlns:a16="http://schemas.microsoft.com/office/drawing/2014/main" val="1461425136"/>
-                    </a:ext>
-                  </a:extLst>
-                </a:gridCol>
-                <a:gridCol w="2153269">
-                  <a:extLst>
-                    <a:ext uri="{9D8B030D-6E8A-4147-A177-3AD203B41FA5}">
-                      <a16:colId xmlns:a16="http://schemas.microsoft.com/office/drawing/2014/main" val="478576132"/>
-                    </a:ext>
-                  </a:extLst>
-                </a:gridCol>
-                <a:gridCol w="3823937">
-                  <a:extLst>
-                    <a:ext uri="{9D8B030D-6E8A-4147-A177-3AD203B41FA5}">
-                      <a16:colId xmlns:a16="http://schemas.microsoft.com/office/drawing/2014/main" val="841709440"/>
-                    </a:ext>
-                  </a:extLst>
-                </a:gridCol>
-                <a:gridCol w="605500">
-                  <a:extLst>
-                    <a:ext uri="{9D8B030D-6E8A-4147-A177-3AD203B41FA5}">
-                      <a16:colId xmlns:a16="http://schemas.microsoft.com/office/drawing/2014/main" val="3496055823"/>
-                    </a:ext>
-                  </a:extLst>
-                </a:gridCol>
-              </a:tblGrid>
-              <a:tr h="333874">
-                <a:tc gridSpan="2">
-                  <a:txBody>
-                    <a:bodyPr/>
-                    <a:lstStyle/>
-                    <a:p>
-                      <a:pPr algn="ctr" rtl="0" fontAlgn="ctr">
-                        <a:spcBef>
-                          <a:spcPts val="0"/>
-                        </a:spcBef>
-                        <a:spcAft>
-                          <a:spcPts val="0"/>
-                        </a:spcAft>
-                      </a:pPr>
-                      <a:r>
-                        <a:rPr lang="en-IN" sz="700" b="1" i="0" u="none" strike="noStrike" cap="all" spc="60">
-                          <a:solidFill>
-                            <a:schemeClr val="tx1"/>
-                          </a:solidFill>
-                          <a:effectLst/>
-                          <a:latin typeface="Times New Roman" panose="02020603050405020304" pitchFamily="18" charset="0"/>
-                        </a:rPr>
-                        <a:t>Criteria</a:t>
-                      </a:r>
-                      <a:endParaRPr lang="en-IN" sz="700" b="1" cap="all" spc="60">
-                        <a:solidFill>
-                          <a:schemeClr val="tx1"/>
-                        </a:solidFill>
-                        <a:effectLst/>
-                      </a:endParaRPr>
-                    </a:p>
-                  </a:txBody>
-                  <a:tcPr marL="27106" marR="27106" marT="55702" marB="55702" anchor="b">
-                    <a:lnL w="12700" cmpd="sng">
-                      <a:noFill/>
-                    </a:lnL>
-                    <a:lnR w="12700" cmpd="sng">
-                      <a:noFill/>
-                    </a:lnR>
-                    <a:lnT w="12700" cmpd="sng">
-                      <a:noFill/>
-                    </a:lnT>
-                    <a:lnB w="38100" cmpd="sng">
-                      <a:noFill/>
-                    </a:lnB>
-                    <a:noFill/>
-                  </a:tcPr>
-                </a:tc>
-                <a:tc hMerge="1">
-                  <a:txBody>
-                    <a:bodyPr/>
-                    <a:lstStyle/>
-                    <a:p>
-                      <a:endParaRPr lang="en-US"/>
-                    </a:p>
-                  </a:txBody>
-                  <a:tcPr/>
-                </a:tc>
-                <a:tc>
-                  <a:txBody>
-                    <a:bodyPr/>
-                    <a:lstStyle/>
-                    <a:p>
-                      <a:pPr algn="ctr" rtl="0" fontAlgn="t">
-                        <a:spcBef>
-                          <a:spcPts val="0"/>
-                        </a:spcBef>
-                        <a:spcAft>
-                          <a:spcPts val="0"/>
-                        </a:spcAft>
-                      </a:pPr>
-                      <a:r>
-                        <a:rPr lang="en-IN" sz="700" b="1" i="0" u="none" strike="noStrike" cap="all" spc="60">
-                          <a:solidFill>
-                            <a:schemeClr val="tx1"/>
-                          </a:solidFill>
-                          <a:effectLst/>
-                          <a:latin typeface="Times New Roman" panose="02020603050405020304" pitchFamily="18" charset="0"/>
-                        </a:rPr>
-                        <a:t>Guiding Questions</a:t>
-                      </a:r>
-                      <a:endParaRPr lang="en-IN" sz="700" b="1" cap="all" spc="60">
-                        <a:solidFill>
-                          <a:schemeClr val="tx1"/>
-                        </a:solidFill>
-                        <a:effectLst/>
-                      </a:endParaRPr>
-                    </a:p>
-                  </a:txBody>
-                  <a:tcPr marL="27106" marR="27106" marT="55702" marB="55702" anchor="b">
-                    <a:lnL w="12700" cmpd="sng">
-                      <a:noFill/>
-                    </a:lnL>
-                    <a:lnR w="12700" cmpd="sng">
-                      <a:noFill/>
-                    </a:lnR>
-                    <a:lnT w="12700" cmpd="sng">
-                      <a:noFill/>
-                    </a:lnT>
-                    <a:lnB w="38100" cmpd="sng">
-                      <a:noFill/>
-                    </a:lnB>
-                    <a:noFill/>
-                  </a:tcPr>
-                </a:tc>
-                <a:tc>
-                  <a:txBody>
-                    <a:bodyPr/>
-                    <a:lstStyle/>
-                    <a:p>
-                      <a:pPr algn="ctr" rtl="0" fontAlgn="t">
-                        <a:spcBef>
-                          <a:spcPts val="0"/>
-                        </a:spcBef>
-                        <a:spcAft>
-                          <a:spcPts val="0"/>
-                        </a:spcAft>
-                      </a:pPr>
-                      <a:r>
-                        <a:rPr lang="en-IN" sz="700" b="1" i="0" u="none" strike="noStrike" cap="all" spc="60">
-                          <a:solidFill>
-                            <a:schemeClr val="tx1"/>
-                          </a:solidFill>
-                          <a:effectLst/>
-                          <a:latin typeface="Times New Roman" panose="02020603050405020304" pitchFamily="18" charset="0"/>
-                        </a:rPr>
-                        <a:t>Score</a:t>
-                      </a:r>
-                      <a:endParaRPr lang="en-IN" sz="700" b="1" cap="all" spc="60">
-                        <a:solidFill>
-                          <a:schemeClr val="tx1"/>
-                        </a:solidFill>
-                        <a:effectLst/>
-                      </a:endParaRPr>
-                    </a:p>
-                  </a:txBody>
-                  <a:tcPr marL="27106" marR="27106" marT="55702" marB="55702" anchor="b">
-                    <a:lnL w="12700" cmpd="sng">
-                      <a:noFill/>
-                    </a:lnL>
-                    <a:lnR w="12700" cmpd="sng">
-                      <a:noFill/>
-                    </a:lnR>
-                    <a:lnT w="12700" cmpd="sng">
-                      <a:noFill/>
-                    </a:lnT>
-                    <a:lnB w="38100" cmpd="sng">
-                      <a:noFill/>
-                    </a:lnB>
-                    <a:noFill/>
-                  </a:tcPr>
-                </a:tc>
-                <a:extLst>
-                  <a:ext uri="{0D108BD9-81ED-4DB2-BD59-A6C34878D82A}">
-                    <a16:rowId xmlns:a16="http://schemas.microsoft.com/office/drawing/2014/main" val="1699250078"/>
-                  </a:ext>
-                </a:extLst>
-              </a:tr>
-              <a:tr h="750201">
-                <a:tc rowSpan="4">
-                  <a:txBody>
-                    <a:bodyPr/>
-                    <a:lstStyle/>
-                    <a:p>
-                      <a:pPr algn="ctr" rtl="0" fontAlgn="ctr">
-                        <a:spcBef>
-                          <a:spcPts val="0"/>
-                        </a:spcBef>
-                        <a:spcAft>
-                          <a:spcPts val="0"/>
-                        </a:spcAft>
-                      </a:pPr>
-                      <a:r>
-                        <a:rPr lang="en-IN" sz="1000" b="0" i="0" u="none" strike="noStrike" cap="none" spc="0">
-                          <a:solidFill>
-                            <a:schemeClr val="tx1"/>
-                          </a:solidFill>
-                          <a:effectLst/>
-                          <a:latin typeface="Times New Roman" panose="02020603050405020304" pitchFamily="18" charset="0"/>
-                        </a:rPr>
-                        <a:t>Technical Knowledge</a:t>
-                      </a:r>
-                      <a:endParaRPr lang="en-IN" sz="1000" cap="none" spc="0">
-                        <a:solidFill>
-                          <a:schemeClr val="tx1"/>
-                        </a:solidFill>
-                        <a:effectLst/>
-                      </a:endParaRPr>
-                    </a:p>
-                  </a:txBody>
-                  <a:tcPr marL="27106" marR="27106" marT="27106" marB="55702" anchor="ctr">
-                    <a:lnL w="12700" cap="flat" cmpd="sng" algn="ctr">
-                      <a:solidFill>
-                        <a:schemeClr val="tx1"/>
-                      </a:solidFill>
-                      <a:prstDash val="solid"/>
-                    </a:lnL>
-                    <a:lnR w="12700" cmpd="sng">
-                      <a:noFill/>
-                      <a:prstDash val="solid"/>
-                    </a:lnR>
-                    <a:lnT w="38100" cmpd="sng">
-                      <a:noFill/>
-                    </a:lnT>
-                    <a:lnB w="12700" cmpd="sng">
-                      <a:noFill/>
-                      <a:prstDash val="solid"/>
-                    </a:lnB>
-                    <a:noFill/>
-                  </a:tcPr>
-                </a:tc>
-                <a:tc>
-                  <a:txBody>
-                    <a:bodyPr/>
-                    <a:lstStyle/>
-                    <a:p>
-                      <a:pPr algn="ctr" rtl="0" fontAlgn="t">
-                        <a:spcBef>
-                          <a:spcPts val="0"/>
-                        </a:spcBef>
-                        <a:spcAft>
-                          <a:spcPts val="0"/>
-                        </a:spcAft>
-                      </a:pPr>
-                      <a:r>
-                        <a:rPr lang="en-IN" sz="1000" b="0" i="0" u="none" strike="noStrike" cap="none" spc="0">
-                          <a:solidFill>
-                            <a:schemeClr val="tx1"/>
-                          </a:solidFill>
-                          <a:effectLst/>
-                          <a:latin typeface="Times New Roman" panose="02020603050405020304" pitchFamily="18" charset="0"/>
-                        </a:rPr>
-                        <a:t>Data Exploration</a:t>
-                      </a:r>
-                      <a:endParaRPr lang="en-IN" sz="1000" cap="none" spc="0">
-                        <a:solidFill>
-                          <a:schemeClr val="tx1"/>
-                        </a:solidFill>
-                        <a:effectLst/>
-                      </a:endParaRPr>
-                    </a:p>
-                  </a:txBody>
-                  <a:tcPr marL="27106" marR="27106" marT="27106" marB="55702">
-                    <a:lnL w="12700" cmpd="sng">
-                      <a:noFill/>
-                      <a:prstDash val="solid"/>
-                    </a:lnL>
-                    <a:lnR w="12700" cmpd="sng">
-                      <a:noFill/>
-                      <a:prstDash val="solid"/>
-                    </a:lnR>
-                    <a:lnT w="38100" cmpd="sng">
-                      <a:noFill/>
-                    </a:lnT>
-                    <a:lnB w="12700" cmpd="sng">
-                      <a:noFill/>
-                      <a:prstDash val="solid"/>
-                    </a:lnB>
-                    <a:noFill/>
-                  </a:tcPr>
-                </a:tc>
-                <a:tc>
-                  <a:txBody>
-                    <a:bodyPr/>
-                    <a:lstStyle/>
-                    <a:p>
-                      <a:pPr rtl="0" fontAlgn="base">
-                        <a:spcBef>
-                          <a:spcPts val="0"/>
-                        </a:spcBef>
-                        <a:spcAft>
-                          <a:spcPts val="0"/>
-                        </a:spcAft>
-                        <a:buFont typeface="Arial" panose="020B0604020202020204" pitchFamily="34" charset="0"/>
-                        <a:buChar char="•"/>
-                      </a:pPr>
-                      <a:r>
-                        <a:rPr lang="en-IN" sz="1000" b="0" i="0" u="none" strike="noStrike" cap="none" spc="0">
-                          <a:solidFill>
-                            <a:schemeClr val="tx1"/>
-                          </a:solidFill>
-                          <a:effectLst/>
-                          <a:latin typeface="Times New Roman" panose="02020603050405020304" pitchFamily="18" charset="0"/>
-                        </a:rPr>
-                        <a:t>Did the team attempt to visualize the data?</a:t>
-                      </a:r>
-                    </a:p>
-                    <a:p>
-                      <a:pPr rtl="0" fontAlgn="base">
-                        <a:spcBef>
-                          <a:spcPts val="0"/>
-                        </a:spcBef>
-                        <a:spcAft>
-                          <a:spcPts val="0"/>
-                        </a:spcAft>
-                        <a:buFont typeface="Arial" panose="020B0604020202020204" pitchFamily="34" charset="0"/>
-                        <a:buChar char="•"/>
-                      </a:pPr>
-                      <a:r>
-                        <a:rPr lang="en-IN" sz="1000" b="0" i="0" u="none" strike="noStrike" cap="none" spc="0">
-                          <a:solidFill>
-                            <a:schemeClr val="tx1"/>
-                          </a:solidFill>
-                          <a:effectLst/>
-                          <a:latin typeface="Times New Roman" panose="02020603050405020304" pitchFamily="18" charset="0"/>
-                        </a:rPr>
-                        <a:t>Was there any insight from this data visualization step that guided their approach to the problem?</a:t>
-                      </a:r>
-                    </a:p>
-                  </a:txBody>
-                  <a:tcPr marL="27106" marR="27106" marT="27106" marB="55702">
-                    <a:lnL w="12700" cmpd="sng">
-                      <a:noFill/>
-                      <a:prstDash val="solid"/>
-                    </a:lnL>
-                    <a:lnR w="12700" cmpd="sng">
-                      <a:noFill/>
-                      <a:prstDash val="solid"/>
-                    </a:lnR>
-                    <a:lnT w="38100" cmpd="sng">
-                      <a:noFill/>
-                    </a:lnT>
-                    <a:lnB w="12700" cmpd="sng">
-                      <a:noFill/>
-                      <a:prstDash val="solid"/>
-                    </a:lnB>
-                    <a:noFill/>
-                  </a:tcPr>
-                </a:tc>
-                <a:tc>
-                  <a:txBody>
-                    <a:bodyPr/>
-                    <a:lstStyle/>
-                    <a:p>
-                      <a:pPr algn="r" rtl="0" fontAlgn="ctr">
-                        <a:spcBef>
-                          <a:spcPts val="0"/>
-                        </a:spcBef>
-                        <a:spcAft>
-                          <a:spcPts val="0"/>
-                        </a:spcAft>
-                      </a:pPr>
-                      <a:r>
-                        <a:rPr lang="en-IN" sz="1000" b="0" i="0" u="none" strike="noStrike" cap="none" spc="0">
-                          <a:solidFill>
-                            <a:schemeClr val="tx1"/>
-                          </a:solidFill>
-                          <a:effectLst/>
-                          <a:latin typeface="Times New Roman" panose="02020603050405020304" pitchFamily="18" charset="0"/>
-                        </a:rPr>
-                        <a:t>/ 10</a:t>
-                      </a:r>
-                      <a:endParaRPr lang="en-IN" sz="1000" cap="none" spc="0">
-                        <a:solidFill>
-                          <a:schemeClr val="tx1"/>
-                        </a:solidFill>
-                        <a:effectLst/>
-                      </a:endParaRPr>
-                    </a:p>
-                  </a:txBody>
-                  <a:tcPr marL="27106" marR="27106" marT="27106" marB="55702" anchor="ctr">
-                    <a:lnL w="12700" cmpd="sng">
-                      <a:noFill/>
-                      <a:prstDash val="solid"/>
-                    </a:lnL>
-                    <a:lnR w="12700" cmpd="sng">
-                      <a:noFill/>
-                      <a:prstDash val="solid"/>
-                    </a:lnR>
-                    <a:lnT w="38100" cmpd="sng">
-                      <a:noFill/>
-                    </a:lnT>
-                    <a:lnB w="12700" cmpd="sng">
-                      <a:noFill/>
-                      <a:prstDash val="solid"/>
-                    </a:lnB>
-                    <a:noFill/>
-                  </a:tcPr>
-                </a:tc>
-                <a:extLst>
-                  <a:ext uri="{0D108BD9-81ED-4DB2-BD59-A6C34878D82A}">
-                    <a16:rowId xmlns:a16="http://schemas.microsoft.com/office/drawing/2014/main" val="3797676167"/>
-                  </a:ext>
-                </a:extLst>
-              </a:tr>
-              <a:tr h="1154895">
-                <a:tc vMerge="1">
-                  <a:txBody>
-                    <a:bodyPr/>
-                    <a:lstStyle/>
-                    <a:p>
-                      <a:endParaRPr lang="en-US"/>
-                    </a:p>
-                  </a:txBody>
-                  <a:tcPr/>
-                </a:tc>
-                <a:tc>
-                  <a:txBody>
-                    <a:bodyPr/>
-                    <a:lstStyle/>
-                    <a:p>
-                      <a:pPr algn="ctr" rtl="0" fontAlgn="t">
-                        <a:spcBef>
-                          <a:spcPts val="0"/>
-                        </a:spcBef>
-                        <a:spcAft>
-                          <a:spcPts val="0"/>
-                        </a:spcAft>
-                      </a:pPr>
-                      <a:r>
-                        <a:rPr lang="en-IN" sz="1000" b="0" i="0" u="none" strike="noStrike" cap="none" spc="0">
-                          <a:solidFill>
-                            <a:schemeClr val="tx1"/>
-                          </a:solidFill>
-                          <a:effectLst/>
-                          <a:latin typeface="Times New Roman" panose="02020603050405020304" pitchFamily="18" charset="0"/>
-                        </a:rPr>
-                        <a:t>Problem Statement / Approach</a:t>
-                      </a:r>
-                      <a:endParaRPr lang="en-IN" sz="1000" cap="none" spc="0">
-                        <a:solidFill>
-                          <a:schemeClr val="tx1"/>
-                        </a:solidFill>
-                        <a:effectLst/>
-                      </a:endParaRPr>
-                    </a:p>
-                  </a:txBody>
-                  <a:tcPr marL="27106" marR="27106" marT="27106" marB="55702">
-                    <a:lnL w="12700" cmpd="sng">
-                      <a:noFill/>
-                      <a:prstDash val="solid"/>
-                    </a:lnL>
-                    <a:lnR w="12700" cmpd="sng">
-                      <a:noFill/>
-                      <a:prstDash val="solid"/>
-                    </a:lnR>
-                    <a:lnT w="12700" cmpd="sng">
-                      <a:noFill/>
-                      <a:prstDash val="solid"/>
-                    </a:lnT>
-                    <a:lnB w="12700" cmpd="sng">
-                      <a:noFill/>
-                      <a:prstDash val="solid"/>
-                    </a:lnB>
-                    <a:solidFill>
-                      <a:schemeClr val="bg1">
-                        <a:lumMod val="95000"/>
-                      </a:schemeClr>
-                    </a:solidFill>
-                  </a:tcPr>
-                </a:tc>
-                <a:tc>
-                  <a:txBody>
-                    <a:bodyPr/>
-                    <a:lstStyle/>
-                    <a:p>
-                      <a:pPr rtl="0" fontAlgn="base">
-                        <a:spcBef>
-                          <a:spcPts val="0"/>
-                        </a:spcBef>
-                        <a:spcAft>
-                          <a:spcPts val="0"/>
-                        </a:spcAft>
-                        <a:buFont typeface="Arial" panose="020B0604020202020204" pitchFamily="34" charset="0"/>
-                        <a:buChar char="•"/>
-                      </a:pPr>
-                      <a:r>
-                        <a:rPr lang="en-IN" sz="1000" b="0" i="0" u="none" strike="noStrike" cap="none" spc="0">
-                          <a:solidFill>
-                            <a:schemeClr val="tx1"/>
-                          </a:solidFill>
-                          <a:effectLst/>
-                          <a:latin typeface="Times New Roman" panose="02020603050405020304" pitchFamily="18" charset="0"/>
-                        </a:rPr>
-                        <a:t>What problem was the team trying to solve?</a:t>
-                      </a:r>
-                    </a:p>
-                    <a:p>
-                      <a:pPr rtl="0" fontAlgn="base">
-                        <a:spcBef>
-                          <a:spcPts val="0"/>
-                        </a:spcBef>
-                        <a:spcAft>
-                          <a:spcPts val="0"/>
-                        </a:spcAft>
-                        <a:buFont typeface="Arial" panose="020B0604020202020204" pitchFamily="34" charset="0"/>
-                        <a:buChar char="•"/>
-                      </a:pPr>
-                      <a:r>
-                        <a:rPr lang="en-IN" sz="1000" b="0" i="0" u="none" strike="noStrike" cap="none" spc="0">
-                          <a:solidFill>
-                            <a:schemeClr val="tx1"/>
-                          </a:solidFill>
-                          <a:effectLst/>
-                          <a:latin typeface="Times New Roman" panose="02020603050405020304" pitchFamily="18" charset="0"/>
-                        </a:rPr>
-                        <a:t>Was their methodology clear?</a:t>
-                      </a:r>
-                    </a:p>
-                    <a:p>
-                      <a:pPr rtl="0" fontAlgn="base">
-                        <a:spcBef>
-                          <a:spcPts val="0"/>
-                        </a:spcBef>
-                        <a:spcAft>
-                          <a:spcPts val="0"/>
-                        </a:spcAft>
-                        <a:buFont typeface="Arial" panose="020B0604020202020204" pitchFamily="34" charset="0"/>
-                        <a:buChar char="•"/>
-                      </a:pPr>
-                      <a:r>
-                        <a:rPr lang="en-IN" sz="1000" b="0" i="0" u="none" strike="noStrike" cap="none" spc="0">
-                          <a:solidFill>
-                            <a:schemeClr val="tx1"/>
-                          </a:solidFill>
-                          <a:effectLst/>
-                          <a:latin typeface="Times New Roman" panose="02020603050405020304" pitchFamily="18" charset="0"/>
-                        </a:rPr>
-                        <a:t>Did the team explain their reasons for choosing one model/method over another?</a:t>
-                      </a:r>
-                    </a:p>
-                    <a:p>
-                      <a:pPr rtl="0" fontAlgn="base">
-                        <a:spcBef>
-                          <a:spcPts val="0"/>
-                        </a:spcBef>
-                        <a:spcAft>
-                          <a:spcPts val="0"/>
-                        </a:spcAft>
-                        <a:buFont typeface="Arial" panose="020B0604020202020204" pitchFamily="34" charset="0"/>
-                        <a:buChar char="•"/>
-                      </a:pPr>
-                      <a:r>
-                        <a:rPr lang="en-IN" sz="1000" b="0" i="0" u="none" strike="noStrike" cap="none" spc="0">
-                          <a:solidFill>
-                            <a:schemeClr val="tx1"/>
-                          </a:solidFill>
-                          <a:effectLst/>
-                          <a:latin typeface="Times New Roman" panose="02020603050405020304" pitchFamily="18" charset="0"/>
-                        </a:rPr>
-                        <a:t>How well was their solution implemented?</a:t>
-                      </a:r>
-                    </a:p>
-                  </a:txBody>
-                  <a:tcPr marL="27106" marR="27106" marT="27106" marB="55702">
-                    <a:lnL w="12700" cmpd="sng">
-                      <a:noFill/>
-                      <a:prstDash val="solid"/>
-                    </a:lnL>
-                    <a:lnR w="12700" cmpd="sng">
-                      <a:noFill/>
-                      <a:prstDash val="solid"/>
-                    </a:lnR>
-                    <a:lnT w="12700" cmpd="sng">
-                      <a:noFill/>
-                      <a:prstDash val="solid"/>
-                    </a:lnT>
-                    <a:lnB w="12700" cmpd="sng">
-                      <a:noFill/>
-                      <a:prstDash val="solid"/>
-                    </a:lnB>
-                    <a:solidFill>
-                      <a:schemeClr val="bg1">
-                        <a:lumMod val="95000"/>
-                      </a:schemeClr>
-                    </a:solidFill>
-                  </a:tcPr>
-                </a:tc>
-                <a:tc>
-                  <a:txBody>
-                    <a:bodyPr/>
-                    <a:lstStyle/>
-                    <a:p>
-                      <a:pPr algn="r" rtl="0" fontAlgn="ctr">
-                        <a:spcBef>
-                          <a:spcPts val="0"/>
-                        </a:spcBef>
-                        <a:spcAft>
-                          <a:spcPts val="0"/>
-                        </a:spcAft>
-                      </a:pPr>
-                      <a:r>
-                        <a:rPr lang="en-IN" sz="1000" b="0" i="0" u="none" strike="noStrike" cap="none" spc="0">
-                          <a:solidFill>
-                            <a:schemeClr val="tx1"/>
-                          </a:solidFill>
-                          <a:effectLst/>
-                          <a:latin typeface="Times New Roman" panose="02020603050405020304" pitchFamily="18" charset="0"/>
-                        </a:rPr>
-                        <a:t>/ 10</a:t>
-                      </a:r>
-                      <a:endParaRPr lang="en-IN" sz="1000" cap="none" spc="0">
-                        <a:solidFill>
-                          <a:schemeClr val="tx1"/>
-                        </a:solidFill>
-                        <a:effectLst/>
-                      </a:endParaRPr>
-                    </a:p>
-                  </a:txBody>
-                  <a:tcPr marL="27106" marR="27106" marT="27106" marB="55702" anchor="ctr">
-                    <a:lnL w="12700" cmpd="sng">
-                      <a:noFill/>
-                      <a:prstDash val="solid"/>
-                    </a:lnL>
-                    <a:lnR w="12700" cmpd="sng">
-                      <a:noFill/>
-                      <a:prstDash val="solid"/>
-                    </a:lnR>
-                    <a:lnT w="12700" cmpd="sng">
-                      <a:noFill/>
-                      <a:prstDash val="solid"/>
-                    </a:lnT>
-                    <a:lnB w="12700" cmpd="sng">
-                      <a:noFill/>
-                      <a:prstDash val="solid"/>
-                    </a:lnB>
-                    <a:solidFill>
-                      <a:schemeClr val="bg1">
-                        <a:lumMod val="95000"/>
-                      </a:schemeClr>
-                    </a:solidFill>
-                  </a:tcPr>
-                </a:tc>
-                <a:extLst>
-                  <a:ext uri="{0D108BD9-81ED-4DB2-BD59-A6C34878D82A}">
-                    <a16:rowId xmlns:a16="http://schemas.microsoft.com/office/drawing/2014/main" val="3404424118"/>
-                  </a:ext>
-                </a:extLst>
-              </a:tr>
-              <a:tr h="547854">
-                <a:tc vMerge="1">
-                  <a:txBody>
-                    <a:bodyPr/>
-                    <a:lstStyle/>
-                    <a:p>
-                      <a:endParaRPr lang="en-US"/>
-                    </a:p>
-                  </a:txBody>
-                  <a:tcPr/>
-                </a:tc>
-                <a:tc>
-                  <a:txBody>
-                    <a:bodyPr/>
-                    <a:lstStyle/>
-                    <a:p>
-                      <a:pPr algn="ctr" rtl="0" fontAlgn="t">
-                        <a:spcBef>
-                          <a:spcPts val="0"/>
-                        </a:spcBef>
-                        <a:spcAft>
-                          <a:spcPts val="0"/>
-                        </a:spcAft>
-                      </a:pPr>
-                      <a:r>
-                        <a:rPr lang="en-IN" sz="1000" b="0" i="0" u="none" strike="noStrike" cap="none" spc="0">
-                          <a:solidFill>
-                            <a:schemeClr val="tx1"/>
-                          </a:solidFill>
-                          <a:effectLst/>
-                          <a:latin typeface="Times New Roman" panose="02020603050405020304" pitchFamily="18" charset="0"/>
-                        </a:rPr>
-                        <a:t>Performance</a:t>
-                      </a:r>
-                      <a:endParaRPr lang="en-IN" sz="1000" cap="none" spc="0">
-                        <a:solidFill>
-                          <a:schemeClr val="tx1"/>
-                        </a:solidFill>
-                        <a:effectLst/>
-                      </a:endParaRPr>
-                    </a:p>
-                  </a:txBody>
-                  <a:tcPr marL="27106" marR="27106" marT="27106" marB="55702">
-                    <a:lnL w="12700" cmpd="sng">
-                      <a:noFill/>
-                      <a:prstDash val="solid"/>
-                    </a:lnL>
-                    <a:lnR w="12700" cmpd="sng">
-                      <a:noFill/>
-                      <a:prstDash val="solid"/>
-                    </a:lnR>
-                    <a:lnT w="12700" cmpd="sng">
-                      <a:noFill/>
-                      <a:prstDash val="solid"/>
-                    </a:lnT>
-                    <a:lnB w="12700" cmpd="sng">
-                      <a:noFill/>
-                      <a:prstDash val="solid"/>
-                    </a:lnB>
-                    <a:noFill/>
-                  </a:tcPr>
-                </a:tc>
-                <a:tc>
-                  <a:txBody>
-                    <a:bodyPr/>
-                    <a:lstStyle/>
-                    <a:p>
-                      <a:pPr rtl="0" fontAlgn="base">
-                        <a:spcBef>
-                          <a:spcPts val="0"/>
-                        </a:spcBef>
-                        <a:spcAft>
-                          <a:spcPts val="0"/>
-                        </a:spcAft>
-                        <a:buFont typeface="Arial" panose="020B0604020202020204" pitchFamily="34" charset="0"/>
-                        <a:buChar char="•"/>
-                      </a:pPr>
-                      <a:r>
-                        <a:rPr lang="en-IN" sz="1000" b="0" i="0" u="none" strike="noStrike" cap="none" spc="0">
-                          <a:solidFill>
-                            <a:schemeClr val="tx1"/>
-                          </a:solidFill>
-                          <a:effectLst/>
-                          <a:latin typeface="Times New Roman" panose="02020603050405020304" pitchFamily="18" charset="0"/>
-                        </a:rPr>
-                        <a:t>What metrics did the team use to evaluate their models’ performance? Was this metric appropriate?</a:t>
-                      </a:r>
-                    </a:p>
-                  </a:txBody>
-                  <a:tcPr marL="27106" marR="27106" marT="27106" marB="55702">
-                    <a:lnL w="12700" cmpd="sng">
-                      <a:noFill/>
-                      <a:prstDash val="solid"/>
-                    </a:lnL>
-                    <a:lnR w="12700" cmpd="sng">
-                      <a:noFill/>
-                      <a:prstDash val="solid"/>
-                    </a:lnR>
-                    <a:lnT w="12700" cmpd="sng">
-                      <a:noFill/>
-                      <a:prstDash val="solid"/>
-                    </a:lnT>
-                    <a:lnB w="12700" cmpd="sng">
-                      <a:noFill/>
-                      <a:prstDash val="solid"/>
-                    </a:lnB>
-                    <a:noFill/>
-                  </a:tcPr>
-                </a:tc>
-                <a:tc>
-                  <a:txBody>
-                    <a:bodyPr/>
-                    <a:lstStyle/>
-                    <a:p>
-                      <a:pPr algn="r" rtl="0" fontAlgn="ctr">
-                        <a:spcBef>
-                          <a:spcPts val="0"/>
-                        </a:spcBef>
-                        <a:spcAft>
-                          <a:spcPts val="0"/>
-                        </a:spcAft>
-                      </a:pPr>
-                      <a:r>
-                        <a:rPr lang="en-IN" sz="1000" b="0" i="0" u="none" strike="noStrike" cap="none" spc="0">
-                          <a:solidFill>
-                            <a:schemeClr val="tx1"/>
-                          </a:solidFill>
-                          <a:effectLst/>
-                          <a:latin typeface="Times New Roman" panose="02020603050405020304" pitchFamily="18" charset="0"/>
-                        </a:rPr>
-                        <a:t>/ 10</a:t>
-                      </a:r>
-                      <a:endParaRPr lang="en-IN" sz="1000" cap="none" spc="0">
-                        <a:solidFill>
-                          <a:schemeClr val="tx1"/>
-                        </a:solidFill>
-                        <a:effectLst/>
-                      </a:endParaRPr>
-                    </a:p>
-                  </a:txBody>
-                  <a:tcPr marL="27106" marR="27106" marT="27106" marB="55702" anchor="ctr">
-                    <a:lnL w="12700" cmpd="sng">
-                      <a:noFill/>
-                      <a:prstDash val="solid"/>
-                    </a:lnL>
-                    <a:lnR w="12700" cmpd="sng">
-                      <a:noFill/>
-                      <a:prstDash val="solid"/>
-                    </a:lnR>
-                    <a:lnT w="12700" cmpd="sng">
-                      <a:noFill/>
-                      <a:prstDash val="solid"/>
-                    </a:lnT>
-                    <a:lnB w="12700" cmpd="sng">
-                      <a:noFill/>
-                      <a:prstDash val="solid"/>
-                    </a:lnB>
-                    <a:noFill/>
-                  </a:tcPr>
-                </a:tc>
-                <a:extLst>
-                  <a:ext uri="{0D108BD9-81ED-4DB2-BD59-A6C34878D82A}">
-                    <a16:rowId xmlns:a16="http://schemas.microsoft.com/office/drawing/2014/main" val="1669042919"/>
-                  </a:ext>
-                </a:extLst>
-              </a:tr>
-              <a:tr h="345506">
-                <a:tc vMerge="1">
-                  <a:txBody>
-                    <a:bodyPr/>
-                    <a:lstStyle/>
-                    <a:p>
-                      <a:endParaRPr lang="en-US"/>
-                    </a:p>
-                  </a:txBody>
-                  <a:tcPr/>
-                </a:tc>
-                <a:tc>
-                  <a:txBody>
-                    <a:bodyPr/>
-                    <a:lstStyle/>
-                    <a:p>
-                      <a:pPr algn="ctr" rtl="0" fontAlgn="t">
-                        <a:spcBef>
-                          <a:spcPts val="0"/>
-                        </a:spcBef>
-                        <a:spcAft>
-                          <a:spcPts val="0"/>
-                        </a:spcAft>
-                      </a:pPr>
-                      <a:r>
-                        <a:rPr lang="en-IN" sz="1000" b="0" i="0" u="none" strike="noStrike" cap="none" spc="0">
-                          <a:solidFill>
-                            <a:schemeClr val="tx1"/>
-                          </a:solidFill>
-                          <a:effectLst/>
-                          <a:latin typeface="Times New Roman" panose="02020603050405020304" pitchFamily="18" charset="0"/>
-                        </a:rPr>
-                        <a:t>Evaluation of Results</a:t>
-                      </a:r>
-                      <a:endParaRPr lang="en-IN" sz="1000" cap="none" spc="0">
-                        <a:solidFill>
-                          <a:schemeClr val="tx1"/>
-                        </a:solidFill>
-                        <a:effectLst/>
-                      </a:endParaRPr>
-                    </a:p>
-                  </a:txBody>
-                  <a:tcPr marL="27106" marR="27106" marT="27106" marB="55702">
-                    <a:lnL w="12700" cmpd="sng">
-                      <a:noFill/>
-                      <a:prstDash val="solid"/>
-                    </a:lnL>
-                    <a:lnR w="12700" cmpd="sng">
-                      <a:noFill/>
-                      <a:prstDash val="solid"/>
-                    </a:lnR>
-                    <a:lnT w="12700" cmpd="sng">
-                      <a:noFill/>
-                      <a:prstDash val="solid"/>
-                    </a:lnT>
-                    <a:lnB w="12700" cmpd="sng">
-                      <a:noFill/>
-                      <a:prstDash val="solid"/>
-                    </a:lnB>
-                    <a:solidFill>
-                      <a:schemeClr val="bg1">
-                        <a:lumMod val="95000"/>
-                      </a:schemeClr>
-                    </a:solidFill>
-                  </a:tcPr>
-                </a:tc>
-                <a:tc>
-                  <a:txBody>
-                    <a:bodyPr/>
-                    <a:lstStyle/>
-                    <a:p>
-                      <a:pPr rtl="0" fontAlgn="base">
-                        <a:spcBef>
-                          <a:spcPts val="0"/>
-                        </a:spcBef>
-                        <a:spcAft>
-                          <a:spcPts val="0"/>
-                        </a:spcAft>
-                        <a:buFont typeface="Arial" panose="020B0604020202020204" pitchFamily="34" charset="0"/>
-                        <a:buChar char="•"/>
-                      </a:pPr>
-                      <a:r>
-                        <a:rPr lang="en-IN" sz="1000" b="0" i="0" u="none" strike="noStrike" cap="none" spc="0">
-                          <a:solidFill>
-                            <a:schemeClr val="tx1"/>
-                          </a:solidFill>
-                          <a:effectLst/>
-                          <a:latin typeface="Times New Roman" panose="02020603050405020304" pitchFamily="18" charset="0"/>
-                        </a:rPr>
-                        <a:t>Does the team understand why they got their result?</a:t>
-                      </a:r>
-                    </a:p>
-                  </a:txBody>
-                  <a:tcPr marL="27106" marR="27106" marT="27106" marB="55702">
-                    <a:lnL w="12700" cmpd="sng">
-                      <a:noFill/>
-                      <a:prstDash val="solid"/>
-                    </a:lnL>
-                    <a:lnR w="12700" cmpd="sng">
-                      <a:noFill/>
-                      <a:prstDash val="solid"/>
-                    </a:lnR>
-                    <a:lnT w="12700" cmpd="sng">
-                      <a:noFill/>
-                      <a:prstDash val="solid"/>
-                    </a:lnT>
-                    <a:lnB w="12700" cmpd="sng">
-                      <a:noFill/>
-                      <a:prstDash val="solid"/>
-                    </a:lnB>
-                    <a:solidFill>
-                      <a:schemeClr val="bg1">
-                        <a:lumMod val="95000"/>
-                      </a:schemeClr>
-                    </a:solidFill>
-                  </a:tcPr>
-                </a:tc>
-                <a:tc>
-                  <a:txBody>
-                    <a:bodyPr/>
-                    <a:lstStyle/>
-                    <a:p>
-                      <a:pPr algn="r" rtl="0" fontAlgn="ctr">
-                        <a:spcBef>
-                          <a:spcPts val="0"/>
-                        </a:spcBef>
-                        <a:spcAft>
-                          <a:spcPts val="0"/>
-                        </a:spcAft>
-                      </a:pPr>
-                      <a:r>
-                        <a:rPr lang="en-IN" sz="1000" b="0" i="0" u="none" strike="noStrike" cap="none" spc="0">
-                          <a:solidFill>
-                            <a:schemeClr val="tx1"/>
-                          </a:solidFill>
-                          <a:effectLst/>
-                          <a:latin typeface="Times New Roman" panose="02020603050405020304" pitchFamily="18" charset="0"/>
-                        </a:rPr>
-                        <a:t>/ 10</a:t>
-                      </a:r>
-                      <a:endParaRPr lang="en-IN" sz="1000" cap="none" spc="0">
-                        <a:solidFill>
-                          <a:schemeClr val="tx1"/>
-                        </a:solidFill>
-                        <a:effectLst/>
-                      </a:endParaRPr>
-                    </a:p>
-                  </a:txBody>
-                  <a:tcPr marL="27106" marR="27106" marT="27106" marB="55702" anchor="ctr">
-                    <a:lnL w="12700" cmpd="sng">
-                      <a:noFill/>
-                      <a:prstDash val="solid"/>
-                    </a:lnL>
-                    <a:lnR w="12700" cmpd="sng">
-                      <a:noFill/>
-                      <a:prstDash val="solid"/>
-                    </a:lnR>
-                    <a:lnT w="12700" cmpd="sng">
-                      <a:noFill/>
-                      <a:prstDash val="solid"/>
-                    </a:lnT>
-                    <a:lnB w="12700" cmpd="sng">
-                      <a:noFill/>
-                      <a:prstDash val="solid"/>
-                    </a:lnB>
-                    <a:solidFill>
-                      <a:schemeClr val="bg1">
-                        <a:lumMod val="95000"/>
-                      </a:schemeClr>
-                    </a:solidFill>
-                  </a:tcPr>
-                </a:tc>
-                <a:extLst>
-                  <a:ext uri="{0D108BD9-81ED-4DB2-BD59-A6C34878D82A}">
-                    <a16:rowId xmlns:a16="http://schemas.microsoft.com/office/drawing/2014/main" val="3762608994"/>
-                  </a:ext>
-                </a:extLst>
-              </a:tr>
-              <a:tr h="345506">
-                <a:tc rowSpan="2">
-                  <a:txBody>
-                    <a:bodyPr/>
-                    <a:lstStyle/>
-                    <a:p>
-                      <a:pPr algn="ctr" rtl="0" fontAlgn="ctr">
-                        <a:spcBef>
-                          <a:spcPts val="0"/>
-                        </a:spcBef>
-                        <a:spcAft>
-                          <a:spcPts val="0"/>
-                        </a:spcAft>
-                      </a:pPr>
-                      <a:r>
-                        <a:rPr lang="en-IN" sz="1000" b="0" i="0" u="none" strike="noStrike" cap="none" spc="0">
-                          <a:solidFill>
-                            <a:schemeClr val="tx1"/>
-                          </a:solidFill>
-                          <a:effectLst/>
-                          <a:latin typeface="Times New Roman" panose="02020603050405020304" pitchFamily="18" charset="0"/>
-                        </a:rPr>
-                        <a:t>Creativity</a:t>
-                      </a:r>
-                      <a:endParaRPr lang="en-IN" sz="1000" cap="none" spc="0">
-                        <a:solidFill>
-                          <a:schemeClr val="tx1"/>
-                        </a:solidFill>
-                        <a:effectLst/>
-                      </a:endParaRPr>
-                    </a:p>
-                  </a:txBody>
-                  <a:tcPr marL="27106" marR="27106" marT="27106" marB="55702" anchor="ctr">
-                    <a:lnL w="12700" cap="flat" cmpd="sng" algn="ctr">
-                      <a:solidFill>
-                        <a:schemeClr val="tx1"/>
-                      </a:solidFill>
-                      <a:prstDash val="solid"/>
-                    </a:lnL>
-                    <a:lnR w="12700" cmpd="sng">
-                      <a:noFill/>
-                      <a:prstDash val="solid"/>
-                    </a:lnR>
-                    <a:lnT w="12700" cmpd="sng">
-                      <a:noFill/>
-                      <a:prstDash val="solid"/>
-                    </a:lnT>
-                    <a:lnB w="12700" cmpd="sng">
-                      <a:noFill/>
-                      <a:prstDash val="solid"/>
-                    </a:lnB>
-                    <a:noFill/>
-                  </a:tcPr>
-                </a:tc>
-                <a:tc>
-                  <a:txBody>
-                    <a:bodyPr/>
-                    <a:lstStyle/>
-                    <a:p>
-                      <a:pPr algn="ctr" rtl="0" fontAlgn="t">
-                        <a:spcBef>
-                          <a:spcPts val="0"/>
-                        </a:spcBef>
-                        <a:spcAft>
-                          <a:spcPts val="0"/>
-                        </a:spcAft>
-                      </a:pPr>
-                      <a:r>
-                        <a:rPr lang="en-IN" sz="1000" b="0" i="0" u="none" strike="noStrike" cap="none" spc="0" dirty="0">
-                          <a:solidFill>
-                            <a:schemeClr val="tx1"/>
-                          </a:solidFill>
-                          <a:effectLst/>
-                          <a:latin typeface="Times New Roman" panose="02020603050405020304" pitchFamily="18" charset="0"/>
-                        </a:rPr>
-                        <a:t>Novelty</a:t>
-                      </a:r>
-                      <a:endParaRPr lang="en-IN" sz="1000" cap="none" spc="0" dirty="0">
-                        <a:solidFill>
-                          <a:schemeClr val="tx1"/>
-                        </a:solidFill>
-                        <a:effectLst/>
-                      </a:endParaRPr>
-                    </a:p>
-                  </a:txBody>
-                  <a:tcPr marL="27106" marR="27106" marT="27106" marB="55702">
-                    <a:lnL w="12700" cmpd="sng">
-                      <a:noFill/>
-                      <a:prstDash val="solid"/>
-                    </a:lnL>
-                    <a:lnR w="12700" cmpd="sng">
-                      <a:noFill/>
-                      <a:prstDash val="solid"/>
-                    </a:lnR>
-                    <a:lnT w="12700" cmpd="sng">
-                      <a:noFill/>
-                      <a:prstDash val="solid"/>
-                    </a:lnT>
-                    <a:lnB w="12700" cmpd="sng">
-                      <a:noFill/>
-                      <a:prstDash val="solid"/>
-                    </a:lnB>
-                    <a:noFill/>
-                  </a:tcPr>
-                </a:tc>
-                <a:tc>
-                  <a:txBody>
-                    <a:bodyPr/>
-                    <a:lstStyle/>
-                    <a:p>
-                      <a:pPr rtl="0" fontAlgn="base">
-                        <a:spcBef>
-                          <a:spcPts val="0"/>
-                        </a:spcBef>
-                        <a:spcAft>
-                          <a:spcPts val="0"/>
-                        </a:spcAft>
-                        <a:buFont typeface="Arial" panose="020B0604020202020204" pitchFamily="34" charset="0"/>
-                        <a:buChar char="•"/>
-                      </a:pPr>
-                      <a:r>
-                        <a:rPr lang="en-IN" sz="1000" b="0" i="0" u="none" strike="noStrike" cap="none" spc="0">
-                          <a:solidFill>
-                            <a:schemeClr val="tx1"/>
-                          </a:solidFill>
-                          <a:effectLst/>
-                          <a:latin typeface="Times New Roman" panose="02020603050405020304" pitchFamily="18" charset="0"/>
-                        </a:rPr>
-                        <a:t>How unique is the solution to the problem identified?</a:t>
-                      </a:r>
-                    </a:p>
-                  </a:txBody>
-                  <a:tcPr marL="27106" marR="27106" marT="27106" marB="55702">
-                    <a:lnL w="12700" cmpd="sng">
-                      <a:noFill/>
-                      <a:prstDash val="solid"/>
-                    </a:lnL>
-                    <a:lnR w="12700" cmpd="sng">
-                      <a:noFill/>
-                      <a:prstDash val="solid"/>
-                    </a:lnR>
-                    <a:lnT w="12700" cmpd="sng">
-                      <a:noFill/>
-                      <a:prstDash val="solid"/>
-                    </a:lnT>
-                    <a:lnB w="12700" cmpd="sng">
-                      <a:noFill/>
-                      <a:prstDash val="solid"/>
-                    </a:lnB>
-                    <a:noFill/>
-                  </a:tcPr>
-                </a:tc>
-                <a:tc>
-                  <a:txBody>
-                    <a:bodyPr/>
-                    <a:lstStyle/>
-                    <a:p>
-                      <a:pPr algn="r" rtl="0" fontAlgn="ctr">
-                        <a:spcBef>
-                          <a:spcPts val="0"/>
-                        </a:spcBef>
-                        <a:spcAft>
-                          <a:spcPts val="0"/>
-                        </a:spcAft>
-                      </a:pPr>
-                      <a:r>
-                        <a:rPr lang="en-IN" sz="1000" b="0" i="0" u="none" strike="noStrike" cap="none" spc="0">
-                          <a:solidFill>
-                            <a:schemeClr val="tx1"/>
-                          </a:solidFill>
-                          <a:effectLst/>
-                          <a:latin typeface="Times New Roman" panose="02020603050405020304" pitchFamily="18" charset="0"/>
-                        </a:rPr>
-                        <a:t>/ 20</a:t>
-                      </a:r>
-                      <a:endParaRPr lang="en-IN" sz="1000" cap="none" spc="0">
-                        <a:solidFill>
-                          <a:schemeClr val="tx1"/>
-                        </a:solidFill>
-                        <a:effectLst/>
-                      </a:endParaRPr>
-                    </a:p>
-                  </a:txBody>
-                  <a:tcPr marL="27106" marR="27106" marT="27106" marB="55702" anchor="ctr">
-                    <a:lnL w="12700" cmpd="sng">
-                      <a:noFill/>
-                      <a:prstDash val="solid"/>
-                    </a:lnL>
-                    <a:lnR w="12700" cmpd="sng">
-                      <a:noFill/>
-                      <a:prstDash val="solid"/>
-                    </a:lnR>
-                    <a:lnT w="12700" cmpd="sng">
-                      <a:noFill/>
-                      <a:prstDash val="solid"/>
-                    </a:lnT>
-                    <a:lnB w="12700" cmpd="sng">
-                      <a:noFill/>
-                      <a:prstDash val="solid"/>
-                    </a:lnB>
-                    <a:noFill/>
-                  </a:tcPr>
-                </a:tc>
-                <a:extLst>
-                  <a:ext uri="{0D108BD9-81ED-4DB2-BD59-A6C34878D82A}">
-                    <a16:rowId xmlns:a16="http://schemas.microsoft.com/office/drawing/2014/main" val="3780819138"/>
-                  </a:ext>
-                </a:extLst>
-              </a:tr>
-              <a:tr h="547854">
-                <a:tc vMerge="1">
-                  <a:txBody>
-                    <a:bodyPr/>
-                    <a:lstStyle/>
-                    <a:p>
-                      <a:endParaRPr lang="en-US"/>
-                    </a:p>
-                  </a:txBody>
-                  <a:tcPr/>
-                </a:tc>
-                <a:tc>
-                  <a:txBody>
-                    <a:bodyPr/>
-                    <a:lstStyle/>
-                    <a:p>
-                      <a:pPr algn="ctr" rtl="0" fontAlgn="t">
-                        <a:spcBef>
-                          <a:spcPts val="0"/>
-                        </a:spcBef>
-                        <a:spcAft>
-                          <a:spcPts val="0"/>
-                        </a:spcAft>
-                      </a:pPr>
-                      <a:r>
-                        <a:rPr lang="en-IN" sz="1000" b="0" i="0" u="none" strike="noStrike" cap="none" spc="0">
-                          <a:solidFill>
-                            <a:schemeClr val="tx1"/>
-                          </a:solidFill>
-                          <a:effectLst/>
-                          <a:latin typeface="Times New Roman" panose="02020603050405020304" pitchFamily="18" charset="0"/>
-                        </a:rPr>
-                        <a:t>Impact</a:t>
-                      </a:r>
-                      <a:endParaRPr lang="en-IN" sz="1000" cap="none" spc="0">
-                        <a:solidFill>
-                          <a:schemeClr val="tx1"/>
-                        </a:solidFill>
-                        <a:effectLst/>
-                      </a:endParaRPr>
-                    </a:p>
-                  </a:txBody>
-                  <a:tcPr marL="27106" marR="27106" marT="27106" marB="55702">
-                    <a:lnL w="12700" cmpd="sng">
-                      <a:noFill/>
-                      <a:prstDash val="solid"/>
-                    </a:lnL>
-                    <a:lnR w="12700" cmpd="sng">
-                      <a:noFill/>
-                      <a:prstDash val="solid"/>
-                    </a:lnR>
-                    <a:lnT w="12700" cmpd="sng">
-                      <a:noFill/>
-                      <a:prstDash val="solid"/>
-                    </a:lnT>
-                    <a:lnB w="12700" cmpd="sng">
-                      <a:noFill/>
-                      <a:prstDash val="solid"/>
-                    </a:lnB>
-                    <a:solidFill>
-                      <a:schemeClr val="bg1">
-                        <a:lumMod val="95000"/>
-                      </a:schemeClr>
-                    </a:solidFill>
-                  </a:tcPr>
-                </a:tc>
-                <a:tc>
-                  <a:txBody>
-                    <a:bodyPr/>
-                    <a:lstStyle/>
-                    <a:p>
-                      <a:pPr rtl="0" fontAlgn="base">
-                        <a:spcBef>
-                          <a:spcPts val="0"/>
-                        </a:spcBef>
-                        <a:spcAft>
-                          <a:spcPts val="0"/>
-                        </a:spcAft>
-                        <a:buFont typeface="Arial" panose="020B0604020202020204" pitchFamily="34" charset="0"/>
-                        <a:buChar char="•"/>
-                      </a:pPr>
-                      <a:r>
-                        <a:rPr lang="en-IN" sz="1000" b="0" i="0" u="none" strike="noStrike" cap="none" spc="0">
-                          <a:solidFill>
-                            <a:schemeClr val="tx1"/>
-                          </a:solidFill>
-                          <a:effectLst/>
-                          <a:latin typeface="Times New Roman" panose="02020603050405020304" pitchFamily="18" charset="0"/>
-                        </a:rPr>
-                        <a:t>What value did this project bring?</a:t>
-                      </a:r>
-                    </a:p>
-                    <a:p>
-                      <a:pPr rtl="0" fontAlgn="base">
-                        <a:spcBef>
-                          <a:spcPts val="0"/>
-                        </a:spcBef>
-                        <a:spcAft>
-                          <a:spcPts val="0"/>
-                        </a:spcAft>
-                        <a:buFont typeface="Arial" panose="020B0604020202020204" pitchFamily="34" charset="0"/>
-                        <a:buChar char="•"/>
-                      </a:pPr>
-                      <a:r>
-                        <a:rPr lang="en-IN" sz="1000" b="0" i="0" u="none" strike="noStrike" cap="none" spc="0">
-                          <a:solidFill>
-                            <a:schemeClr val="tx1"/>
-                          </a:solidFill>
-                          <a:effectLst/>
-                          <a:latin typeface="Times New Roman" panose="02020603050405020304" pitchFamily="18" charset="0"/>
-                        </a:rPr>
-                        <a:t>How excited are you about this project?</a:t>
-                      </a:r>
-                    </a:p>
-                  </a:txBody>
-                  <a:tcPr marL="27106" marR="27106" marT="27106" marB="55702">
-                    <a:lnL w="12700" cmpd="sng">
-                      <a:noFill/>
-                      <a:prstDash val="solid"/>
-                    </a:lnL>
-                    <a:lnR w="12700" cmpd="sng">
-                      <a:noFill/>
-                      <a:prstDash val="solid"/>
-                    </a:lnR>
-                    <a:lnT w="12700" cmpd="sng">
-                      <a:noFill/>
-                      <a:prstDash val="solid"/>
-                    </a:lnT>
-                    <a:lnB w="12700" cmpd="sng">
-                      <a:noFill/>
-                      <a:prstDash val="solid"/>
-                    </a:lnB>
-                    <a:solidFill>
-                      <a:schemeClr val="bg1">
-                        <a:lumMod val="95000"/>
-                      </a:schemeClr>
-                    </a:solidFill>
-                  </a:tcPr>
-                </a:tc>
-                <a:tc>
-                  <a:txBody>
-                    <a:bodyPr/>
-                    <a:lstStyle/>
-                    <a:p>
-                      <a:pPr algn="r" rtl="0" fontAlgn="ctr">
-                        <a:spcBef>
-                          <a:spcPts val="0"/>
-                        </a:spcBef>
-                        <a:spcAft>
-                          <a:spcPts val="0"/>
-                        </a:spcAft>
-                      </a:pPr>
-                      <a:r>
-                        <a:rPr lang="en-IN" sz="1000" b="0" i="0" u="none" strike="noStrike" cap="none" spc="0">
-                          <a:solidFill>
-                            <a:schemeClr val="tx1"/>
-                          </a:solidFill>
-                          <a:effectLst/>
-                          <a:latin typeface="Times New Roman" panose="02020603050405020304" pitchFamily="18" charset="0"/>
-                        </a:rPr>
-                        <a:t>/ 20</a:t>
-                      </a:r>
-                      <a:endParaRPr lang="en-IN" sz="1000" cap="none" spc="0">
-                        <a:solidFill>
-                          <a:schemeClr val="tx1"/>
-                        </a:solidFill>
-                        <a:effectLst/>
-                      </a:endParaRPr>
-                    </a:p>
-                  </a:txBody>
-                  <a:tcPr marL="27106" marR="27106" marT="27106" marB="55702" anchor="ctr">
-                    <a:lnL w="12700" cmpd="sng">
-                      <a:noFill/>
-                      <a:prstDash val="solid"/>
-                    </a:lnL>
-                    <a:lnR w="12700" cmpd="sng">
-                      <a:noFill/>
-                      <a:prstDash val="solid"/>
-                    </a:lnR>
-                    <a:lnT w="12700" cmpd="sng">
-                      <a:noFill/>
-                      <a:prstDash val="solid"/>
-                    </a:lnT>
-                    <a:lnB w="12700" cmpd="sng">
-                      <a:noFill/>
-                      <a:prstDash val="solid"/>
-                    </a:lnB>
-                    <a:solidFill>
-                      <a:schemeClr val="bg1">
-                        <a:lumMod val="95000"/>
-                      </a:schemeClr>
-                    </a:solidFill>
-                  </a:tcPr>
-                </a:tc>
-                <a:extLst>
-                  <a:ext uri="{0D108BD9-81ED-4DB2-BD59-A6C34878D82A}">
-                    <a16:rowId xmlns:a16="http://schemas.microsoft.com/office/drawing/2014/main" val="1597145734"/>
-                  </a:ext>
-                </a:extLst>
-              </a:tr>
-              <a:tr h="547854">
-                <a:tc rowSpan="2">
-                  <a:txBody>
-                    <a:bodyPr/>
-                    <a:lstStyle/>
-                    <a:p>
-                      <a:pPr algn="ctr" rtl="0" fontAlgn="ctr">
-                        <a:spcBef>
-                          <a:spcPts val="0"/>
-                        </a:spcBef>
-                        <a:spcAft>
-                          <a:spcPts val="0"/>
-                        </a:spcAft>
-                      </a:pPr>
-                      <a:r>
-                        <a:rPr lang="en-IN" sz="1000" b="0" i="0" u="none" strike="noStrike" cap="none" spc="0">
-                          <a:solidFill>
-                            <a:schemeClr val="tx1"/>
-                          </a:solidFill>
-                          <a:effectLst/>
-                          <a:latin typeface="Times New Roman" panose="02020603050405020304" pitchFamily="18" charset="0"/>
-                        </a:rPr>
-                        <a:t>Presentation</a:t>
-                      </a:r>
-                      <a:endParaRPr lang="en-IN" sz="1000" cap="none" spc="0">
-                        <a:solidFill>
-                          <a:schemeClr val="tx1"/>
-                        </a:solidFill>
-                        <a:effectLst/>
-                      </a:endParaRPr>
-                    </a:p>
-                  </a:txBody>
-                  <a:tcPr marL="27106" marR="27106" marT="27106" marB="55702" anchor="ctr">
-                    <a:lnL w="12700" cap="flat" cmpd="sng" algn="ctr">
-                      <a:solidFill>
-                        <a:schemeClr val="tx1"/>
-                      </a:solidFill>
-                      <a:prstDash val="solid"/>
-                    </a:lnL>
-                    <a:lnR w="12700" cmpd="sng">
-                      <a:noFill/>
-                      <a:prstDash val="solid"/>
-                    </a:lnR>
-                    <a:lnT w="12700" cmpd="sng">
-                      <a:noFill/>
-                      <a:prstDash val="solid"/>
-                    </a:lnT>
-                    <a:lnB w="12700" cmpd="sng">
-                      <a:noFill/>
-                      <a:prstDash val="solid"/>
-                    </a:lnB>
-                    <a:noFill/>
-                  </a:tcPr>
-                </a:tc>
-                <a:tc>
-                  <a:txBody>
-                    <a:bodyPr/>
-                    <a:lstStyle/>
-                    <a:p>
-                      <a:pPr algn="ctr" rtl="0" fontAlgn="t">
-                        <a:spcBef>
-                          <a:spcPts val="0"/>
-                        </a:spcBef>
-                        <a:spcAft>
-                          <a:spcPts val="0"/>
-                        </a:spcAft>
-                      </a:pPr>
-                      <a:r>
-                        <a:rPr lang="en-IN" sz="1000" b="0" i="0" u="none" strike="noStrike" cap="none" spc="0">
-                          <a:solidFill>
-                            <a:schemeClr val="tx1"/>
-                          </a:solidFill>
-                          <a:effectLst/>
-                          <a:latin typeface="Times New Roman" panose="02020603050405020304" pitchFamily="18" charset="0"/>
-                        </a:rPr>
-                        <a:t>Clarity/Delivery</a:t>
-                      </a:r>
-                      <a:endParaRPr lang="en-IN" sz="1000" cap="none" spc="0">
-                        <a:solidFill>
-                          <a:schemeClr val="tx1"/>
-                        </a:solidFill>
-                        <a:effectLst/>
-                      </a:endParaRPr>
-                    </a:p>
-                  </a:txBody>
-                  <a:tcPr marL="27106" marR="27106" marT="27106" marB="55702">
-                    <a:lnL w="12700" cmpd="sng">
-                      <a:noFill/>
-                      <a:prstDash val="solid"/>
-                    </a:lnL>
-                    <a:lnR w="12700" cmpd="sng">
-                      <a:noFill/>
-                      <a:prstDash val="solid"/>
-                    </a:lnR>
-                    <a:lnT w="12700" cmpd="sng">
-                      <a:noFill/>
-                      <a:prstDash val="solid"/>
-                    </a:lnT>
-                    <a:lnB w="12700" cmpd="sng">
-                      <a:noFill/>
-                      <a:prstDash val="solid"/>
-                    </a:lnB>
-                    <a:noFill/>
-                  </a:tcPr>
-                </a:tc>
-                <a:tc>
-                  <a:txBody>
-                    <a:bodyPr/>
-                    <a:lstStyle/>
-                    <a:p>
-                      <a:pPr rtl="0" fontAlgn="base">
-                        <a:spcBef>
-                          <a:spcPts val="0"/>
-                        </a:spcBef>
-                        <a:spcAft>
-                          <a:spcPts val="0"/>
-                        </a:spcAft>
-                        <a:buFont typeface="Arial" panose="020B0604020202020204" pitchFamily="34" charset="0"/>
-                        <a:buChar char="•"/>
-                      </a:pPr>
-                      <a:r>
-                        <a:rPr lang="en-IN" sz="1000" b="0" i="0" u="none" strike="noStrike" cap="none" spc="0">
-                          <a:solidFill>
-                            <a:schemeClr val="tx1"/>
-                          </a:solidFill>
-                          <a:effectLst/>
-                          <a:latin typeface="Times New Roman" panose="02020603050405020304" pitchFamily="18" charset="0"/>
-                        </a:rPr>
-                        <a:t>Was the presentation clear/easy to follow?</a:t>
-                      </a:r>
-                    </a:p>
-                    <a:p>
-                      <a:pPr rtl="0" fontAlgn="base">
-                        <a:spcBef>
-                          <a:spcPts val="0"/>
-                        </a:spcBef>
-                        <a:spcAft>
-                          <a:spcPts val="0"/>
-                        </a:spcAft>
-                        <a:buFont typeface="Arial" panose="020B0604020202020204" pitchFamily="34" charset="0"/>
-                        <a:buChar char="•"/>
-                      </a:pPr>
-                      <a:r>
-                        <a:rPr lang="en-IN" sz="1000" b="0" i="0" u="none" strike="noStrike" cap="none" spc="0">
-                          <a:solidFill>
-                            <a:schemeClr val="tx1"/>
-                          </a:solidFill>
-                          <a:effectLst/>
-                          <a:latin typeface="Times New Roman" panose="02020603050405020304" pitchFamily="18" charset="0"/>
-                        </a:rPr>
-                        <a:t>Slide quality</a:t>
-                      </a:r>
-                    </a:p>
-                  </a:txBody>
-                  <a:tcPr marL="27106" marR="27106" marT="27106" marB="55702">
-                    <a:lnL w="12700" cmpd="sng">
-                      <a:noFill/>
-                      <a:prstDash val="solid"/>
-                    </a:lnL>
-                    <a:lnR w="12700" cmpd="sng">
-                      <a:noFill/>
-                      <a:prstDash val="solid"/>
-                    </a:lnR>
-                    <a:lnT w="12700" cmpd="sng">
-                      <a:noFill/>
-                      <a:prstDash val="solid"/>
-                    </a:lnT>
-                    <a:lnB w="12700" cmpd="sng">
-                      <a:noFill/>
-                      <a:prstDash val="solid"/>
-                    </a:lnB>
-                    <a:noFill/>
-                  </a:tcPr>
-                </a:tc>
-                <a:tc>
-                  <a:txBody>
-                    <a:bodyPr/>
-                    <a:lstStyle/>
-                    <a:p>
-                      <a:pPr algn="r" rtl="0" fontAlgn="ctr">
-                        <a:spcBef>
-                          <a:spcPts val="0"/>
-                        </a:spcBef>
-                        <a:spcAft>
-                          <a:spcPts val="0"/>
-                        </a:spcAft>
-                      </a:pPr>
-                      <a:r>
-                        <a:rPr lang="en-IN" sz="1000" b="0" i="0" u="none" strike="noStrike" cap="none" spc="0">
-                          <a:solidFill>
-                            <a:schemeClr val="tx1"/>
-                          </a:solidFill>
-                          <a:effectLst/>
-                          <a:latin typeface="Times New Roman" panose="02020603050405020304" pitchFamily="18" charset="0"/>
-                        </a:rPr>
-                        <a:t>/ 15</a:t>
-                      </a:r>
-                      <a:endParaRPr lang="en-IN" sz="1000" cap="none" spc="0">
-                        <a:solidFill>
-                          <a:schemeClr val="tx1"/>
-                        </a:solidFill>
-                        <a:effectLst/>
-                      </a:endParaRPr>
-                    </a:p>
-                  </a:txBody>
-                  <a:tcPr marL="27106" marR="27106" marT="27106" marB="55702" anchor="ctr">
-                    <a:lnL w="12700" cmpd="sng">
-                      <a:noFill/>
-                      <a:prstDash val="solid"/>
-                    </a:lnL>
-                    <a:lnR w="12700" cmpd="sng">
-                      <a:noFill/>
-                      <a:prstDash val="solid"/>
-                    </a:lnR>
-                    <a:lnT w="12700" cmpd="sng">
-                      <a:noFill/>
-                      <a:prstDash val="solid"/>
-                    </a:lnT>
-                    <a:lnB w="12700" cmpd="sng">
-                      <a:noFill/>
-                      <a:prstDash val="solid"/>
-                    </a:lnB>
-                    <a:noFill/>
-                  </a:tcPr>
-                </a:tc>
-                <a:extLst>
-                  <a:ext uri="{0D108BD9-81ED-4DB2-BD59-A6C34878D82A}">
-                    <a16:rowId xmlns:a16="http://schemas.microsoft.com/office/drawing/2014/main" val="295823839"/>
-                  </a:ext>
-                </a:extLst>
-              </a:tr>
-              <a:tr h="547854">
-                <a:tc vMerge="1">
-                  <a:txBody>
-                    <a:bodyPr/>
-                    <a:lstStyle/>
-                    <a:p>
-                      <a:endParaRPr lang="en-US"/>
-                    </a:p>
-                  </a:txBody>
-                  <a:tcPr/>
-                </a:tc>
-                <a:tc>
-                  <a:txBody>
-                    <a:bodyPr/>
-                    <a:lstStyle/>
-                    <a:p>
-                      <a:pPr algn="ctr" rtl="0" fontAlgn="t">
-                        <a:spcBef>
-                          <a:spcPts val="0"/>
-                        </a:spcBef>
-                        <a:spcAft>
-                          <a:spcPts val="0"/>
-                        </a:spcAft>
-                      </a:pPr>
-                      <a:r>
-                        <a:rPr lang="en-IN" sz="1000" b="0" i="0" u="none" strike="noStrike" cap="none" spc="0">
-                          <a:solidFill>
-                            <a:schemeClr val="tx1"/>
-                          </a:solidFill>
-                          <a:effectLst/>
-                          <a:latin typeface="Times New Roman" panose="02020603050405020304" pitchFamily="18" charset="0"/>
-                        </a:rPr>
-                        <a:t>Q&amp;A</a:t>
-                      </a:r>
-                      <a:endParaRPr lang="en-IN" sz="1000" cap="none" spc="0">
-                        <a:solidFill>
-                          <a:schemeClr val="tx1"/>
-                        </a:solidFill>
-                        <a:effectLst/>
-                      </a:endParaRPr>
-                    </a:p>
-                  </a:txBody>
-                  <a:tcPr marL="27106" marR="27106" marT="27106" marB="55702">
-                    <a:lnL w="12700" cmpd="sng">
-                      <a:noFill/>
-                      <a:prstDash val="solid"/>
-                    </a:lnL>
-                    <a:lnR w="12700" cmpd="sng">
-                      <a:noFill/>
-                      <a:prstDash val="solid"/>
-                    </a:lnR>
-                    <a:lnT w="12700" cmpd="sng">
-                      <a:noFill/>
-                      <a:prstDash val="solid"/>
-                    </a:lnT>
-                    <a:lnB w="12700" cmpd="sng">
-                      <a:noFill/>
-                      <a:prstDash val="solid"/>
-                    </a:lnB>
-                    <a:solidFill>
-                      <a:schemeClr val="bg1">
-                        <a:lumMod val="95000"/>
-                      </a:schemeClr>
-                    </a:solidFill>
-                  </a:tcPr>
-                </a:tc>
-                <a:tc>
-                  <a:txBody>
-                    <a:bodyPr/>
-                    <a:lstStyle/>
-                    <a:p>
-                      <a:pPr fontAlgn="t"/>
-                      <a:br>
-                        <a:rPr lang="en-IN" sz="1000" cap="none" spc="0">
-                          <a:solidFill>
-                            <a:schemeClr val="tx1"/>
-                          </a:solidFill>
-                          <a:effectLst/>
-                        </a:rPr>
-                      </a:br>
-                      <a:endParaRPr lang="en-IN" sz="1000" cap="none" spc="0">
-                        <a:solidFill>
-                          <a:schemeClr val="tx1"/>
-                        </a:solidFill>
-                        <a:effectLst/>
-                      </a:endParaRPr>
-                    </a:p>
-                  </a:txBody>
-                  <a:tcPr marL="27106" marR="27106" marT="27106" marB="55702">
-                    <a:lnL w="12700" cmpd="sng">
-                      <a:noFill/>
-                      <a:prstDash val="solid"/>
-                    </a:lnL>
-                    <a:lnR w="12700" cmpd="sng">
-                      <a:noFill/>
-                      <a:prstDash val="solid"/>
-                    </a:lnR>
-                    <a:lnT w="12700" cmpd="sng">
-                      <a:noFill/>
-                      <a:prstDash val="solid"/>
-                    </a:lnT>
-                    <a:lnB w="12700" cmpd="sng">
-                      <a:noFill/>
-                      <a:prstDash val="solid"/>
-                    </a:lnB>
-                    <a:solidFill>
-                      <a:schemeClr val="bg1">
-                        <a:lumMod val="95000"/>
-                      </a:schemeClr>
-                    </a:solidFill>
-                  </a:tcPr>
-                </a:tc>
-                <a:tc>
-                  <a:txBody>
-                    <a:bodyPr/>
-                    <a:lstStyle/>
-                    <a:p>
-                      <a:pPr algn="r" rtl="0" fontAlgn="ctr">
-                        <a:spcBef>
-                          <a:spcPts val="0"/>
-                        </a:spcBef>
-                        <a:spcAft>
-                          <a:spcPts val="0"/>
-                        </a:spcAft>
-                      </a:pPr>
-                      <a:r>
-                        <a:rPr lang="en-IN" sz="1000" b="0" i="0" u="none" strike="noStrike" cap="none" spc="0">
-                          <a:solidFill>
-                            <a:schemeClr val="tx1"/>
-                          </a:solidFill>
-                          <a:effectLst/>
-                          <a:latin typeface="Times New Roman" panose="02020603050405020304" pitchFamily="18" charset="0"/>
-                        </a:rPr>
-                        <a:t>/ 5</a:t>
-                      </a:r>
-                      <a:endParaRPr lang="en-IN" sz="1000" cap="none" spc="0">
-                        <a:solidFill>
-                          <a:schemeClr val="tx1"/>
-                        </a:solidFill>
-                        <a:effectLst/>
-                      </a:endParaRPr>
-                    </a:p>
-                  </a:txBody>
-                  <a:tcPr marL="27106" marR="27106" marT="27106" marB="55702" anchor="ctr">
-                    <a:lnL w="12700" cmpd="sng">
-                      <a:noFill/>
-                      <a:prstDash val="solid"/>
-                    </a:lnL>
-                    <a:lnR w="12700" cmpd="sng">
-                      <a:noFill/>
-                      <a:prstDash val="solid"/>
-                    </a:lnR>
-                    <a:lnT w="12700" cmpd="sng">
-                      <a:noFill/>
-                      <a:prstDash val="solid"/>
-                    </a:lnT>
-                    <a:lnB w="12700" cmpd="sng">
-                      <a:noFill/>
-                      <a:prstDash val="solid"/>
-                    </a:lnB>
-                    <a:solidFill>
-                      <a:schemeClr val="bg1">
-                        <a:lumMod val="95000"/>
-                      </a:schemeClr>
-                    </a:solidFill>
-                  </a:tcPr>
-                </a:tc>
-                <a:extLst>
-                  <a:ext uri="{0D108BD9-81ED-4DB2-BD59-A6C34878D82A}">
-                    <a16:rowId xmlns:a16="http://schemas.microsoft.com/office/drawing/2014/main" val="3341596508"/>
-                  </a:ext>
-                </a:extLst>
-              </a:tr>
-              <a:tr h="345506">
-                <a:tc gridSpan="3">
-                  <a:txBody>
-                    <a:bodyPr/>
-                    <a:lstStyle/>
-                    <a:p>
-                      <a:pPr algn="ctr" rtl="0" fontAlgn="t">
-                        <a:spcBef>
-                          <a:spcPts val="0"/>
-                        </a:spcBef>
-                        <a:spcAft>
-                          <a:spcPts val="0"/>
-                        </a:spcAft>
-                      </a:pPr>
-                      <a:r>
-                        <a:rPr lang="en-IN" sz="1000" b="0" i="0" u="none" strike="noStrike" cap="none" spc="0">
-                          <a:solidFill>
-                            <a:schemeClr val="tx1"/>
-                          </a:solidFill>
-                          <a:effectLst/>
-                          <a:latin typeface="Times New Roman" panose="02020603050405020304" pitchFamily="18" charset="0"/>
-                        </a:rPr>
-                        <a:t>Total</a:t>
-                      </a:r>
-                      <a:endParaRPr lang="en-IN" sz="1000" cap="none" spc="0">
-                        <a:solidFill>
-                          <a:schemeClr val="tx1"/>
-                        </a:solidFill>
-                        <a:effectLst/>
-                      </a:endParaRPr>
-                    </a:p>
-                  </a:txBody>
-                  <a:tcPr marL="27106" marR="27106" marT="27106" marB="55702">
-                    <a:lnL w="12700" cap="flat" cmpd="sng" algn="ctr">
-                      <a:solidFill>
-                        <a:schemeClr val="tx1"/>
-                      </a:solidFill>
-                      <a:prstDash val="solid"/>
-                    </a:lnL>
-                    <a:lnR w="12700" cmpd="sng">
-                      <a:noFill/>
-                      <a:prstDash val="solid"/>
-                    </a:lnR>
-                    <a:lnT w="12700" cmpd="sng">
-                      <a:noFill/>
-                      <a:prstDash val="solid"/>
-                    </a:lnT>
-                    <a:lnB w="12700" cap="flat" cmpd="sng" algn="ctr">
-                      <a:noFill/>
-                      <a:prstDash val="solid"/>
-                    </a:lnB>
-                    <a:noFill/>
-                  </a:tcPr>
-                </a:tc>
-                <a:tc hMerge="1">
-                  <a:txBody>
-                    <a:bodyPr/>
-                    <a:lstStyle/>
-                    <a:p>
-                      <a:endParaRPr lang="en-US"/>
-                    </a:p>
-                  </a:txBody>
-                  <a:tcPr/>
-                </a:tc>
-                <a:tc hMerge="1">
-                  <a:txBody>
-                    <a:bodyPr/>
-                    <a:lstStyle/>
-                    <a:p>
-                      <a:endParaRPr lang="en-US"/>
-                    </a:p>
-                  </a:txBody>
-                  <a:tcPr/>
-                </a:tc>
-                <a:tc>
-                  <a:txBody>
-                    <a:bodyPr/>
-                    <a:lstStyle/>
-                    <a:p>
-                      <a:pPr algn="r" rtl="0" fontAlgn="ctr">
-                        <a:spcBef>
-                          <a:spcPts val="0"/>
-                        </a:spcBef>
-                        <a:spcAft>
-                          <a:spcPts val="0"/>
-                        </a:spcAft>
-                      </a:pPr>
-                      <a:r>
-                        <a:rPr lang="en-IN" sz="1000" b="0" i="0" u="none" strike="noStrike" cap="none" spc="0" dirty="0">
-                          <a:solidFill>
-                            <a:schemeClr val="tx1"/>
-                          </a:solidFill>
-                          <a:effectLst/>
-                          <a:latin typeface="Times New Roman" panose="02020603050405020304" pitchFamily="18" charset="0"/>
-                        </a:rPr>
-                        <a:t>/ 100</a:t>
-                      </a:r>
-                      <a:endParaRPr lang="en-IN" sz="1000" cap="none" spc="0" dirty="0">
-                        <a:solidFill>
-                          <a:schemeClr val="tx1"/>
-                        </a:solidFill>
-                        <a:effectLst/>
-                      </a:endParaRPr>
-                    </a:p>
-                  </a:txBody>
-                  <a:tcPr marL="27106" marR="27106" marT="27106" marB="55702" anchor="ctr">
-                    <a:lnL w="12700" cmpd="sng">
-                      <a:noFill/>
-                      <a:prstDash val="solid"/>
-                    </a:lnL>
-                    <a:lnR w="12700" cmpd="sng">
-                      <a:noFill/>
-                      <a:prstDash val="solid"/>
-                    </a:lnR>
-                    <a:lnT w="12700" cmpd="sng">
-                      <a:noFill/>
-                      <a:prstDash val="solid"/>
-                    </a:lnT>
-                    <a:lnB w="12700" cap="flat" cmpd="sng" algn="ctr">
-                      <a:noFill/>
-                      <a:prstDash val="solid"/>
-                    </a:lnB>
-                    <a:noFill/>
-                  </a:tcPr>
-                </a:tc>
-                <a:extLst>
-                  <a:ext uri="{0D108BD9-81ED-4DB2-BD59-A6C34878D82A}">
-                    <a16:rowId xmlns:a16="http://schemas.microsoft.com/office/drawing/2014/main" val="2246812043"/>
-                  </a:ext>
-                </a:extLst>
-              </a:tr>
-            </a:tbl>
-          </a:graphicData>
-        </a:graphic>
-      </p:graphicFrame>
-    </p:spTree>
-    <p:extLst>
-      <p:ext uri="{BB962C8B-B14F-4D97-AF65-F5344CB8AC3E}">
-        <p14:creationId xmlns:p14="http://schemas.microsoft.com/office/powerpoint/2010/main" val="2474772019"/>
-      </p:ext>
-    </p:extLst>
-  </p:cSld>
-  <p:clrMapOvr>
-    <a:overrideClrMapping bg1="lt1" tx1="dk1" bg2="lt2" tx2="dk2" accent1="accent1" accent2="accent2" accent3="accent3" accent4="accent4" accent5="accent5" accent6="accent6" hlink="hlink" folHlink="folHlink"/>
-  </p:clrMapOvr>
-</p:sld>
-</file>
-
-<file path=ppt/slides/slide2.xml><?xml version="1.0" encoding="utf-8"?>
-<p:sld xmlns:a="http://schemas.openxmlformats.org/drawingml/2006/main" xmlns:r="http://schemas.openxmlformats.org/officeDocument/2006/relationships" xmlns:p="http://schemas.openxmlformats.org/presentationml/2006/main">
-  <p:cSld>
-    <p:bg>
-      <p:bgPr>
-        <a:solidFill>
           <a:schemeClr val="tx1"/>
         </a:solidFill>
         <a:effectLst/>
@@ -13029,7 +11044,267 @@
 </p:sld>
 </file>
 
-<file path=ppt/slides/slide3.xml><?xml version="1.0" encoding="utf-8"?>
+<file path=ppt/slides/slide10.xml><?xml version="1.0" encoding="utf-8"?>
+<p:sld xmlns:a="http://schemas.openxmlformats.org/drawingml/2006/main" xmlns:r="http://schemas.openxmlformats.org/officeDocument/2006/relationships" xmlns:p="http://schemas.openxmlformats.org/presentationml/2006/main">
+  <p:cSld>
+    <p:bg>
+      <p:bgPr>
+        <a:solidFill>
+          <a:schemeClr val="tx1"/>
+        </a:solidFill>
+        <a:effectLst/>
+      </p:bgPr>
+    </p:bg>
+    <p:spTree>
+      <p:nvGrpSpPr>
+        <p:cNvPr id="1" name=""/>
+        <p:cNvGrpSpPr/>
+        <p:nvPr/>
+      </p:nvGrpSpPr>
+      <p:grpSpPr>
+        <a:xfrm>
+          <a:off x="0" y="0"/>
+          <a:ext cx="0" cy="0"/>
+          <a:chOff x="0" y="0"/>
+          <a:chExt cx="0" cy="0"/>
+        </a:xfrm>
+      </p:grpSpPr>
+      <p:sp>
+        <p:nvSpPr>
+          <p:cNvPr id="48" name="Title 1">
+            <a:extLst>
+              <a:ext uri="{FF2B5EF4-FFF2-40B4-BE49-F238E27FC236}">
+                <a16:creationId xmlns:a16="http://schemas.microsoft.com/office/drawing/2014/main" id="{2BA8003D-67BE-0725-C94C-D83125805E0A}"/>
+              </a:ext>
+            </a:extLst>
+          </p:cNvPr>
+          <p:cNvSpPr txBox="1">
+            <a:spLocks/>
+          </p:cNvSpPr>
+          <p:nvPr/>
+        </p:nvSpPr>
+        <p:spPr>
+          <a:xfrm>
+            <a:off x="764123" y="1951614"/>
+            <a:ext cx="10663754" cy="871870"/>
+          </a:xfrm>
+          <a:prstGeom prst="rect">
+            <a:avLst/>
+          </a:prstGeom>
+        </p:spPr>
+        <p:txBody>
+          <a:bodyPr/>
+          <a:lstStyle>
+            <a:lvl1pPr algn="l" defTabSz="914377" rtl="0" eaLnBrk="1" latinLnBrk="0" hangingPunct="1">
+              <a:lnSpc>
+                <a:spcPct val="90000"/>
+              </a:lnSpc>
+              <a:spcBef>
+                <a:spcPct val="0"/>
+              </a:spcBef>
+              <a:buNone/>
+              <a:defRPr sz="4400" kern="1200">
+                <a:solidFill>
+                  <a:schemeClr val="tx1"/>
+                </a:solidFill>
+                <a:latin typeface="+mj-lt"/>
+                <a:ea typeface="+mj-ea"/>
+                <a:cs typeface="+mj-cs"/>
+              </a:defRPr>
+            </a:lvl1pPr>
+          </a:lstStyle>
+          <a:p>
+            <a:pPr marL="0" marR="0" lvl="0" indent="0" algn="ctr" defTabSz="914377" rtl="0" eaLnBrk="1" fontAlgn="auto" latinLnBrk="0" hangingPunct="1">
+              <a:lnSpc>
+                <a:spcPct val="90000"/>
+              </a:lnSpc>
+              <a:spcBef>
+                <a:spcPct val="0"/>
+              </a:spcBef>
+              <a:spcAft>
+                <a:spcPts val="0"/>
+              </a:spcAft>
+              <a:buClrTx/>
+              <a:buSzTx/>
+              <a:buFontTx/>
+              <a:buNone/>
+              <a:tabLst/>
+              <a:defRPr/>
+            </a:pPr>
+            <a:r>
+              <a:rPr kumimoji="0" lang="en-US" sz="6600" b="0" i="0" u="none" strike="noStrike" kern="1200" cap="none" spc="0" normalizeH="0" baseline="0" noProof="0" dirty="0">
+                <a:ln>
+                  <a:noFill/>
+                </a:ln>
+                <a:solidFill>
+                  <a:srgbClr val="FFFFFF"/>
+                </a:solidFill>
+                <a:effectLst/>
+                <a:uLnTx/>
+                <a:uFillTx/>
+                <a:latin typeface="+mn-lt"/>
+                <a:ea typeface="+mj-ea"/>
+                <a:cs typeface="+mj-cs"/>
+              </a:rPr>
+              <a:t>THANK YOU</a:t>
+            </a:r>
+          </a:p>
+        </p:txBody>
+      </p:sp>
+      <p:sp>
+        <p:nvSpPr>
+          <p:cNvPr id="2" name="Title 1">
+            <a:extLst>
+              <a:ext uri="{FF2B5EF4-FFF2-40B4-BE49-F238E27FC236}">
+                <a16:creationId xmlns:a16="http://schemas.microsoft.com/office/drawing/2014/main" id="{EE9D4180-130F-6E09-C5F3-353AC9801F28}"/>
+              </a:ext>
+            </a:extLst>
+          </p:cNvPr>
+          <p:cNvSpPr txBox="1">
+            <a:spLocks/>
+          </p:cNvSpPr>
+          <p:nvPr/>
+        </p:nvSpPr>
+        <p:spPr>
+          <a:xfrm>
+            <a:off x="764123" y="4034517"/>
+            <a:ext cx="10663754" cy="871870"/>
+          </a:xfrm>
+          <a:prstGeom prst="rect">
+            <a:avLst/>
+          </a:prstGeom>
+        </p:spPr>
+        <p:txBody>
+          <a:bodyPr/>
+          <a:lstStyle>
+            <a:lvl1pPr algn="l" defTabSz="914377" rtl="0" eaLnBrk="1" latinLnBrk="0" hangingPunct="1">
+              <a:lnSpc>
+                <a:spcPct val="90000"/>
+              </a:lnSpc>
+              <a:spcBef>
+                <a:spcPct val="0"/>
+              </a:spcBef>
+              <a:buNone/>
+              <a:defRPr sz="4400" kern="1200">
+                <a:solidFill>
+                  <a:schemeClr val="tx1"/>
+                </a:solidFill>
+                <a:latin typeface="+mj-lt"/>
+                <a:ea typeface="+mj-ea"/>
+                <a:cs typeface="+mj-cs"/>
+              </a:defRPr>
+            </a:lvl1pPr>
+          </a:lstStyle>
+          <a:p>
+            <a:pPr marL="0" marR="0" lvl="0" indent="0" algn="ctr" defTabSz="914377" rtl="0" eaLnBrk="1" fontAlgn="auto" latinLnBrk="0" hangingPunct="1">
+              <a:lnSpc>
+                <a:spcPct val="90000"/>
+              </a:lnSpc>
+              <a:spcBef>
+                <a:spcPct val="0"/>
+              </a:spcBef>
+              <a:spcAft>
+                <a:spcPts val="0"/>
+              </a:spcAft>
+              <a:buClrTx/>
+              <a:buSzTx/>
+              <a:buFontTx/>
+              <a:buNone/>
+              <a:tabLst/>
+              <a:defRPr/>
+            </a:pPr>
+            <a:r>
+              <a:rPr kumimoji="0" lang="en-US" b="0" i="0" u="none" strike="noStrike" kern="1200" cap="none" spc="0" normalizeH="0" baseline="0" noProof="0" dirty="0">
+                <a:ln>
+                  <a:noFill/>
+                </a:ln>
+                <a:solidFill>
+                  <a:srgbClr val="FFFFFF"/>
+                </a:solidFill>
+                <a:effectLst/>
+                <a:uLnTx/>
+                <a:uFillTx/>
+                <a:latin typeface="+mn-lt"/>
+                <a:ea typeface="+mj-ea"/>
+                <a:cs typeface="+mj-cs"/>
+              </a:rPr>
+              <a:t>Open for Q&amp;A</a:t>
+            </a:r>
+          </a:p>
+        </p:txBody>
+      </p:sp>
+    </p:spTree>
+    <p:extLst>
+      <p:ext uri="{BB962C8B-B14F-4D97-AF65-F5344CB8AC3E}">
+        <p14:creationId xmlns:p14="http://schemas.microsoft.com/office/powerpoint/2010/main" val="1700539747"/>
+      </p:ext>
+    </p:extLst>
+  </p:cSld>
+  <p:clrMapOvr>
+    <a:masterClrMapping/>
+  </p:clrMapOvr>
+  <mc:AlternateContent xmlns:mc="http://schemas.openxmlformats.org/markup-compatibility/2006" xmlns:p159="http://schemas.microsoft.com/office/powerpoint/2015/09/main">
+    <mc:Choice Requires="p159">
+      <p:transition xmlns:p14="http://schemas.microsoft.com/office/powerpoint/2010/main" spd="slow" p14:dur="2000">
+        <p159:morph option="byObject"/>
+      </p:transition>
+    </mc:Choice>
+    <mc:Fallback xmlns="">
+      <p:transition spd="slow">
+        <p:fade/>
+      </p:transition>
+    </mc:Fallback>
+  </mc:AlternateContent>
+  <p:timing>
+    <p:tnLst>
+      <p:par>
+        <p:cTn id="1" dur="indefinite" restart="never" nodeType="tmRoot">
+          <p:childTnLst>
+            <p:seq concurrent="1" nextAc="seek">
+              <p:cTn id="2" dur="indefinite" nodeType="mainSeq">
+                <p:childTnLst>
+                  <p:par>
+                    <p:cTn id="3" fill="hold">
+                      <p:stCondLst>
+                        <p:cond delay="indefinite"/>
+                      </p:stCondLst>
+                      <p:childTnLst>
+                        <p:par>
+                          <p:cTn id="4" fill="hold">
+                            <p:stCondLst>
+                              <p:cond delay="0"/>
+                            </p:stCondLst>
+                          </p:cTn>
+                        </p:par>
+                      </p:childTnLst>
+                    </p:cTn>
+                  </p:par>
+                </p:childTnLst>
+              </p:cTn>
+              <p:prevCondLst>
+                <p:cond evt="onPrev" delay="0">
+                  <p:tgtEl>
+                    <p:sldTgt/>
+                  </p:tgtEl>
+                </p:cond>
+              </p:prevCondLst>
+              <p:nextCondLst>
+                <p:cond evt="onNext" delay="0">
+                  <p:tgtEl>
+                    <p:sldTgt/>
+                  </p:tgtEl>
+                </p:cond>
+              </p:nextCondLst>
+            </p:seq>
+          </p:childTnLst>
+        </p:cTn>
+      </p:par>
+    </p:tnLst>
+  </p:timing>
+</p:sld>
+</file>
+
+<file path=ppt/slides/slide2.xml><?xml version="1.0" encoding="utf-8"?>
 <p:sld xmlns:a="http://schemas.openxmlformats.org/drawingml/2006/main" xmlns:r="http://schemas.openxmlformats.org/officeDocument/2006/relationships" xmlns:p="http://schemas.openxmlformats.org/presentationml/2006/main">
   <p:cSld>
     <p:bg>
@@ -13278,7 +11553,7 @@
           <p:nvPr>
             <p:extLst>
               <p:ext uri="{D42A27DB-BD31-4B8C-83A1-F6EECF244321}">
-                <p14:modId xmlns:p14="http://schemas.microsoft.com/office/powerpoint/2010/main" val="2729242864"/>
+                <p14:modId xmlns:p14="http://schemas.microsoft.com/office/powerpoint/2010/main" val="2705313857"/>
               </p:ext>
             </p:extLst>
           </p:nvPr>
@@ -13855,7 +12130,7 @@
 </p:sld>
 </file>
 
-<file path=ppt/slides/slide4.xml><?xml version="1.0" encoding="utf-8"?>
+<file path=ppt/slides/slide3.xml><?xml version="1.0" encoding="utf-8"?>
 <p:sld xmlns:a="http://schemas.openxmlformats.org/drawingml/2006/main" xmlns:r="http://schemas.openxmlformats.org/officeDocument/2006/relationships" xmlns:p="http://schemas.openxmlformats.org/presentationml/2006/main">
   <p:cSld>
     <p:bg>
@@ -14645,48 +12920,6 @@
           </a:prstGeom>
         </p:spPr>
       </p:pic>
-      <p:sp>
-        <p:nvSpPr>
-          <p:cNvPr id="2" name="TextBox 1">
-            <a:extLst>
-              <a:ext uri="{FF2B5EF4-FFF2-40B4-BE49-F238E27FC236}">
-                <a16:creationId xmlns:a16="http://schemas.microsoft.com/office/drawing/2014/main" id="{312C1DA3-07F5-E8B8-76B4-73D7130DC642}"/>
-              </a:ext>
-            </a:extLst>
-          </p:cNvPr>
-          <p:cNvSpPr txBox="1"/>
-          <p:nvPr/>
-        </p:nvSpPr>
-        <p:spPr>
-          <a:xfrm>
-            <a:off x="1247775" y="5954698"/>
-            <a:ext cx="9696450" cy="369332"/>
-          </a:xfrm>
-          <a:prstGeom prst="rect">
-            <a:avLst/>
-          </a:prstGeom>
-          <a:noFill/>
-          <a:ln>
-            <a:noFill/>
-          </a:ln>
-        </p:spPr>
-        <p:txBody>
-          <a:bodyPr wrap="square">
-            <a:spAutoFit/>
-          </a:bodyPr>
-          <a:lstStyle/>
-          <a:p>
-            <a:r>
-              <a:rPr lang="en-US" b="1" dirty="0">
-                <a:solidFill>
-                  <a:schemeClr val="bg1"/>
-                </a:solidFill>
-              </a:rPr>
-              <a:t>Takeaways -</a:t>
-            </a:r>
-          </a:p>
-        </p:txBody>
-      </p:sp>
       <p:sp>
         <p:nvSpPr>
           <p:cNvPr id="3" name="TextBox 2">
@@ -14863,7 +13096,7 @@
 </p:sld>
 </file>
 
-<file path=ppt/slides/slide5.xml><?xml version="1.0" encoding="utf-8"?>
+<file path=ppt/slides/slide4.xml><?xml version="1.0" encoding="utf-8"?>
 <p:sld xmlns:a="http://schemas.openxmlformats.org/drawingml/2006/main" xmlns:r="http://schemas.openxmlformats.org/officeDocument/2006/relationships" xmlns:p="http://schemas.openxmlformats.org/presentationml/2006/main">
   <p:cSld>
     <p:bg>
@@ -15639,45 +13872,6 @@
           </a:prstGeom>
         </p:spPr>
       </p:pic>
-      <p:sp>
-        <p:nvSpPr>
-          <p:cNvPr id="3" name="TextBox 2">
-            <a:extLst>
-              <a:ext uri="{FF2B5EF4-FFF2-40B4-BE49-F238E27FC236}">
-                <a16:creationId xmlns:a16="http://schemas.microsoft.com/office/drawing/2014/main" id="{C4366DFA-7652-7993-2308-353A29A1AD7E}"/>
-              </a:ext>
-            </a:extLst>
-          </p:cNvPr>
-          <p:cNvSpPr txBox="1"/>
-          <p:nvPr/>
-        </p:nvSpPr>
-        <p:spPr>
-          <a:xfrm>
-            <a:off x="1247775" y="5954698"/>
-            <a:ext cx="9696450" cy="369332"/>
-          </a:xfrm>
-          <a:prstGeom prst="rect">
-            <a:avLst/>
-          </a:prstGeom>
-          <a:noFill/>
-        </p:spPr>
-        <p:txBody>
-          <a:bodyPr wrap="square">
-            <a:spAutoFit/>
-          </a:bodyPr>
-          <a:lstStyle/>
-          <a:p>
-            <a:r>
-              <a:rPr lang="en-US" b="1" dirty="0">
-                <a:solidFill>
-                  <a:schemeClr val="bg1"/>
-                </a:solidFill>
-              </a:rPr>
-              <a:t>Takeaways -</a:t>
-            </a:r>
-          </a:p>
-        </p:txBody>
-      </p:sp>
       <p:graphicFrame>
         <p:nvGraphicFramePr>
           <p:cNvPr id="22" name="Diagram 21">
@@ -15775,7 +13969,7 @@
 </p:sld>
 </file>
 
-<file path=ppt/slides/slide6.xml><?xml version="1.0" encoding="utf-8"?>
+<file path=ppt/slides/slide5.xml><?xml version="1.0" encoding="utf-8"?>
 <p:sld xmlns:a="http://schemas.openxmlformats.org/drawingml/2006/main" xmlns:r="http://schemas.openxmlformats.org/officeDocument/2006/relationships" xmlns:p="http://schemas.openxmlformats.org/presentationml/2006/main">
   <p:cSld>
     <p:bg>
@@ -16697,7 +14891,2383 @@
 </p:sld>
 </file>
 
+<file path=ppt/slides/slide6.xml><?xml version="1.0" encoding="utf-8"?>
+<p:sld xmlns:a="http://schemas.openxmlformats.org/drawingml/2006/main" xmlns:r="http://schemas.openxmlformats.org/officeDocument/2006/relationships" xmlns:p="http://schemas.openxmlformats.org/presentationml/2006/main">
+  <p:cSld>
+    <p:bg>
+      <p:bgPr>
+        <a:solidFill>
+          <a:schemeClr val="tx1"/>
+        </a:solidFill>
+        <a:effectLst/>
+      </p:bgPr>
+    </p:bg>
+    <p:spTree>
+      <p:nvGrpSpPr>
+        <p:cNvPr id="1" name=""/>
+        <p:cNvGrpSpPr/>
+        <p:nvPr/>
+      </p:nvGrpSpPr>
+      <p:grpSpPr>
+        <a:xfrm>
+          <a:off x="0" y="0"/>
+          <a:ext cx="0" cy="0"/>
+          <a:chOff x="0" y="0"/>
+          <a:chExt cx="0" cy="0"/>
+        </a:xfrm>
+      </p:grpSpPr>
+      <p:sp>
+        <p:nvSpPr>
+          <p:cNvPr id="2" name="Title 1">
+            <a:extLst>
+              <a:ext uri="{FF2B5EF4-FFF2-40B4-BE49-F238E27FC236}">
+                <a16:creationId xmlns:a16="http://schemas.microsoft.com/office/drawing/2014/main" id="{659D2D1B-94EB-2BFA-C163-881CE2D80C0C}"/>
+              </a:ext>
+            </a:extLst>
+          </p:cNvPr>
+          <p:cNvSpPr txBox="1">
+            <a:spLocks/>
+          </p:cNvSpPr>
+          <p:nvPr/>
+        </p:nvSpPr>
+        <p:spPr>
+          <a:xfrm>
+            <a:off x="778248" y="202708"/>
+            <a:ext cx="10663754" cy="622500"/>
+          </a:xfrm>
+          <a:prstGeom prst="rect">
+            <a:avLst/>
+          </a:prstGeom>
+          <a:ln>
+            <a:solidFill>
+              <a:schemeClr val="bg1"/>
+            </a:solidFill>
+          </a:ln>
+        </p:spPr>
+        <p:txBody>
+          <a:bodyPr/>
+          <a:lstStyle>
+            <a:lvl1pPr algn="l" defTabSz="914377" rtl="0" eaLnBrk="1" latinLnBrk="0" hangingPunct="1">
+              <a:lnSpc>
+                <a:spcPct val="90000"/>
+              </a:lnSpc>
+              <a:spcBef>
+                <a:spcPct val="0"/>
+              </a:spcBef>
+              <a:buNone/>
+              <a:defRPr sz="4400" kern="1200">
+                <a:solidFill>
+                  <a:schemeClr val="tx1"/>
+                </a:solidFill>
+                <a:latin typeface="+mj-lt"/>
+                <a:ea typeface="+mj-ea"/>
+                <a:cs typeface="+mj-cs"/>
+              </a:defRPr>
+            </a:lvl1pPr>
+          </a:lstStyle>
+          <a:p>
+            <a:pPr marL="0" marR="0" lvl="0" indent="0" algn="l" defTabSz="914377" rtl="0" eaLnBrk="1" fontAlgn="auto" latinLnBrk="0" hangingPunct="1">
+              <a:lnSpc>
+                <a:spcPct val="90000"/>
+              </a:lnSpc>
+              <a:spcBef>
+                <a:spcPct val="0"/>
+              </a:spcBef>
+              <a:spcAft>
+                <a:spcPts val="0"/>
+              </a:spcAft>
+              <a:buClrTx/>
+              <a:buSzTx/>
+              <a:buFontTx/>
+              <a:buNone/>
+              <a:tabLst/>
+              <a:defRPr/>
+            </a:pPr>
+            <a:r>
+              <a:rPr kumimoji="0" lang="en-US" sz="4000" b="0" i="0" u="none" strike="noStrike" kern="1200" cap="none" spc="0" normalizeH="0" baseline="0" noProof="0" dirty="0">
+                <a:ln>
+                  <a:noFill/>
+                </a:ln>
+                <a:solidFill>
+                  <a:srgbClr val="FFFFFF"/>
+                </a:solidFill>
+                <a:effectLst/>
+                <a:uLnTx/>
+                <a:uFillTx/>
+                <a:latin typeface="+mn-lt"/>
+                <a:ea typeface="+mj-ea"/>
+                <a:cs typeface="+mj-cs"/>
+              </a:rPr>
+              <a:t>Data Insights (EDA)</a:t>
+            </a:r>
+            <a:endParaRPr kumimoji="0" lang="en-US" sz="4800" b="0" i="0" u="none" strike="noStrike" kern="1200" cap="none" spc="0" normalizeH="0" baseline="0" noProof="0" dirty="0">
+              <a:ln>
+                <a:noFill/>
+              </a:ln>
+              <a:solidFill>
+                <a:srgbClr val="FFFFFF"/>
+              </a:solidFill>
+              <a:effectLst/>
+              <a:uLnTx/>
+              <a:uFillTx/>
+              <a:latin typeface="+mn-lt"/>
+              <a:ea typeface="+mj-ea"/>
+              <a:cs typeface="+mj-cs"/>
+            </a:endParaRPr>
+          </a:p>
+        </p:txBody>
+      </p:sp>
+      <p:pic>
+        <p:nvPicPr>
+          <p:cNvPr id="3" name="Graphic 2" descr="Questions">
+            <a:extLst>
+              <a:ext uri="{FF2B5EF4-FFF2-40B4-BE49-F238E27FC236}">
+                <a16:creationId xmlns:a16="http://schemas.microsoft.com/office/drawing/2014/main" id="{B6D880D0-C4FF-E85A-6ED3-C865E7627297}"/>
+              </a:ext>
+            </a:extLst>
+          </p:cNvPr>
+          <p:cNvPicPr>
+            <a:picLocks noChangeAspect="1"/>
+          </p:cNvPicPr>
+          <p:nvPr/>
+        </p:nvPicPr>
+        <p:blipFill>
+          <a:blip r:embed="rId3">
+            <a:extLst>
+              <a:ext uri="{28A0092B-C50C-407E-A947-70E740481C1C}">
+                <a14:useLocalDpi xmlns:a14="http://schemas.microsoft.com/office/drawing/2010/main" val="0"/>
+              </a:ext>
+              <a:ext uri="{96DAC541-7B7A-43D3-8B79-37D633B846F1}">
+                <asvg:svgBlip xmlns:asvg="http://schemas.microsoft.com/office/drawing/2016/SVG/main" r:embed="rId4"/>
+              </a:ext>
+            </a:extLst>
+          </a:blip>
+          <a:stretch>
+            <a:fillRect/>
+          </a:stretch>
+        </p:blipFill>
+        <p:spPr>
+          <a:xfrm>
+            <a:off x="1976016" y="1385588"/>
+            <a:ext cx="626612" cy="626612"/>
+          </a:xfrm>
+          <a:prstGeom prst="rect">
+            <a:avLst/>
+          </a:prstGeom>
+        </p:spPr>
+      </p:pic>
+      <p:pic>
+        <p:nvPicPr>
+          <p:cNvPr id="4" name="Graphic 3" descr="Table">
+            <a:extLst>
+              <a:ext uri="{FF2B5EF4-FFF2-40B4-BE49-F238E27FC236}">
+                <a16:creationId xmlns:a16="http://schemas.microsoft.com/office/drawing/2014/main" id="{637BBB18-7D60-2374-F0AF-DF48702F50EC}"/>
+              </a:ext>
+            </a:extLst>
+          </p:cNvPr>
+          <p:cNvPicPr>
+            <a:picLocks noChangeAspect="1"/>
+          </p:cNvPicPr>
+          <p:nvPr/>
+        </p:nvPicPr>
+        <p:blipFill>
+          <a:blip r:embed="rId5">
+            <a:extLst>
+              <a:ext uri="{28A0092B-C50C-407E-A947-70E740481C1C}">
+                <a14:useLocalDpi xmlns:a14="http://schemas.microsoft.com/office/drawing/2010/main" val="0"/>
+              </a:ext>
+              <a:ext uri="{96DAC541-7B7A-43D3-8B79-37D633B846F1}">
+                <asvg:svgBlip xmlns:asvg="http://schemas.microsoft.com/office/drawing/2016/SVG/main" r:embed="rId6"/>
+              </a:ext>
+            </a:extLst>
+          </a:blip>
+          <a:stretch>
+            <a:fillRect/>
+          </a:stretch>
+        </p:blipFill>
+        <p:spPr>
+          <a:xfrm>
+            <a:off x="3917497" y="1428946"/>
+            <a:ext cx="607974" cy="607974"/>
+          </a:xfrm>
+          <a:prstGeom prst="rect">
+            <a:avLst/>
+          </a:prstGeom>
+        </p:spPr>
+      </p:pic>
+      <p:cxnSp>
+        <p:nvCxnSpPr>
+          <p:cNvPr id="5" name="Straight Connector 4">
+            <a:extLst>
+              <a:ext uri="{FF2B5EF4-FFF2-40B4-BE49-F238E27FC236}">
+                <a16:creationId xmlns:a16="http://schemas.microsoft.com/office/drawing/2014/main" id="{32B9ECB7-C67E-1FC5-9665-8A43A7CAA0BD}"/>
+              </a:ext>
+            </a:extLst>
+          </p:cNvPr>
+          <p:cNvCxnSpPr>
+            <a:stCxn id="9" idx="6"/>
+            <a:endCxn id="11" idx="2"/>
+          </p:cNvCxnSpPr>
+          <p:nvPr/>
+        </p:nvCxnSpPr>
+        <p:spPr>
+          <a:xfrm>
+            <a:off x="2733581" y="1723598"/>
+            <a:ext cx="1053013" cy="0"/>
+          </a:xfrm>
+          <a:prstGeom prst="line">
+            <a:avLst/>
+          </a:prstGeom>
+          <a:noFill/>
+          <a:ln w="25400" cap="flat" cmpd="sng" algn="ctr">
+            <a:solidFill>
+              <a:sysClr val="window" lastClr="FFFFFF"/>
+            </a:solidFill>
+            <a:prstDash val="solid"/>
+            <a:miter lim="800000"/>
+          </a:ln>
+          <a:effectLst/>
+        </p:spPr>
+      </p:cxnSp>
+      <p:cxnSp>
+        <p:nvCxnSpPr>
+          <p:cNvPr id="6" name="Straight Connector 5">
+            <a:extLst>
+              <a:ext uri="{FF2B5EF4-FFF2-40B4-BE49-F238E27FC236}">
+                <a16:creationId xmlns:a16="http://schemas.microsoft.com/office/drawing/2014/main" id="{A514D225-BE09-9541-038C-CE5F7F808E55}"/>
+              </a:ext>
+            </a:extLst>
+          </p:cNvPr>
+          <p:cNvCxnSpPr>
+            <a:stCxn id="11" idx="6"/>
+            <a:endCxn id="10" idx="2"/>
+          </p:cNvCxnSpPr>
+          <p:nvPr/>
+        </p:nvCxnSpPr>
+        <p:spPr>
+          <a:xfrm>
+            <a:off x="4614593" y="1723598"/>
+            <a:ext cx="671407" cy="0"/>
+          </a:xfrm>
+          <a:prstGeom prst="line">
+            <a:avLst/>
+          </a:prstGeom>
+          <a:noFill/>
+          <a:ln w="25400" cap="flat" cmpd="sng" algn="ctr">
+            <a:solidFill>
+              <a:sysClr val="window" lastClr="FFFFFF"/>
+            </a:solidFill>
+            <a:prstDash val="solid"/>
+            <a:miter lim="800000"/>
+          </a:ln>
+          <a:effectLst/>
+        </p:spPr>
+      </p:cxnSp>
+      <p:cxnSp>
+        <p:nvCxnSpPr>
+          <p:cNvPr id="7" name="Straight Connector 6">
+            <a:extLst>
+              <a:ext uri="{FF2B5EF4-FFF2-40B4-BE49-F238E27FC236}">
+                <a16:creationId xmlns:a16="http://schemas.microsoft.com/office/drawing/2014/main" id="{11B1E443-0D14-7DEC-1A03-6FD4D474F496}"/>
+              </a:ext>
+            </a:extLst>
+          </p:cNvPr>
+          <p:cNvCxnSpPr>
+            <a:stCxn id="10" idx="6"/>
+            <a:endCxn id="13" idx="2"/>
+          </p:cNvCxnSpPr>
+          <p:nvPr/>
+        </p:nvCxnSpPr>
+        <p:spPr>
+          <a:xfrm>
+            <a:off x="6906000" y="1723598"/>
+            <a:ext cx="665919" cy="0"/>
+          </a:xfrm>
+          <a:prstGeom prst="line">
+            <a:avLst/>
+          </a:prstGeom>
+          <a:noFill/>
+          <a:ln w="25400" cap="flat" cmpd="sng" algn="ctr">
+            <a:solidFill>
+              <a:sysClr val="window" lastClr="FFFFFF"/>
+            </a:solidFill>
+            <a:prstDash val="solid"/>
+            <a:miter lim="800000"/>
+          </a:ln>
+          <a:effectLst/>
+        </p:spPr>
+      </p:cxnSp>
+      <p:cxnSp>
+        <p:nvCxnSpPr>
+          <p:cNvPr id="8" name="Straight Connector 7">
+            <a:extLst>
+              <a:ext uri="{FF2B5EF4-FFF2-40B4-BE49-F238E27FC236}">
+                <a16:creationId xmlns:a16="http://schemas.microsoft.com/office/drawing/2014/main" id="{35334822-38DF-83B7-DA38-019C9770804B}"/>
+              </a:ext>
+            </a:extLst>
+          </p:cNvPr>
+          <p:cNvCxnSpPr>
+            <a:stCxn id="13" idx="6"/>
+            <a:endCxn id="12" idx="2"/>
+          </p:cNvCxnSpPr>
+          <p:nvPr/>
+        </p:nvCxnSpPr>
+        <p:spPr>
+          <a:xfrm>
+            <a:off x="8399918" y="1723598"/>
+            <a:ext cx="1061920" cy="0"/>
+          </a:xfrm>
+          <a:prstGeom prst="line">
+            <a:avLst/>
+          </a:prstGeom>
+          <a:noFill/>
+          <a:ln w="25400" cap="flat" cmpd="sng" algn="ctr">
+            <a:solidFill>
+              <a:sysClr val="window" lastClr="FFFFFF"/>
+            </a:solidFill>
+            <a:prstDash val="solid"/>
+            <a:miter lim="800000"/>
+          </a:ln>
+          <a:effectLst/>
+        </p:spPr>
+      </p:cxnSp>
+      <p:sp>
+        <p:nvSpPr>
+          <p:cNvPr id="9" name="Oval 8">
+            <a:extLst>
+              <a:ext uri="{FF2B5EF4-FFF2-40B4-BE49-F238E27FC236}">
+                <a16:creationId xmlns:a16="http://schemas.microsoft.com/office/drawing/2014/main" id="{4C957850-B25F-2F02-021A-48AE1ADF283C}"/>
+              </a:ext>
+            </a:extLst>
+          </p:cNvPr>
+          <p:cNvSpPr>
+            <a:spLocks noChangeAspect="1"/>
+          </p:cNvSpPr>
+          <p:nvPr/>
+        </p:nvSpPr>
+        <p:spPr>
+          <a:xfrm>
+            <a:off x="1905582" y="1309598"/>
+            <a:ext cx="827999" cy="827999"/>
+          </a:xfrm>
+          <a:prstGeom prst="ellipse">
+            <a:avLst/>
+          </a:prstGeom>
+          <a:noFill/>
+          <a:ln w="25400" cap="flat" cmpd="sng" algn="ctr">
+            <a:solidFill>
+              <a:sysClr val="window" lastClr="FFFFFF"/>
+            </a:solidFill>
+            <a:prstDash val="solid"/>
+            <a:miter lim="800000"/>
+          </a:ln>
+          <a:effectLst/>
+        </p:spPr>
+        <p:txBody>
+          <a:bodyPr rtlCol="0" anchor="ctr"/>
+          <a:lstStyle/>
+          <a:p>
+            <a:pPr marL="0" marR="0" lvl="0" indent="0" algn="ctr" defTabSz="914400" eaLnBrk="1" fontAlgn="auto" latinLnBrk="0" hangingPunct="1">
+              <a:lnSpc>
+                <a:spcPct val="100000"/>
+              </a:lnSpc>
+              <a:spcBef>
+                <a:spcPts val="0"/>
+              </a:spcBef>
+              <a:spcAft>
+                <a:spcPts val="0"/>
+              </a:spcAft>
+              <a:buClrTx/>
+              <a:buSzTx/>
+              <a:buFontTx/>
+              <a:buNone/>
+              <a:tabLst/>
+              <a:defRPr/>
+            </a:pPr>
+            <a:endParaRPr kumimoji="0" lang="de-DE" sz="1800" b="0" i="0" u="none" strike="noStrike" kern="0" cap="none" spc="0" normalizeH="0" baseline="0" noProof="0">
+              <a:ln>
+                <a:noFill/>
+              </a:ln>
+              <a:solidFill>
+                <a:prstClr val="white"/>
+              </a:solidFill>
+              <a:effectLst/>
+              <a:uLnTx/>
+              <a:uFillTx/>
+              <a:ea typeface="+mn-ea"/>
+              <a:cs typeface="+mn-cs"/>
+            </a:endParaRPr>
+          </a:p>
+        </p:txBody>
+      </p:sp>
+      <p:sp>
+        <p:nvSpPr>
+          <p:cNvPr id="10" name="Oval 9">
+            <a:extLst>
+              <a:ext uri="{FF2B5EF4-FFF2-40B4-BE49-F238E27FC236}">
+                <a16:creationId xmlns:a16="http://schemas.microsoft.com/office/drawing/2014/main" id="{A96E70ED-CF79-89A2-163A-5FCD389509B5}"/>
+              </a:ext>
+            </a:extLst>
+          </p:cNvPr>
+          <p:cNvSpPr>
+            <a:spLocks noChangeAspect="1"/>
+          </p:cNvSpPr>
+          <p:nvPr/>
+        </p:nvSpPr>
+        <p:spPr>
+          <a:xfrm>
+            <a:off x="5286000" y="913598"/>
+            <a:ext cx="1620000" cy="1620000"/>
+          </a:xfrm>
+          <a:prstGeom prst="ellipse">
+            <a:avLst/>
+          </a:prstGeom>
+          <a:solidFill>
+            <a:sysClr val="window" lastClr="FFFFFF"/>
+          </a:solidFill>
+          <a:ln w="25400" cap="flat" cmpd="sng" algn="ctr">
+            <a:solidFill>
+              <a:sysClr val="window" lastClr="FFFFFF"/>
+            </a:solidFill>
+            <a:prstDash val="solid"/>
+            <a:miter lim="800000"/>
+          </a:ln>
+          <a:effectLst/>
+        </p:spPr>
+        <p:txBody>
+          <a:bodyPr rtlCol="0" anchor="ctr"/>
+          <a:lstStyle/>
+          <a:p>
+            <a:pPr marL="0" marR="0" lvl="0" indent="0" algn="ctr" defTabSz="914400" eaLnBrk="1" fontAlgn="auto" latinLnBrk="0" hangingPunct="1">
+              <a:lnSpc>
+                <a:spcPct val="100000"/>
+              </a:lnSpc>
+              <a:spcBef>
+                <a:spcPts val="0"/>
+              </a:spcBef>
+              <a:spcAft>
+                <a:spcPts val="0"/>
+              </a:spcAft>
+              <a:buClrTx/>
+              <a:buSzTx/>
+              <a:buFontTx/>
+              <a:buNone/>
+              <a:tabLst/>
+              <a:defRPr/>
+            </a:pPr>
+            <a:endParaRPr kumimoji="0" lang="de-DE" sz="1800" b="0" i="0" u="none" strike="noStrike" kern="0" cap="none" spc="0" normalizeH="0" baseline="0" noProof="0">
+              <a:ln>
+                <a:noFill/>
+              </a:ln>
+              <a:solidFill>
+                <a:prstClr val="white"/>
+              </a:solidFill>
+              <a:effectLst/>
+              <a:uLnTx/>
+              <a:uFillTx/>
+              <a:ea typeface="+mn-ea"/>
+              <a:cs typeface="+mn-cs"/>
+            </a:endParaRPr>
+          </a:p>
+        </p:txBody>
+      </p:sp>
+      <p:sp>
+        <p:nvSpPr>
+          <p:cNvPr id="11" name="Oval 10">
+            <a:extLst>
+              <a:ext uri="{FF2B5EF4-FFF2-40B4-BE49-F238E27FC236}">
+                <a16:creationId xmlns:a16="http://schemas.microsoft.com/office/drawing/2014/main" id="{259C1610-5108-F794-4D09-E2D4A561D7C7}"/>
+              </a:ext>
+            </a:extLst>
+          </p:cNvPr>
+          <p:cNvSpPr>
+            <a:spLocks noChangeAspect="1"/>
+          </p:cNvSpPr>
+          <p:nvPr/>
+        </p:nvSpPr>
+        <p:spPr>
+          <a:xfrm>
+            <a:off x="3786594" y="1309598"/>
+            <a:ext cx="827999" cy="827999"/>
+          </a:xfrm>
+          <a:prstGeom prst="ellipse">
+            <a:avLst/>
+          </a:prstGeom>
+          <a:noFill/>
+          <a:ln w="25400" cap="flat" cmpd="sng" algn="ctr">
+            <a:solidFill>
+              <a:sysClr val="window" lastClr="FFFFFF"/>
+            </a:solidFill>
+            <a:prstDash val="solid"/>
+            <a:miter lim="800000"/>
+          </a:ln>
+          <a:effectLst/>
+        </p:spPr>
+        <p:txBody>
+          <a:bodyPr rtlCol="0" anchor="ctr"/>
+          <a:lstStyle/>
+          <a:p>
+            <a:pPr marL="0" marR="0" lvl="0" indent="0" algn="ctr" defTabSz="914400" eaLnBrk="1" fontAlgn="auto" latinLnBrk="0" hangingPunct="1">
+              <a:lnSpc>
+                <a:spcPct val="100000"/>
+              </a:lnSpc>
+              <a:spcBef>
+                <a:spcPts val="0"/>
+              </a:spcBef>
+              <a:spcAft>
+                <a:spcPts val="0"/>
+              </a:spcAft>
+              <a:buClrTx/>
+              <a:buSzTx/>
+              <a:buFontTx/>
+              <a:buNone/>
+              <a:tabLst/>
+              <a:defRPr/>
+            </a:pPr>
+            <a:endParaRPr kumimoji="0" lang="de-DE" sz="1800" b="0" i="0" u="none" strike="noStrike" kern="0" cap="none" spc="0" normalizeH="0" baseline="0" noProof="0">
+              <a:ln>
+                <a:noFill/>
+              </a:ln>
+              <a:solidFill>
+                <a:prstClr val="white"/>
+              </a:solidFill>
+              <a:effectLst/>
+              <a:uLnTx/>
+              <a:uFillTx/>
+              <a:ea typeface="+mn-ea"/>
+              <a:cs typeface="+mn-cs"/>
+            </a:endParaRPr>
+          </a:p>
+        </p:txBody>
+      </p:sp>
+      <p:sp>
+        <p:nvSpPr>
+          <p:cNvPr id="12" name="Oval 11">
+            <a:extLst>
+              <a:ext uri="{FF2B5EF4-FFF2-40B4-BE49-F238E27FC236}">
+                <a16:creationId xmlns:a16="http://schemas.microsoft.com/office/drawing/2014/main" id="{33D2530B-6E4F-0F17-35E4-218482CB1325}"/>
+              </a:ext>
+            </a:extLst>
+          </p:cNvPr>
+          <p:cNvSpPr>
+            <a:spLocks noChangeAspect="1"/>
+          </p:cNvSpPr>
+          <p:nvPr/>
+        </p:nvSpPr>
+        <p:spPr>
+          <a:xfrm>
+            <a:off x="9461838" y="1309598"/>
+            <a:ext cx="827999" cy="827999"/>
+          </a:xfrm>
+          <a:prstGeom prst="ellipse">
+            <a:avLst/>
+          </a:prstGeom>
+          <a:noFill/>
+          <a:ln w="25400" cap="flat" cmpd="sng" algn="ctr">
+            <a:solidFill>
+              <a:sysClr val="window" lastClr="FFFFFF"/>
+            </a:solidFill>
+            <a:prstDash val="solid"/>
+            <a:miter lim="800000"/>
+          </a:ln>
+          <a:effectLst/>
+        </p:spPr>
+        <p:txBody>
+          <a:bodyPr rtlCol="0" anchor="ctr"/>
+          <a:lstStyle/>
+          <a:p>
+            <a:pPr marL="0" marR="0" lvl="0" indent="0" algn="ctr" defTabSz="914400" eaLnBrk="1" fontAlgn="auto" latinLnBrk="0" hangingPunct="1">
+              <a:lnSpc>
+                <a:spcPct val="100000"/>
+              </a:lnSpc>
+              <a:spcBef>
+                <a:spcPts val="0"/>
+              </a:spcBef>
+              <a:spcAft>
+                <a:spcPts val="0"/>
+              </a:spcAft>
+              <a:buClrTx/>
+              <a:buSzTx/>
+              <a:buFontTx/>
+              <a:buNone/>
+              <a:tabLst/>
+              <a:defRPr/>
+            </a:pPr>
+            <a:endParaRPr kumimoji="0" lang="de-DE" sz="1800" b="0" i="0" u="none" strike="noStrike" kern="0" cap="none" spc="0" normalizeH="0" baseline="0" noProof="0">
+              <a:ln>
+                <a:noFill/>
+              </a:ln>
+              <a:solidFill>
+                <a:prstClr val="white"/>
+              </a:solidFill>
+              <a:effectLst/>
+              <a:uLnTx/>
+              <a:uFillTx/>
+              <a:ea typeface="+mn-ea"/>
+              <a:cs typeface="+mn-cs"/>
+            </a:endParaRPr>
+          </a:p>
+        </p:txBody>
+      </p:sp>
+      <p:sp>
+        <p:nvSpPr>
+          <p:cNvPr id="13" name="Oval 12">
+            <a:extLst>
+              <a:ext uri="{FF2B5EF4-FFF2-40B4-BE49-F238E27FC236}">
+                <a16:creationId xmlns:a16="http://schemas.microsoft.com/office/drawing/2014/main" id="{0920316A-4472-7C0A-687B-CC0E7BBF6DB5}"/>
+              </a:ext>
+            </a:extLst>
+          </p:cNvPr>
+          <p:cNvSpPr>
+            <a:spLocks noChangeAspect="1"/>
+          </p:cNvSpPr>
+          <p:nvPr/>
+        </p:nvSpPr>
+        <p:spPr>
+          <a:xfrm>
+            <a:off x="7571919" y="1309598"/>
+            <a:ext cx="827999" cy="827999"/>
+          </a:xfrm>
+          <a:prstGeom prst="ellipse">
+            <a:avLst/>
+          </a:prstGeom>
+          <a:noFill/>
+          <a:ln w="25400" cap="flat" cmpd="sng" algn="ctr">
+            <a:solidFill>
+              <a:sysClr val="window" lastClr="FFFFFF"/>
+            </a:solidFill>
+            <a:prstDash val="solid"/>
+            <a:miter lim="800000"/>
+          </a:ln>
+          <a:effectLst/>
+        </p:spPr>
+        <p:txBody>
+          <a:bodyPr rtlCol="0" anchor="ctr"/>
+          <a:lstStyle/>
+          <a:p>
+            <a:pPr marL="0" marR="0" lvl="0" indent="0" algn="ctr" defTabSz="914400" eaLnBrk="1" fontAlgn="auto" latinLnBrk="0" hangingPunct="1">
+              <a:lnSpc>
+                <a:spcPct val="100000"/>
+              </a:lnSpc>
+              <a:spcBef>
+                <a:spcPts val="0"/>
+              </a:spcBef>
+              <a:spcAft>
+                <a:spcPts val="0"/>
+              </a:spcAft>
+              <a:buClrTx/>
+              <a:buSzTx/>
+              <a:buFontTx/>
+              <a:buNone/>
+              <a:tabLst/>
+              <a:defRPr/>
+            </a:pPr>
+            <a:endParaRPr kumimoji="0" lang="de-DE" sz="1800" b="0" i="0" u="none" strike="noStrike" kern="0" cap="none" spc="0" normalizeH="0" baseline="0" noProof="0">
+              <a:ln>
+                <a:noFill/>
+              </a:ln>
+              <a:solidFill>
+                <a:prstClr val="white"/>
+              </a:solidFill>
+              <a:effectLst/>
+              <a:uLnTx/>
+              <a:uFillTx/>
+              <a:ea typeface="+mn-ea"/>
+              <a:cs typeface="+mn-cs"/>
+            </a:endParaRPr>
+          </a:p>
+        </p:txBody>
+      </p:sp>
+      <p:pic>
+        <p:nvPicPr>
+          <p:cNvPr id="14" name="Graphic 13" descr="BarChart_LTR">
+            <a:extLst>
+              <a:ext uri="{FF2B5EF4-FFF2-40B4-BE49-F238E27FC236}">
+                <a16:creationId xmlns:a16="http://schemas.microsoft.com/office/drawing/2014/main" id="{CDED2CAF-666A-F693-9203-2E9D2F1FAF90}"/>
+              </a:ext>
+            </a:extLst>
+          </p:cNvPr>
+          <p:cNvPicPr>
+            <a:picLocks noChangeAspect="1"/>
+          </p:cNvPicPr>
+          <p:nvPr/>
+        </p:nvPicPr>
+        <p:blipFill>
+          <a:blip r:embed="rId7">
+            <a:extLst>
+              <a:ext uri="{96DAC541-7B7A-43D3-8B79-37D633B846F1}">
+                <asvg:svgBlip xmlns:asvg="http://schemas.microsoft.com/office/drawing/2016/SVG/main" r:embed="rId8"/>
+              </a:ext>
+            </a:extLst>
+          </a:blip>
+          <a:stretch>
+            <a:fillRect/>
+          </a:stretch>
+        </p:blipFill>
+        <p:spPr>
+          <a:xfrm>
+            <a:off x="5667606" y="1243224"/>
+            <a:ext cx="885038" cy="885038"/>
+          </a:xfrm>
+          <a:prstGeom prst="rect">
+            <a:avLst/>
+          </a:prstGeom>
+        </p:spPr>
+      </p:pic>
+      <p:pic>
+        <p:nvPicPr>
+          <p:cNvPr id="16" name="Graphic 15" descr="Lightbulb and gear">
+            <a:extLst>
+              <a:ext uri="{FF2B5EF4-FFF2-40B4-BE49-F238E27FC236}">
+                <a16:creationId xmlns:a16="http://schemas.microsoft.com/office/drawing/2014/main" id="{6A06BAFB-0C08-1B46-4FAA-90FD2700C383}"/>
+              </a:ext>
+            </a:extLst>
+          </p:cNvPr>
+          <p:cNvPicPr>
+            <a:picLocks noChangeAspect="1"/>
+          </p:cNvPicPr>
+          <p:nvPr/>
+        </p:nvPicPr>
+        <p:blipFill>
+          <a:blip r:embed="rId9">
+            <a:extLst>
+              <a:ext uri="{28A0092B-C50C-407E-A947-70E740481C1C}">
+                <a14:useLocalDpi xmlns:a14="http://schemas.microsoft.com/office/drawing/2010/main" val="0"/>
+              </a:ext>
+              <a:ext uri="{96DAC541-7B7A-43D3-8B79-37D633B846F1}">
+                <asvg:svgBlip xmlns:asvg="http://schemas.microsoft.com/office/drawing/2016/SVG/main" r:embed="rId10"/>
+              </a:ext>
+            </a:extLst>
+          </a:blip>
+          <a:stretch>
+            <a:fillRect/>
+          </a:stretch>
+        </p:blipFill>
+        <p:spPr>
+          <a:xfrm>
+            <a:off x="7630482" y="1343458"/>
+            <a:ext cx="710872" cy="710872"/>
+          </a:xfrm>
+          <a:prstGeom prst="rect">
+            <a:avLst/>
+          </a:prstGeom>
+        </p:spPr>
+      </p:pic>
+      <p:pic>
+        <p:nvPicPr>
+          <p:cNvPr id="17" name="Graphic 16" descr="Handshake">
+            <a:extLst>
+              <a:ext uri="{FF2B5EF4-FFF2-40B4-BE49-F238E27FC236}">
+                <a16:creationId xmlns:a16="http://schemas.microsoft.com/office/drawing/2014/main" id="{CEF2F388-E2EE-8F7B-2D00-1414D6238A04}"/>
+              </a:ext>
+            </a:extLst>
+          </p:cNvPr>
+          <p:cNvPicPr>
+            <a:picLocks noChangeAspect="1"/>
+          </p:cNvPicPr>
+          <p:nvPr/>
+        </p:nvPicPr>
+        <p:blipFill>
+          <a:blip r:embed="rId11">
+            <a:extLst>
+              <a:ext uri="{96DAC541-7B7A-43D3-8B79-37D633B846F1}">
+                <asvg:svgBlip xmlns:asvg="http://schemas.microsoft.com/office/drawing/2016/SVG/main" r:embed="rId12"/>
+              </a:ext>
+            </a:extLst>
+          </a:blip>
+          <a:stretch>
+            <a:fillRect/>
+          </a:stretch>
+        </p:blipFill>
+        <p:spPr>
+          <a:xfrm>
+            <a:off x="9605838" y="1497446"/>
+            <a:ext cx="540000" cy="540000"/>
+          </a:xfrm>
+          <a:prstGeom prst="rect">
+            <a:avLst/>
+          </a:prstGeom>
+        </p:spPr>
+      </p:pic>
+      <p:pic>
+        <p:nvPicPr>
+          <p:cNvPr id="28" name="Picture 27" descr="Chart, treemap chart&#10;&#10;Description automatically generated">
+            <a:extLst>
+              <a:ext uri="{FF2B5EF4-FFF2-40B4-BE49-F238E27FC236}">
+                <a16:creationId xmlns:a16="http://schemas.microsoft.com/office/drawing/2014/main" id="{A2DB8F18-5630-D29F-6991-6E279E7234FB}"/>
+              </a:ext>
+            </a:extLst>
+          </p:cNvPr>
+          <p:cNvPicPr>
+            <a:picLocks noChangeAspect="1"/>
+          </p:cNvPicPr>
+          <p:nvPr/>
+        </p:nvPicPr>
+        <p:blipFill>
+          <a:blip r:embed="rId13"/>
+          <a:stretch>
+            <a:fillRect/>
+          </a:stretch>
+        </p:blipFill>
+        <p:spPr>
+          <a:xfrm>
+            <a:off x="4691203" y="2778864"/>
+            <a:ext cx="1818822" cy="3875825"/>
+          </a:xfrm>
+          <a:prstGeom prst="rect">
+            <a:avLst/>
+          </a:prstGeom>
+        </p:spPr>
+      </p:pic>
+      <p:pic>
+        <p:nvPicPr>
+          <p:cNvPr id="30" name="Picture 29" descr="Chart, bar chart&#10;&#10;Description automatically generated">
+            <a:extLst>
+              <a:ext uri="{FF2B5EF4-FFF2-40B4-BE49-F238E27FC236}">
+                <a16:creationId xmlns:a16="http://schemas.microsoft.com/office/drawing/2014/main" id="{41164046-121C-EED1-18F9-DD898D4896BA}"/>
+              </a:ext>
+            </a:extLst>
+          </p:cNvPr>
+          <p:cNvPicPr>
+            <a:picLocks noChangeAspect="1"/>
+          </p:cNvPicPr>
+          <p:nvPr/>
+        </p:nvPicPr>
+        <p:blipFill>
+          <a:blip r:embed="rId14"/>
+          <a:stretch>
+            <a:fillRect/>
+          </a:stretch>
+        </p:blipFill>
+        <p:spPr>
+          <a:xfrm>
+            <a:off x="7414635" y="2407862"/>
+            <a:ext cx="3740687" cy="4246827"/>
+          </a:xfrm>
+          <a:prstGeom prst="rect">
+            <a:avLst/>
+          </a:prstGeom>
+        </p:spPr>
+      </p:pic>
+      <p:pic>
+        <p:nvPicPr>
+          <p:cNvPr id="33" name="Picture 32" descr="Chart, treemap chart&#10;&#10;Description automatically generated">
+            <a:extLst>
+              <a:ext uri="{FF2B5EF4-FFF2-40B4-BE49-F238E27FC236}">
+                <a16:creationId xmlns:a16="http://schemas.microsoft.com/office/drawing/2014/main" id="{30DE2B29-1BD4-5827-5183-04CC92FED96D}"/>
+              </a:ext>
+            </a:extLst>
+          </p:cNvPr>
+          <p:cNvPicPr>
+            <a:picLocks noChangeAspect="1"/>
+          </p:cNvPicPr>
+          <p:nvPr/>
+        </p:nvPicPr>
+        <p:blipFill>
+          <a:blip r:embed="rId15"/>
+          <a:stretch>
+            <a:fillRect/>
+          </a:stretch>
+        </p:blipFill>
+        <p:spPr>
+          <a:xfrm>
+            <a:off x="531164" y="2699778"/>
+            <a:ext cx="3255430" cy="3902157"/>
+          </a:xfrm>
+          <a:prstGeom prst="rect">
+            <a:avLst/>
+          </a:prstGeom>
+        </p:spPr>
+      </p:pic>
+      <p:sp>
+        <p:nvSpPr>
+          <p:cNvPr id="36" name="Title 1">
+            <a:extLst>
+              <a:ext uri="{FF2B5EF4-FFF2-40B4-BE49-F238E27FC236}">
+                <a16:creationId xmlns:a16="http://schemas.microsoft.com/office/drawing/2014/main" id="{50DB275A-F673-2E18-B03F-4B39F8BF1829}"/>
+              </a:ext>
+            </a:extLst>
+          </p:cNvPr>
+          <p:cNvSpPr txBox="1">
+            <a:spLocks/>
+          </p:cNvSpPr>
+          <p:nvPr/>
+        </p:nvSpPr>
+        <p:spPr>
+          <a:xfrm>
+            <a:off x="1063826" y="2285780"/>
+            <a:ext cx="1824380" cy="358661"/>
+          </a:xfrm>
+          <a:prstGeom prst="rect">
+            <a:avLst/>
+          </a:prstGeom>
+          <a:ln>
+            <a:solidFill>
+              <a:schemeClr val="bg1"/>
+            </a:solidFill>
+          </a:ln>
+        </p:spPr>
+        <p:txBody>
+          <a:bodyPr/>
+          <a:lstStyle>
+            <a:lvl1pPr algn="l" defTabSz="914377" rtl="0" eaLnBrk="1" latinLnBrk="0" hangingPunct="1">
+              <a:lnSpc>
+                <a:spcPct val="90000"/>
+              </a:lnSpc>
+              <a:spcBef>
+                <a:spcPct val="0"/>
+              </a:spcBef>
+              <a:buNone/>
+              <a:defRPr sz="4400" kern="1200">
+                <a:solidFill>
+                  <a:schemeClr val="tx1"/>
+                </a:solidFill>
+                <a:latin typeface="+mj-lt"/>
+                <a:ea typeface="+mj-ea"/>
+                <a:cs typeface="+mj-cs"/>
+              </a:defRPr>
+            </a:lvl1pPr>
+          </a:lstStyle>
+          <a:p>
+            <a:pPr marL="0" marR="0" lvl="0" indent="0" algn="l" defTabSz="914377" rtl="0" eaLnBrk="1" fontAlgn="auto" latinLnBrk="0" hangingPunct="1">
+              <a:lnSpc>
+                <a:spcPct val="90000"/>
+              </a:lnSpc>
+              <a:spcBef>
+                <a:spcPct val="0"/>
+              </a:spcBef>
+              <a:spcAft>
+                <a:spcPts val="0"/>
+              </a:spcAft>
+              <a:buClrTx/>
+              <a:buSzTx/>
+              <a:buFontTx/>
+              <a:buNone/>
+              <a:tabLst/>
+              <a:defRPr/>
+            </a:pPr>
+            <a:r>
+              <a:rPr kumimoji="0" lang="en-US" sz="1400" b="0" i="0" u="none" strike="noStrike" kern="1200" cap="none" spc="0" normalizeH="0" baseline="0" noProof="0" dirty="0">
+                <a:ln>
+                  <a:noFill/>
+                </a:ln>
+                <a:solidFill>
+                  <a:srgbClr val="FFFFFF"/>
+                </a:solidFill>
+                <a:effectLst/>
+                <a:uLnTx/>
+                <a:uFillTx/>
+                <a:latin typeface="+mn-lt"/>
+                <a:ea typeface="+mj-ea"/>
+                <a:cs typeface="+mj-cs"/>
+              </a:rPr>
+              <a:t>Drug Characterization</a:t>
+            </a:r>
+            <a:endParaRPr kumimoji="0" lang="en-US" sz="1800" b="0" i="0" u="none" strike="noStrike" kern="1200" cap="none" spc="0" normalizeH="0" baseline="0" noProof="0" dirty="0">
+              <a:ln>
+                <a:noFill/>
+              </a:ln>
+              <a:solidFill>
+                <a:srgbClr val="FFFFFF"/>
+              </a:solidFill>
+              <a:effectLst/>
+              <a:uLnTx/>
+              <a:uFillTx/>
+              <a:latin typeface="+mn-lt"/>
+              <a:ea typeface="+mj-ea"/>
+              <a:cs typeface="+mj-cs"/>
+            </a:endParaRPr>
+          </a:p>
+        </p:txBody>
+      </p:sp>
+      <p:sp>
+        <p:nvSpPr>
+          <p:cNvPr id="37" name="Title 1">
+            <a:extLst>
+              <a:ext uri="{FF2B5EF4-FFF2-40B4-BE49-F238E27FC236}">
+                <a16:creationId xmlns:a16="http://schemas.microsoft.com/office/drawing/2014/main" id="{B575A3D8-CEA6-3694-167F-3CF5CABA2FE6}"/>
+              </a:ext>
+            </a:extLst>
+          </p:cNvPr>
+          <p:cNvSpPr txBox="1">
+            <a:spLocks/>
+          </p:cNvSpPr>
+          <p:nvPr/>
+        </p:nvSpPr>
+        <p:spPr>
+          <a:xfrm>
+            <a:off x="5105838" y="2498250"/>
+            <a:ext cx="1367736" cy="238015"/>
+          </a:xfrm>
+          <a:prstGeom prst="rect">
+            <a:avLst/>
+          </a:prstGeom>
+          <a:ln>
+            <a:solidFill>
+              <a:schemeClr val="bg1"/>
+            </a:solidFill>
+          </a:ln>
+        </p:spPr>
+        <p:txBody>
+          <a:bodyPr/>
+          <a:lstStyle>
+            <a:lvl1pPr algn="l" defTabSz="914377" rtl="0" eaLnBrk="1" latinLnBrk="0" hangingPunct="1">
+              <a:lnSpc>
+                <a:spcPct val="90000"/>
+              </a:lnSpc>
+              <a:spcBef>
+                <a:spcPct val="0"/>
+              </a:spcBef>
+              <a:buNone/>
+              <a:defRPr sz="4400" kern="1200">
+                <a:solidFill>
+                  <a:schemeClr val="tx1"/>
+                </a:solidFill>
+                <a:latin typeface="+mj-lt"/>
+                <a:ea typeface="+mj-ea"/>
+                <a:cs typeface="+mj-cs"/>
+              </a:defRPr>
+            </a:lvl1pPr>
+          </a:lstStyle>
+          <a:p>
+            <a:pPr marL="0" marR="0" lvl="0" indent="0" algn="l" defTabSz="914377" rtl="0" eaLnBrk="1" fontAlgn="auto" latinLnBrk="0" hangingPunct="1">
+              <a:lnSpc>
+                <a:spcPct val="90000"/>
+              </a:lnSpc>
+              <a:spcBef>
+                <a:spcPct val="0"/>
+              </a:spcBef>
+              <a:spcAft>
+                <a:spcPts val="0"/>
+              </a:spcAft>
+              <a:buClrTx/>
+              <a:buSzTx/>
+              <a:buFontTx/>
+              <a:buNone/>
+              <a:tabLst/>
+              <a:defRPr/>
+            </a:pPr>
+            <a:r>
+              <a:rPr kumimoji="0" lang="en-US" sz="1400" b="0" i="0" u="none" strike="noStrike" kern="1200" cap="none" spc="0" normalizeH="0" baseline="0" noProof="0" dirty="0">
+                <a:ln>
+                  <a:noFill/>
+                </a:ln>
+                <a:solidFill>
+                  <a:srgbClr val="FFFFFF"/>
+                </a:solidFill>
+                <a:effectLst/>
+                <a:uLnTx/>
+                <a:uFillTx/>
+                <a:latin typeface="+mn-lt"/>
+                <a:ea typeface="+mj-ea"/>
+                <a:cs typeface="+mj-cs"/>
+              </a:rPr>
+              <a:t>Drug Category</a:t>
+            </a:r>
+            <a:endParaRPr kumimoji="0" lang="en-US" sz="1800" b="0" i="0" u="none" strike="noStrike" kern="1200" cap="none" spc="0" normalizeH="0" baseline="0" noProof="0" dirty="0">
+              <a:ln>
+                <a:noFill/>
+              </a:ln>
+              <a:solidFill>
+                <a:srgbClr val="FFFFFF"/>
+              </a:solidFill>
+              <a:effectLst/>
+              <a:uLnTx/>
+              <a:uFillTx/>
+              <a:latin typeface="+mn-lt"/>
+              <a:ea typeface="+mj-ea"/>
+              <a:cs typeface="+mj-cs"/>
+            </a:endParaRPr>
+          </a:p>
+        </p:txBody>
+      </p:sp>
+      <p:sp>
+        <p:nvSpPr>
+          <p:cNvPr id="38" name="Title 1">
+            <a:extLst>
+              <a:ext uri="{FF2B5EF4-FFF2-40B4-BE49-F238E27FC236}">
+                <a16:creationId xmlns:a16="http://schemas.microsoft.com/office/drawing/2014/main" id="{F4D203EE-BA2E-4CF8-31DC-A472DA5F0743}"/>
+              </a:ext>
+            </a:extLst>
+          </p:cNvPr>
+          <p:cNvSpPr txBox="1">
+            <a:spLocks/>
+          </p:cNvSpPr>
+          <p:nvPr/>
+        </p:nvSpPr>
+        <p:spPr>
+          <a:xfrm>
+            <a:off x="8399918" y="2137597"/>
+            <a:ext cx="2062928" cy="238015"/>
+          </a:xfrm>
+          <a:prstGeom prst="rect">
+            <a:avLst/>
+          </a:prstGeom>
+          <a:ln>
+            <a:solidFill>
+              <a:schemeClr val="bg1"/>
+            </a:solidFill>
+          </a:ln>
+        </p:spPr>
+        <p:txBody>
+          <a:bodyPr/>
+          <a:lstStyle>
+            <a:lvl1pPr algn="l" defTabSz="914377" rtl="0" eaLnBrk="1" latinLnBrk="0" hangingPunct="1">
+              <a:lnSpc>
+                <a:spcPct val="90000"/>
+              </a:lnSpc>
+              <a:spcBef>
+                <a:spcPct val="0"/>
+              </a:spcBef>
+              <a:buNone/>
+              <a:defRPr sz="4400" kern="1200">
+                <a:solidFill>
+                  <a:schemeClr val="tx1"/>
+                </a:solidFill>
+                <a:latin typeface="+mj-lt"/>
+                <a:ea typeface="+mj-ea"/>
+                <a:cs typeface="+mj-cs"/>
+              </a:defRPr>
+            </a:lvl1pPr>
+          </a:lstStyle>
+          <a:p>
+            <a:pPr marL="0" marR="0" lvl="0" indent="0" algn="l" defTabSz="914377" rtl="0" eaLnBrk="1" fontAlgn="auto" latinLnBrk="0" hangingPunct="1">
+              <a:lnSpc>
+                <a:spcPct val="90000"/>
+              </a:lnSpc>
+              <a:spcBef>
+                <a:spcPct val="0"/>
+              </a:spcBef>
+              <a:spcAft>
+                <a:spcPts val="0"/>
+              </a:spcAft>
+              <a:buClrTx/>
+              <a:buSzTx/>
+              <a:buFontTx/>
+              <a:buNone/>
+              <a:tabLst/>
+              <a:defRPr/>
+            </a:pPr>
+            <a:r>
+              <a:rPr kumimoji="0" lang="en-US" sz="1600" b="0" i="0" u="none" strike="noStrike" kern="1200" cap="none" spc="0" normalizeH="0" baseline="0" noProof="0" dirty="0">
+                <a:ln>
+                  <a:noFill/>
+                </a:ln>
+                <a:solidFill>
+                  <a:srgbClr val="FFFFFF"/>
+                </a:solidFill>
+                <a:effectLst/>
+                <a:uLnTx/>
+                <a:uFillTx/>
+                <a:latin typeface="+mn-lt"/>
+                <a:ea typeface="+mj-ea"/>
+                <a:cs typeface="+mj-cs"/>
+              </a:rPr>
+              <a:t>Action of the drug</a:t>
+            </a:r>
+          </a:p>
+        </p:txBody>
+      </p:sp>
+    </p:spTree>
+    <p:extLst>
+      <p:ext uri="{BB962C8B-B14F-4D97-AF65-F5344CB8AC3E}">
+        <p14:creationId xmlns:p14="http://schemas.microsoft.com/office/powerpoint/2010/main" val="778766859"/>
+      </p:ext>
+    </p:extLst>
+  </p:cSld>
+  <p:clrMapOvr>
+    <a:masterClrMapping/>
+  </p:clrMapOvr>
+  <mc:AlternateContent xmlns:mc="http://schemas.openxmlformats.org/markup-compatibility/2006">
+    <mc:Choice xmlns:p159="http://schemas.microsoft.com/office/powerpoint/2015/09/main" Requires="p159">
+      <p:transition xmlns:p14="http://schemas.microsoft.com/office/powerpoint/2010/main" spd="slow" p14:dur="2000">
+        <p159:morph option="byObject"/>
+      </p:transition>
+    </mc:Choice>
+    <mc:Fallback>
+      <p:transition spd="slow">
+        <p:fade/>
+      </p:transition>
+    </mc:Fallback>
+  </mc:AlternateContent>
+</p:sld>
+</file>
+
 <file path=ppt/slides/slide7.xml><?xml version="1.0" encoding="utf-8"?>
+<p:sld xmlns:a="http://schemas.openxmlformats.org/drawingml/2006/main" xmlns:r="http://schemas.openxmlformats.org/officeDocument/2006/relationships" xmlns:p="http://schemas.openxmlformats.org/presentationml/2006/main">
+  <p:cSld>
+    <p:bg>
+      <p:bgPr>
+        <a:solidFill>
+          <a:schemeClr val="tx1"/>
+        </a:solidFill>
+        <a:effectLst/>
+      </p:bgPr>
+    </p:bg>
+    <p:spTree>
+      <p:nvGrpSpPr>
+        <p:cNvPr id="1" name=""/>
+        <p:cNvGrpSpPr/>
+        <p:nvPr/>
+      </p:nvGrpSpPr>
+      <p:grpSpPr>
+        <a:xfrm>
+          <a:off x="0" y="0"/>
+          <a:ext cx="0" cy="0"/>
+          <a:chOff x="0" y="0"/>
+          <a:chExt cx="0" cy="0"/>
+        </a:xfrm>
+      </p:grpSpPr>
+      <p:sp>
+        <p:nvSpPr>
+          <p:cNvPr id="2" name="Title 1">
+            <a:extLst>
+              <a:ext uri="{FF2B5EF4-FFF2-40B4-BE49-F238E27FC236}">
+                <a16:creationId xmlns:a16="http://schemas.microsoft.com/office/drawing/2014/main" id="{659D2D1B-94EB-2BFA-C163-881CE2D80C0C}"/>
+              </a:ext>
+            </a:extLst>
+          </p:cNvPr>
+          <p:cNvSpPr txBox="1">
+            <a:spLocks/>
+          </p:cNvSpPr>
+          <p:nvPr/>
+        </p:nvSpPr>
+        <p:spPr>
+          <a:xfrm>
+            <a:off x="778248" y="202708"/>
+            <a:ext cx="10663754" cy="622500"/>
+          </a:xfrm>
+          <a:prstGeom prst="rect">
+            <a:avLst/>
+          </a:prstGeom>
+          <a:ln>
+            <a:solidFill>
+              <a:schemeClr val="bg1"/>
+            </a:solidFill>
+          </a:ln>
+        </p:spPr>
+        <p:txBody>
+          <a:bodyPr/>
+          <a:lstStyle>
+            <a:lvl1pPr algn="l" defTabSz="914377" rtl="0" eaLnBrk="1" latinLnBrk="0" hangingPunct="1">
+              <a:lnSpc>
+                <a:spcPct val="90000"/>
+              </a:lnSpc>
+              <a:spcBef>
+                <a:spcPct val="0"/>
+              </a:spcBef>
+              <a:buNone/>
+              <a:defRPr sz="4400" kern="1200">
+                <a:solidFill>
+                  <a:schemeClr val="tx1"/>
+                </a:solidFill>
+                <a:latin typeface="+mj-lt"/>
+                <a:ea typeface="+mj-ea"/>
+                <a:cs typeface="+mj-cs"/>
+              </a:defRPr>
+            </a:lvl1pPr>
+          </a:lstStyle>
+          <a:p>
+            <a:pPr marL="0" marR="0" lvl="0" indent="0" algn="l" defTabSz="914377" rtl="0" eaLnBrk="1" fontAlgn="auto" latinLnBrk="0" hangingPunct="1">
+              <a:lnSpc>
+                <a:spcPct val="90000"/>
+              </a:lnSpc>
+              <a:spcBef>
+                <a:spcPct val="0"/>
+              </a:spcBef>
+              <a:spcAft>
+                <a:spcPts val="0"/>
+              </a:spcAft>
+              <a:buClrTx/>
+              <a:buSzTx/>
+              <a:buFontTx/>
+              <a:buNone/>
+              <a:tabLst/>
+              <a:defRPr/>
+            </a:pPr>
+            <a:r>
+              <a:rPr kumimoji="0" lang="en-US" sz="4000" b="0" i="0" u="none" strike="noStrike" kern="1200" cap="none" spc="0" normalizeH="0" baseline="0" noProof="0" dirty="0">
+                <a:ln>
+                  <a:noFill/>
+                </a:ln>
+                <a:solidFill>
+                  <a:srgbClr val="FFFFFF"/>
+                </a:solidFill>
+                <a:effectLst/>
+                <a:uLnTx/>
+                <a:uFillTx/>
+                <a:latin typeface="+mn-lt"/>
+                <a:ea typeface="+mj-ea"/>
+                <a:cs typeface="+mj-cs"/>
+              </a:rPr>
+              <a:t>Data Insights (EDA)</a:t>
+            </a:r>
+            <a:endParaRPr kumimoji="0" lang="en-US" sz="4800" b="0" i="0" u="none" strike="noStrike" kern="1200" cap="none" spc="0" normalizeH="0" baseline="0" noProof="0" dirty="0">
+              <a:ln>
+                <a:noFill/>
+              </a:ln>
+              <a:solidFill>
+                <a:srgbClr val="FFFFFF"/>
+              </a:solidFill>
+              <a:effectLst/>
+              <a:uLnTx/>
+              <a:uFillTx/>
+              <a:latin typeface="+mn-lt"/>
+              <a:ea typeface="+mj-ea"/>
+              <a:cs typeface="+mj-cs"/>
+            </a:endParaRPr>
+          </a:p>
+        </p:txBody>
+      </p:sp>
+      <p:pic>
+        <p:nvPicPr>
+          <p:cNvPr id="3" name="Graphic 2" descr="Questions">
+            <a:extLst>
+              <a:ext uri="{FF2B5EF4-FFF2-40B4-BE49-F238E27FC236}">
+                <a16:creationId xmlns:a16="http://schemas.microsoft.com/office/drawing/2014/main" id="{B6D880D0-C4FF-E85A-6ED3-C865E7627297}"/>
+              </a:ext>
+            </a:extLst>
+          </p:cNvPr>
+          <p:cNvPicPr>
+            <a:picLocks noChangeAspect="1"/>
+          </p:cNvPicPr>
+          <p:nvPr/>
+        </p:nvPicPr>
+        <p:blipFill>
+          <a:blip r:embed="rId3">
+            <a:extLst>
+              <a:ext uri="{28A0092B-C50C-407E-A947-70E740481C1C}">
+                <a14:useLocalDpi xmlns:a14="http://schemas.microsoft.com/office/drawing/2010/main" val="0"/>
+              </a:ext>
+              <a:ext uri="{96DAC541-7B7A-43D3-8B79-37D633B846F1}">
+                <asvg:svgBlip xmlns:asvg="http://schemas.microsoft.com/office/drawing/2016/SVG/main" r:embed="rId4"/>
+              </a:ext>
+            </a:extLst>
+          </a:blip>
+          <a:stretch>
+            <a:fillRect/>
+          </a:stretch>
+        </p:blipFill>
+        <p:spPr>
+          <a:xfrm>
+            <a:off x="1976016" y="1385588"/>
+            <a:ext cx="626612" cy="626612"/>
+          </a:xfrm>
+          <a:prstGeom prst="rect">
+            <a:avLst/>
+          </a:prstGeom>
+        </p:spPr>
+      </p:pic>
+      <p:pic>
+        <p:nvPicPr>
+          <p:cNvPr id="4" name="Graphic 3" descr="Table">
+            <a:extLst>
+              <a:ext uri="{FF2B5EF4-FFF2-40B4-BE49-F238E27FC236}">
+                <a16:creationId xmlns:a16="http://schemas.microsoft.com/office/drawing/2014/main" id="{637BBB18-7D60-2374-F0AF-DF48702F50EC}"/>
+              </a:ext>
+            </a:extLst>
+          </p:cNvPr>
+          <p:cNvPicPr>
+            <a:picLocks noChangeAspect="1"/>
+          </p:cNvPicPr>
+          <p:nvPr/>
+        </p:nvPicPr>
+        <p:blipFill>
+          <a:blip r:embed="rId5">
+            <a:extLst>
+              <a:ext uri="{28A0092B-C50C-407E-A947-70E740481C1C}">
+                <a14:useLocalDpi xmlns:a14="http://schemas.microsoft.com/office/drawing/2010/main" val="0"/>
+              </a:ext>
+              <a:ext uri="{96DAC541-7B7A-43D3-8B79-37D633B846F1}">
+                <asvg:svgBlip xmlns:asvg="http://schemas.microsoft.com/office/drawing/2016/SVG/main" r:embed="rId6"/>
+              </a:ext>
+            </a:extLst>
+          </a:blip>
+          <a:stretch>
+            <a:fillRect/>
+          </a:stretch>
+        </p:blipFill>
+        <p:spPr>
+          <a:xfrm>
+            <a:off x="3917497" y="1428946"/>
+            <a:ext cx="607974" cy="607974"/>
+          </a:xfrm>
+          <a:prstGeom prst="rect">
+            <a:avLst/>
+          </a:prstGeom>
+        </p:spPr>
+      </p:pic>
+      <p:cxnSp>
+        <p:nvCxnSpPr>
+          <p:cNvPr id="5" name="Straight Connector 4">
+            <a:extLst>
+              <a:ext uri="{FF2B5EF4-FFF2-40B4-BE49-F238E27FC236}">
+                <a16:creationId xmlns:a16="http://schemas.microsoft.com/office/drawing/2014/main" id="{32B9ECB7-C67E-1FC5-9665-8A43A7CAA0BD}"/>
+              </a:ext>
+            </a:extLst>
+          </p:cNvPr>
+          <p:cNvCxnSpPr>
+            <a:stCxn id="9" idx="6"/>
+            <a:endCxn id="11" idx="2"/>
+          </p:cNvCxnSpPr>
+          <p:nvPr/>
+        </p:nvCxnSpPr>
+        <p:spPr>
+          <a:xfrm>
+            <a:off x="2733581" y="1723598"/>
+            <a:ext cx="1053013" cy="0"/>
+          </a:xfrm>
+          <a:prstGeom prst="line">
+            <a:avLst/>
+          </a:prstGeom>
+          <a:noFill/>
+          <a:ln w="25400" cap="flat" cmpd="sng" algn="ctr">
+            <a:solidFill>
+              <a:sysClr val="window" lastClr="FFFFFF"/>
+            </a:solidFill>
+            <a:prstDash val="solid"/>
+            <a:miter lim="800000"/>
+          </a:ln>
+          <a:effectLst/>
+        </p:spPr>
+      </p:cxnSp>
+      <p:cxnSp>
+        <p:nvCxnSpPr>
+          <p:cNvPr id="6" name="Straight Connector 5">
+            <a:extLst>
+              <a:ext uri="{FF2B5EF4-FFF2-40B4-BE49-F238E27FC236}">
+                <a16:creationId xmlns:a16="http://schemas.microsoft.com/office/drawing/2014/main" id="{A514D225-BE09-9541-038C-CE5F7F808E55}"/>
+              </a:ext>
+            </a:extLst>
+          </p:cNvPr>
+          <p:cNvCxnSpPr>
+            <a:stCxn id="11" idx="6"/>
+            <a:endCxn id="10" idx="2"/>
+          </p:cNvCxnSpPr>
+          <p:nvPr/>
+        </p:nvCxnSpPr>
+        <p:spPr>
+          <a:xfrm>
+            <a:off x="4614593" y="1723598"/>
+            <a:ext cx="671407" cy="0"/>
+          </a:xfrm>
+          <a:prstGeom prst="line">
+            <a:avLst/>
+          </a:prstGeom>
+          <a:noFill/>
+          <a:ln w="25400" cap="flat" cmpd="sng" algn="ctr">
+            <a:solidFill>
+              <a:sysClr val="window" lastClr="FFFFFF"/>
+            </a:solidFill>
+            <a:prstDash val="solid"/>
+            <a:miter lim="800000"/>
+          </a:ln>
+          <a:effectLst/>
+        </p:spPr>
+      </p:cxnSp>
+      <p:cxnSp>
+        <p:nvCxnSpPr>
+          <p:cNvPr id="7" name="Straight Connector 6">
+            <a:extLst>
+              <a:ext uri="{FF2B5EF4-FFF2-40B4-BE49-F238E27FC236}">
+                <a16:creationId xmlns:a16="http://schemas.microsoft.com/office/drawing/2014/main" id="{11B1E443-0D14-7DEC-1A03-6FD4D474F496}"/>
+              </a:ext>
+            </a:extLst>
+          </p:cNvPr>
+          <p:cNvCxnSpPr>
+            <a:stCxn id="10" idx="6"/>
+            <a:endCxn id="13" idx="2"/>
+          </p:cNvCxnSpPr>
+          <p:nvPr/>
+        </p:nvCxnSpPr>
+        <p:spPr>
+          <a:xfrm>
+            <a:off x="6906000" y="1723598"/>
+            <a:ext cx="665919" cy="0"/>
+          </a:xfrm>
+          <a:prstGeom prst="line">
+            <a:avLst/>
+          </a:prstGeom>
+          <a:noFill/>
+          <a:ln w="25400" cap="flat" cmpd="sng" algn="ctr">
+            <a:solidFill>
+              <a:sysClr val="window" lastClr="FFFFFF"/>
+            </a:solidFill>
+            <a:prstDash val="solid"/>
+            <a:miter lim="800000"/>
+          </a:ln>
+          <a:effectLst/>
+        </p:spPr>
+      </p:cxnSp>
+      <p:cxnSp>
+        <p:nvCxnSpPr>
+          <p:cNvPr id="8" name="Straight Connector 7">
+            <a:extLst>
+              <a:ext uri="{FF2B5EF4-FFF2-40B4-BE49-F238E27FC236}">
+                <a16:creationId xmlns:a16="http://schemas.microsoft.com/office/drawing/2014/main" id="{35334822-38DF-83B7-DA38-019C9770804B}"/>
+              </a:ext>
+            </a:extLst>
+          </p:cNvPr>
+          <p:cNvCxnSpPr>
+            <a:stCxn id="13" idx="6"/>
+            <a:endCxn id="12" idx="2"/>
+          </p:cNvCxnSpPr>
+          <p:nvPr/>
+        </p:nvCxnSpPr>
+        <p:spPr>
+          <a:xfrm>
+            <a:off x="8399918" y="1723598"/>
+            <a:ext cx="1061920" cy="0"/>
+          </a:xfrm>
+          <a:prstGeom prst="line">
+            <a:avLst/>
+          </a:prstGeom>
+          <a:noFill/>
+          <a:ln w="25400" cap="flat" cmpd="sng" algn="ctr">
+            <a:solidFill>
+              <a:sysClr val="window" lastClr="FFFFFF"/>
+            </a:solidFill>
+            <a:prstDash val="solid"/>
+            <a:miter lim="800000"/>
+          </a:ln>
+          <a:effectLst/>
+        </p:spPr>
+      </p:cxnSp>
+      <p:sp>
+        <p:nvSpPr>
+          <p:cNvPr id="9" name="Oval 8">
+            <a:extLst>
+              <a:ext uri="{FF2B5EF4-FFF2-40B4-BE49-F238E27FC236}">
+                <a16:creationId xmlns:a16="http://schemas.microsoft.com/office/drawing/2014/main" id="{4C957850-B25F-2F02-021A-48AE1ADF283C}"/>
+              </a:ext>
+            </a:extLst>
+          </p:cNvPr>
+          <p:cNvSpPr>
+            <a:spLocks noChangeAspect="1"/>
+          </p:cNvSpPr>
+          <p:nvPr/>
+        </p:nvSpPr>
+        <p:spPr>
+          <a:xfrm>
+            <a:off x="1905582" y="1309598"/>
+            <a:ext cx="827999" cy="827999"/>
+          </a:xfrm>
+          <a:prstGeom prst="ellipse">
+            <a:avLst/>
+          </a:prstGeom>
+          <a:noFill/>
+          <a:ln w="25400" cap="flat" cmpd="sng" algn="ctr">
+            <a:solidFill>
+              <a:sysClr val="window" lastClr="FFFFFF"/>
+            </a:solidFill>
+            <a:prstDash val="solid"/>
+            <a:miter lim="800000"/>
+          </a:ln>
+          <a:effectLst/>
+        </p:spPr>
+        <p:txBody>
+          <a:bodyPr rtlCol="0" anchor="ctr"/>
+          <a:lstStyle/>
+          <a:p>
+            <a:pPr marL="0" marR="0" lvl="0" indent="0" algn="ctr" defTabSz="914400" eaLnBrk="1" fontAlgn="auto" latinLnBrk="0" hangingPunct="1">
+              <a:lnSpc>
+                <a:spcPct val="100000"/>
+              </a:lnSpc>
+              <a:spcBef>
+                <a:spcPts val="0"/>
+              </a:spcBef>
+              <a:spcAft>
+                <a:spcPts val="0"/>
+              </a:spcAft>
+              <a:buClrTx/>
+              <a:buSzTx/>
+              <a:buFontTx/>
+              <a:buNone/>
+              <a:tabLst/>
+              <a:defRPr/>
+            </a:pPr>
+            <a:endParaRPr kumimoji="0" lang="de-DE" sz="1800" b="0" i="0" u="none" strike="noStrike" kern="0" cap="none" spc="0" normalizeH="0" baseline="0" noProof="0">
+              <a:ln>
+                <a:noFill/>
+              </a:ln>
+              <a:solidFill>
+                <a:prstClr val="white"/>
+              </a:solidFill>
+              <a:effectLst/>
+              <a:uLnTx/>
+              <a:uFillTx/>
+              <a:ea typeface="+mn-ea"/>
+              <a:cs typeface="+mn-cs"/>
+            </a:endParaRPr>
+          </a:p>
+        </p:txBody>
+      </p:sp>
+      <p:sp>
+        <p:nvSpPr>
+          <p:cNvPr id="10" name="Oval 9">
+            <a:extLst>
+              <a:ext uri="{FF2B5EF4-FFF2-40B4-BE49-F238E27FC236}">
+                <a16:creationId xmlns:a16="http://schemas.microsoft.com/office/drawing/2014/main" id="{A96E70ED-CF79-89A2-163A-5FCD389509B5}"/>
+              </a:ext>
+            </a:extLst>
+          </p:cNvPr>
+          <p:cNvSpPr>
+            <a:spLocks noChangeAspect="1"/>
+          </p:cNvSpPr>
+          <p:nvPr/>
+        </p:nvSpPr>
+        <p:spPr>
+          <a:xfrm>
+            <a:off x="5286000" y="913598"/>
+            <a:ext cx="1620000" cy="1620000"/>
+          </a:xfrm>
+          <a:prstGeom prst="ellipse">
+            <a:avLst/>
+          </a:prstGeom>
+          <a:solidFill>
+            <a:sysClr val="window" lastClr="FFFFFF"/>
+          </a:solidFill>
+          <a:ln w="25400" cap="flat" cmpd="sng" algn="ctr">
+            <a:solidFill>
+              <a:sysClr val="window" lastClr="FFFFFF"/>
+            </a:solidFill>
+            <a:prstDash val="solid"/>
+            <a:miter lim="800000"/>
+          </a:ln>
+          <a:effectLst/>
+        </p:spPr>
+        <p:txBody>
+          <a:bodyPr rtlCol="0" anchor="ctr"/>
+          <a:lstStyle/>
+          <a:p>
+            <a:pPr marL="0" marR="0" lvl="0" indent="0" algn="ctr" defTabSz="914400" eaLnBrk="1" fontAlgn="auto" latinLnBrk="0" hangingPunct="1">
+              <a:lnSpc>
+                <a:spcPct val="100000"/>
+              </a:lnSpc>
+              <a:spcBef>
+                <a:spcPts val="0"/>
+              </a:spcBef>
+              <a:spcAft>
+                <a:spcPts val="0"/>
+              </a:spcAft>
+              <a:buClrTx/>
+              <a:buSzTx/>
+              <a:buFontTx/>
+              <a:buNone/>
+              <a:tabLst/>
+              <a:defRPr/>
+            </a:pPr>
+            <a:endParaRPr kumimoji="0" lang="de-DE" sz="1800" b="0" i="0" u="none" strike="noStrike" kern="0" cap="none" spc="0" normalizeH="0" baseline="0" noProof="0">
+              <a:ln>
+                <a:noFill/>
+              </a:ln>
+              <a:solidFill>
+                <a:prstClr val="white"/>
+              </a:solidFill>
+              <a:effectLst/>
+              <a:uLnTx/>
+              <a:uFillTx/>
+              <a:ea typeface="+mn-ea"/>
+              <a:cs typeface="+mn-cs"/>
+            </a:endParaRPr>
+          </a:p>
+        </p:txBody>
+      </p:sp>
+      <p:sp>
+        <p:nvSpPr>
+          <p:cNvPr id="11" name="Oval 10">
+            <a:extLst>
+              <a:ext uri="{FF2B5EF4-FFF2-40B4-BE49-F238E27FC236}">
+                <a16:creationId xmlns:a16="http://schemas.microsoft.com/office/drawing/2014/main" id="{259C1610-5108-F794-4D09-E2D4A561D7C7}"/>
+              </a:ext>
+            </a:extLst>
+          </p:cNvPr>
+          <p:cNvSpPr>
+            <a:spLocks noChangeAspect="1"/>
+          </p:cNvSpPr>
+          <p:nvPr/>
+        </p:nvSpPr>
+        <p:spPr>
+          <a:xfrm>
+            <a:off x="3786594" y="1309598"/>
+            <a:ext cx="827999" cy="827999"/>
+          </a:xfrm>
+          <a:prstGeom prst="ellipse">
+            <a:avLst/>
+          </a:prstGeom>
+          <a:noFill/>
+          <a:ln w="25400" cap="flat" cmpd="sng" algn="ctr">
+            <a:solidFill>
+              <a:sysClr val="window" lastClr="FFFFFF"/>
+            </a:solidFill>
+            <a:prstDash val="solid"/>
+            <a:miter lim="800000"/>
+          </a:ln>
+          <a:effectLst/>
+        </p:spPr>
+        <p:txBody>
+          <a:bodyPr rtlCol="0" anchor="ctr"/>
+          <a:lstStyle/>
+          <a:p>
+            <a:pPr marL="0" marR="0" lvl="0" indent="0" algn="ctr" defTabSz="914400" eaLnBrk="1" fontAlgn="auto" latinLnBrk="0" hangingPunct="1">
+              <a:lnSpc>
+                <a:spcPct val="100000"/>
+              </a:lnSpc>
+              <a:spcBef>
+                <a:spcPts val="0"/>
+              </a:spcBef>
+              <a:spcAft>
+                <a:spcPts val="0"/>
+              </a:spcAft>
+              <a:buClrTx/>
+              <a:buSzTx/>
+              <a:buFontTx/>
+              <a:buNone/>
+              <a:tabLst/>
+              <a:defRPr/>
+            </a:pPr>
+            <a:endParaRPr kumimoji="0" lang="de-DE" sz="1800" b="0" i="0" u="none" strike="noStrike" kern="0" cap="none" spc="0" normalizeH="0" baseline="0" noProof="0">
+              <a:ln>
+                <a:noFill/>
+              </a:ln>
+              <a:solidFill>
+                <a:prstClr val="white"/>
+              </a:solidFill>
+              <a:effectLst/>
+              <a:uLnTx/>
+              <a:uFillTx/>
+              <a:ea typeface="+mn-ea"/>
+              <a:cs typeface="+mn-cs"/>
+            </a:endParaRPr>
+          </a:p>
+        </p:txBody>
+      </p:sp>
+      <p:sp>
+        <p:nvSpPr>
+          <p:cNvPr id="12" name="Oval 11">
+            <a:extLst>
+              <a:ext uri="{FF2B5EF4-FFF2-40B4-BE49-F238E27FC236}">
+                <a16:creationId xmlns:a16="http://schemas.microsoft.com/office/drawing/2014/main" id="{33D2530B-6E4F-0F17-35E4-218482CB1325}"/>
+              </a:ext>
+            </a:extLst>
+          </p:cNvPr>
+          <p:cNvSpPr>
+            <a:spLocks noChangeAspect="1"/>
+          </p:cNvSpPr>
+          <p:nvPr/>
+        </p:nvSpPr>
+        <p:spPr>
+          <a:xfrm>
+            <a:off x="9461838" y="1309598"/>
+            <a:ext cx="827999" cy="827999"/>
+          </a:xfrm>
+          <a:prstGeom prst="ellipse">
+            <a:avLst/>
+          </a:prstGeom>
+          <a:noFill/>
+          <a:ln w="25400" cap="flat" cmpd="sng" algn="ctr">
+            <a:solidFill>
+              <a:sysClr val="window" lastClr="FFFFFF"/>
+            </a:solidFill>
+            <a:prstDash val="solid"/>
+            <a:miter lim="800000"/>
+          </a:ln>
+          <a:effectLst/>
+        </p:spPr>
+        <p:txBody>
+          <a:bodyPr rtlCol="0" anchor="ctr"/>
+          <a:lstStyle/>
+          <a:p>
+            <a:pPr marL="0" marR="0" lvl="0" indent="0" algn="ctr" defTabSz="914400" eaLnBrk="1" fontAlgn="auto" latinLnBrk="0" hangingPunct="1">
+              <a:lnSpc>
+                <a:spcPct val="100000"/>
+              </a:lnSpc>
+              <a:spcBef>
+                <a:spcPts val="0"/>
+              </a:spcBef>
+              <a:spcAft>
+                <a:spcPts val="0"/>
+              </a:spcAft>
+              <a:buClrTx/>
+              <a:buSzTx/>
+              <a:buFontTx/>
+              <a:buNone/>
+              <a:tabLst/>
+              <a:defRPr/>
+            </a:pPr>
+            <a:endParaRPr kumimoji="0" lang="de-DE" sz="1800" b="0" i="0" u="none" strike="noStrike" kern="0" cap="none" spc="0" normalizeH="0" baseline="0" noProof="0">
+              <a:ln>
+                <a:noFill/>
+              </a:ln>
+              <a:solidFill>
+                <a:prstClr val="white"/>
+              </a:solidFill>
+              <a:effectLst/>
+              <a:uLnTx/>
+              <a:uFillTx/>
+              <a:ea typeface="+mn-ea"/>
+              <a:cs typeface="+mn-cs"/>
+            </a:endParaRPr>
+          </a:p>
+        </p:txBody>
+      </p:sp>
+      <p:sp>
+        <p:nvSpPr>
+          <p:cNvPr id="13" name="Oval 12">
+            <a:extLst>
+              <a:ext uri="{FF2B5EF4-FFF2-40B4-BE49-F238E27FC236}">
+                <a16:creationId xmlns:a16="http://schemas.microsoft.com/office/drawing/2014/main" id="{0920316A-4472-7C0A-687B-CC0E7BBF6DB5}"/>
+              </a:ext>
+            </a:extLst>
+          </p:cNvPr>
+          <p:cNvSpPr>
+            <a:spLocks noChangeAspect="1"/>
+          </p:cNvSpPr>
+          <p:nvPr/>
+        </p:nvSpPr>
+        <p:spPr>
+          <a:xfrm>
+            <a:off x="7571919" y="1309598"/>
+            <a:ext cx="827999" cy="827999"/>
+          </a:xfrm>
+          <a:prstGeom prst="ellipse">
+            <a:avLst/>
+          </a:prstGeom>
+          <a:noFill/>
+          <a:ln w="25400" cap="flat" cmpd="sng" algn="ctr">
+            <a:solidFill>
+              <a:sysClr val="window" lastClr="FFFFFF"/>
+            </a:solidFill>
+            <a:prstDash val="solid"/>
+            <a:miter lim="800000"/>
+          </a:ln>
+          <a:effectLst/>
+        </p:spPr>
+        <p:txBody>
+          <a:bodyPr rtlCol="0" anchor="ctr"/>
+          <a:lstStyle/>
+          <a:p>
+            <a:pPr marL="0" marR="0" lvl="0" indent="0" algn="ctr" defTabSz="914400" eaLnBrk="1" fontAlgn="auto" latinLnBrk="0" hangingPunct="1">
+              <a:lnSpc>
+                <a:spcPct val="100000"/>
+              </a:lnSpc>
+              <a:spcBef>
+                <a:spcPts val="0"/>
+              </a:spcBef>
+              <a:spcAft>
+                <a:spcPts val="0"/>
+              </a:spcAft>
+              <a:buClrTx/>
+              <a:buSzTx/>
+              <a:buFontTx/>
+              <a:buNone/>
+              <a:tabLst/>
+              <a:defRPr/>
+            </a:pPr>
+            <a:endParaRPr kumimoji="0" lang="de-DE" sz="1800" b="0" i="0" u="none" strike="noStrike" kern="0" cap="none" spc="0" normalizeH="0" baseline="0" noProof="0">
+              <a:ln>
+                <a:noFill/>
+              </a:ln>
+              <a:solidFill>
+                <a:prstClr val="white"/>
+              </a:solidFill>
+              <a:effectLst/>
+              <a:uLnTx/>
+              <a:uFillTx/>
+              <a:ea typeface="+mn-ea"/>
+              <a:cs typeface="+mn-cs"/>
+            </a:endParaRPr>
+          </a:p>
+        </p:txBody>
+      </p:sp>
+      <p:pic>
+        <p:nvPicPr>
+          <p:cNvPr id="14" name="Graphic 13" descr="BarChart_LTR">
+            <a:extLst>
+              <a:ext uri="{FF2B5EF4-FFF2-40B4-BE49-F238E27FC236}">
+                <a16:creationId xmlns:a16="http://schemas.microsoft.com/office/drawing/2014/main" id="{CDED2CAF-666A-F693-9203-2E9D2F1FAF90}"/>
+              </a:ext>
+            </a:extLst>
+          </p:cNvPr>
+          <p:cNvPicPr>
+            <a:picLocks noChangeAspect="1"/>
+          </p:cNvPicPr>
+          <p:nvPr/>
+        </p:nvPicPr>
+        <p:blipFill>
+          <a:blip r:embed="rId7">
+            <a:extLst>
+              <a:ext uri="{96DAC541-7B7A-43D3-8B79-37D633B846F1}">
+                <asvg:svgBlip xmlns:asvg="http://schemas.microsoft.com/office/drawing/2016/SVG/main" r:embed="rId8"/>
+              </a:ext>
+            </a:extLst>
+          </a:blip>
+          <a:stretch>
+            <a:fillRect/>
+          </a:stretch>
+        </p:blipFill>
+        <p:spPr>
+          <a:xfrm>
+            <a:off x="5667606" y="1243224"/>
+            <a:ext cx="885038" cy="885038"/>
+          </a:xfrm>
+          <a:prstGeom prst="rect">
+            <a:avLst/>
+          </a:prstGeom>
+        </p:spPr>
+      </p:pic>
+      <p:pic>
+        <p:nvPicPr>
+          <p:cNvPr id="16" name="Graphic 15" descr="Lightbulb and gear">
+            <a:extLst>
+              <a:ext uri="{FF2B5EF4-FFF2-40B4-BE49-F238E27FC236}">
+                <a16:creationId xmlns:a16="http://schemas.microsoft.com/office/drawing/2014/main" id="{6A06BAFB-0C08-1B46-4FAA-90FD2700C383}"/>
+              </a:ext>
+            </a:extLst>
+          </p:cNvPr>
+          <p:cNvPicPr>
+            <a:picLocks noChangeAspect="1"/>
+          </p:cNvPicPr>
+          <p:nvPr/>
+        </p:nvPicPr>
+        <p:blipFill>
+          <a:blip r:embed="rId9">
+            <a:extLst>
+              <a:ext uri="{28A0092B-C50C-407E-A947-70E740481C1C}">
+                <a14:useLocalDpi xmlns:a14="http://schemas.microsoft.com/office/drawing/2010/main" val="0"/>
+              </a:ext>
+              <a:ext uri="{96DAC541-7B7A-43D3-8B79-37D633B846F1}">
+                <asvg:svgBlip xmlns:asvg="http://schemas.microsoft.com/office/drawing/2016/SVG/main" r:embed="rId10"/>
+              </a:ext>
+            </a:extLst>
+          </a:blip>
+          <a:stretch>
+            <a:fillRect/>
+          </a:stretch>
+        </p:blipFill>
+        <p:spPr>
+          <a:xfrm>
+            <a:off x="7630482" y="1343458"/>
+            <a:ext cx="710872" cy="710872"/>
+          </a:xfrm>
+          <a:prstGeom prst="rect">
+            <a:avLst/>
+          </a:prstGeom>
+        </p:spPr>
+      </p:pic>
+      <p:pic>
+        <p:nvPicPr>
+          <p:cNvPr id="17" name="Graphic 16" descr="Handshake">
+            <a:extLst>
+              <a:ext uri="{FF2B5EF4-FFF2-40B4-BE49-F238E27FC236}">
+                <a16:creationId xmlns:a16="http://schemas.microsoft.com/office/drawing/2014/main" id="{CEF2F388-E2EE-8F7B-2D00-1414D6238A04}"/>
+              </a:ext>
+            </a:extLst>
+          </p:cNvPr>
+          <p:cNvPicPr>
+            <a:picLocks noChangeAspect="1"/>
+          </p:cNvPicPr>
+          <p:nvPr/>
+        </p:nvPicPr>
+        <p:blipFill>
+          <a:blip r:embed="rId11">
+            <a:extLst>
+              <a:ext uri="{96DAC541-7B7A-43D3-8B79-37D633B846F1}">
+                <asvg:svgBlip xmlns:asvg="http://schemas.microsoft.com/office/drawing/2016/SVG/main" r:embed="rId12"/>
+              </a:ext>
+            </a:extLst>
+          </a:blip>
+          <a:stretch>
+            <a:fillRect/>
+          </a:stretch>
+        </p:blipFill>
+        <p:spPr>
+          <a:xfrm>
+            <a:off x="9605838" y="1497446"/>
+            <a:ext cx="540000" cy="540000"/>
+          </a:xfrm>
+          <a:prstGeom prst="rect">
+            <a:avLst/>
+          </a:prstGeom>
+        </p:spPr>
+      </p:pic>
+      <p:pic>
+        <p:nvPicPr>
+          <p:cNvPr id="21" name="Picture 20" descr="Chart&#10;&#10;Description automatically generated">
+            <a:extLst>
+              <a:ext uri="{FF2B5EF4-FFF2-40B4-BE49-F238E27FC236}">
+                <a16:creationId xmlns:a16="http://schemas.microsoft.com/office/drawing/2014/main" id="{8EB4A88D-F8E0-C6B7-EA50-3532902155C0}"/>
+              </a:ext>
+            </a:extLst>
+          </p:cNvPr>
+          <p:cNvPicPr>
+            <a:picLocks noChangeAspect="1"/>
+          </p:cNvPicPr>
+          <p:nvPr/>
+        </p:nvPicPr>
+        <p:blipFill>
+          <a:blip r:embed="rId13"/>
+          <a:stretch>
+            <a:fillRect/>
+          </a:stretch>
+        </p:blipFill>
+        <p:spPr>
+          <a:xfrm>
+            <a:off x="248425" y="2533598"/>
+            <a:ext cx="3455182" cy="3922691"/>
+          </a:xfrm>
+          <a:prstGeom prst="rect">
+            <a:avLst/>
+          </a:prstGeom>
+        </p:spPr>
+      </p:pic>
+      <p:pic>
+        <p:nvPicPr>
+          <p:cNvPr id="23" name="Picture 22" descr="Chart, bar chart&#10;&#10;Description automatically generated">
+            <a:extLst>
+              <a:ext uri="{FF2B5EF4-FFF2-40B4-BE49-F238E27FC236}">
+                <a16:creationId xmlns:a16="http://schemas.microsoft.com/office/drawing/2014/main" id="{53D99277-2DF2-504B-0689-FD4FC100FF70}"/>
+              </a:ext>
+            </a:extLst>
+          </p:cNvPr>
+          <p:cNvPicPr>
+            <a:picLocks noChangeAspect="1"/>
+          </p:cNvPicPr>
+          <p:nvPr/>
+        </p:nvPicPr>
+        <p:blipFill>
+          <a:blip r:embed="rId14"/>
+          <a:stretch>
+            <a:fillRect/>
+          </a:stretch>
+        </p:blipFill>
+        <p:spPr>
+          <a:xfrm>
+            <a:off x="3917497" y="2725700"/>
+            <a:ext cx="3585857" cy="4071048"/>
+          </a:xfrm>
+          <a:prstGeom prst="rect">
+            <a:avLst/>
+          </a:prstGeom>
+        </p:spPr>
+      </p:pic>
+      <p:pic>
+        <p:nvPicPr>
+          <p:cNvPr id="27" name="Picture 26" descr="Chart&#10;&#10;Description automatically generated with low confidence">
+            <a:extLst>
+              <a:ext uri="{FF2B5EF4-FFF2-40B4-BE49-F238E27FC236}">
+                <a16:creationId xmlns:a16="http://schemas.microsoft.com/office/drawing/2014/main" id="{975C1BDE-0661-1E88-06C9-61DCD8152A2D}"/>
+              </a:ext>
+            </a:extLst>
+          </p:cNvPr>
+          <p:cNvPicPr>
+            <a:picLocks noChangeAspect="1"/>
+          </p:cNvPicPr>
+          <p:nvPr/>
+        </p:nvPicPr>
+        <p:blipFill>
+          <a:blip r:embed="rId15"/>
+          <a:stretch>
+            <a:fillRect/>
+          </a:stretch>
+        </p:blipFill>
+        <p:spPr>
+          <a:xfrm>
+            <a:off x="7690009" y="2804747"/>
+            <a:ext cx="4354912" cy="3393438"/>
+          </a:xfrm>
+          <a:prstGeom prst="rect">
+            <a:avLst/>
+          </a:prstGeom>
+        </p:spPr>
+      </p:pic>
+      <p:sp>
+        <p:nvSpPr>
+          <p:cNvPr id="28" name="Title 1">
+            <a:extLst>
+              <a:ext uri="{FF2B5EF4-FFF2-40B4-BE49-F238E27FC236}">
+                <a16:creationId xmlns:a16="http://schemas.microsoft.com/office/drawing/2014/main" id="{B15DBE8B-2FC3-3E02-1BB1-8D85FDAF91EB}"/>
+              </a:ext>
+            </a:extLst>
+          </p:cNvPr>
+          <p:cNvSpPr txBox="1">
+            <a:spLocks/>
+          </p:cNvSpPr>
+          <p:nvPr/>
+        </p:nvSpPr>
+        <p:spPr>
+          <a:xfrm>
+            <a:off x="597877" y="2287857"/>
+            <a:ext cx="2479431" cy="238015"/>
+          </a:xfrm>
+          <a:prstGeom prst="rect">
+            <a:avLst/>
+          </a:prstGeom>
+          <a:ln>
+            <a:solidFill>
+              <a:schemeClr val="bg1"/>
+            </a:solidFill>
+          </a:ln>
+        </p:spPr>
+        <p:txBody>
+          <a:bodyPr/>
+          <a:lstStyle>
+            <a:lvl1pPr algn="l" defTabSz="914377" rtl="0" eaLnBrk="1" latinLnBrk="0" hangingPunct="1">
+              <a:lnSpc>
+                <a:spcPct val="90000"/>
+              </a:lnSpc>
+              <a:spcBef>
+                <a:spcPct val="0"/>
+              </a:spcBef>
+              <a:buNone/>
+              <a:defRPr sz="4400" kern="1200">
+                <a:solidFill>
+                  <a:schemeClr val="tx1"/>
+                </a:solidFill>
+                <a:latin typeface="+mj-lt"/>
+                <a:ea typeface="+mj-ea"/>
+                <a:cs typeface="+mj-cs"/>
+              </a:defRPr>
+            </a:lvl1pPr>
+          </a:lstStyle>
+          <a:p>
+            <a:pPr marL="0" marR="0" lvl="0" indent="0" algn="l" defTabSz="914377" rtl="0" eaLnBrk="1" fontAlgn="auto" latinLnBrk="0" hangingPunct="1">
+              <a:lnSpc>
+                <a:spcPct val="90000"/>
+              </a:lnSpc>
+              <a:spcBef>
+                <a:spcPct val="0"/>
+              </a:spcBef>
+              <a:spcAft>
+                <a:spcPts val="0"/>
+              </a:spcAft>
+              <a:buClrTx/>
+              <a:buSzTx/>
+              <a:buFontTx/>
+              <a:buNone/>
+              <a:tabLst/>
+              <a:defRPr/>
+            </a:pPr>
+            <a:r>
+              <a:rPr kumimoji="0" lang="en-US" sz="1600" b="0" i="0" u="none" strike="noStrike" kern="1200" cap="none" spc="0" normalizeH="0" baseline="0" noProof="0" dirty="0">
+                <a:ln>
+                  <a:noFill/>
+                </a:ln>
+                <a:solidFill>
+                  <a:srgbClr val="FFFFFF"/>
+                </a:solidFill>
+                <a:effectLst/>
+                <a:uLnTx/>
+                <a:uFillTx/>
+                <a:latin typeface="+mn-lt"/>
+                <a:ea typeface="+mj-ea"/>
+                <a:cs typeface="+mj-cs"/>
+              </a:rPr>
+              <a:t>Drug treatment duration</a:t>
+            </a:r>
+          </a:p>
+        </p:txBody>
+      </p:sp>
+      <p:sp>
+        <p:nvSpPr>
+          <p:cNvPr id="29" name="Title 1">
+            <a:extLst>
+              <a:ext uri="{FF2B5EF4-FFF2-40B4-BE49-F238E27FC236}">
+                <a16:creationId xmlns:a16="http://schemas.microsoft.com/office/drawing/2014/main" id="{4394F28D-FEDC-AB35-96DB-12C798ED597A}"/>
+              </a:ext>
+            </a:extLst>
+          </p:cNvPr>
+          <p:cNvSpPr txBox="1">
+            <a:spLocks/>
+          </p:cNvSpPr>
+          <p:nvPr/>
+        </p:nvSpPr>
+        <p:spPr>
+          <a:xfrm>
+            <a:off x="4759528" y="2476809"/>
+            <a:ext cx="2479431" cy="238015"/>
+          </a:xfrm>
+          <a:prstGeom prst="rect">
+            <a:avLst/>
+          </a:prstGeom>
+          <a:ln>
+            <a:solidFill>
+              <a:schemeClr val="bg1"/>
+            </a:solidFill>
+          </a:ln>
+        </p:spPr>
+        <p:txBody>
+          <a:bodyPr/>
+          <a:lstStyle>
+            <a:lvl1pPr algn="l" defTabSz="914377" rtl="0" eaLnBrk="1" latinLnBrk="0" hangingPunct="1">
+              <a:lnSpc>
+                <a:spcPct val="90000"/>
+              </a:lnSpc>
+              <a:spcBef>
+                <a:spcPct val="0"/>
+              </a:spcBef>
+              <a:buNone/>
+              <a:defRPr sz="4400" kern="1200">
+                <a:solidFill>
+                  <a:schemeClr val="tx1"/>
+                </a:solidFill>
+                <a:latin typeface="+mj-lt"/>
+                <a:ea typeface="+mj-ea"/>
+                <a:cs typeface="+mj-cs"/>
+              </a:defRPr>
+            </a:lvl1pPr>
+          </a:lstStyle>
+          <a:p>
+            <a:pPr marL="0" marR="0" lvl="0" indent="0" algn="l" defTabSz="914377" rtl="0" eaLnBrk="1" fontAlgn="auto" latinLnBrk="0" hangingPunct="1">
+              <a:lnSpc>
+                <a:spcPct val="90000"/>
+              </a:lnSpc>
+              <a:spcBef>
+                <a:spcPct val="0"/>
+              </a:spcBef>
+              <a:spcAft>
+                <a:spcPts val="0"/>
+              </a:spcAft>
+              <a:buClrTx/>
+              <a:buSzTx/>
+              <a:buFontTx/>
+              <a:buNone/>
+              <a:tabLst/>
+              <a:defRPr/>
+            </a:pPr>
+            <a:r>
+              <a:rPr kumimoji="0" lang="en-US" sz="1600" b="0" i="0" u="none" strike="noStrike" kern="1200" cap="none" spc="0" normalizeH="0" baseline="0" noProof="0" dirty="0">
+                <a:ln>
+                  <a:noFill/>
+                </a:ln>
+                <a:solidFill>
+                  <a:srgbClr val="FFFFFF"/>
+                </a:solidFill>
+                <a:effectLst/>
+                <a:uLnTx/>
+                <a:uFillTx/>
+                <a:latin typeface="+mn-lt"/>
+                <a:ea typeface="+mj-ea"/>
+                <a:cs typeface="+mj-cs"/>
+              </a:rPr>
+              <a:t>Gender of the patient</a:t>
+            </a:r>
+          </a:p>
+        </p:txBody>
+      </p:sp>
+      <p:sp>
+        <p:nvSpPr>
+          <p:cNvPr id="30" name="Title 1">
+            <a:extLst>
+              <a:ext uri="{FF2B5EF4-FFF2-40B4-BE49-F238E27FC236}">
+                <a16:creationId xmlns:a16="http://schemas.microsoft.com/office/drawing/2014/main" id="{EC9B9094-908D-5260-2296-D92EC0DA0916}"/>
+              </a:ext>
+            </a:extLst>
+          </p:cNvPr>
+          <p:cNvSpPr txBox="1">
+            <a:spLocks/>
+          </p:cNvSpPr>
+          <p:nvPr/>
+        </p:nvSpPr>
+        <p:spPr>
+          <a:xfrm>
+            <a:off x="8547209" y="2476809"/>
+            <a:ext cx="3042461" cy="238015"/>
+          </a:xfrm>
+          <a:prstGeom prst="rect">
+            <a:avLst/>
+          </a:prstGeom>
+          <a:ln>
+            <a:solidFill>
+              <a:schemeClr val="bg1"/>
+            </a:solidFill>
+          </a:ln>
+        </p:spPr>
+        <p:txBody>
+          <a:bodyPr/>
+          <a:lstStyle>
+            <a:lvl1pPr algn="l" defTabSz="914377" rtl="0" eaLnBrk="1" latinLnBrk="0" hangingPunct="1">
+              <a:lnSpc>
+                <a:spcPct val="90000"/>
+              </a:lnSpc>
+              <a:spcBef>
+                <a:spcPct val="0"/>
+              </a:spcBef>
+              <a:buNone/>
+              <a:defRPr sz="4400" kern="1200">
+                <a:solidFill>
+                  <a:schemeClr val="tx1"/>
+                </a:solidFill>
+                <a:latin typeface="+mj-lt"/>
+                <a:ea typeface="+mj-ea"/>
+                <a:cs typeface="+mj-cs"/>
+              </a:defRPr>
+            </a:lvl1pPr>
+          </a:lstStyle>
+          <a:p>
+            <a:pPr marL="0" marR="0" lvl="0" indent="0" algn="l" defTabSz="914377" rtl="0" eaLnBrk="1" fontAlgn="auto" latinLnBrk="0" hangingPunct="1">
+              <a:lnSpc>
+                <a:spcPct val="90000"/>
+              </a:lnSpc>
+              <a:spcBef>
+                <a:spcPct val="0"/>
+              </a:spcBef>
+              <a:spcAft>
+                <a:spcPts val="0"/>
+              </a:spcAft>
+              <a:buClrTx/>
+              <a:buSzTx/>
+              <a:buFontTx/>
+              <a:buNone/>
+              <a:tabLst/>
+              <a:defRPr/>
+            </a:pPr>
+            <a:r>
+              <a:rPr kumimoji="0" lang="en-US" sz="1600" b="0" i="0" u="none" strike="noStrike" kern="1200" cap="none" spc="0" normalizeH="0" baseline="0" noProof="0" dirty="0">
+                <a:ln>
+                  <a:noFill/>
+                </a:ln>
+                <a:solidFill>
+                  <a:srgbClr val="FFFFFF"/>
+                </a:solidFill>
+                <a:effectLst/>
+                <a:uLnTx/>
+                <a:uFillTx/>
+                <a:latin typeface="+mn-lt"/>
+                <a:ea typeface="+mj-ea"/>
+                <a:cs typeface="+mj-cs"/>
+              </a:rPr>
+              <a:t>Weight category of the patient</a:t>
+            </a:r>
+          </a:p>
+        </p:txBody>
+      </p:sp>
+    </p:spTree>
+    <p:extLst>
+      <p:ext uri="{BB962C8B-B14F-4D97-AF65-F5344CB8AC3E}">
+        <p14:creationId xmlns:p14="http://schemas.microsoft.com/office/powerpoint/2010/main" val="3446545261"/>
+      </p:ext>
+    </p:extLst>
+  </p:cSld>
+  <p:clrMapOvr>
+    <a:masterClrMapping/>
+  </p:clrMapOvr>
+  <mc:AlternateContent xmlns:mc="http://schemas.openxmlformats.org/markup-compatibility/2006">
+    <mc:Choice xmlns:p159="http://schemas.microsoft.com/office/powerpoint/2015/09/main" Requires="p159">
+      <p:transition xmlns:p14="http://schemas.microsoft.com/office/powerpoint/2010/main" spd="slow" p14:dur="2000">
+        <p159:morph option="byObject"/>
+      </p:transition>
+    </mc:Choice>
+    <mc:Fallback>
+      <p:transition spd="slow">
+        <p:fade/>
+      </p:transition>
+    </mc:Fallback>
+  </mc:AlternateContent>
+</p:sld>
+</file>
+
+<file path=ppt/slides/slide8.xml><?xml version="1.0" encoding="utf-8"?>
 <p:sld xmlns:a="http://schemas.openxmlformats.org/drawingml/2006/main" xmlns:r="http://schemas.openxmlformats.org/officeDocument/2006/relationships" xmlns:p="http://schemas.openxmlformats.org/presentationml/2006/main">
   <p:cSld>
     <p:bg>
@@ -17525,45 +18095,66 @@
           </a:prstGeom>
         </p:spPr>
       </p:pic>
-      <p:sp>
-        <p:nvSpPr>
-          <p:cNvPr id="2" name="TextBox 1">
-            <a:extLst>
-              <a:ext uri="{FF2B5EF4-FFF2-40B4-BE49-F238E27FC236}">
-                <a16:creationId xmlns:a16="http://schemas.microsoft.com/office/drawing/2014/main" id="{7C0E1E97-B285-60E0-1871-7C50744A84DE}"/>
-              </a:ext>
-            </a:extLst>
-          </p:cNvPr>
-          <p:cNvSpPr txBox="1"/>
+      <p:pic>
+        <p:nvPicPr>
+          <p:cNvPr id="4" name="Picture 3">
+            <a:extLst>
+              <a:ext uri="{FF2B5EF4-FFF2-40B4-BE49-F238E27FC236}">
+                <a16:creationId xmlns:a16="http://schemas.microsoft.com/office/drawing/2014/main" id="{BCA43B1F-D345-69C3-7A30-06C67B486348}"/>
+              </a:ext>
+            </a:extLst>
+          </p:cNvPr>
+          <p:cNvPicPr>
+            <a:picLocks noChangeAspect="1"/>
+          </p:cNvPicPr>
           <p:nvPr/>
-        </p:nvSpPr>
+        </p:nvPicPr>
+        <p:blipFill>
+          <a:blip r:embed="rId13"/>
+          <a:stretch>
+            <a:fillRect/>
+          </a:stretch>
+        </p:blipFill>
         <p:spPr>
           <a:xfrm>
-            <a:off x="1247775" y="5954698"/>
-            <a:ext cx="9696450" cy="369332"/>
+            <a:off x="350625" y="2576583"/>
+            <a:ext cx="5306111" cy="4094835"/>
           </a:xfrm>
           <a:prstGeom prst="rect">
             <a:avLst/>
           </a:prstGeom>
-          <a:noFill/>
         </p:spPr>
-        <p:txBody>
-          <a:bodyPr wrap="square">
-            <a:spAutoFit/>
-          </a:bodyPr>
-          <a:lstStyle/>
-          <a:p>
-            <a:r>
-              <a:rPr lang="en-US" b="1" dirty="0">
-                <a:solidFill>
-                  <a:schemeClr val="bg1"/>
-                </a:solidFill>
-              </a:rPr>
-              <a:t>Takeaways -</a:t>
-            </a:r>
-          </a:p>
-        </p:txBody>
-      </p:sp>
+      </p:pic>
+      <p:pic>
+        <p:nvPicPr>
+          <p:cNvPr id="6" name="Picture 5">
+            <a:extLst>
+              <a:ext uri="{FF2B5EF4-FFF2-40B4-BE49-F238E27FC236}">
+                <a16:creationId xmlns:a16="http://schemas.microsoft.com/office/drawing/2014/main" id="{D1C568EC-FC91-0511-52A8-89261CEB7D03}"/>
+              </a:ext>
+            </a:extLst>
+          </p:cNvPr>
+          <p:cNvPicPr>
+            <a:picLocks noChangeAspect="1"/>
+          </p:cNvPicPr>
+          <p:nvPr/>
+        </p:nvPicPr>
+        <p:blipFill>
+          <a:blip r:embed="rId14"/>
+          <a:stretch>
+            <a:fillRect/>
+          </a:stretch>
+        </p:blipFill>
+        <p:spPr>
+          <a:xfrm>
+            <a:off x="6180949" y="2576583"/>
+            <a:ext cx="5238852" cy="4105882"/>
+          </a:xfrm>
+          <a:prstGeom prst="rect">
+            <a:avLst/>
+          </a:prstGeom>
+        </p:spPr>
+      </p:pic>
     </p:spTree>
     <p:extLst>
       <p:ext uri="{BB962C8B-B14F-4D97-AF65-F5344CB8AC3E}">
@@ -17589,7 +18180,7 @@
 </p:sld>
 </file>
 
-<file path=ppt/slides/slide8.xml><?xml version="1.0" encoding="utf-8"?>
+<file path=ppt/slides/slide9.xml><?xml version="1.0" encoding="utf-8"?>
 <p:sld xmlns:a="http://schemas.openxmlformats.org/drawingml/2006/main" xmlns:r="http://schemas.openxmlformats.org/officeDocument/2006/relationships" xmlns:p="http://schemas.openxmlformats.org/presentationml/2006/main">
   <p:cSld>
     <p:bg>
@@ -19774,8 +20365,8 @@
         </p:nvSpPr>
         <p:spPr>
           <a:xfrm>
-            <a:off x="1031240" y="3359652"/>
-            <a:ext cx="874342" cy="307777"/>
+            <a:off x="536842" y="3359652"/>
+            <a:ext cx="1863139" cy="307777"/>
           </a:xfrm>
           <a:prstGeom prst="rect">
             <a:avLst/>
@@ -19799,7 +20390,7 @@
                 </a:solidFill>
                 <a:latin typeface="+mj-lt"/>
               </a:rPr>
-              <a:t>Insight 1</a:t>
+              <a:t>Usage of FDA APIs</a:t>
             </a:r>
           </a:p>
         </p:txBody>
@@ -19818,8 +20409,8 @@
         </p:nvSpPr>
         <p:spPr>
           <a:xfrm>
-            <a:off x="2711926" y="4114796"/>
-            <a:ext cx="874342" cy="307777"/>
+            <a:off x="1905582" y="4112851"/>
+            <a:ext cx="1929182" cy="307777"/>
           </a:xfrm>
           <a:prstGeom prst="rect">
             <a:avLst/>
@@ -19843,7 +20434,7 @@
                 </a:solidFill>
                 <a:latin typeface="+mj-lt"/>
               </a:rPr>
-              <a:t>Insight 2</a:t>
+              <a:t>Spatial distribution</a:t>
             </a:r>
           </a:p>
         </p:txBody>
@@ -19862,8 +20453,8 @@
         </p:nvSpPr>
         <p:spPr>
           <a:xfrm>
-            <a:off x="3480326" y="2736908"/>
-            <a:ext cx="874342" cy="307777"/>
+            <a:off x="3119139" y="2736908"/>
+            <a:ext cx="1596719" cy="307777"/>
           </a:xfrm>
           <a:prstGeom prst="rect">
             <a:avLst/>
@@ -19887,7 +20478,7 @@
                 </a:solidFill>
                 <a:latin typeface="+mj-lt"/>
               </a:rPr>
-              <a:t>Insight 3</a:t>
+              <a:t>JSON normalize</a:t>
             </a:r>
           </a:p>
         </p:txBody>
@@ -19906,8 +20497,8 @@
         </p:nvSpPr>
         <p:spPr>
           <a:xfrm>
-            <a:off x="4843341" y="4372103"/>
-            <a:ext cx="874342" cy="307777"/>
+            <a:off x="4024437" y="4372103"/>
+            <a:ext cx="2512163" cy="307777"/>
           </a:xfrm>
           <a:prstGeom prst="rect">
             <a:avLst/>
@@ -19931,139 +20522,7 @@
                 </a:solidFill>
                 <a:latin typeface="+mj-lt"/>
               </a:rPr>
-              <a:t>Insight 4</a:t>
-            </a:r>
-          </a:p>
-        </p:txBody>
-      </p:sp>
-      <p:sp>
-        <p:nvSpPr>
-          <p:cNvPr id="26" name="TextBox 25">
-            <a:extLst>
-              <a:ext uri="{FF2B5EF4-FFF2-40B4-BE49-F238E27FC236}">
-                <a16:creationId xmlns:a16="http://schemas.microsoft.com/office/drawing/2014/main" id="{F69D508C-DDDA-3D65-D29A-4A65330A17A9}"/>
-              </a:ext>
-            </a:extLst>
-          </p:cNvPr>
-          <p:cNvSpPr txBox="1"/>
-          <p:nvPr/>
-        </p:nvSpPr>
-        <p:spPr>
-          <a:xfrm>
-            <a:off x="6703067" y="2864255"/>
-            <a:ext cx="874342" cy="307777"/>
-          </a:xfrm>
-          <a:prstGeom prst="rect">
-            <a:avLst/>
-          </a:prstGeom>
-          <a:noFill/>
-          <a:ln>
-            <a:noFill/>
-          </a:ln>
-        </p:spPr>
-        <p:txBody>
-          <a:bodyPr wrap="none" lIns="0" tIns="0" rIns="0" bIns="0" rtlCol="0">
-            <a:spAutoFit/>
-          </a:bodyPr>
-          <a:lstStyle/>
-          <a:p>
-            <a:pPr algn="ctr"/>
-            <a:r>
-              <a:rPr lang="en-US" sz="2000" dirty="0">
-                <a:solidFill>
-                  <a:schemeClr val="bg1"/>
-                </a:solidFill>
-                <a:latin typeface="+mj-lt"/>
-              </a:rPr>
-              <a:t>Insight 5</a:t>
-            </a:r>
-          </a:p>
-        </p:txBody>
-      </p:sp>
-      <p:sp>
-        <p:nvSpPr>
-          <p:cNvPr id="27" name="TextBox 26">
-            <a:extLst>
-              <a:ext uri="{FF2B5EF4-FFF2-40B4-BE49-F238E27FC236}">
-                <a16:creationId xmlns:a16="http://schemas.microsoft.com/office/drawing/2014/main" id="{D9651983-840E-466E-C561-B2B5BF2973F7}"/>
-              </a:ext>
-            </a:extLst>
-          </p:cNvPr>
-          <p:cNvSpPr txBox="1"/>
-          <p:nvPr/>
-        </p:nvSpPr>
-        <p:spPr>
-          <a:xfrm>
-            <a:off x="8906368" y="3619135"/>
-            <a:ext cx="874342" cy="307777"/>
-          </a:xfrm>
-          <a:prstGeom prst="rect">
-            <a:avLst/>
-          </a:prstGeom>
-          <a:noFill/>
-          <a:ln>
-            <a:noFill/>
-          </a:ln>
-        </p:spPr>
-        <p:txBody>
-          <a:bodyPr wrap="none" lIns="0" tIns="0" rIns="0" bIns="0" rtlCol="0">
-            <a:spAutoFit/>
-          </a:bodyPr>
-          <a:lstStyle/>
-          <a:p>
-            <a:pPr algn="ctr"/>
-            <a:r>
-              <a:rPr lang="en-US" sz="2000" dirty="0">
-                <a:solidFill>
-                  <a:schemeClr val="bg1"/>
-                </a:solidFill>
-                <a:latin typeface="+mj-lt"/>
-              </a:rPr>
-              <a:t>Insight 6</a:t>
-            </a:r>
-          </a:p>
-        </p:txBody>
-      </p:sp>
-      <p:sp>
-        <p:nvSpPr>
-          <p:cNvPr id="28" name="TextBox 27">
-            <a:extLst>
-              <a:ext uri="{FF2B5EF4-FFF2-40B4-BE49-F238E27FC236}">
-                <a16:creationId xmlns:a16="http://schemas.microsoft.com/office/drawing/2014/main" id="{EA5DA23E-9EC7-9F58-A308-EA047ACBD7CB}"/>
-              </a:ext>
-            </a:extLst>
-          </p:cNvPr>
-          <p:cNvSpPr txBox="1"/>
-          <p:nvPr/>
-        </p:nvSpPr>
-        <p:spPr>
-          <a:xfrm>
-            <a:off x="10592642" y="3140145"/>
-            <a:ext cx="874342" cy="307777"/>
-          </a:xfrm>
-          <a:prstGeom prst="rect">
-            <a:avLst/>
-          </a:prstGeom>
-          <a:noFill/>
-          <a:ln>
-            <a:noFill/>
-          </a:ln>
-        </p:spPr>
-        <p:txBody>
-          <a:bodyPr wrap="none" lIns="0" tIns="0" rIns="0" bIns="0" rtlCol="0">
-            <a:spAutoFit/>
-          </a:bodyPr>
-          <a:lstStyle/>
-          <a:p>
-            <a:pPr algn="ctr"/>
-            <a:r>
-              <a:rPr lang="en-US" sz="2000" dirty="0">
-                <a:solidFill>
-                  <a:schemeClr val="bg1"/>
-                </a:solidFill>
-                <a:latin typeface="+mj-lt"/>
-              </a:rPr>
-              <a:t>Insight 7</a:t>
+              <a:t>Grid search optimization</a:t>
             </a:r>
           </a:p>
         </p:txBody>
@@ -20250,111 +20709,6 @@
                                   </p:childTnLst>
                                 </p:cTn>
                               </p:par>
-                              <p:par>
-                                <p:cTn id="17" presetID="10" presetClass="entr" presetSubtype="0" fill="hold" grpId="0" nodeType="withEffect">
-                                  <p:stCondLst>
-                                    <p:cond delay="0"/>
-                                  </p:stCondLst>
-                                  <p:childTnLst>
-                                    <p:set>
-                                      <p:cBhvr>
-                                        <p:cTn id="18" dur="1" fill="hold">
-                                          <p:stCondLst>
-                                            <p:cond delay="0"/>
-                                          </p:stCondLst>
-                                        </p:cTn>
-                                        <p:tgtEl>
-                                          <p:spTgt spid="26"/>
-                                        </p:tgtEl>
-                                        <p:attrNameLst>
-                                          <p:attrName>style.visibility</p:attrName>
-                                        </p:attrNameLst>
-                                      </p:cBhvr>
-                                      <p:to>
-                                        <p:strVal val="visible"/>
-                                      </p:to>
-                                    </p:set>
-                                    <p:animEffect transition="in" filter="fade">
-                                      <p:cBhvr>
-                                        <p:cTn id="19" dur="500"/>
-                                        <p:tgtEl>
-                                          <p:spTgt spid="26"/>
-                                        </p:tgtEl>
-                                      </p:cBhvr>
-                                    </p:animEffect>
-                                  </p:childTnLst>
-                                </p:cTn>
-                              </p:par>
-                              <p:par>
-                                <p:cTn id="20" presetID="10" presetClass="entr" presetSubtype="0" fill="hold" grpId="0" nodeType="withEffect">
-                                  <p:stCondLst>
-                                    <p:cond delay="0"/>
-                                  </p:stCondLst>
-                                  <p:childTnLst>
-                                    <p:set>
-                                      <p:cBhvr>
-                                        <p:cTn id="21" dur="1" fill="hold">
-                                          <p:stCondLst>
-                                            <p:cond delay="0"/>
-                                          </p:stCondLst>
-                                        </p:cTn>
-                                        <p:tgtEl>
-                                          <p:spTgt spid="27"/>
-                                        </p:tgtEl>
-                                        <p:attrNameLst>
-                                          <p:attrName>style.visibility</p:attrName>
-                                        </p:attrNameLst>
-                                      </p:cBhvr>
-                                      <p:to>
-                                        <p:strVal val="visible"/>
-                                      </p:to>
-                                    </p:set>
-                                    <p:animEffect transition="in" filter="fade">
-                                      <p:cBhvr>
-                                        <p:cTn id="22" dur="500"/>
-                                        <p:tgtEl>
-                                          <p:spTgt spid="27"/>
-                                        </p:tgtEl>
-                                      </p:cBhvr>
-                                    </p:animEffect>
-                                  </p:childTnLst>
-                                </p:cTn>
-                              </p:par>
-                              <p:par>
-                                <p:cTn id="23" presetID="10" presetClass="entr" presetSubtype="0" fill="hold" grpId="0" nodeType="withEffect">
-                                  <p:stCondLst>
-                                    <p:cond delay="0"/>
-                                  </p:stCondLst>
-                                  <p:childTnLst>
-                                    <p:set>
-                                      <p:cBhvr>
-                                        <p:cTn id="24" dur="1" fill="hold">
-                                          <p:stCondLst>
-                                            <p:cond delay="0"/>
-                                          </p:stCondLst>
-                                        </p:cTn>
-                                        <p:tgtEl>
-                                          <p:spTgt spid="28"/>
-                                        </p:tgtEl>
-                                        <p:attrNameLst>
-                                          <p:attrName>style.visibility</p:attrName>
-                                        </p:attrNameLst>
-                                      </p:cBhvr>
-                                      <p:to>
-                                        <p:strVal val="visible"/>
-                                      </p:to>
-                                    </p:set>
-                                    <p:animEffect transition="in" filter="fade">
-                                      <p:cBhvr>
-                                        <p:cTn id="25" dur="500"/>
-                                        <p:tgtEl>
-                                          <p:spTgt spid="28"/>
-                                        </p:tgtEl>
-                                      </p:cBhvr>
-                                    </p:animEffect>
-                                  </p:childTnLst>
-                                </p:cTn>
-                              </p:par>
                             </p:childTnLst>
                           </p:cTn>
                         </p:par>
@@ -20387,270 +20741,7 @@
       <p:bldP spid="23" grpId="0"/>
       <p:bldP spid="24" grpId="0"/>
       <p:bldP spid="25" grpId="0"/>
-      <p:bldP spid="26" grpId="0"/>
-      <p:bldP spid="27" grpId="0"/>
-      <p:bldP spid="28" grpId="0"/>
     </p:bldLst>
-  </p:timing>
-</p:sld>
-</file>
-
-<file path=ppt/slides/slide9.xml><?xml version="1.0" encoding="utf-8"?>
-<p:sld xmlns:a="http://schemas.openxmlformats.org/drawingml/2006/main" xmlns:r="http://schemas.openxmlformats.org/officeDocument/2006/relationships" xmlns:p="http://schemas.openxmlformats.org/presentationml/2006/main">
-  <p:cSld>
-    <p:bg>
-      <p:bgPr>
-        <a:solidFill>
-          <a:schemeClr val="tx1"/>
-        </a:solidFill>
-        <a:effectLst/>
-      </p:bgPr>
-    </p:bg>
-    <p:spTree>
-      <p:nvGrpSpPr>
-        <p:cNvPr id="1" name=""/>
-        <p:cNvGrpSpPr/>
-        <p:nvPr/>
-      </p:nvGrpSpPr>
-      <p:grpSpPr>
-        <a:xfrm>
-          <a:off x="0" y="0"/>
-          <a:ext cx="0" cy="0"/>
-          <a:chOff x="0" y="0"/>
-          <a:chExt cx="0" cy="0"/>
-        </a:xfrm>
-      </p:grpSpPr>
-      <p:sp>
-        <p:nvSpPr>
-          <p:cNvPr id="48" name="Title 1">
-            <a:extLst>
-              <a:ext uri="{FF2B5EF4-FFF2-40B4-BE49-F238E27FC236}">
-                <a16:creationId xmlns:a16="http://schemas.microsoft.com/office/drawing/2014/main" id="{2BA8003D-67BE-0725-C94C-D83125805E0A}"/>
-              </a:ext>
-            </a:extLst>
-          </p:cNvPr>
-          <p:cNvSpPr txBox="1">
-            <a:spLocks/>
-          </p:cNvSpPr>
-          <p:nvPr/>
-        </p:nvSpPr>
-        <p:spPr>
-          <a:xfrm>
-            <a:off x="764123" y="1951614"/>
-            <a:ext cx="10663754" cy="871870"/>
-          </a:xfrm>
-          <a:prstGeom prst="rect">
-            <a:avLst/>
-          </a:prstGeom>
-        </p:spPr>
-        <p:txBody>
-          <a:bodyPr/>
-          <a:lstStyle>
-            <a:lvl1pPr algn="l" defTabSz="914377" rtl="0" eaLnBrk="1" latinLnBrk="0" hangingPunct="1">
-              <a:lnSpc>
-                <a:spcPct val="90000"/>
-              </a:lnSpc>
-              <a:spcBef>
-                <a:spcPct val="0"/>
-              </a:spcBef>
-              <a:buNone/>
-              <a:defRPr sz="4400" kern="1200">
-                <a:solidFill>
-                  <a:schemeClr val="tx1"/>
-                </a:solidFill>
-                <a:latin typeface="+mj-lt"/>
-                <a:ea typeface="+mj-ea"/>
-                <a:cs typeface="+mj-cs"/>
-              </a:defRPr>
-            </a:lvl1pPr>
-          </a:lstStyle>
-          <a:p>
-            <a:pPr marL="0" marR="0" lvl="0" indent="0" algn="ctr" defTabSz="914377" rtl="0" eaLnBrk="1" fontAlgn="auto" latinLnBrk="0" hangingPunct="1">
-              <a:lnSpc>
-                <a:spcPct val="90000"/>
-              </a:lnSpc>
-              <a:spcBef>
-                <a:spcPct val="0"/>
-              </a:spcBef>
-              <a:spcAft>
-                <a:spcPts val="0"/>
-              </a:spcAft>
-              <a:buClrTx/>
-              <a:buSzTx/>
-              <a:buFontTx/>
-              <a:buNone/>
-              <a:tabLst/>
-              <a:defRPr/>
-            </a:pPr>
-            <a:r>
-              <a:rPr kumimoji="0" lang="en-US" sz="6600" b="0" i="0" u="none" strike="noStrike" kern="1200" cap="none" spc="0" normalizeH="0" baseline="0" noProof="0" dirty="0">
-                <a:ln>
-                  <a:noFill/>
-                </a:ln>
-                <a:solidFill>
-                  <a:srgbClr val="FFFFFF"/>
-                </a:solidFill>
-                <a:effectLst/>
-                <a:uLnTx/>
-                <a:uFillTx/>
-                <a:latin typeface="+mn-lt"/>
-                <a:ea typeface="+mj-ea"/>
-                <a:cs typeface="+mj-cs"/>
-              </a:rPr>
-              <a:t>THANK YOU</a:t>
-            </a:r>
-          </a:p>
-        </p:txBody>
-      </p:sp>
-      <p:sp>
-        <p:nvSpPr>
-          <p:cNvPr id="2" name="Title 1">
-            <a:extLst>
-              <a:ext uri="{FF2B5EF4-FFF2-40B4-BE49-F238E27FC236}">
-                <a16:creationId xmlns:a16="http://schemas.microsoft.com/office/drawing/2014/main" id="{EE9D4180-130F-6E09-C5F3-353AC9801F28}"/>
-              </a:ext>
-            </a:extLst>
-          </p:cNvPr>
-          <p:cNvSpPr txBox="1">
-            <a:spLocks/>
-          </p:cNvSpPr>
-          <p:nvPr/>
-        </p:nvSpPr>
-        <p:spPr>
-          <a:xfrm>
-            <a:off x="764123" y="4034517"/>
-            <a:ext cx="10663754" cy="871870"/>
-          </a:xfrm>
-          <a:prstGeom prst="rect">
-            <a:avLst/>
-          </a:prstGeom>
-        </p:spPr>
-        <p:txBody>
-          <a:bodyPr/>
-          <a:lstStyle>
-            <a:lvl1pPr algn="l" defTabSz="914377" rtl="0" eaLnBrk="1" latinLnBrk="0" hangingPunct="1">
-              <a:lnSpc>
-                <a:spcPct val="90000"/>
-              </a:lnSpc>
-              <a:spcBef>
-                <a:spcPct val="0"/>
-              </a:spcBef>
-              <a:buNone/>
-              <a:defRPr sz="4400" kern="1200">
-                <a:solidFill>
-                  <a:schemeClr val="tx1"/>
-                </a:solidFill>
-                <a:latin typeface="+mj-lt"/>
-                <a:ea typeface="+mj-ea"/>
-                <a:cs typeface="+mj-cs"/>
-              </a:defRPr>
-            </a:lvl1pPr>
-          </a:lstStyle>
-          <a:p>
-            <a:pPr marL="0" marR="0" lvl="0" indent="0" algn="ctr" defTabSz="914377" rtl="0" eaLnBrk="1" fontAlgn="auto" latinLnBrk="0" hangingPunct="1">
-              <a:lnSpc>
-                <a:spcPct val="90000"/>
-              </a:lnSpc>
-              <a:spcBef>
-                <a:spcPct val="0"/>
-              </a:spcBef>
-              <a:spcAft>
-                <a:spcPts val="0"/>
-              </a:spcAft>
-              <a:buClrTx/>
-              <a:buSzTx/>
-              <a:buFontTx/>
-              <a:buNone/>
-              <a:tabLst/>
-              <a:defRPr/>
-            </a:pPr>
-            <a:r>
-              <a:rPr kumimoji="0" lang="en-US" b="0" i="0" u="none" strike="noStrike" kern="1200" cap="none" spc="0" normalizeH="0" baseline="0" noProof="0" dirty="0">
-                <a:ln>
-                  <a:noFill/>
-                </a:ln>
-                <a:solidFill>
-                  <a:srgbClr val="FFFFFF"/>
-                </a:solidFill>
-                <a:effectLst/>
-                <a:uLnTx/>
-                <a:uFillTx/>
-                <a:latin typeface="+mn-lt"/>
-                <a:ea typeface="+mj-ea"/>
-                <a:cs typeface="+mj-cs"/>
-              </a:rPr>
-              <a:t>Open for Q&amp;A</a:t>
-            </a:r>
-          </a:p>
-        </p:txBody>
-      </p:sp>
-    </p:spTree>
-    <p:extLst>
-      <p:ext uri="{BB962C8B-B14F-4D97-AF65-F5344CB8AC3E}">
-        <p14:creationId xmlns:p14="http://schemas.microsoft.com/office/powerpoint/2010/main" val="1700539747"/>
-      </p:ext>
-    </p:extLst>
-  </p:cSld>
-  <p:clrMapOvr>
-    <a:masterClrMapping/>
-  </p:clrMapOvr>
-  <mc:AlternateContent xmlns:mc="http://schemas.openxmlformats.org/markup-compatibility/2006" xmlns:p159="http://schemas.microsoft.com/office/powerpoint/2015/09/main">
-    <mc:Choice Requires="p159">
-      <p:transition xmlns:p14="http://schemas.microsoft.com/office/powerpoint/2010/main" spd="slow" p14:dur="2000">
-        <p159:morph option="byObject"/>
-      </p:transition>
-    </mc:Choice>
-    <mc:Fallback xmlns="">
-      <p:transition spd="slow">
-        <p:fade/>
-      </p:transition>
-    </mc:Fallback>
-  </mc:AlternateContent>
-  <p:timing>
-    <p:tnLst>
-      <p:par>
-        <p:cTn id="1" dur="indefinite" restart="never" nodeType="tmRoot">
-          <p:childTnLst>
-            <p:seq concurrent="1" nextAc="seek">
-              <p:cTn id="2" dur="indefinite" nodeType="mainSeq">
-                <p:childTnLst>
-                  <p:par>
-                    <p:cTn id="3" fill="hold">
-                      <p:stCondLst>
-                        <p:cond delay="indefinite"/>
-                      </p:stCondLst>
-                      <p:childTnLst>
-                        <p:par>
-                          <p:cTn id="4" fill="hold">
-                            <p:stCondLst>
-                              <p:cond delay="0"/>
-                            </p:stCondLst>
-                          </p:cTn>
-                        </p:par>
-                      </p:childTnLst>
-                    </p:cTn>
-                  </p:par>
-                </p:childTnLst>
-              </p:cTn>
-              <p:prevCondLst>
-                <p:cond evt="onPrev" delay="0">
-                  <p:tgtEl>
-                    <p:sldTgt/>
-                  </p:tgtEl>
-                </p:cond>
-              </p:prevCondLst>
-              <p:nextCondLst>
-                <p:cond evt="onNext" delay="0">
-                  <p:tgtEl>
-                    <p:sldTgt/>
-                  </p:tgtEl>
-                </p:cond>
-              </p:nextCondLst>
-            </p:seq>
-          </p:childTnLst>
-        </p:cTn>
-      </p:par>
-    </p:tnLst>
   </p:timing>
 </p:sld>
 </file>
